--- a/APPR/UF/presents/Businessplan01.pptx
+++ b/APPR/UF/presents/Businessplan01.pptx
@@ -4,12 +4,19 @@
   <p:sldMasterIdLst>
     <p:sldMasterId id="2147483648" r:id="rId1"/>
   </p:sldMasterIdLst>
+  <p:notesMasterIdLst>
+    <p:notesMasterId r:id="rId8"/>
+  </p:notesMasterIdLst>
+  <p:handoutMasterIdLst>
+    <p:handoutMasterId r:id="rId9"/>
+  </p:handoutMasterIdLst>
   <p:sldIdLst>
     <p:sldId id="257" r:id="rId2"/>
     <p:sldId id="256" r:id="rId3"/>
-    <p:sldId id="259" r:id="rId4"/>
-    <p:sldId id="260" r:id="rId5"/>
-    <p:sldId id="258" r:id="rId6"/>
+    <p:sldId id="261" r:id="rId4"/>
+    <p:sldId id="263" r:id="rId5"/>
+    <p:sldId id="260" r:id="rId6"/>
+    <p:sldId id="258" r:id="rId7"/>
   </p:sldIdLst>
   <p:sldSz cx="12192000" cy="6858000"/>
   <p:notesSz cx="6858000" cy="9144000"/>
@@ -108,7 +115,695 @@
       </a:defRPr>
     </a:lvl9pPr>
   </p:defaultTextStyle>
+  <p:extLst>
+    <p:ext uri="{EFAFB233-063F-42B5-8137-9DF3F51BA10A}">
+      <p15:sldGuideLst xmlns:p15="http://schemas.microsoft.com/office/powerpoint/2012/main"/>
+    </p:ext>
+  </p:extLst>
 </p:presentation>
+</file>
+
+<file path=ppt/handoutMasters/handoutMaster1.xml><?xml version="1.0" encoding="utf-8"?>
+<p:handoutMaster xmlns:a="http://schemas.openxmlformats.org/drawingml/2006/main" xmlns:r="http://schemas.openxmlformats.org/officeDocument/2006/relationships" xmlns:p="http://schemas.openxmlformats.org/presentationml/2006/main">
+  <p:cSld>
+    <p:bg>
+      <p:bgRef idx="1001">
+        <a:schemeClr val="bg1"/>
+      </p:bgRef>
+    </p:bg>
+    <p:spTree>
+      <p:nvGrpSpPr>
+        <p:cNvPr id="1" name=""/>
+        <p:cNvGrpSpPr/>
+        <p:nvPr/>
+      </p:nvGrpSpPr>
+      <p:grpSpPr>
+        <a:xfrm>
+          <a:off x="0" y="0"/>
+          <a:ext cx="0" cy="0"/>
+          <a:chOff x="0" y="0"/>
+          <a:chExt cx="0" cy="0"/>
+        </a:xfrm>
+      </p:grpSpPr>
+      <p:sp>
+        <p:nvSpPr>
+          <p:cNvPr id="2" name="Header Placeholder 1"/>
+          <p:cNvSpPr>
+            <a:spLocks noGrp="1"/>
+          </p:cNvSpPr>
+          <p:nvPr>
+            <p:ph type="hdr" sz="quarter"/>
+          </p:nvPr>
+        </p:nvSpPr>
+        <p:spPr>
+          <a:xfrm>
+            <a:off x="0" y="0"/>
+            <a:ext cx="2971800" cy="458788"/>
+          </a:xfrm>
+          <a:prstGeom prst="rect">
+            <a:avLst/>
+          </a:prstGeom>
+        </p:spPr>
+        <p:txBody>
+          <a:bodyPr vert="horz" lIns="91440" tIns="45720" rIns="91440" bIns="45720" rtlCol="0"/>
+          <a:lstStyle>
+            <a:lvl1pPr algn="l">
+              <a:defRPr sz="1200"/>
+            </a:lvl1pPr>
+          </a:lstStyle>
+          <a:p>
+            <a:endParaRPr lang="de-DE"/>
+          </a:p>
+        </p:txBody>
+      </p:sp>
+      <p:sp>
+        <p:nvSpPr>
+          <p:cNvPr id="3" name="Date Placeholder 2"/>
+          <p:cNvSpPr>
+            <a:spLocks noGrp="1"/>
+          </p:cNvSpPr>
+          <p:nvPr>
+            <p:ph type="dt" sz="quarter" idx="1"/>
+          </p:nvPr>
+        </p:nvSpPr>
+        <p:spPr>
+          <a:xfrm>
+            <a:off x="3884613" y="0"/>
+            <a:ext cx="2971800" cy="458788"/>
+          </a:xfrm>
+          <a:prstGeom prst="rect">
+            <a:avLst/>
+          </a:prstGeom>
+        </p:spPr>
+        <p:txBody>
+          <a:bodyPr vert="horz" lIns="91440" tIns="45720" rIns="91440" bIns="45720" rtlCol="0"/>
+          <a:lstStyle>
+            <a:lvl1pPr algn="r">
+              <a:defRPr sz="1200"/>
+            </a:lvl1pPr>
+          </a:lstStyle>
+          <a:p>
+            <a:fld id="{F592CE10-9186-4FF8-B9A5-BBFCF3A23524}" type="datetimeFigureOut">
+              <a:rPr lang="de-DE" smtClean="0"/>
+              <a:t>07.02.2016</a:t>
+            </a:fld>
+            <a:endParaRPr lang="de-DE"/>
+          </a:p>
+        </p:txBody>
+      </p:sp>
+      <p:sp>
+        <p:nvSpPr>
+          <p:cNvPr id="4" name="Footer Placeholder 3"/>
+          <p:cNvSpPr>
+            <a:spLocks noGrp="1"/>
+          </p:cNvSpPr>
+          <p:nvPr>
+            <p:ph type="ftr" sz="quarter" idx="2"/>
+          </p:nvPr>
+        </p:nvSpPr>
+        <p:spPr>
+          <a:xfrm>
+            <a:off x="0" y="8685213"/>
+            <a:ext cx="2971800" cy="458787"/>
+          </a:xfrm>
+          <a:prstGeom prst="rect">
+            <a:avLst/>
+          </a:prstGeom>
+        </p:spPr>
+        <p:txBody>
+          <a:bodyPr vert="horz" lIns="91440" tIns="45720" rIns="91440" bIns="45720" rtlCol="0" anchor="b"/>
+          <a:lstStyle>
+            <a:lvl1pPr algn="l">
+              <a:defRPr sz="1200"/>
+            </a:lvl1pPr>
+          </a:lstStyle>
+          <a:p>
+            <a:endParaRPr lang="de-DE"/>
+          </a:p>
+        </p:txBody>
+      </p:sp>
+      <p:sp>
+        <p:nvSpPr>
+          <p:cNvPr id="5" name="Slide Number Placeholder 4"/>
+          <p:cNvSpPr>
+            <a:spLocks noGrp="1"/>
+          </p:cNvSpPr>
+          <p:nvPr>
+            <p:ph type="sldNum" sz="quarter" idx="3"/>
+          </p:nvPr>
+        </p:nvSpPr>
+        <p:spPr>
+          <a:xfrm>
+            <a:off x="3884613" y="8685213"/>
+            <a:ext cx="2971800" cy="458787"/>
+          </a:xfrm>
+          <a:prstGeom prst="rect">
+            <a:avLst/>
+          </a:prstGeom>
+        </p:spPr>
+        <p:txBody>
+          <a:bodyPr vert="horz" lIns="91440" tIns="45720" rIns="91440" bIns="45720" rtlCol="0" anchor="b"/>
+          <a:lstStyle>
+            <a:lvl1pPr algn="r">
+              <a:defRPr sz="1200"/>
+            </a:lvl1pPr>
+          </a:lstStyle>
+          <a:p>
+            <a:fld id="{81EDAAE0-8576-4DC3-A8A6-D9877E7B9F41}" type="slidenum">
+              <a:rPr lang="de-DE" smtClean="0"/>
+              <a:t>‹#›</a:t>
+            </a:fld>
+            <a:endParaRPr lang="de-DE"/>
+          </a:p>
+        </p:txBody>
+      </p:sp>
+    </p:spTree>
+    <p:extLst>
+      <p:ext uri="{BB962C8B-B14F-4D97-AF65-F5344CB8AC3E}">
+        <p14:creationId xmlns:p14="http://schemas.microsoft.com/office/powerpoint/2010/main" val="2126184974"/>
+      </p:ext>
+    </p:extLst>
+  </p:cSld>
+  <p:clrMap bg1="lt1" tx1="dk1" bg2="lt2" tx2="dk2" accent1="accent1" accent2="accent2" accent3="accent3" accent4="accent4" accent5="accent5" accent6="accent6" hlink="hlink" folHlink="folHlink"/>
+</p:handoutMaster>
+</file>
+
+<file path=ppt/notesMasters/notesMaster1.xml><?xml version="1.0" encoding="utf-8"?>
+<p:notesMaster xmlns:a="http://schemas.openxmlformats.org/drawingml/2006/main" xmlns:r="http://schemas.openxmlformats.org/officeDocument/2006/relationships" xmlns:p="http://schemas.openxmlformats.org/presentationml/2006/main">
+  <p:cSld>
+    <p:bg>
+      <p:bgRef idx="1001">
+        <a:schemeClr val="bg1"/>
+      </p:bgRef>
+    </p:bg>
+    <p:spTree>
+      <p:nvGrpSpPr>
+        <p:cNvPr id="1" name=""/>
+        <p:cNvGrpSpPr/>
+        <p:nvPr/>
+      </p:nvGrpSpPr>
+      <p:grpSpPr>
+        <a:xfrm>
+          <a:off x="0" y="0"/>
+          <a:ext cx="0" cy="0"/>
+          <a:chOff x="0" y="0"/>
+          <a:chExt cx="0" cy="0"/>
+        </a:xfrm>
+      </p:grpSpPr>
+      <p:sp>
+        <p:nvSpPr>
+          <p:cNvPr id="2" name="Header Placeholder 1"/>
+          <p:cNvSpPr>
+            <a:spLocks noGrp="1"/>
+          </p:cNvSpPr>
+          <p:nvPr>
+            <p:ph type="hdr" sz="quarter"/>
+          </p:nvPr>
+        </p:nvSpPr>
+        <p:spPr>
+          <a:xfrm>
+            <a:off x="0" y="0"/>
+            <a:ext cx="2971800" cy="458788"/>
+          </a:xfrm>
+          <a:prstGeom prst="rect">
+            <a:avLst/>
+          </a:prstGeom>
+        </p:spPr>
+        <p:txBody>
+          <a:bodyPr vert="horz" lIns="91440" tIns="45720" rIns="91440" bIns="45720" rtlCol="0"/>
+          <a:lstStyle>
+            <a:lvl1pPr algn="l">
+              <a:defRPr sz="1200"/>
+            </a:lvl1pPr>
+          </a:lstStyle>
+          <a:p>
+            <a:endParaRPr lang="de-DE"/>
+          </a:p>
+        </p:txBody>
+      </p:sp>
+      <p:sp>
+        <p:nvSpPr>
+          <p:cNvPr id="3" name="Date Placeholder 2"/>
+          <p:cNvSpPr>
+            <a:spLocks noGrp="1"/>
+          </p:cNvSpPr>
+          <p:nvPr>
+            <p:ph type="dt" idx="1"/>
+          </p:nvPr>
+        </p:nvSpPr>
+        <p:spPr>
+          <a:xfrm>
+            <a:off x="3884613" y="0"/>
+            <a:ext cx="2971800" cy="458788"/>
+          </a:xfrm>
+          <a:prstGeom prst="rect">
+            <a:avLst/>
+          </a:prstGeom>
+        </p:spPr>
+        <p:txBody>
+          <a:bodyPr vert="horz" lIns="91440" tIns="45720" rIns="91440" bIns="45720" rtlCol="0"/>
+          <a:lstStyle>
+            <a:lvl1pPr algn="r">
+              <a:defRPr sz="1200"/>
+            </a:lvl1pPr>
+          </a:lstStyle>
+          <a:p>
+            <a:fld id="{FE21749B-2D46-4260-8914-5488F79B6BF6}" type="datetimeFigureOut">
+              <a:rPr lang="de-DE" smtClean="0"/>
+              <a:t>07.02.2016</a:t>
+            </a:fld>
+            <a:endParaRPr lang="de-DE"/>
+          </a:p>
+        </p:txBody>
+      </p:sp>
+      <p:sp>
+        <p:nvSpPr>
+          <p:cNvPr id="4" name="Slide Image Placeholder 3"/>
+          <p:cNvSpPr>
+            <a:spLocks noGrp="1" noRot="1" noChangeAspect="1"/>
+          </p:cNvSpPr>
+          <p:nvPr>
+            <p:ph type="sldImg" idx="2"/>
+          </p:nvPr>
+        </p:nvSpPr>
+        <p:spPr>
+          <a:xfrm>
+            <a:off x="685800" y="1143000"/>
+            <a:ext cx="5486400" cy="3086100"/>
+          </a:xfrm>
+          <a:prstGeom prst="rect">
+            <a:avLst/>
+          </a:prstGeom>
+          <a:noFill/>
+          <a:ln w="12700">
+            <a:solidFill>
+              <a:prstClr val="black"/>
+            </a:solidFill>
+          </a:ln>
+        </p:spPr>
+        <p:txBody>
+          <a:bodyPr vert="horz" lIns="91440" tIns="45720" rIns="91440" bIns="45720" rtlCol="0" anchor="ctr"/>
+          <a:lstStyle/>
+          <a:p>
+            <a:endParaRPr lang="de-DE"/>
+          </a:p>
+        </p:txBody>
+      </p:sp>
+      <p:sp>
+        <p:nvSpPr>
+          <p:cNvPr id="5" name="Notes Placeholder 4"/>
+          <p:cNvSpPr>
+            <a:spLocks noGrp="1"/>
+          </p:cNvSpPr>
+          <p:nvPr>
+            <p:ph type="body" sz="quarter" idx="3"/>
+          </p:nvPr>
+        </p:nvSpPr>
+        <p:spPr>
+          <a:xfrm>
+            <a:off x="685800" y="4400550"/>
+            <a:ext cx="5486400" cy="3600450"/>
+          </a:xfrm>
+          <a:prstGeom prst="rect">
+            <a:avLst/>
+          </a:prstGeom>
+        </p:spPr>
+        <p:txBody>
+          <a:bodyPr vert="horz" lIns="91440" tIns="45720" rIns="91440" bIns="45720" rtlCol="0"/>
+          <a:lstStyle/>
+          <a:p>
+            <a:pPr lvl="0"/>
+            <a:r>
+              <a:rPr lang="en-US" smtClean="0"/>
+              <a:t>Click to edit Master text styles</a:t>
+            </a:r>
+          </a:p>
+          <a:p>
+            <a:pPr lvl="1"/>
+            <a:r>
+              <a:rPr lang="en-US" smtClean="0"/>
+              <a:t>Second level</a:t>
+            </a:r>
+          </a:p>
+          <a:p>
+            <a:pPr lvl="2"/>
+            <a:r>
+              <a:rPr lang="en-US" smtClean="0"/>
+              <a:t>Third level</a:t>
+            </a:r>
+          </a:p>
+          <a:p>
+            <a:pPr lvl="3"/>
+            <a:r>
+              <a:rPr lang="en-US" smtClean="0"/>
+              <a:t>Fourth level</a:t>
+            </a:r>
+          </a:p>
+          <a:p>
+            <a:pPr lvl="4"/>
+            <a:r>
+              <a:rPr lang="en-US" smtClean="0"/>
+              <a:t>Fifth level</a:t>
+            </a:r>
+            <a:endParaRPr lang="de-DE"/>
+          </a:p>
+        </p:txBody>
+      </p:sp>
+      <p:sp>
+        <p:nvSpPr>
+          <p:cNvPr id="6" name="Footer Placeholder 5"/>
+          <p:cNvSpPr>
+            <a:spLocks noGrp="1"/>
+          </p:cNvSpPr>
+          <p:nvPr>
+            <p:ph type="ftr" sz="quarter" idx="4"/>
+          </p:nvPr>
+        </p:nvSpPr>
+        <p:spPr>
+          <a:xfrm>
+            <a:off x="0" y="8685213"/>
+            <a:ext cx="2971800" cy="458787"/>
+          </a:xfrm>
+          <a:prstGeom prst="rect">
+            <a:avLst/>
+          </a:prstGeom>
+        </p:spPr>
+        <p:txBody>
+          <a:bodyPr vert="horz" lIns="91440" tIns="45720" rIns="91440" bIns="45720" rtlCol="0" anchor="b"/>
+          <a:lstStyle>
+            <a:lvl1pPr algn="l">
+              <a:defRPr sz="1200"/>
+            </a:lvl1pPr>
+          </a:lstStyle>
+          <a:p>
+            <a:endParaRPr lang="de-DE"/>
+          </a:p>
+        </p:txBody>
+      </p:sp>
+      <p:sp>
+        <p:nvSpPr>
+          <p:cNvPr id="7" name="Slide Number Placeholder 6"/>
+          <p:cNvSpPr>
+            <a:spLocks noGrp="1"/>
+          </p:cNvSpPr>
+          <p:nvPr>
+            <p:ph type="sldNum" sz="quarter" idx="5"/>
+          </p:nvPr>
+        </p:nvSpPr>
+        <p:spPr>
+          <a:xfrm>
+            <a:off x="3884613" y="8685213"/>
+            <a:ext cx="2971800" cy="458787"/>
+          </a:xfrm>
+          <a:prstGeom prst="rect">
+            <a:avLst/>
+          </a:prstGeom>
+        </p:spPr>
+        <p:txBody>
+          <a:bodyPr vert="horz" lIns="91440" tIns="45720" rIns="91440" bIns="45720" rtlCol="0" anchor="b"/>
+          <a:lstStyle>
+            <a:lvl1pPr algn="r">
+              <a:defRPr sz="1200"/>
+            </a:lvl1pPr>
+          </a:lstStyle>
+          <a:p>
+            <a:fld id="{C4041CB4-E8FE-41C4-8B68-D8D3B2974096}" type="slidenum">
+              <a:rPr lang="de-DE" smtClean="0"/>
+              <a:t>‹#›</a:t>
+            </a:fld>
+            <a:endParaRPr lang="de-DE"/>
+          </a:p>
+        </p:txBody>
+      </p:sp>
+    </p:spTree>
+    <p:extLst>
+      <p:ext uri="{BB962C8B-B14F-4D97-AF65-F5344CB8AC3E}">
+        <p14:creationId xmlns:p14="http://schemas.microsoft.com/office/powerpoint/2010/main" val="3658414046"/>
+      </p:ext>
+    </p:extLst>
+  </p:cSld>
+  <p:clrMap bg1="lt1" tx1="dk1" bg2="lt2" tx2="dk2" accent1="accent1" accent2="accent2" accent3="accent3" accent4="accent4" accent5="accent5" accent6="accent6" hlink="hlink" folHlink="folHlink"/>
+  <p:notesStyle>
+    <a:lvl1pPr marL="0" algn="l" defTabSz="914400" rtl="0" eaLnBrk="1" latinLnBrk="0" hangingPunct="1">
+      <a:defRPr sz="1200" kern="1200">
+        <a:solidFill>
+          <a:schemeClr val="tx1"/>
+        </a:solidFill>
+        <a:latin typeface="+mn-lt"/>
+        <a:ea typeface="+mn-ea"/>
+        <a:cs typeface="+mn-cs"/>
+      </a:defRPr>
+    </a:lvl1pPr>
+    <a:lvl2pPr marL="457200" algn="l" defTabSz="914400" rtl="0" eaLnBrk="1" latinLnBrk="0" hangingPunct="1">
+      <a:defRPr sz="1200" kern="1200">
+        <a:solidFill>
+          <a:schemeClr val="tx1"/>
+        </a:solidFill>
+        <a:latin typeface="+mn-lt"/>
+        <a:ea typeface="+mn-ea"/>
+        <a:cs typeface="+mn-cs"/>
+      </a:defRPr>
+    </a:lvl2pPr>
+    <a:lvl3pPr marL="914400" algn="l" defTabSz="914400" rtl="0" eaLnBrk="1" latinLnBrk="0" hangingPunct="1">
+      <a:defRPr sz="1200" kern="1200">
+        <a:solidFill>
+          <a:schemeClr val="tx1"/>
+        </a:solidFill>
+        <a:latin typeface="+mn-lt"/>
+        <a:ea typeface="+mn-ea"/>
+        <a:cs typeface="+mn-cs"/>
+      </a:defRPr>
+    </a:lvl3pPr>
+    <a:lvl4pPr marL="1371600" algn="l" defTabSz="914400" rtl="0" eaLnBrk="1" latinLnBrk="0" hangingPunct="1">
+      <a:defRPr sz="1200" kern="1200">
+        <a:solidFill>
+          <a:schemeClr val="tx1"/>
+        </a:solidFill>
+        <a:latin typeface="+mn-lt"/>
+        <a:ea typeface="+mn-ea"/>
+        <a:cs typeface="+mn-cs"/>
+      </a:defRPr>
+    </a:lvl4pPr>
+    <a:lvl5pPr marL="1828800" algn="l" defTabSz="914400" rtl="0" eaLnBrk="1" latinLnBrk="0" hangingPunct="1">
+      <a:defRPr sz="1200" kern="1200">
+        <a:solidFill>
+          <a:schemeClr val="tx1"/>
+        </a:solidFill>
+        <a:latin typeface="+mn-lt"/>
+        <a:ea typeface="+mn-ea"/>
+        <a:cs typeface="+mn-cs"/>
+      </a:defRPr>
+    </a:lvl5pPr>
+    <a:lvl6pPr marL="2286000" algn="l" defTabSz="914400" rtl="0" eaLnBrk="1" latinLnBrk="0" hangingPunct="1">
+      <a:defRPr sz="1200" kern="1200">
+        <a:solidFill>
+          <a:schemeClr val="tx1"/>
+        </a:solidFill>
+        <a:latin typeface="+mn-lt"/>
+        <a:ea typeface="+mn-ea"/>
+        <a:cs typeface="+mn-cs"/>
+      </a:defRPr>
+    </a:lvl6pPr>
+    <a:lvl7pPr marL="2743200" algn="l" defTabSz="914400" rtl="0" eaLnBrk="1" latinLnBrk="0" hangingPunct="1">
+      <a:defRPr sz="1200" kern="1200">
+        <a:solidFill>
+          <a:schemeClr val="tx1"/>
+        </a:solidFill>
+        <a:latin typeface="+mn-lt"/>
+        <a:ea typeface="+mn-ea"/>
+        <a:cs typeface="+mn-cs"/>
+      </a:defRPr>
+    </a:lvl7pPr>
+    <a:lvl8pPr marL="3200400" algn="l" defTabSz="914400" rtl="0" eaLnBrk="1" latinLnBrk="0" hangingPunct="1">
+      <a:defRPr sz="1200" kern="1200">
+        <a:solidFill>
+          <a:schemeClr val="tx1"/>
+        </a:solidFill>
+        <a:latin typeface="+mn-lt"/>
+        <a:ea typeface="+mn-ea"/>
+        <a:cs typeface="+mn-cs"/>
+      </a:defRPr>
+    </a:lvl8pPr>
+    <a:lvl9pPr marL="3657600" algn="l" defTabSz="914400" rtl="0" eaLnBrk="1" latinLnBrk="0" hangingPunct="1">
+      <a:defRPr sz="1200" kern="1200">
+        <a:solidFill>
+          <a:schemeClr val="tx1"/>
+        </a:solidFill>
+        <a:latin typeface="+mn-lt"/>
+        <a:ea typeface="+mn-ea"/>
+        <a:cs typeface="+mn-cs"/>
+      </a:defRPr>
+    </a:lvl9pPr>
+  </p:notesStyle>
+</p:notesMaster>
+</file>
+
+<file path=ppt/notesSlides/notesSlide1.xml><?xml version="1.0" encoding="utf-8"?>
+<p:notes xmlns:a="http://schemas.openxmlformats.org/drawingml/2006/main" xmlns:r="http://schemas.openxmlformats.org/officeDocument/2006/relationships" xmlns:p="http://schemas.openxmlformats.org/presentationml/2006/main">
+  <p:cSld>
+    <p:spTree>
+      <p:nvGrpSpPr>
+        <p:cNvPr id="1" name=""/>
+        <p:cNvGrpSpPr/>
+        <p:nvPr/>
+      </p:nvGrpSpPr>
+      <p:grpSpPr>
+        <a:xfrm>
+          <a:off x="0" y="0"/>
+          <a:ext cx="0" cy="0"/>
+          <a:chOff x="0" y="0"/>
+          <a:chExt cx="0" cy="0"/>
+        </a:xfrm>
+      </p:grpSpPr>
+      <p:sp>
+        <p:nvSpPr>
+          <p:cNvPr id="2" name="Slide Image Placeholder 1"/>
+          <p:cNvSpPr>
+            <a:spLocks noGrp="1" noRot="1" noChangeAspect="1"/>
+          </p:cNvSpPr>
+          <p:nvPr>
+            <p:ph type="sldImg"/>
+          </p:nvPr>
+        </p:nvSpPr>
+        <p:spPr/>
+      </p:sp>
+      <p:sp>
+        <p:nvSpPr>
+          <p:cNvPr id="3" name="Notes Placeholder 2"/>
+          <p:cNvSpPr>
+            <a:spLocks noGrp="1"/>
+          </p:cNvSpPr>
+          <p:nvPr>
+            <p:ph type="body" idx="1"/>
+          </p:nvPr>
+        </p:nvSpPr>
+        <p:spPr/>
+        <p:txBody>
+          <a:bodyPr/>
+          <a:lstStyle/>
+          <a:p>
+            <a:endParaRPr lang="de-DE"/>
+          </a:p>
+        </p:txBody>
+      </p:sp>
+      <p:sp>
+        <p:nvSpPr>
+          <p:cNvPr id="4" name="Slide Number Placeholder 3"/>
+          <p:cNvSpPr>
+            <a:spLocks noGrp="1"/>
+          </p:cNvSpPr>
+          <p:nvPr>
+            <p:ph type="sldNum" sz="quarter" idx="10"/>
+          </p:nvPr>
+        </p:nvSpPr>
+        <p:spPr/>
+        <p:txBody>
+          <a:bodyPr/>
+          <a:lstStyle/>
+          <a:p>
+            <a:fld id="{C4041CB4-E8FE-41C4-8B68-D8D3B2974096}" type="slidenum">
+              <a:rPr lang="de-DE" smtClean="0"/>
+              <a:t>1</a:t>
+            </a:fld>
+            <a:endParaRPr lang="de-DE"/>
+          </a:p>
+        </p:txBody>
+      </p:sp>
+    </p:spTree>
+    <p:extLst>
+      <p:ext uri="{BB962C8B-B14F-4D97-AF65-F5344CB8AC3E}">
+        <p14:creationId xmlns:p14="http://schemas.microsoft.com/office/powerpoint/2010/main" val="3399657111"/>
+      </p:ext>
+    </p:extLst>
+  </p:cSld>
+  <p:clrMapOvr>
+    <a:masterClrMapping/>
+  </p:clrMapOvr>
+</p:notes>
+</file>
+
+<file path=ppt/notesSlides/notesSlide2.xml><?xml version="1.0" encoding="utf-8"?>
+<p:notes xmlns:a="http://schemas.openxmlformats.org/drawingml/2006/main" xmlns:r="http://schemas.openxmlformats.org/officeDocument/2006/relationships" xmlns:p="http://schemas.openxmlformats.org/presentationml/2006/main">
+  <p:cSld>
+    <p:spTree>
+      <p:nvGrpSpPr>
+        <p:cNvPr id="1" name=""/>
+        <p:cNvGrpSpPr/>
+        <p:nvPr/>
+      </p:nvGrpSpPr>
+      <p:grpSpPr>
+        <a:xfrm>
+          <a:off x="0" y="0"/>
+          <a:ext cx="0" cy="0"/>
+          <a:chOff x="0" y="0"/>
+          <a:chExt cx="0" cy="0"/>
+        </a:xfrm>
+      </p:grpSpPr>
+      <p:sp>
+        <p:nvSpPr>
+          <p:cNvPr id="2" name="Slide Image Placeholder 1"/>
+          <p:cNvSpPr>
+            <a:spLocks noGrp="1" noRot="1" noChangeAspect="1"/>
+          </p:cNvSpPr>
+          <p:nvPr>
+            <p:ph type="sldImg"/>
+          </p:nvPr>
+        </p:nvSpPr>
+        <p:spPr/>
+      </p:sp>
+      <p:sp>
+        <p:nvSpPr>
+          <p:cNvPr id="3" name="Notes Placeholder 2"/>
+          <p:cNvSpPr>
+            <a:spLocks noGrp="1"/>
+          </p:cNvSpPr>
+          <p:nvPr>
+            <p:ph type="body" idx="1"/>
+          </p:nvPr>
+        </p:nvSpPr>
+        <p:spPr/>
+        <p:txBody>
+          <a:bodyPr/>
+          <a:lstStyle/>
+          <a:p>
+            <a:endParaRPr lang="de-DE"/>
+          </a:p>
+        </p:txBody>
+      </p:sp>
+      <p:sp>
+        <p:nvSpPr>
+          <p:cNvPr id="4" name="Slide Number Placeholder 3"/>
+          <p:cNvSpPr>
+            <a:spLocks noGrp="1"/>
+          </p:cNvSpPr>
+          <p:nvPr>
+            <p:ph type="sldNum" sz="quarter" idx="10"/>
+          </p:nvPr>
+        </p:nvSpPr>
+        <p:spPr/>
+        <p:txBody>
+          <a:bodyPr/>
+          <a:lstStyle/>
+          <a:p>
+            <a:fld id="{C4041CB4-E8FE-41C4-8B68-D8D3B2974096}" type="slidenum">
+              <a:rPr lang="de-DE" smtClean="0"/>
+              <a:t>2</a:t>
+            </a:fld>
+            <a:endParaRPr lang="de-DE"/>
+          </a:p>
+        </p:txBody>
+      </p:sp>
+    </p:spTree>
+    <p:extLst>
+      <p:ext uri="{BB962C8B-B14F-4D97-AF65-F5344CB8AC3E}">
+        <p14:creationId xmlns:p14="http://schemas.microsoft.com/office/powerpoint/2010/main" val="4051304266"/>
+      </p:ext>
+    </p:extLst>
+  </p:cSld>
+  <p:clrMapOvr>
+    <a:masterClrMapping/>
+  </p:clrMapOvr>
+</p:notes>
 </file>
 
 <file path=ppt/slideLayouts/slideLayout1.xml><?xml version="1.0" encoding="utf-8"?>
@@ -242,7 +937,7 @@
           <a:p>
             <a:fld id="{5BE6168F-DF2C-4856-9C41-9E90819FD046}" type="datetimeFigureOut">
               <a:rPr lang="de-DE" smtClean="0"/>
-              <a:t>05.02.2016</a:t>
+              <a:t>07.02.2016</a:t>
             </a:fld>
             <a:endParaRPr lang="de-DE"/>
           </a:p>
@@ -284,7 +979,7 @@
           <a:p>
             <a:fld id="{683CC90E-B97E-4485-B065-5622BDD3FD2D}" type="slidenum">
               <a:rPr lang="de-DE" smtClean="0"/>
-              <a:t>‹Nr.›</a:t>
+              <a:t>‹#›</a:t>
             </a:fld>
             <a:endParaRPr lang="de-DE"/>
           </a:p>
@@ -412,7 +1107,7 @@
           <a:p>
             <a:fld id="{5BE6168F-DF2C-4856-9C41-9E90819FD046}" type="datetimeFigureOut">
               <a:rPr lang="de-DE" smtClean="0"/>
-              <a:t>05.02.2016</a:t>
+              <a:t>07.02.2016</a:t>
             </a:fld>
             <a:endParaRPr lang="de-DE"/>
           </a:p>
@@ -454,7 +1149,7 @@
           <a:p>
             <a:fld id="{683CC90E-B97E-4485-B065-5622BDD3FD2D}" type="slidenum">
               <a:rPr lang="de-DE" smtClean="0"/>
-              <a:t>‹Nr.›</a:t>
+              <a:t>‹#›</a:t>
             </a:fld>
             <a:endParaRPr lang="de-DE"/>
           </a:p>
@@ -592,7 +1287,7 @@
           <a:p>
             <a:fld id="{5BE6168F-DF2C-4856-9C41-9E90819FD046}" type="datetimeFigureOut">
               <a:rPr lang="de-DE" smtClean="0"/>
-              <a:t>05.02.2016</a:t>
+              <a:t>07.02.2016</a:t>
             </a:fld>
             <a:endParaRPr lang="de-DE"/>
           </a:p>
@@ -634,7 +1329,7 @@
           <a:p>
             <a:fld id="{683CC90E-B97E-4485-B065-5622BDD3FD2D}" type="slidenum">
               <a:rPr lang="de-DE" smtClean="0"/>
-              <a:t>‹Nr.›</a:t>
+              <a:t>‹#›</a:t>
             </a:fld>
             <a:endParaRPr lang="de-DE"/>
           </a:p>
@@ -762,7 +1457,7 @@
           <a:p>
             <a:fld id="{5BE6168F-DF2C-4856-9C41-9E90819FD046}" type="datetimeFigureOut">
               <a:rPr lang="de-DE" smtClean="0"/>
-              <a:t>05.02.2016</a:t>
+              <a:t>07.02.2016</a:t>
             </a:fld>
             <a:endParaRPr lang="de-DE"/>
           </a:p>
@@ -804,7 +1499,7 @@
           <a:p>
             <a:fld id="{683CC90E-B97E-4485-B065-5622BDD3FD2D}" type="slidenum">
               <a:rPr lang="de-DE" smtClean="0"/>
-              <a:t>‹Nr.›</a:t>
+              <a:t>‹#›</a:t>
             </a:fld>
             <a:endParaRPr lang="de-DE"/>
           </a:p>
@@ -1008,7 +1703,7 @@
           <a:p>
             <a:fld id="{5BE6168F-DF2C-4856-9C41-9E90819FD046}" type="datetimeFigureOut">
               <a:rPr lang="de-DE" smtClean="0"/>
-              <a:t>05.02.2016</a:t>
+              <a:t>07.02.2016</a:t>
             </a:fld>
             <a:endParaRPr lang="de-DE"/>
           </a:p>
@@ -1050,7 +1745,7 @@
           <a:p>
             <a:fld id="{683CC90E-B97E-4485-B065-5622BDD3FD2D}" type="slidenum">
               <a:rPr lang="de-DE" smtClean="0"/>
-              <a:t>‹Nr.›</a:t>
+              <a:t>‹#›</a:t>
             </a:fld>
             <a:endParaRPr lang="de-DE"/>
           </a:p>
@@ -1240,7 +1935,7 @@
           <a:p>
             <a:fld id="{5BE6168F-DF2C-4856-9C41-9E90819FD046}" type="datetimeFigureOut">
               <a:rPr lang="de-DE" smtClean="0"/>
-              <a:t>05.02.2016</a:t>
+              <a:t>07.02.2016</a:t>
             </a:fld>
             <a:endParaRPr lang="de-DE"/>
           </a:p>
@@ -1282,7 +1977,7 @@
           <a:p>
             <a:fld id="{683CC90E-B97E-4485-B065-5622BDD3FD2D}" type="slidenum">
               <a:rPr lang="de-DE" smtClean="0"/>
-              <a:t>‹Nr.›</a:t>
+              <a:t>‹#›</a:t>
             </a:fld>
             <a:endParaRPr lang="de-DE"/>
           </a:p>
@@ -1607,7 +2302,7 @@
           <a:p>
             <a:fld id="{5BE6168F-DF2C-4856-9C41-9E90819FD046}" type="datetimeFigureOut">
               <a:rPr lang="de-DE" smtClean="0"/>
-              <a:t>05.02.2016</a:t>
+              <a:t>07.02.2016</a:t>
             </a:fld>
             <a:endParaRPr lang="de-DE"/>
           </a:p>
@@ -1649,7 +2344,7 @@
           <a:p>
             <a:fld id="{683CC90E-B97E-4485-B065-5622BDD3FD2D}" type="slidenum">
               <a:rPr lang="de-DE" smtClean="0"/>
-              <a:t>‹Nr.›</a:t>
+              <a:t>‹#›</a:t>
             </a:fld>
             <a:endParaRPr lang="de-DE"/>
           </a:p>
@@ -1725,7 +2420,7 @@
           <a:p>
             <a:fld id="{5BE6168F-DF2C-4856-9C41-9E90819FD046}" type="datetimeFigureOut">
               <a:rPr lang="de-DE" smtClean="0"/>
-              <a:t>05.02.2016</a:t>
+              <a:t>07.02.2016</a:t>
             </a:fld>
             <a:endParaRPr lang="de-DE"/>
           </a:p>
@@ -1767,7 +2462,7 @@
           <a:p>
             <a:fld id="{683CC90E-B97E-4485-B065-5622BDD3FD2D}" type="slidenum">
               <a:rPr lang="de-DE" smtClean="0"/>
-              <a:t>‹Nr.›</a:t>
+              <a:t>‹#›</a:t>
             </a:fld>
             <a:endParaRPr lang="de-DE"/>
           </a:p>
@@ -1820,7 +2515,7 @@
           <a:p>
             <a:fld id="{5BE6168F-DF2C-4856-9C41-9E90819FD046}" type="datetimeFigureOut">
               <a:rPr lang="de-DE" smtClean="0"/>
-              <a:t>05.02.2016</a:t>
+              <a:t>07.02.2016</a:t>
             </a:fld>
             <a:endParaRPr lang="de-DE"/>
           </a:p>
@@ -1862,7 +2557,7 @@
           <a:p>
             <a:fld id="{683CC90E-B97E-4485-B065-5622BDD3FD2D}" type="slidenum">
               <a:rPr lang="de-DE" smtClean="0"/>
-              <a:t>‹Nr.›</a:t>
+              <a:t>‹#›</a:t>
             </a:fld>
             <a:endParaRPr lang="de-DE"/>
           </a:p>
@@ -2097,7 +2792,7 @@
           <a:p>
             <a:fld id="{5BE6168F-DF2C-4856-9C41-9E90819FD046}" type="datetimeFigureOut">
               <a:rPr lang="de-DE" smtClean="0"/>
-              <a:t>05.02.2016</a:t>
+              <a:t>07.02.2016</a:t>
             </a:fld>
             <a:endParaRPr lang="de-DE"/>
           </a:p>
@@ -2139,7 +2834,7 @@
           <a:p>
             <a:fld id="{683CC90E-B97E-4485-B065-5622BDD3FD2D}" type="slidenum">
               <a:rPr lang="de-DE" smtClean="0"/>
-              <a:t>‹Nr.›</a:t>
+              <a:t>‹#›</a:t>
             </a:fld>
             <a:endParaRPr lang="de-DE"/>
           </a:p>
@@ -2350,7 +3045,7 @@
           <a:p>
             <a:fld id="{5BE6168F-DF2C-4856-9C41-9E90819FD046}" type="datetimeFigureOut">
               <a:rPr lang="de-DE" smtClean="0"/>
-              <a:t>05.02.2016</a:t>
+              <a:t>07.02.2016</a:t>
             </a:fld>
             <a:endParaRPr lang="de-DE"/>
           </a:p>
@@ -2392,7 +3087,7 @@
           <a:p>
             <a:fld id="{683CC90E-B97E-4485-B065-5622BDD3FD2D}" type="slidenum">
               <a:rPr lang="de-DE" smtClean="0"/>
-              <a:t>‹Nr.›</a:t>
+              <a:t>‹#›</a:t>
             </a:fld>
             <a:endParaRPr lang="de-DE"/>
           </a:p>
@@ -2563,7 +3258,7 @@
           <a:p>
             <a:fld id="{5BE6168F-DF2C-4856-9C41-9E90819FD046}" type="datetimeFigureOut">
               <a:rPr lang="de-DE" smtClean="0"/>
-              <a:t>05.02.2016</a:t>
+              <a:t>07.02.2016</a:t>
             </a:fld>
             <a:endParaRPr lang="de-DE"/>
           </a:p>
@@ -2641,7 +3336,7 @@
           <a:p>
             <a:fld id="{683CC90E-B97E-4485-B065-5622BDD3FD2D}" type="slidenum">
               <a:rPr lang="de-DE" smtClean="0"/>
-              <a:t>‹Nr.›</a:t>
+              <a:t>‹#›</a:t>
             </a:fld>
             <a:endParaRPr lang="de-DE"/>
           </a:p>
@@ -3017,8 +3712,8 @@
                     <a:lumOff val="35000"/>
                   </a:schemeClr>
                 </a:solidFill>
-                <a:latin typeface="Verdana" panose="020B0604030504040204" pitchFamily="34" charset="0"/>
-                <a:ea typeface="Verdana" panose="020B0604030504040204" pitchFamily="34" charset="0"/>
+                <a:latin typeface="Fira Sans" panose="020B0503050000020004" pitchFamily="34" charset="0"/>
+                <a:ea typeface="Fira Sans" panose="020B0503050000020004" pitchFamily="34" charset="0"/>
                 <a:cs typeface="Verdana" panose="020B0604030504040204" pitchFamily="34" charset="0"/>
               </a:rPr>
               <a:t>BUSINESS PLAN</a:t>
@@ -3030,8 +3725,8 @@
                   <a:lumOff val="35000"/>
                 </a:schemeClr>
               </a:solidFill>
-              <a:latin typeface="Verdana" panose="020B0604030504040204" pitchFamily="34" charset="0"/>
-              <a:ea typeface="Verdana" panose="020B0604030504040204" pitchFamily="34" charset="0"/>
+              <a:latin typeface="Fira Sans" panose="020B0503050000020004" pitchFamily="34" charset="0"/>
+              <a:ea typeface="Fira Sans" panose="020B0503050000020004" pitchFamily="34" charset="0"/>
               <a:cs typeface="Verdana" panose="020B0604030504040204" pitchFamily="34" charset="0"/>
             </a:endParaRPr>
           </a:p>
@@ -3068,8 +3763,8 @@
                     <a:lumOff val="50000"/>
                   </a:schemeClr>
                 </a:solidFill>
-                <a:latin typeface="Verdana" panose="020B0604030504040204" pitchFamily="34" charset="0"/>
-                <a:ea typeface="Verdana" panose="020B0604030504040204" pitchFamily="34" charset="0"/>
+                <a:latin typeface="Fira Sans" panose="020B0503050000020004" pitchFamily="34" charset="0"/>
+                <a:ea typeface="Fira Sans" panose="020B0503050000020004" pitchFamily="34" charset="0"/>
                 <a:cs typeface="Verdana" panose="020B0604030504040204" pitchFamily="34" charset="0"/>
               </a:rPr>
               <a:t>CHARLOTTE ZEEB</a:t>
@@ -3081,10 +3776,160 @@
                   <a:lumOff val="50000"/>
                 </a:schemeClr>
               </a:solidFill>
-              <a:latin typeface="Verdana" panose="020B0604030504040204" pitchFamily="34" charset="0"/>
-              <a:ea typeface="Verdana" panose="020B0604030504040204" pitchFamily="34" charset="0"/>
+              <a:latin typeface="Fira Sans" panose="020B0503050000020004" pitchFamily="34" charset="0"/>
+              <a:ea typeface="Fira Sans" panose="020B0503050000020004" pitchFamily="34" charset="0"/>
               <a:cs typeface="Verdana" panose="020B0604030504040204" pitchFamily="34" charset="0"/>
             </a:endParaRPr>
+          </a:p>
+        </p:txBody>
+      </p:sp>
+      <p:sp>
+        <p:nvSpPr>
+          <p:cNvPr id="4" name="Rectangle 3"/>
+          <p:cNvSpPr/>
+          <p:nvPr/>
+        </p:nvSpPr>
+        <p:spPr>
+          <a:xfrm>
+            <a:off x="152400" y="0"/>
+            <a:ext cx="495300" cy="6858000"/>
+          </a:xfrm>
+          <a:prstGeom prst="rect">
+            <a:avLst/>
+          </a:prstGeom>
+          <a:gradFill flip="none" rotWithShape="1">
+            <a:gsLst>
+              <a:gs pos="0">
+                <a:schemeClr val="bg1">
+                  <a:lumMod val="85000"/>
+                </a:schemeClr>
+              </a:gs>
+              <a:gs pos="100000">
+                <a:schemeClr val="bg1">
+                  <a:lumMod val="95000"/>
+                </a:schemeClr>
+              </a:gs>
+            </a:gsLst>
+            <a:path path="circle">
+              <a:fillToRect l="100000" t="100000"/>
+            </a:path>
+            <a:tileRect r="-100000" b="-100000"/>
+          </a:gradFill>
+          <a:ln>
+            <a:noFill/>
+          </a:ln>
+        </p:spPr>
+        <p:style>
+          <a:lnRef idx="2">
+            <a:schemeClr val="accent1">
+              <a:shade val="50000"/>
+            </a:schemeClr>
+          </a:lnRef>
+          <a:fillRef idx="1">
+            <a:schemeClr val="accent1"/>
+          </a:fillRef>
+          <a:effectRef idx="0">
+            <a:schemeClr val="accent1"/>
+          </a:effectRef>
+          <a:fontRef idx="minor">
+            <a:schemeClr val="lt1"/>
+          </a:fontRef>
+        </p:style>
+        <p:txBody>
+          <a:bodyPr rtlCol="0" anchor="ctr"/>
+          <a:lstStyle/>
+          <a:p>
+            <a:pPr algn="ctr"/>
+            <a:endParaRPr lang="de-DE"/>
+          </a:p>
+        </p:txBody>
+      </p:sp>
+      <p:sp>
+        <p:nvSpPr>
+          <p:cNvPr id="6" name="Rectangle 5"/>
+          <p:cNvSpPr/>
+          <p:nvPr/>
+        </p:nvSpPr>
+        <p:spPr>
+          <a:xfrm>
+            <a:off x="733425" y="0"/>
+            <a:ext cx="104775" cy="6858000"/>
+          </a:xfrm>
+          <a:prstGeom prst="rect">
+            <a:avLst/>
+          </a:prstGeom>
+          <a:gradFill flip="none" rotWithShape="1">
+            <a:gsLst>
+              <a:gs pos="0">
+                <a:schemeClr val="bg1">
+                  <a:lumMod val="85000"/>
+                </a:schemeClr>
+              </a:gs>
+              <a:gs pos="100000">
+                <a:schemeClr val="bg1">
+                  <a:lumMod val="95000"/>
+                </a:schemeClr>
+              </a:gs>
+            </a:gsLst>
+            <a:path path="circle">
+              <a:fillToRect l="100000" t="100000"/>
+            </a:path>
+            <a:tileRect r="-100000" b="-100000"/>
+          </a:gradFill>
+          <a:ln>
+            <a:noFill/>
+          </a:ln>
+        </p:spPr>
+        <p:style>
+          <a:lnRef idx="2">
+            <a:schemeClr val="accent1">
+              <a:shade val="50000"/>
+            </a:schemeClr>
+          </a:lnRef>
+          <a:fillRef idx="1">
+            <a:schemeClr val="accent1"/>
+          </a:fillRef>
+          <a:effectRef idx="0">
+            <a:schemeClr val="accent1"/>
+          </a:effectRef>
+          <a:fontRef idx="minor">
+            <a:schemeClr val="lt1"/>
+          </a:fontRef>
+        </p:style>
+        <p:txBody>
+          <a:bodyPr rtlCol="0" anchor="ctr"/>
+          <a:lstStyle/>
+          <a:p>
+            <a:pPr algn="ctr"/>
+            <a:endParaRPr lang="de-DE"/>
+          </a:p>
+        </p:txBody>
+      </p:sp>
+      <p:sp>
+        <p:nvSpPr>
+          <p:cNvPr id="9" name="Slide Number Placeholder 2"/>
+          <p:cNvSpPr>
+            <a:spLocks noGrp="1"/>
+          </p:cNvSpPr>
+          <p:nvPr>
+            <p:ph type="sldNum" sz="quarter" idx="12"/>
+          </p:nvPr>
+        </p:nvSpPr>
+        <p:spPr>
+          <a:xfrm>
+            <a:off x="0" y="6492875"/>
+            <a:ext cx="561975" cy="365125"/>
+          </a:xfrm>
+        </p:spPr>
+        <p:txBody>
+          <a:bodyPr/>
+          <a:lstStyle/>
+          <a:p>
+            <a:fld id="{19866324-7D96-4DD5-8B23-24ABF3F8AD39}" type="slidenum">
+              <a:rPr lang="de-DE" smtClean="0"/>
+              <a:t>1</a:t>
+            </a:fld>
+            <a:endParaRPr lang="de-DE" dirty="0"/>
           </a:p>
         </p:txBody>
       </p:sp>
@@ -3167,18 +4012,32 @@
           <a:p>
             <a:pPr algn="ctr"/>
             <a:r>
-              <a:rPr lang="de-DE" i="1" dirty="0" smtClean="0">
+              <a:rPr lang="en-US" i="1" dirty="0">
                 <a:solidFill>
                   <a:schemeClr val="tx1">
                     <a:lumMod val="65000"/>
                     <a:lumOff val="35000"/>
                   </a:schemeClr>
                 </a:solidFill>
-                <a:latin typeface="Verdana" panose="020B0604030504040204" pitchFamily="34" charset="0"/>
-                <a:ea typeface="Verdana" panose="020B0604030504040204" pitchFamily="34" charset="0"/>
+                <a:latin typeface="Fira Sans" panose="020B0503050000020004" pitchFamily="34" charset="0"/>
+                <a:ea typeface="Fira Sans" panose="020B0503050000020004" pitchFamily="34" charset="0"/>
                 <a:cs typeface="Verdana" panose="020B0604030504040204" pitchFamily="34" charset="0"/>
               </a:rPr>
-              <a:t>WAS IST EIN BUSINESS PLAN?</a:t>
+              <a:t>Ü</a:t>
+            </a:r>
+            <a:r>
+              <a:rPr lang="en-US" i="1" dirty="0" smtClean="0">
+                <a:solidFill>
+                  <a:schemeClr val="tx1">
+                    <a:lumMod val="65000"/>
+                    <a:lumOff val="35000"/>
+                  </a:schemeClr>
+                </a:solidFill>
+                <a:latin typeface="Fira Sans" panose="020B0503050000020004" pitchFamily="34" charset="0"/>
+                <a:ea typeface="Fira Sans" panose="020B0503050000020004" pitchFamily="34" charset="0"/>
+                <a:cs typeface="Verdana" panose="020B0604030504040204" pitchFamily="34" charset="0"/>
+              </a:rPr>
+              <a:t>BERSICHT</a:t>
             </a:r>
             <a:endParaRPr lang="de-DE" i="1" dirty="0">
               <a:solidFill>
@@ -3187,8 +4046,8 @@
                   <a:lumOff val="35000"/>
                 </a:schemeClr>
               </a:solidFill>
-              <a:latin typeface="Verdana" panose="020B0604030504040204" pitchFamily="34" charset="0"/>
-              <a:ea typeface="Verdana" panose="020B0604030504040204" pitchFamily="34" charset="0"/>
+              <a:latin typeface="Fira Sans" panose="020B0503050000020004" pitchFamily="34" charset="0"/>
+              <a:ea typeface="Fira Sans" panose="020B0503050000020004" pitchFamily="34" charset="0"/>
               <a:cs typeface="Verdana" panose="020B0604030504040204" pitchFamily="34" charset="0"/>
             </a:endParaRPr>
           </a:p>
@@ -3217,225 +4076,302 @@
           <a:lstStyle/>
           <a:p>
             <a:r>
-              <a:rPr lang="de-DE" sz="2400" dirty="0" smtClean="0">
+              <a:rPr lang="en-GB" sz="2400" i="1" dirty="0" smtClean="0">
                 <a:solidFill>
                   <a:schemeClr val="bg1">
                     <a:lumMod val="50000"/>
                   </a:schemeClr>
                 </a:solidFill>
-                <a:latin typeface="Verdana" panose="020B0604030504040204" pitchFamily="34" charset="0"/>
-                <a:ea typeface="Verdana" panose="020B0604030504040204" pitchFamily="34" charset="0"/>
+                <a:latin typeface="Fira Sans" panose="020B0503050000020004" pitchFamily="34" charset="0"/>
+                <a:ea typeface="Fira Sans" panose="020B0503050000020004" pitchFamily="34" charset="0"/>
                 <a:cs typeface="Verdana" panose="020B0604030504040204" pitchFamily="34" charset="0"/>
               </a:rPr>
-              <a:t>Zielsetzung</a:t>
+              <a:t>WAS IST EIN BUSINESS PLAN?</a:t>
             </a:r>
           </a:p>
           <a:p>
             <a:pPr lvl="1"/>
             <a:r>
-              <a:rPr lang="de-DE" sz="2000" dirty="0" smtClean="0">
+              <a:rPr lang="en-GB" sz="2000" i="1" dirty="0" smtClean="0">
                 <a:solidFill>
                   <a:schemeClr val="bg1">
                     <a:lumMod val="65000"/>
                   </a:schemeClr>
                 </a:solidFill>
-                <a:latin typeface="Verdana" panose="020B0604030504040204" pitchFamily="34" charset="0"/>
-                <a:ea typeface="Verdana" panose="020B0604030504040204" pitchFamily="34" charset="0"/>
+                <a:latin typeface="Fira Sans" panose="020B0503050000020004" pitchFamily="34" charset="0"/>
+                <a:ea typeface="Fira Sans" panose="020B0503050000020004" pitchFamily="34" charset="0"/>
                 <a:cs typeface="Verdana" panose="020B0604030504040204" pitchFamily="34" charset="0"/>
               </a:rPr>
-              <a:t>Operative Ziele (&lt; 12 Monate)</a:t>
+              <a:t>Zielsetzung</a:t>
             </a:r>
           </a:p>
           <a:p>
             <a:pPr lvl="1"/>
             <a:r>
-              <a:rPr lang="de-DE" sz="2000" smtClean="0">
+              <a:rPr lang="en-GB" sz="2000" i="1" dirty="0" smtClean="0">
                 <a:solidFill>
                   <a:schemeClr val="bg1">
                     <a:lumMod val="65000"/>
                   </a:schemeClr>
                 </a:solidFill>
-                <a:latin typeface="Verdana" panose="020B0604030504040204" pitchFamily="34" charset="0"/>
-                <a:ea typeface="Verdana" panose="020B0604030504040204" pitchFamily="34" charset="0"/>
+                <a:latin typeface="Fira Sans" panose="020B0503050000020004" pitchFamily="34" charset="0"/>
+                <a:ea typeface="Fira Sans" panose="020B0503050000020004" pitchFamily="34" charset="0"/>
                 <a:cs typeface="Verdana" panose="020B0604030504040204" pitchFamily="34" charset="0"/>
               </a:rPr>
-              <a:t>Strategische </a:t>
-            </a:r>
-            <a:r>
-              <a:rPr lang="de-DE" sz="2000" dirty="0" smtClean="0">
+              <a:t>Planung</a:t>
+            </a:r>
+          </a:p>
+          <a:p>
+            <a:pPr lvl="1"/>
+            <a:r>
+              <a:rPr lang="en-GB" sz="2000" i="1" dirty="0" smtClean="0">
                 <a:solidFill>
                   <a:schemeClr val="bg1">
                     <a:lumMod val="65000"/>
                   </a:schemeClr>
                 </a:solidFill>
-                <a:latin typeface="Verdana" panose="020B0604030504040204" pitchFamily="34" charset="0"/>
-                <a:ea typeface="Verdana" panose="020B0604030504040204" pitchFamily="34" charset="0"/>
+                <a:latin typeface="Fira Sans" panose="020B0503050000020004" pitchFamily="34" charset="0"/>
+                <a:ea typeface="Fira Sans" panose="020B0503050000020004" pitchFamily="34" charset="0"/>
                 <a:cs typeface="Verdana" panose="020B0604030504040204" pitchFamily="34" charset="0"/>
               </a:rPr>
-              <a:t>Ziele (&gt; 5 Jahre)</a:t>
+              <a:t>Erfolgsabschätzung</a:t>
             </a:r>
           </a:p>
           <a:p>
             <a:pPr lvl="1"/>
-            <a:endParaRPr lang="de-DE" dirty="0" smtClean="0">
+            <a:endParaRPr lang="en-GB" sz="1600" i="1" dirty="0" smtClean="0">
               <a:solidFill>
                 <a:schemeClr val="bg1">
-                  <a:lumMod val="50000"/>
+                  <a:lumMod val="65000"/>
                 </a:schemeClr>
               </a:solidFill>
-              <a:latin typeface="Verdana" panose="020B0604030504040204" pitchFamily="34" charset="0"/>
-              <a:ea typeface="Verdana" panose="020B0604030504040204" pitchFamily="34" charset="0"/>
+              <a:latin typeface="Fira Sans" panose="020B0503050000020004" pitchFamily="34" charset="0"/>
+              <a:ea typeface="Fira Sans" panose="020B0503050000020004" pitchFamily="34" charset="0"/>
               <a:cs typeface="Verdana" panose="020B0604030504040204" pitchFamily="34" charset="0"/>
             </a:endParaRPr>
           </a:p>
           <a:p>
             <a:r>
-              <a:rPr lang="de-DE" sz="2400" dirty="0" smtClean="0">
+              <a:rPr lang="en-GB" sz="2400" i="1" dirty="0" smtClean="0">
                 <a:solidFill>
                   <a:schemeClr val="bg1">
                     <a:lumMod val="50000"/>
                   </a:schemeClr>
                 </a:solidFill>
-                <a:latin typeface="Verdana" panose="020B0604030504040204" pitchFamily="34" charset="0"/>
-                <a:ea typeface="Verdana" panose="020B0604030504040204" pitchFamily="34" charset="0"/>
+                <a:latin typeface="Fira Sans" panose="020B0503050000020004" pitchFamily="34" charset="0"/>
+                <a:ea typeface="Fira Sans" panose="020B0503050000020004" pitchFamily="34" charset="0"/>
                 <a:cs typeface="Verdana" panose="020B0604030504040204" pitchFamily="34" charset="0"/>
               </a:rPr>
-              <a:t>Planung</a:t>
+              <a:t>WIE?</a:t>
             </a:r>
           </a:p>
           <a:p>
             <a:pPr lvl="1"/>
             <a:r>
-              <a:rPr lang="de-DE" sz="2000" dirty="0" smtClean="0">
+              <a:rPr lang="en-GB" sz="2000" i="1" dirty="0" smtClean="0">
                 <a:solidFill>
                   <a:schemeClr val="bg1">
                     <a:lumMod val="65000"/>
                   </a:schemeClr>
                 </a:solidFill>
-                <a:latin typeface="Verdana" panose="020B0604030504040204" pitchFamily="34" charset="0"/>
-                <a:ea typeface="Verdana" panose="020B0604030504040204" pitchFamily="34" charset="0"/>
+                <a:latin typeface="Fira Sans" panose="020B0503050000020004" pitchFamily="34" charset="0"/>
+                <a:ea typeface="Fira Sans" panose="020B0503050000020004" pitchFamily="34" charset="0"/>
                 <a:cs typeface="Verdana" panose="020B0604030504040204" pitchFamily="34" charset="0"/>
               </a:rPr>
-              <a:t>Operative Planung (&lt; 12 Monate)</a:t>
+              <a:t>Welche Information wird benötigt?</a:t>
             </a:r>
           </a:p>
           <a:p>
             <a:pPr lvl="1"/>
             <a:r>
-              <a:rPr lang="de-DE" sz="2000" dirty="0" smtClean="0">
+              <a:rPr lang="en-GB" sz="2000" i="1" dirty="0" smtClean="0">
                 <a:solidFill>
                   <a:schemeClr val="bg1">
                     <a:lumMod val="65000"/>
                   </a:schemeClr>
                 </a:solidFill>
-                <a:latin typeface="Verdana" panose="020B0604030504040204" pitchFamily="34" charset="0"/>
-                <a:ea typeface="Verdana" panose="020B0604030504040204" pitchFamily="34" charset="0"/>
+                <a:latin typeface="Fira Sans" panose="020B0503050000020004" pitchFamily="34" charset="0"/>
+                <a:ea typeface="Fira Sans" panose="020B0503050000020004" pitchFamily="34" charset="0"/>
                 <a:cs typeface="Verdana" panose="020B0604030504040204" pitchFamily="34" charset="0"/>
               </a:rPr>
-              <a:t>Strategische Planung (&gt; 12 Monate; oft 3 – 5 Jahre)</a:t>
+              <a:t>Woher bekomme ich diese?</a:t>
             </a:r>
           </a:p>
           <a:p>
             <a:pPr lvl="1"/>
-            <a:endParaRPr lang="de-DE" dirty="0" smtClean="0">
-              <a:solidFill>
-                <a:schemeClr val="bg1">
-                  <a:lumMod val="50000"/>
-                </a:schemeClr>
-              </a:solidFill>
-              <a:latin typeface="Verdana" panose="020B0604030504040204" pitchFamily="34" charset="0"/>
-              <a:ea typeface="Verdana" panose="020B0604030504040204" pitchFamily="34" charset="0"/>
-              <a:cs typeface="Verdana" panose="020B0604030504040204" pitchFamily="34" charset="0"/>
-            </a:endParaRPr>
-          </a:p>
-          <a:p>
-            <a:r>
-              <a:rPr lang="de-DE" sz="2400" dirty="0" smtClean="0">
-                <a:solidFill>
-                  <a:schemeClr val="bg1">
-                    <a:lumMod val="50000"/>
-                  </a:schemeClr>
-                </a:solidFill>
-                <a:latin typeface="Verdana" panose="020B0604030504040204" pitchFamily="34" charset="0"/>
-                <a:ea typeface="Verdana" panose="020B0604030504040204" pitchFamily="34" charset="0"/>
-                <a:cs typeface="Verdana" panose="020B0604030504040204" pitchFamily="34" charset="0"/>
-              </a:rPr>
-              <a:t>Erfolgsabschätzung</a:t>
-            </a:r>
-          </a:p>
-          <a:p>
-            <a:pPr lvl="1"/>
-            <a:r>
-              <a:rPr lang="de-DE" sz="2000" dirty="0" smtClean="0">
+            <a:r>
+              <a:rPr lang="en-GB" sz="2000" i="1" dirty="0" smtClean="0">
                 <a:solidFill>
                   <a:schemeClr val="bg1">
                     <a:lumMod val="65000"/>
                   </a:schemeClr>
                 </a:solidFill>
-                <a:latin typeface="Verdana" panose="020B0604030504040204" pitchFamily="34" charset="0"/>
-                <a:ea typeface="Verdana" panose="020B0604030504040204" pitchFamily="34" charset="0"/>
+                <a:latin typeface="Fira Sans" panose="020B0503050000020004" pitchFamily="34" charset="0"/>
+                <a:ea typeface="Fira Sans" panose="020B0503050000020004" pitchFamily="34" charset="0"/>
                 <a:cs typeface="Verdana" panose="020B0604030504040204" pitchFamily="34" charset="0"/>
               </a:rPr>
-              <a:t>Kapitalbedarf</a:t>
-            </a:r>
-          </a:p>
-          <a:p>
-            <a:pPr lvl="1"/>
-            <a:r>
-              <a:rPr lang="de-DE" sz="2000" dirty="0" smtClean="0">
-                <a:solidFill>
-                  <a:schemeClr val="bg1">
-                    <a:lumMod val="65000"/>
-                  </a:schemeClr>
-                </a:solidFill>
-                <a:latin typeface="Verdana" panose="020B0604030504040204" pitchFamily="34" charset="0"/>
-                <a:ea typeface="Verdana" panose="020B0604030504040204" pitchFamily="34" charset="0"/>
-                <a:cs typeface="Verdana" panose="020B0604030504040204" pitchFamily="34" charset="0"/>
-              </a:rPr>
-              <a:t>Prognose</a:t>
-            </a:r>
-          </a:p>
-          <a:p>
-            <a:pPr lvl="1"/>
-            <a:r>
-              <a:rPr lang="de-DE" sz="2000" dirty="0" smtClean="0">
-                <a:solidFill>
-                  <a:schemeClr val="bg1">
-                    <a:lumMod val="65000"/>
-                  </a:schemeClr>
-                </a:solidFill>
-                <a:latin typeface="Verdana" panose="020B0604030504040204" pitchFamily="34" charset="0"/>
-                <a:ea typeface="Verdana" panose="020B0604030504040204" pitchFamily="34" charset="0"/>
-                <a:cs typeface="Verdana" panose="020B0604030504040204" pitchFamily="34" charset="0"/>
-              </a:rPr>
-              <a:t>Kapitalbeschaffung</a:t>
-            </a:r>
-          </a:p>
-          <a:p>
-            <a:pPr lvl="1"/>
-            <a:r>
-              <a:rPr lang="de-DE" sz="2000" dirty="0" smtClean="0">
-                <a:solidFill>
-                  <a:schemeClr val="bg1">
-                    <a:lumMod val="65000"/>
-                  </a:schemeClr>
-                </a:solidFill>
-                <a:latin typeface="Verdana" panose="020B0604030504040204" pitchFamily="34" charset="0"/>
-                <a:ea typeface="Verdana" panose="020B0604030504040204" pitchFamily="34" charset="0"/>
-                <a:cs typeface="Verdana" panose="020B0604030504040204" pitchFamily="34" charset="0"/>
-              </a:rPr>
-              <a:t>Qualitative &amp; quantitative Übersicht</a:t>
-            </a:r>
-            <a:endParaRPr lang="de-DE" sz="2000" dirty="0">
+              <a:t>Wie stelle ich diese dar?</a:t>
+            </a:r>
+            <a:endParaRPr lang="en-GB" sz="2000" i="1" dirty="0" smtClean="0">
               <a:solidFill>
                 <a:schemeClr val="bg1">
                   <a:lumMod val="65000"/>
                 </a:schemeClr>
               </a:solidFill>
-              <a:latin typeface="Verdana" panose="020B0604030504040204" pitchFamily="34" charset="0"/>
-              <a:ea typeface="Verdana" panose="020B0604030504040204" pitchFamily="34" charset="0"/>
+              <a:latin typeface="Fira Sans" panose="020B0503050000020004" pitchFamily="34" charset="0"/>
+              <a:ea typeface="Fira Sans" panose="020B0503050000020004" pitchFamily="34" charset="0"/>
               <a:cs typeface="Verdana" panose="020B0604030504040204" pitchFamily="34" charset="0"/>
             </a:endParaRPr>
+          </a:p>
+        </p:txBody>
+      </p:sp>
+      <p:sp>
+        <p:nvSpPr>
+          <p:cNvPr id="4" name="Rectangle 3"/>
+          <p:cNvSpPr/>
+          <p:nvPr/>
+        </p:nvSpPr>
+        <p:spPr>
+          <a:xfrm>
+            <a:off x="152400" y="0"/>
+            <a:ext cx="495300" cy="6858000"/>
+          </a:xfrm>
+          <a:prstGeom prst="rect">
+            <a:avLst/>
+          </a:prstGeom>
+          <a:gradFill flip="none" rotWithShape="1">
+            <a:gsLst>
+              <a:gs pos="0">
+                <a:schemeClr val="bg1">
+                  <a:lumMod val="85000"/>
+                </a:schemeClr>
+              </a:gs>
+              <a:gs pos="100000">
+                <a:schemeClr val="bg1">
+                  <a:lumMod val="95000"/>
+                </a:schemeClr>
+              </a:gs>
+            </a:gsLst>
+            <a:path path="circle">
+              <a:fillToRect l="100000" t="100000"/>
+            </a:path>
+            <a:tileRect r="-100000" b="-100000"/>
+          </a:gradFill>
+          <a:ln>
+            <a:noFill/>
+          </a:ln>
+        </p:spPr>
+        <p:style>
+          <a:lnRef idx="2">
+            <a:schemeClr val="accent1">
+              <a:shade val="50000"/>
+            </a:schemeClr>
+          </a:lnRef>
+          <a:fillRef idx="1">
+            <a:schemeClr val="accent1"/>
+          </a:fillRef>
+          <a:effectRef idx="0">
+            <a:schemeClr val="accent1"/>
+          </a:effectRef>
+          <a:fontRef idx="minor">
+            <a:schemeClr val="lt1"/>
+          </a:fontRef>
+        </p:style>
+        <p:txBody>
+          <a:bodyPr rtlCol="0" anchor="ctr"/>
+          <a:lstStyle/>
+          <a:p>
+            <a:pPr algn="ctr"/>
+            <a:endParaRPr lang="de-DE"/>
+          </a:p>
+        </p:txBody>
+      </p:sp>
+      <p:sp>
+        <p:nvSpPr>
+          <p:cNvPr id="5" name="Rectangle 4"/>
+          <p:cNvSpPr/>
+          <p:nvPr/>
+        </p:nvSpPr>
+        <p:spPr>
+          <a:xfrm>
+            <a:off x="733425" y="0"/>
+            <a:ext cx="104775" cy="6858000"/>
+          </a:xfrm>
+          <a:prstGeom prst="rect">
+            <a:avLst/>
+          </a:prstGeom>
+          <a:gradFill flip="none" rotWithShape="1">
+            <a:gsLst>
+              <a:gs pos="0">
+                <a:schemeClr val="bg1">
+                  <a:lumMod val="85000"/>
+                </a:schemeClr>
+              </a:gs>
+              <a:gs pos="100000">
+                <a:schemeClr val="bg1">
+                  <a:lumMod val="95000"/>
+                </a:schemeClr>
+              </a:gs>
+            </a:gsLst>
+            <a:path path="circle">
+              <a:fillToRect l="100000" t="100000"/>
+            </a:path>
+            <a:tileRect r="-100000" b="-100000"/>
+          </a:gradFill>
+          <a:ln>
+            <a:noFill/>
+          </a:ln>
+        </p:spPr>
+        <p:style>
+          <a:lnRef idx="2">
+            <a:schemeClr val="accent1">
+              <a:shade val="50000"/>
+            </a:schemeClr>
+          </a:lnRef>
+          <a:fillRef idx="1">
+            <a:schemeClr val="accent1"/>
+          </a:fillRef>
+          <a:effectRef idx="0">
+            <a:schemeClr val="accent1"/>
+          </a:effectRef>
+          <a:fontRef idx="minor">
+            <a:schemeClr val="lt1"/>
+          </a:fontRef>
+        </p:style>
+        <p:txBody>
+          <a:bodyPr rtlCol="0" anchor="ctr"/>
+          <a:lstStyle/>
+          <a:p>
+            <a:pPr algn="ctr"/>
+            <a:endParaRPr lang="de-DE"/>
+          </a:p>
+        </p:txBody>
+      </p:sp>
+      <p:sp>
+        <p:nvSpPr>
+          <p:cNvPr id="3" name="Slide Number Placeholder 2"/>
+          <p:cNvSpPr>
+            <a:spLocks noGrp="1"/>
+          </p:cNvSpPr>
+          <p:nvPr>
+            <p:ph type="sldNum" sz="quarter" idx="12"/>
+          </p:nvPr>
+        </p:nvSpPr>
+        <p:spPr>
+          <a:xfrm>
+            <a:off x="0" y="6492875"/>
+            <a:ext cx="561975" cy="365125"/>
+          </a:xfrm>
+        </p:spPr>
+        <p:txBody>
+          <a:bodyPr/>
+          <a:lstStyle/>
+          <a:p>
+            <a:fld id="{75441BEE-6C26-42F1-AD7E-3B93169C624F}" type="slidenum">
+              <a:rPr lang="de-DE" smtClean="0"/>
+              <a:t>2</a:t>
+            </a:fld>
+            <a:endParaRPr lang="de-DE" dirty="0"/>
           </a:p>
         </p:txBody>
       </p:sp>
@@ -3498,29 +4434,352 @@
       </p:grpSpPr>
       <p:sp>
         <p:nvSpPr>
-          <p:cNvPr id="10" name="Rechteck 9"/>
+          <p:cNvPr id="8" name="Titel 7"/>
+          <p:cNvSpPr>
+            <a:spLocks noGrp="1"/>
+          </p:cNvSpPr>
+          <p:nvPr>
+            <p:ph type="title"/>
+          </p:nvPr>
+        </p:nvSpPr>
+        <p:spPr>
+          <a:xfrm>
+            <a:off x="838200" y="285750"/>
+            <a:ext cx="10515600" cy="828675"/>
+          </a:xfrm>
+        </p:spPr>
+        <p:txBody>
+          <a:bodyPr/>
+          <a:lstStyle/>
+          <a:p>
+            <a:pPr algn="ctr"/>
+            <a:r>
+              <a:rPr lang="de-DE" i="1" dirty="0" smtClean="0">
+                <a:solidFill>
+                  <a:schemeClr val="tx1">
+                    <a:lumMod val="65000"/>
+                    <a:lumOff val="35000"/>
+                  </a:schemeClr>
+                </a:solidFill>
+                <a:latin typeface="Fira Sans" panose="020B0503050000020004" pitchFamily="34" charset="0"/>
+                <a:ea typeface="Fira Sans" panose="020B0503050000020004" pitchFamily="34" charset="0"/>
+                <a:cs typeface="Verdana" panose="020B0604030504040204" pitchFamily="34" charset="0"/>
+              </a:rPr>
+              <a:t>WAS IST EIN BUSINESS PLAN?</a:t>
+            </a:r>
+            <a:endParaRPr lang="de-DE" i="1" dirty="0">
+              <a:solidFill>
+                <a:schemeClr val="tx1">
+                  <a:lumMod val="65000"/>
+                  <a:lumOff val="35000"/>
+                </a:schemeClr>
+              </a:solidFill>
+              <a:latin typeface="Fira Sans" panose="020B0503050000020004" pitchFamily="34" charset="0"/>
+              <a:ea typeface="Fira Sans" panose="020B0503050000020004" pitchFamily="34" charset="0"/>
+              <a:cs typeface="Verdana" panose="020B0604030504040204" pitchFamily="34" charset="0"/>
+            </a:endParaRPr>
+          </a:p>
+        </p:txBody>
+      </p:sp>
+      <p:sp>
+        <p:nvSpPr>
+          <p:cNvPr id="14" name="Inhaltsplatzhalter 13"/>
+          <p:cNvSpPr>
+            <a:spLocks noGrp="1"/>
+          </p:cNvSpPr>
+          <p:nvPr>
+            <p:ph idx="1"/>
+          </p:nvPr>
+        </p:nvSpPr>
+        <p:spPr>
+          <a:xfrm>
+            <a:off x="838200" y="1266824"/>
+            <a:ext cx="10515600" cy="5133975"/>
+          </a:xfrm>
+        </p:spPr>
+        <p:txBody>
+          <a:bodyPr>
+            <a:normAutofit/>
+          </a:bodyPr>
+          <a:lstStyle/>
+          <a:p>
+            <a:r>
+              <a:rPr lang="de-DE" sz="2400" i="1" dirty="0" smtClean="0">
+                <a:solidFill>
+                  <a:schemeClr val="bg1">
+                    <a:lumMod val="50000"/>
+                  </a:schemeClr>
+                </a:solidFill>
+                <a:latin typeface="Fira Sans" panose="020B0503050000020004" pitchFamily="34" charset="0"/>
+                <a:ea typeface="Fira Sans" panose="020B0503050000020004" pitchFamily="34" charset="0"/>
+                <a:cs typeface="Verdana" panose="020B0604030504040204" pitchFamily="34" charset="0"/>
+              </a:rPr>
+              <a:t>Zielsetzung</a:t>
+            </a:r>
+          </a:p>
+          <a:p>
+            <a:pPr lvl="1"/>
+            <a:r>
+              <a:rPr lang="de-DE" sz="2000" i="1" dirty="0" smtClean="0">
+                <a:solidFill>
+                  <a:schemeClr val="bg1">
+                    <a:lumMod val="65000"/>
+                  </a:schemeClr>
+                </a:solidFill>
+                <a:latin typeface="Fira Sans" panose="020B0503050000020004" pitchFamily="34" charset="0"/>
+                <a:ea typeface="Fira Sans" panose="020B0503050000020004" pitchFamily="34" charset="0"/>
+                <a:cs typeface="Verdana" panose="020B0604030504040204" pitchFamily="34" charset="0"/>
+              </a:rPr>
+              <a:t>Operative Ziele (&lt; 12 Monate)</a:t>
+            </a:r>
+          </a:p>
+          <a:p>
+            <a:pPr lvl="1"/>
+            <a:r>
+              <a:rPr lang="de-DE" sz="2000" i="1" dirty="0" smtClean="0">
+                <a:solidFill>
+                  <a:schemeClr val="bg1">
+                    <a:lumMod val="65000"/>
+                  </a:schemeClr>
+                </a:solidFill>
+                <a:latin typeface="Fira Sans" panose="020B0503050000020004" pitchFamily="34" charset="0"/>
+                <a:ea typeface="Fira Sans" panose="020B0503050000020004" pitchFamily="34" charset="0"/>
+                <a:cs typeface="Verdana" panose="020B0604030504040204" pitchFamily="34" charset="0"/>
+              </a:rPr>
+              <a:t>Strategische Ziele (&gt; 5 Jahre)</a:t>
+            </a:r>
+          </a:p>
+          <a:p>
+            <a:pPr lvl="1"/>
+            <a:endParaRPr lang="de-DE" i="1" dirty="0" smtClean="0">
+              <a:solidFill>
+                <a:schemeClr val="bg1">
+                  <a:lumMod val="50000"/>
+                </a:schemeClr>
+              </a:solidFill>
+              <a:latin typeface="Fira Sans" panose="020B0503050000020004" pitchFamily="34" charset="0"/>
+              <a:ea typeface="Fira Sans" panose="020B0503050000020004" pitchFamily="34" charset="0"/>
+              <a:cs typeface="Verdana" panose="020B0604030504040204" pitchFamily="34" charset="0"/>
+            </a:endParaRPr>
+          </a:p>
+          <a:p>
+            <a:r>
+              <a:rPr lang="de-DE" sz="2400" i="1" dirty="0" smtClean="0">
+                <a:solidFill>
+                  <a:schemeClr val="bg1">
+                    <a:lumMod val="50000"/>
+                  </a:schemeClr>
+                </a:solidFill>
+                <a:latin typeface="Fira Sans" panose="020B0503050000020004" pitchFamily="34" charset="0"/>
+                <a:ea typeface="Fira Sans" panose="020B0503050000020004" pitchFamily="34" charset="0"/>
+                <a:cs typeface="Verdana" panose="020B0604030504040204" pitchFamily="34" charset="0"/>
+              </a:rPr>
+              <a:t>Planung</a:t>
+            </a:r>
+          </a:p>
+          <a:p>
+            <a:pPr lvl="1"/>
+            <a:r>
+              <a:rPr lang="de-DE" sz="2000" i="1" dirty="0" smtClean="0">
+                <a:solidFill>
+                  <a:schemeClr val="bg1">
+                    <a:lumMod val="65000"/>
+                  </a:schemeClr>
+                </a:solidFill>
+                <a:latin typeface="Fira Sans" panose="020B0503050000020004" pitchFamily="34" charset="0"/>
+                <a:ea typeface="Fira Sans" panose="020B0503050000020004" pitchFamily="34" charset="0"/>
+                <a:cs typeface="Verdana" panose="020B0604030504040204" pitchFamily="34" charset="0"/>
+              </a:rPr>
+              <a:t>Operative Planung (&lt; 12 Monate)</a:t>
+            </a:r>
+          </a:p>
+          <a:p>
+            <a:pPr lvl="1"/>
+            <a:r>
+              <a:rPr lang="de-DE" sz="2000" i="1" dirty="0" smtClean="0">
+                <a:solidFill>
+                  <a:schemeClr val="bg1">
+                    <a:lumMod val="65000"/>
+                  </a:schemeClr>
+                </a:solidFill>
+                <a:latin typeface="Fira Sans" panose="020B0503050000020004" pitchFamily="34" charset="0"/>
+                <a:ea typeface="Fira Sans" panose="020B0503050000020004" pitchFamily="34" charset="0"/>
+                <a:cs typeface="Verdana" panose="020B0604030504040204" pitchFamily="34" charset="0"/>
+              </a:rPr>
+              <a:t>Strategische Planung (&gt; 12 Monate; oft 3 – 5 Jahre)</a:t>
+            </a:r>
+          </a:p>
+          <a:p>
+            <a:pPr lvl="1"/>
+            <a:endParaRPr lang="de-DE" i="1" dirty="0" smtClean="0">
+              <a:solidFill>
+                <a:schemeClr val="bg1">
+                  <a:lumMod val="50000"/>
+                </a:schemeClr>
+              </a:solidFill>
+              <a:latin typeface="Fira Sans" panose="020B0503050000020004" pitchFamily="34" charset="0"/>
+              <a:ea typeface="Fira Sans" panose="020B0503050000020004" pitchFamily="34" charset="0"/>
+              <a:cs typeface="Verdana" panose="020B0604030504040204" pitchFamily="34" charset="0"/>
+            </a:endParaRPr>
+          </a:p>
+          <a:p>
+            <a:r>
+              <a:rPr lang="de-DE" sz="2400" i="1" dirty="0" smtClean="0">
+                <a:solidFill>
+                  <a:schemeClr val="bg1">
+                    <a:lumMod val="50000"/>
+                  </a:schemeClr>
+                </a:solidFill>
+                <a:latin typeface="Fira Sans" panose="020B0503050000020004" pitchFamily="34" charset="0"/>
+                <a:ea typeface="Fira Sans" panose="020B0503050000020004" pitchFamily="34" charset="0"/>
+                <a:cs typeface="Verdana" panose="020B0604030504040204" pitchFamily="34" charset="0"/>
+              </a:rPr>
+              <a:t>Erfolgsabschätzung</a:t>
+            </a:r>
+          </a:p>
+          <a:p>
+            <a:pPr lvl="1"/>
+            <a:r>
+              <a:rPr lang="de-DE" sz="2000" i="1" dirty="0" smtClean="0">
+                <a:solidFill>
+                  <a:schemeClr val="bg1">
+                    <a:lumMod val="65000"/>
+                  </a:schemeClr>
+                </a:solidFill>
+                <a:latin typeface="Fira Sans" panose="020B0503050000020004" pitchFamily="34" charset="0"/>
+                <a:ea typeface="Fira Sans" panose="020B0503050000020004" pitchFamily="34" charset="0"/>
+                <a:cs typeface="Verdana" panose="020B0604030504040204" pitchFamily="34" charset="0"/>
+              </a:rPr>
+              <a:t>Kapitalbedarf</a:t>
+            </a:r>
+            <a:endParaRPr lang="de-DE" sz="2000" i="1" dirty="0" smtClean="0">
+              <a:solidFill>
+                <a:schemeClr val="bg1">
+                  <a:lumMod val="65000"/>
+                </a:schemeClr>
+              </a:solidFill>
+              <a:latin typeface="Fira Sans" panose="020B0503050000020004" pitchFamily="34" charset="0"/>
+              <a:ea typeface="Fira Sans" panose="020B0503050000020004" pitchFamily="34" charset="0"/>
+              <a:cs typeface="Verdana" panose="020B0604030504040204" pitchFamily="34" charset="0"/>
+            </a:endParaRPr>
+          </a:p>
+          <a:p>
+            <a:pPr lvl="1"/>
+            <a:r>
+              <a:rPr lang="de-DE" sz="2000" i="1" dirty="0" smtClean="0">
+                <a:solidFill>
+                  <a:schemeClr val="bg1">
+                    <a:lumMod val="65000"/>
+                  </a:schemeClr>
+                </a:solidFill>
+                <a:latin typeface="Fira Sans" panose="020B0503050000020004" pitchFamily="34" charset="0"/>
+                <a:ea typeface="Fira Sans" panose="020B0503050000020004" pitchFamily="34" charset="0"/>
+                <a:cs typeface="Verdana" panose="020B0604030504040204" pitchFamily="34" charset="0"/>
+              </a:rPr>
+              <a:t>Kapitalbeschaffung</a:t>
+            </a:r>
+            <a:endParaRPr lang="de-DE" sz="2000" i="1" dirty="0" smtClean="0">
+              <a:solidFill>
+                <a:schemeClr val="bg1">
+                  <a:lumMod val="65000"/>
+                </a:schemeClr>
+              </a:solidFill>
+              <a:latin typeface="Fira Sans" panose="020B0503050000020004" pitchFamily="34" charset="0"/>
+              <a:ea typeface="Fira Sans" panose="020B0503050000020004" pitchFamily="34" charset="0"/>
+              <a:cs typeface="Verdana" panose="020B0604030504040204" pitchFamily="34" charset="0"/>
+            </a:endParaRPr>
+          </a:p>
+          <a:p>
+            <a:pPr lvl="1"/>
+            <a:r>
+              <a:rPr lang="de-DE" sz="2000" i="1" dirty="0" smtClean="0">
+                <a:solidFill>
+                  <a:schemeClr val="bg1">
+                    <a:lumMod val="65000"/>
+                  </a:schemeClr>
+                </a:solidFill>
+                <a:latin typeface="Fira Sans" panose="020B0503050000020004" pitchFamily="34" charset="0"/>
+                <a:ea typeface="Fira Sans" panose="020B0503050000020004" pitchFamily="34" charset="0"/>
+                <a:cs typeface="Verdana" panose="020B0604030504040204" pitchFamily="34" charset="0"/>
+              </a:rPr>
+              <a:t>Qualitative &amp; quantitative </a:t>
+            </a:r>
+            <a:r>
+              <a:rPr lang="de-DE" sz="2000" i="1" dirty="0" smtClean="0">
+                <a:solidFill>
+                  <a:schemeClr val="bg1">
+                    <a:lumMod val="65000"/>
+                  </a:schemeClr>
+                </a:solidFill>
+                <a:latin typeface="Fira Sans" panose="020B0503050000020004" pitchFamily="34" charset="0"/>
+                <a:ea typeface="Fira Sans" panose="020B0503050000020004" pitchFamily="34" charset="0"/>
+                <a:cs typeface="Verdana" panose="020B0604030504040204" pitchFamily="34" charset="0"/>
+              </a:rPr>
+              <a:t>Übersicht</a:t>
+            </a:r>
+          </a:p>
+          <a:p>
+            <a:pPr lvl="1"/>
+            <a:r>
+              <a:rPr lang="en-GB" sz="2000" i="1" dirty="0" err="1" smtClean="0">
+                <a:solidFill>
+                  <a:schemeClr val="bg1">
+                    <a:lumMod val="65000"/>
+                  </a:schemeClr>
+                </a:solidFill>
+                <a:latin typeface="Fira Sans" panose="020B0503050000020004" pitchFamily="34" charset="0"/>
+                <a:ea typeface="Fira Sans" panose="020B0503050000020004" pitchFamily="34" charset="0"/>
+                <a:cs typeface="Verdana" panose="020B0604030504040204" pitchFamily="34" charset="0"/>
+              </a:rPr>
+              <a:t>Prognose</a:t>
+            </a:r>
+            <a:endParaRPr lang="de-DE" sz="2000" i="1" dirty="0">
+              <a:solidFill>
+                <a:schemeClr val="bg1">
+                  <a:lumMod val="65000"/>
+                </a:schemeClr>
+              </a:solidFill>
+              <a:latin typeface="Fira Sans" panose="020B0503050000020004" pitchFamily="34" charset="0"/>
+              <a:ea typeface="Fira Sans" panose="020B0503050000020004" pitchFamily="34" charset="0"/>
+              <a:cs typeface="Verdana" panose="020B0604030504040204" pitchFamily="34" charset="0"/>
+            </a:endParaRPr>
+          </a:p>
+        </p:txBody>
+      </p:sp>
+      <p:sp>
+        <p:nvSpPr>
+          <p:cNvPr id="4" name="Rectangle 3"/>
           <p:cNvSpPr/>
           <p:nvPr/>
         </p:nvSpPr>
         <p:spPr>
           <a:xfrm>
-            <a:off x="1543665" y="2487561"/>
-            <a:ext cx="4060722" cy="1189704"/>
+            <a:off x="152400" y="0"/>
+            <a:ext cx="495300" cy="6858000"/>
           </a:xfrm>
           <a:prstGeom prst="rect">
             <a:avLst/>
           </a:prstGeom>
-          <a:solidFill>
-            <a:schemeClr val="bg1">
-              <a:lumMod val="85000"/>
-            </a:schemeClr>
-          </a:solidFill>
+          <a:gradFill flip="none" rotWithShape="1">
+            <a:gsLst>
+              <a:gs pos="0">
+                <a:schemeClr val="bg1">
+                  <a:lumMod val="85000"/>
+                </a:schemeClr>
+              </a:gs>
+              <a:gs pos="100000">
+                <a:schemeClr val="bg1">
+                  <a:lumMod val="95000"/>
+                </a:schemeClr>
+              </a:gs>
+            </a:gsLst>
+            <a:path path="circle">
+              <a:fillToRect l="100000" t="100000"/>
+            </a:path>
+            <a:tileRect r="-100000" b="-100000"/>
+          </a:gradFill>
           <a:ln>
-            <a:solidFill>
-              <a:schemeClr val="bg2">
-                <a:lumMod val="75000"/>
-              </a:schemeClr>
-            </a:solidFill>
+            <a:noFill/>
           </a:ln>
         </p:spPr>
         <p:style>
@@ -3544,76 +4803,44 @@
           <a:lstStyle/>
           <a:p>
             <a:pPr algn="ctr"/>
-            <a:r>
-              <a:rPr lang="de-DE" sz="2000" dirty="0" smtClean="0">
-                <a:solidFill>
-                  <a:schemeClr val="tx1">
-                    <a:lumMod val="50000"/>
-                    <a:lumOff val="50000"/>
-                  </a:schemeClr>
-                </a:solidFill>
-                <a:latin typeface="Verdana" panose="020B0604030504040204" pitchFamily="34" charset="0"/>
-                <a:ea typeface="Verdana" panose="020B0604030504040204" pitchFamily="34" charset="0"/>
-                <a:cs typeface="Verdana" panose="020B0604030504040204" pitchFamily="34" charset="0"/>
-              </a:rPr>
-              <a:t>OPERATIVE ZIELE</a:t>
-            </a:r>
-          </a:p>
-          <a:p>
-            <a:pPr algn="ctr"/>
-            <a:r>
-              <a:rPr lang="de-DE" sz="1400" dirty="0" smtClean="0">
-                <a:solidFill>
-                  <a:schemeClr val="tx1">
-                    <a:lumMod val="50000"/>
-                    <a:lumOff val="50000"/>
-                  </a:schemeClr>
-                </a:solidFill>
-                <a:latin typeface="Verdana" panose="020B0604030504040204" pitchFamily="34" charset="0"/>
-                <a:ea typeface="Verdana" panose="020B0604030504040204" pitchFamily="34" charset="0"/>
-                <a:cs typeface="Verdana" panose="020B0604030504040204" pitchFamily="34" charset="0"/>
-              </a:rPr>
-              <a:t>&lt; 1 JAHR</a:t>
-            </a:r>
-            <a:endParaRPr lang="de-DE" sz="1400" dirty="0">
-              <a:solidFill>
-                <a:schemeClr val="tx1">
-                  <a:lumMod val="50000"/>
-                  <a:lumOff val="50000"/>
-                </a:schemeClr>
-              </a:solidFill>
-              <a:latin typeface="Verdana" panose="020B0604030504040204" pitchFamily="34" charset="0"/>
-              <a:ea typeface="Verdana" panose="020B0604030504040204" pitchFamily="34" charset="0"/>
-              <a:cs typeface="Verdana" panose="020B0604030504040204" pitchFamily="34" charset="0"/>
-            </a:endParaRPr>
-          </a:p>
-        </p:txBody>
-      </p:sp>
-      <p:sp>
-        <p:nvSpPr>
-          <p:cNvPr id="11" name="Rechteck 10"/>
+            <a:endParaRPr lang="de-DE"/>
+          </a:p>
+        </p:txBody>
+      </p:sp>
+      <p:sp>
+        <p:nvSpPr>
+          <p:cNvPr id="5" name="Rectangle 4"/>
           <p:cNvSpPr/>
           <p:nvPr/>
         </p:nvSpPr>
         <p:spPr>
           <a:xfrm>
-            <a:off x="6448732" y="2487561"/>
-            <a:ext cx="4060722" cy="1189704"/>
+            <a:off x="733425" y="0"/>
+            <a:ext cx="104775" cy="6858000"/>
           </a:xfrm>
           <a:prstGeom prst="rect">
             <a:avLst/>
           </a:prstGeom>
-          <a:solidFill>
-            <a:schemeClr val="bg1">
-              <a:lumMod val="85000"/>
-            </a:schemeClr>
-          </a:solidFill>
+          <a:gradFill flip="none" rotWithShape="1">
+            <a:gsLst>
+              <a:gs pos="0">
+                <a:schemeClr val="bg1">
+                  <a:lumMod val="85000"/>
+                </a:schemeClr>
+              </a:gs>
+              <a:gs pos="100000">
+                <a:schemeClr val="bg1">
+                  <a:lumMod val="95000"/>
+                </a:schemeClr>
+              </a:gs>
+            </a:gsLst>
+            <a:path path="circle">
+              <a:fillToRect l="100000" t="100000"/>
+            </a:path>
+            <a:tileRect r="-100000" b="-100000"/>
+          </a:gradFill>
           <a:ln>
-            <a:solidFill>
-              <a:schemeClr val="bg2">
-                <a:lumMod val="75000"/>
-              </a:schemeClr>
-            </a:solidFill>
+            <a:noFill/>
           </a:ln>
         </p:spPr>
         <p:style>
@@ -3637,125 +4864,42 @@
           <a:lstStyle/>
           <a:p>
             <a:pPr algn="ctr"/>
-            <a:r>
-              <a:rPr lang="de-DE" sz="2000" dirty="0" smtClean="0">
-                <a:solidFill>
-                  <a:schemeClr val="tx1">
-                    <a:lumMod val="50000"/>
-                    <a:lumOff val="50000"/>
-                  </a:schemeClr>
-                </a:solidFill>
-                <a:latin typeface="Verdana" panose="020B0604030504040204" pitchFamily="34" charset="0"/>
-                <a:ea typeface="Verdana" panose="020B0604030504040204" pitchFamily="34" charset="0"/>
-                <a:cs typeface="Verdana" panose="020B0604030504040204" pitchFamily="34" charset="0"/>
-              </a:rPr>
-              <a:t>STRATEGISCHE ZIELE</a:t>
-            </a:r>
-          </a:p>
-          <a:p>
-            <a:pPr algn="ctr"/>
-            <a:r>
-              <a:rPr lang="de-DE" sz="1400" dirty="0" smtClean="0">
-                <a:solidFill>
-                  <a:schemeClr val="tx1">
-                    <a:lumMod val="50000"/>
-                    <a:lumOff val="50000"/>
-                  </a:schemeClr>
-                </a:solidFill>
-                <a:latin typeface="Verdana" panose="020B0604030504040204" pitchFamily="34" charset="0"/>
-                <a:ea typeface="Verdana" panose="020B0604030504040204" pitchFamily="34" charset="0"/>
-                <a:cs typeface="Verdana" panose="020B0604030504040204" pitchFamily="34" charset="0"/>
-              </a:rPr>
-              <a:t>&gt; 5 JAHRE</a:t>
-            </a:r>
-            <a:endParaRPr lang="de-DE" sz="1400" dirty="0">
-              <a:solidFill>
-                <a:schemeClr val="tx1">
-                  <a:lumMod val="50000"/>
-                  <a:lumOff val="50000"/>
-                </a:schemeClr>
-              </a:solidFill>
-              <a:latin typeface="Verdana" panose="020B0604030504040204" pitchFamily="34" charset="0"/>
-              <a:ea typeface="Verdana" panose="020B0604030504040204" pitchFamily="34" charset="0"/>
-              <a:cs typeface="Verdana" panose="020B0604030504040204" pitchFamily="34" charset="0"/>
-            </a:endParaRPr>
-          </a:p>
-        </p:txBody>
-      </p:sp>
-      <p:sp>
-        <p:nvSpPr>
-          <p:cNvPr id="5" name="Titel 7"/>
-          <p:cNvSpPr txBox="1">
-            <a:spLocks/>
-          </p:cNvSpPr>
-          <p:nvPr/>
+            <a:endParaRPr lang="de-DE"/>
+          </a:p>
+        </p:txBody>
+      </p:sp>
+      <p:sp>
+        <p:nvSpPr>
+          <p:cNvPr id="7" name="Slide Number Placeholder 2"/>
+          <p:cNvSpPr>
+            <a:spLocks noGrp="1"/>
+          </p:cNvSpPr>
+          <p:nvPr>
+            <p:ph type="sldNum" sz="quarter" idx="12"/>
+          </p:nvPr>
         </p:nvSpPr>
         <p:spPr>
           <a:xfrm>
-            <a:off x="838200" y="285750"/>
-            <a:ext cx="10515600" cy="828675"/>
+            <a:off x="0" y="6492875"/>
+            <a:ext cx="561975" cy="365125"/>
           </a:xfrm>
-          <a:prstGeom prst="rect">
-            <a:avLst/>
-          </a:prstGeom>
         </p:spPr>
         <p:txBody>
-          <a:bodyPr vert="horz" lIns="91440" tIns="45720" rIns="91440" bIns="45720" rtlCol="0" anchor="ctr">
-            <a:normAutofit/>
-          </a:bodyPr>
-          <a:lstStyle>
-            <a:lvl1pPr algn="l" defTabSz="914400" rtl="0" eaLnBrk="1" latinLnBrk="0" hangingPunct="1">
-              <a:lnSpc>
-                <a:spcPct val="90000"/>
-              </a:lnSpc>
-              <a:spcBef>
-                <a:spcPct val="0"/>
-              </a:spcBef>
-              <a:buNone/>
-              <a:defRPr sz="4400" kern="1200">
-                <a:solidFill>
-                  <a:schemeClr val="tx1"/>
-                </a:solidFill>
-                <a:latin typeface="+mj-lt"/>
-                <a:ea typeface="+mj-ea"/>
-                <a:cs typeface="+mj-cs"/>
-              </a:defRPr>
-            </a:lvl1pPr>
-          </a:lstStyle>
-          <a:p>
-            <a:pPr algn="ctr"/>
-            <a:r>
-              <a:rPr lang="de-DE" i="1" dirty="0" smtClean="0">
-                <a:solidFill>
-                  <a:schemeClr val="tx1">
-                    <a:lumMod val="65000"/>
-                    <a:lumOff val="35000"/>
-                  </a:schemeClr>
-                </a:solidFill>
-                <a:latin typeface="Verdana" panose="020B0604030504040204" pitchFamily="34" charset="0"/>
-                <a:ea typeface="Verdana" panose="020B0604030504040204" pitchFamily="34" charset="0"/>
-                <a:cs typeface="Verdana" panose="020B0604030504040204" pitchFamily="34" charset="0"/>
-              </a:rPr>
-              <a:t>ZIELE &amp; PLANUNG</a:t>
-            </a:r>
-            <a:endParaRPr lang="de-DE" i="1" dirty="0">
-              <a:solidFill>
-                <a:schemeClr val="tx1">
-                  <a:lumMod val="65000"/>
-                  <a:lumOff val="35000"/>
-                </a:schemeClr>
-              </a:solidFill>
-              <a:latin typeface="Verdana" panose="020B0604030504040204" pitchFamily="34" charset="0"/>
-              <a:ea typeface="Verdana" panose="020B0604030504040204" pitchFamily="34" charset="0"/>
-              <a:cs typeface="Verdana" panose="020B0604030504040204" pitchFamily="34" charset="0"/>
-            </a:endParaRPr>
+          <a:bodyPr/>
+          <a:lstStyle/>
+          <a:p>
+            <a:fld id="{4ED6AB89-ECFC-45E2-8D6E-9BBF7B12A7DB}" type="slidenum">
+              <a:rPr lang="de-DE" smtClean="0"/>
+              <a:t>3</a:t>
+            </a:fld>
+            <a:endParaRPr lang="de-DE" dirty="0"/>
           </a:p>
         </p:txBody>
       </p:sp>
     </p:spTree>
     <p:extLst>
       <p:ext uri="{BB962C8B-B14F-4D97-AF65-F5344CB8AC3E}">
-        <p14:creationId xmlns:p14="http://schemas.microsoft.com/office/powerpoint/2010/main" val="271420474"/>
+        <p14:creationId xmlns:p14="http://schemas.microsoft.com/office/powerpoint/2010/main" val="2394874033"/>
       </p:ext>
     </p:extLst>
   </p:cSld>
@@ -3838,11 +4982,11 @@
                     <a:lumOff val="35000"/>
                   </a:schemeClr>
                 </a:solidFill>
-                <a:latin typeface="Verdana" panose="020B0604030504040204" pitchFamily="34" charset="0"/>
-                <a:ea typeface="Verdana" panose="020B0604030504040204" pitchFamily="34" charset="0"/>
+                <a:latin typeface="Fira Sans" panose="020B0503050000020004" pitchFamily="34" charset="0"/>
+                <a:ea typeface="Fira Sans" panose="020B0503050000020004" pitchFamily="34" charset="0"/>
                 <a:cs typeface="Verdana" panose="020B0604030504040204" pitchFamily="34" charset="0"/>
               </a:rPr>
-              <a:t>FAZIT</a:t>
+              <a:t>WIE?</a:t>
             </a:r>
             <a:endParaRPr lang="de-DE" i="1" dirty="0">
               <a:solidFill>
@@ -3851,8 +4995,8 @@
                   <a:lumOff val="35000"/>
                 </a:schemeClr>
               </a:solidFill>
-              <a:latin typeface="Verdana" panose="020B0604030504040204" pitchFamily="34" charset="0"/>
-              <a:ea typeface="Verdana" panose="020B0604030504040204" pitchFamily="34" charset="0"/>
+              <a:latin typeface="Fira Sans" panose="020B0503050000020004" pitchFamily="34" charset="0"/>
+              <a:ea typeface="Fira Sans" panose="020B0503050000020004" pitchFamily="34" charset="0"/>
               <a:cs typeface="Verdana" panose="020B0604030504040204" pitchFamily="34" charset="0"/>
             </a:endParaRPr>
           </a:p>
@@ -3871,7 +5015,7 @@
         <p:spPr>
           <a:xfrm>
             <a:off x="838200" y="1266824"/>
-            <a:ext cx="10515600" cy="5133975"/>
+            <a:ext cx="10515600" cy="5362576"/>
           </a:xfrm>
         </p:spPr>
         <p:txBody>
@@ -3881,203 +5025,280 @@
           <a:lstStyle/>
           <a:p>
             <a:r>
-              <a:rPr lang="de-DE" sz="2400" dirty="0" smtClean="0">
+              <a:rPr lang="en-GB" sz="2400" i="1" dirty="0" smtClean="0">
                 <a:solidFill>
                   <a:schemeClr val="bg1">
                     <a:lumMod val="50000"/>
                   </a:schemeClr>
                 </a:solidFill>
-                <a:latin typeface="Verdana" panose="020B0604030504040204" pitchFamily="34" charset="0"/>
-                <a:ea typeface="Verdana" panose="020B0604030504040204" pitchFamily="34" charset="0"/>
+                <a:latin typeface="Fira Sans" panose="020B0503050000020004" pitchFamily="34" charset="0"/>
+                <a:ea typeface="Fira Sans" panose="020B0503050000020004" pitchFamily="34" charset="0"/>
                 <a:cs typeface="Verdana" panose="020B0604030504040204" pitchFamily="34" charset="0"/>
               </a:rPr>
-              <a:t>Business Plan</a:t>
+              <a:t>Informationsfilterung</a:t>
             </a:r>
           </a:p>
           <a:p>
             <a:pPr lvl="1"/>
             <a:r>
-              <a:rPr lang="de-DE" sz="2000" dirty="0" smtClean="0">
+              <a:rPr lang="en-GB" sz="2000" i="1" dirty="0" err="1" smtClean="0">
                 <a:solidFill>
                   <a:schemeClr val="bg1">
                     <a:lumMod val="65000"/>
                   </a:schemeClr>
                 </a:solidFill>
-                <a:latin typeface="Verdana" panose="020B0604030504040204" pitchFamily="34" charset="0"/>
-                <a:ea typeface="Verdana" panose="020B0604030504040204" pitchFamily="34" charset="0"/>
+                <a:latin typeface="Fira Sans" panose="020B0503050000020004" pitchFamily="34" charset="0"/>
+                <a:ea typeface="Fira Sans" panose="020B0503050000020004" pitchFamily="34" charset="0"/>
                 <a:cs typeface="Verdana" panose="020B0604030504040204" pitchFamily="34" charset="0"/>
               </a:rPr>
-              <a:t>Operative Ziele (&lt; 12 Monate)</a:t>
-            </a:r>
+              <a:t>Qualitativ</a:t>
+            </a:r>
+            <a:endParaRPr lang="en-GB" sz="2000" i="1" dirty="0" smtClean="0">
+              <a:solidFill>
+                <a:schemeClr val="bg1">
+                  <a:lumMod val="65000"/>
+                </a:schemeClr>
+              </a:solidFill>
+              <a:latin typeface="Fira Sans" panose="020B0503050000020004" pitchFamily="34" charset="0"/>
+              <a:ea typeface="Fira Sans" panose="020B0503050000020004" pitchFamily="34" charset="0"/>
+              <a:cs typeface="Verdana" panose="020B0604030504040204" pitchFamily="34" charset="0"/>
+            </a:endParaRPr>
           </a:p>
           <a:p>
             <a:pPr lvl="1"/>
             <a:r>
-              <a:rPr lang="de-DE" sz="2000" dirty="0" smtClean="0">
+              <a:rPr lang="en-GB" sz="2000" i="1" dirty="0" err="1" smtClean="0">
                 <a:solidFill>
                   <a:schemeClr val="bg1">
                     <a:lumMod val="65000"/>
                   </a:schemeClr>
                 </a:solidFill>
-                <a:latin typeface="Verdana" panose="020B0604030504040204" pitchFamily="34" charset="0"/>
-                <a:ea typeface="Verdana" panose="020B0604030504040204" pitchFamily="34" charset="0"/>
+                <a:latin typeface="Fira Sans" panose="020B0503050000020004" pitchFamily="34" charset="0"/>
+                <a:ea typeface="Fira Sans" panose="020B0503050000020004" pitchFamily="34" charset="0"/>
                 <a:cs typeface="Verdana" panose="020B0604030504040204" pitchFamily="34" charset="0"/>
               </a:rPr>
-              <a:t>Strategische Ziele (&gt; 5 Jahre)</a:t>
-            </a:r>
+              <a:t>Quantitativ</a:t>
+            </a:r>
+            <a:endParaRPr lang="en-GB" sz="2000" i="1" dirty="0" smtClean="0">
+              <a:solidFill>
+                <a:schemeClr val="bg1">
+                  <a:lumMod val="65000"/>
+                </a:schemeClr>
+              </a:solidFill>
+              <a:latin typeface="Fira Sans" panose="020B0503050000020004" pitchFamily="34" charset="0"/>
+              <a:ea typeface="Fira Sans" panose="020B0503050000020004" pitchFamily="34" charset="0"/>
+              <a:cs typeface="Verdana" panose="020B0604030504040204" pitchFamily="34" charset="0"/>
+            </a:endParaRPr>
           </a:p>
           <a:p>
             <a:pPr lvl="1"/>
-            <a:endParaRPr lang="de-DE" dirty="0" smtClean="0">
+            <a:endParaRPr lang="en-GB" sz="2000" i="1" dirty="0" smtClean="0">
+              <a:solidFill>
+                <a:schemeClr val="bg1">
+                  <a:lumMod val="65000"/>
+                </a:schemeClr>
+              </a:solidFill>
+              <a:latin typeface="Fira Sans" panose="020B0503050000020004" pitchFamily="34" charset="0"/>
+              <a:ea typeface="Fira Sans" panose="020B0503050000020004" pitchFamily="34" charset="0"/>
+              <a:cs typeface="Verdana" panose="020B0604030504040204" pitchFamily="34" charset="0"/>
+            </a:endParaRPr>
+          </a:p>
+          <a:p>
+            <a:r>
+              <a:rPr lang="en-GB" sz="2400" i="1" dirty="0" smtClean="0">
+                <a:solidFill>
+                  <a:schemeClr val="bg1">
+                    <a:lumMod val="50000"/>
+                  </a:schemeClr>
+                </a:solidFill>
+                <a:latin typeface="Fira Sans" panose="020B0503050000020004" pitchFamily="34" charset="0"/>
+                <a:ea typeface="Fira Sans" panose="020B0503050000020004" pitchFamily="34" charset="0"/>
+                <a:cs typeface="Verdana" panose="020B0604030504040204" pitchFamily="34" charset="0"/>
+              </a:rPr>
+              <a:t>Informationssammlung</a:t>
+            </a:r>
+          </a:p>
+          <a:p>
+            <a:r>
+              <a:rPr lang="en-GB" sz="2400" i="1" dirty="0" smtClean="0">
+                <a:solidFill>
+                  <a:schemeClr val="bg1">
+                    <a:lumMod val="50000"/>
+                  </a:schemeClr>
+                </a:solidFill>
+                <a:latin typeface="Fira Sans" panose="020B0503050000020004" pitchFamily="34" charset="0"/>
+                <a:ea typeface="Fira Sans" panose="020B0503050000020004" pitchFamily="34" charset="0"/>
+                <a:cs typeface="Verdana" panose="020B0604030504040204" pitchFamily="34" charset="0"/>
+              </a:rPr>
+              <a:t>Informationsdarstellung</a:t>
+            </a:r>
+            <a:endParaRPr lang="de-DE" sz="2400" i="1" dirty="0" smtClean="0">
               <a:solidFill>
                 <a:schemeClr val="bg1">
                   <a:lumMod val="50000"/>
                 </a:schemeClr>
               </a:solidFill>
-              <a:latin typeface="Verdana" panose="020B0604030504040204" pitchFamily="34" charset="0"/>
-              <a:ea typeface="Verdana" panose="020B0604030504040204" pitchFamily="34" charset="0"/>
+              <a:latin typeface="Fira Sans" panose="020B0503050000020004" pitchFamily="34" charset="0"/>
+              <a:ea typeface="Fira Sans" panose="020B0503050000020004" pitchFamily="34" charset="0"/>
               <a:cs typeface="Verdana" panose="020B0604030504040204" pitchFamily="34" charset="0"/>
             </a:endParaRPr>
           </a:p>
-          <a:p>
-            <a:r>
-              <a:rPr lang="de-DE" sz="2400" dirty="0" smtClean="0">
-                <a:solidFill>
-                  <a:schemeClr val="bg1">
-                    <a:lumMod val="50000"/>
-                  </a:schemeClr>
-                </a:solidFill>
-                <a:latin typeface="Verdana" panose="020B0604030504040204" pitchFamily="34" charset="0"/>
-                <a:ea typeface="Verdana" panose="020B0604030504040204" pitchFamily="34" charset="0"/>
-                <a:cs typeface="Verdana" panose="020B0604030504040204" pitchFamily="34" charset="0"/>
-              </a:rPr>
-              <a:t>Geschäftsidee</a:t>
-            </a:r>
-          </a:p>
-          <a:p>
-            <a:pPr lvl="1"/>
-            <a:r>
-              <a:rPr lang="de-DE" sz="2000" dirty="0" smtClean="0">
-                <a:solidFill>
-                  <a:schemeClr val="bg1">
-                    <a:lumMod val="65000"/>
-                  </a:schemeClr>
-                </a:solidFill>
-                <a:latin typeface="Verdana" panose="020B0604030504040204" pitchFamily="34" charset="0"/>
-                <a:ea typeface="Verdana" panose="020B0604030504040204" pitchFamily="34" charset="0"/>
-                <a:cs typeface="Verdana" panose="020B0604030504040204" pitchFamily="34" charset="0"/>
-              </a:rPr>
-              <a:t>Operative Planung (&lt; 12 Monate)</a:t>
-            </a:r>
-          </a:p>
-          <a:p>
-            <a:pPr lvl="1"/>
-            <a:r>
-              <a:rPr lang="de-DE" sz="2000" dirty="0" smtClean="0">
-                <a:solidFill>
-                  <a:schemeClr val="bg1">
-                    <a:lumMod val="65000"/>
-                  </a:schemeClr>
-                </a:solidFill>
-                <a:latin typeface="Verdana" panose="020B0604030504040204" pitchFamily="34" charset="0"/>
-                <a:ea typeface="Verdana" panose="020B0604030504040204" pitchFamily="34" charset="0"/>
-                <a:cs typeface="Verdana" panose="020B0604030504040204" pitchFamily="34" charset="0"/>
-              </a:rPr>
-              <a:t>Strategische Planung (&gt; 12 Monate; oft 3 – 5 Jahre)</a:t>
-            </a:r>
-          </a:p>
-          <a:p>
-            <a:pPr lvl="1"/>
-            <a:endParaRPr lang="de-DE" dirty="0" smtClean="0">
-              <a:solidFill>
+        </p:txBody>
+      </p:sp>
+      <p:sp>
+        <p:nvSpPr>
+          <p:cNvPr id="4" name="Rectangle 3"/>
+          <p:cNvSpPr/>
+          <p:nvPr/>
+        </p:nvSpPr>
+        <p:spPr>
+          <a:xfrm>
+            <a:off x="152400" y="0"/>
+            <a:ext cx="495300" cy="6858000"/>
+          </a:xfrm>
+          <a:prstGeom prst="rect">
+            <a:avLst/>
+          </a:prstGeom>
+          <a:gradFill flip="none" rotWithShape="1">
+            <a:gsLst>
+              <a:gs pos="0">
                 <a:schemeClr val="bg1">
-                  <a:lumMod val="50000"/>
+                  <a:lumMod val="85000"/>
                 </a:schemeClr>
-              </a:solidFill>
-              <a:latin typeface="Verdana" panose="020B0604030504040204" pitchFamily="34" charset="0"/>
-              <a:ea typeface="Verdana" panose="020B0604030504040204" pitchFamily="34" charset="0"/>
-              <a:cs typeface="Verdana" panose="020B0604030504040204" pitchFamily="34" charset="0"/>
-            </a:endParaRPr>
-          </a:p>
-          <a:p>
-            <a:r>
-              <a:rPr lang="de-DE" sz="2400" dirty="0" smtClean="0">
-                <a:solidFill>
-                  <a:schemeClr val="bg1">
-                    <a:lumMod val="50000"/>
-                  </a:schemeClr>
-                </a:solidFill>
-                <a:latin typeface="Verdana" panose="020B0604030504040204" pitchFamily="34" charset="0"/>
-                <a:ea typeface="Verdana" panose="020B0604030504040204" pitchFamily="34" charset="0"/>
-                <a:cs typeface="Verdana" panose="020B0604030504040204" pitchFamily="34" charset="0"/>
-              </a:rPr>
-              <a:t>Unternehmen</a:t>
-            </a:r>
-          </a:p>
-          <a:p>
-            <a:pPr lvl="1"/>
-            <a:r>
-              <a:rPr lang="de-DE" sz="2000" dirty="0" smtClean="0">
-                <a:solidFill>
-                  <a:schemeClr val="bg1">
-                    <a:lumMod val="65000"/>
-                  </a:schemeClr>
-                </a:solidFill>
-                <a:latin typeface="Verdana" panose="020B0604030504040204" pitchFamily="34" charset="0"/>
-                <a:ea typeface="Verdana" panose="020B0604030504040204" pitchFamily="34" charset="0"/>
-                <a:cs typeface="Verdana" panose="020B0604030504040204" pitchFamily="34" charset="0"/>
-              </a:rPr>
-              <a:t>Bedarf</a:t>
-            </a:r>
-          </a:p>
-          <a:p>
-            <a:pPr lvl="1"/>
-            <a:r>
-              <a:rPr lang="de-DE" sz="2000" dirty="0" smtClean="0">
-                <a:solidFill>
-                  <a:schemeClr val="bg1">
-                    <a:lumMod val="65000"/>
-                  </a:schemeClr>
-                </a:solidFill>
-                <a:latin typeface="Verdana" panose="020B0604030504040204" pitchFamily="34" charset="0"/>
-                <a:ea typeface="Verdana" panose="020B0604030504040204" pitchFamily="34" charset="0"/>
-                <a:cs typeface="Verdana" panose="020B0604030504040204" pitchFamily="34" charset="0"/>
-              </a:rPr>
-              <a:t>Prognose</a:t>
-            </a:r>
-          </a:p>
-          <a:p>
-            <a:pPr lvl="1"/>
-            <a:r>
-              <a:rPr lang="de-DE" sz="2000" dirty="0" smtClean="0">
-                <a:solidFill>
-                  <a:schemeClr val="bg1">
-                    <a:lumMod val="65000"/>
-                  </a:schemeClr>
-                </a:solidFill>
-                <a:latin typeface="Verdana" panose="020B0604030504040204" pitchFamily="34" charset="0"/>
-                <a:ea typeface="Verdana" panose="020B0604030504040204" pitchFamily="34" charset="0"/>
-                <a:cs typeface="Verdana" panose="020B0604030504040204" pitchFamily="34" charset="0"/>
-              </a:rPr>
-              <a:t>Beschaffung</a:t>
-            </a:r>
-            <a:endParaRPr lang="de-DE" sz="2000" dirty="0">
-              <a:solidFill>
+              </a:gs>
+              <a:gs pos="100000">
                 <a:schemeClr val="bg1">
-                  <a:lumMod val="65000"/>
+                  <a:lumMod val="95000"/>
                 </a:schemeClr>
-              </a:solidFill>
-              <a:latin typeface="Verdana" panose="020B0604030504040204" pitchFamily="34" charset="0"/>
-              <a:ea typeface="Verdana" panose="020B0604030504040204" pitchFamily="34" charset="0"/>
-              <a:cs typeface="Verdana" panose="020B0604030504040204" pitchFamily="34" charset="0"/>
-            </a:endParaRPr>
+              </a:gs>
+            </a:gsLst>
+            <a:path path="circle">
+              <a:fillToRect l="100000" t="100000"/>
+            </a:path>
+            <a:tileRect r="-100000" b="-100000"/>
+          </a:gradFill>
+          <a:ln>
+            <a:noFill/>
+          </a:ln>
+        </p:spPr>
+        <p:style>
+          <a:lnRef idx="2">
+            <a:schemeClr val="accent1">
+              <a:shade val="50000"/>
+            </a:schemeClr>
+          </a:lnRef>
+          <a:fillRef idx="1">
+            <a:schemeClr val="accent1"/>
+          </a:fillRef>
+          <a:effectRef idx="0">
+            <a:schemeClr val="accent1"/>
+          </a:effectRef>
+          <a:fontRef idx="minor">
+            <a:schemeClr val="lt1"/>
+          </a:fontRef>
+        </p:style>
+        <p:txBody>
+          <a:bodyPr rtlCol="0" anchor="ctr"/>
+          <a:lstStyle/>
+          <a:p>
+            <a:pPr algn="ctr"/>
+            <a:endParaRPr lang="de-DE"/>
+          </a:p>
+        </p:txBody>
+      </p:sp>
+      <p:sp>
+        <p:nvSpPr>
+          <p:cNvPr id="5" name="Rectangle 4"/>
+          <p:cNvSpPr/>
+          <p:nvPr/>
+        </p:nvSpPr>
+        <p:spPr>
+          <a:xfrm>
+            <a:off x="733425" y="0"/>
+            <a:ext cx="104775" cy="6858000"/>
+          </a:xfrm>
+          <a:prstGeom prst="rect">
+            <a:avLst/>
+          </a:prstGeom>
+          <a:gradFill flip="none" rotWithShape="1">
+            <a:gsLst>
+              <a:gs pos="0">
+                <a:schemeClr val="bg1">
+                  <a:lumMod val="85000"/>
+                </a:schemeClr>
+              </a:gs>
+              <a:gs pos="100000">
+                <a:schemeClr val="bg1">
+                  <a:lumMod val="95000"/>
+                </a:schemeClr>
+              </a:gs>
+            </a:gsLst>
+            <a:path path="circle">
+              <a:fillToRect l="100000" t="100000"/>
+            </a:path>
+            <a:tileRect r="-100000" b="-100000"/>
+          </a:gradFill>
+          <a:ln>
+            <a:noFill/>
+          </a:ln>
+        </p:spPr>
+        <p:style>
+          <a:lnRef idx="2">
+            <a:schemeClr val="accent1">
+              <a:shade val="50000"/>
+            </a:schemeClr>
+          </a:lnRef>
+          <a:fillRef idx="1">
+            <a:schemeClr val="accent1"/>
+          </a:fillRef>
+          <a:effectRef idx="0">
+            <a:schemeClr val="accent1"/>
+          </a:effectRef>
+          <a:fontRef idx="minor">
+            <a:schemeClr val="lt1"/>
+          </a:fontRef>
+        </p:style>
+        <p:txBody>
+          <a:bodyPr rtlCol="0" anchor="ctr"/>
+          <a:lstStyle/>
+          <a:p>
+            <a:pPr algn="ctr"/>
+            <a:endParaRPr lang="de-DE"/>
+          </a:p>
+        </p:txBody>
+      </p:sp>
+      <p:sp>
+        <p:nvSpPr>
+          <p:cNvPr id="7" name="Slide Number Placeholder 2"/>
+          <p:cNvSpPr>
+            <a:spLocks noGrp="1"/>
+          </p:cNvSpPr>
+          <p:nvPr>
+            <p:ph type="sldNum" sz="quarter" idx="12"/>
+          </p:nvPr>
+        </p:nvSpPr>
+        <p:spPr>
+          <a:xfrm>
+            <a:off x="0" y="6492875"/>
+            <a:ext cx="561975" cy="365125"/>
+          </a:xfrm>
+        </p:spPr>
+        <p:txBody>
+          <a:bodyPr/>
+          <a:lstStyle/>
+          <a:p>
+            <a:fld id="{F6D83B3D-DB5E-4459-98A8-38872AC69B4F}" type="slidenum">
+              <a:rPr lang="de-DE" smtClean="0"/>
+              <a:t>4</a:t>
+            </a:fld>
+            <a:endParaRPr lang="de-DE" dirty="0"/>
           </a:p>
         </p:txBody>
       </p:sp>
     </p:spTree>
     <p:extLst>
       <p:ext uri="{BB962C8B-B14F-4D97-AF65-F5344CB8AC3E}">
-        <p14:creationId xmlns:p14="http://schemas.microsoft.com/office/powerpoint/2010/main" val="1070401155"/>
+        <p14:creationId xmlns:p14="http://schemas.microsoft.com/office/powerpoint/2010/main" val="3393595368"/>
       </p:ext>
     </p:extLst>
   </p:cSld>
@@ -4143,8 +5364,8 @@
         </p:nvSpPr>
         <p:spPr>
           <a:xfrm>
-            <a:off x="838200" y="2766219"/>
-            <a:ext cx="10515600" cy="1325563"/>
+            <a:off x="838200" y="285750"/>
+            <a:ext cx="10515600" cy="828675"/>
           </a:xfrm>
         </p:spPr>
         <p:txBody>
@@ -4160,11 +5381,11 @@
                     <a:lumOff val="35000"/>
                   </a:schemeClr>
                 </a:solidFill>
-                <a:latin typeface="Verdana" panose="020B0604030504040204" pitchFamily="34" charset="0"/>
-                <a:ea typeface="Verdana" panose="020B0604030504040204" pitchFamily="34" charset="0"/>
+                <a:latin typeface="Fira Sans" panose="020B0503050000020004" pitchFamily="34" charset="0"/>
+                <a:ea typeface="Fira Sans" panose="020B0503050000020004" pitchFamily="34" charset="0"/>
                 <a:cs typeface="Verdana" panose="020B0604030504040204" pitchFamily="34" charset="0"/>
               </a:rPr>
-              <a:t>VIELEN DANK</a:t>
+              <a:t>FAZIT</a:t>
             </a:r>
             <a:endParaRPr lang="de-DE" i="1" dirty="0">
               <a:solidFill>
@@ -4173,8 +5394,380 @@
                   <a:lumOff val="35000"/>
                 </a:schemeClr>
               </a:solidFill>
-              <a:latin typeface="Verdana" panose="020B0604030504040204" pitchFamily="34" charset="0"/>
-              <a:ea typeface="Verdana" panose="020B0604030504040204" pitchFamily="34" charset="0"/>
+              <a:latin typeface="Fira Sans" panose="020B0503050000020004" pitchFamily="34" charset="0"/>
+              <a:ea typeface="Fira Sans" panose="020B0503050000020004" pitchFamily="34" charset="0"/>
+              <a:cs typeface="Verdana" panose="020B0604030504040204" pitchFamily="34" charset="0"/>
+            </a:endParaRPr>
+          </a:p>
+        </p:txBody>
+      </p:sp>
+      <p:sp>
+        <p:nvSpPr>
+          <p:cNvPr id="14" name="Inhaltsplatzhalter 13"/>
+          <p:cNvSpPr>
+            <a:spLocks noGrp="1"/>
+          </p:cNvSpPr>
+          <p:nvPr>
+            <p:ph idx="1"/>
+          </p:nvPr>
+        </p:nvSpPr>
+        <p:spPr>
+          <a:xfrm>
+            <a:off x="838200" y="1266824"/>
+            <a:ext cx="10515600" cy="5133975"/>
+          </a:xfrm>
+        </p:spPr>
+        <p:txBody>
+          <a:bodyPr>
+            <a:normAutofit/>
+          </a:bodyPr>
+          <a:lstStyle/>
+          <a:p>
+            <a:r>
+              <a:rPr lang="en-GB" sz="2400" i="1" dirty="0" smtClean="0">
+                <a:solidFill>
+                  <a:schemeClr val="bg1">
+                    <a:lumMod val="50000"/>
+                  </a:schemeClr>
+                </a:solidFill>
+                <a:latin typeface="Fira Sans" panose="020B0503050000020004" pitchFamily="34" charset="0"/>
+                <a:ea typeface="Fira Sans" panose="020B0503050000020004" pitchFamily="34" charset="0"/>
+                <a:cs typeface="Verdana" panose="020B0604030504040204" pitchFamily="34" charset="0"/>
+              </a:rPr>
+              <a:t>Operative &amp; strategische Ziele</a:t>
+            </a:r>
+          </a:p>
+          <a:p>
+            <a:r>
+              <a:rPr lang="en-GB" sz="2400" i="1" dirty="0" smtClean="0">
+                <a:solidFill>
+                  <a:schemeClr val="bg1">
+                    <a:lumMod val="50000"/>
+                  </a:schemeClr>
+                </a:solidFill>
+                <a:latin typeface="Fira Sans" panose="020B0503050000020004" pitchFamily="34" charset="0"/>
+                <a:ea typeface="Fira Sans" panose="020B0503050000020004" pitchFamily="34" charset="0"/>
+                <a:cs typeface="Verdana" panose="020B0604030504040204" pitchFamily="34" charset="0"/>
+              </a:rPr>
+              <a:t>Operative &amp; strategische Planung</a:t>
+            </a:r>
+          </a:p>
+          <a:p>
+            <a:r>
+              <a:rPr lang="en-GB" sz="2400" i="1" dirty="0" smtClean="0">
+                <a:solidFill>
+                  <a:schemeClr val="bg1">
+                    <a:lumMod val="50000"/>
+                  </a:schemeClr>
+                </a:solidFill>
+                <a:latin typeface="Fira Sans" panose="020B0503050000020004" pitchFamily="34" charset="0"/>
+                <a:ea typeface="Fira Sans" panose="020B0503050000020004" pitchFamily="34" charset="0"/>
+                <a:cs typeface="Verdana" panose="020B0604030504040204" pitchFamily="34" charset="0"/>
+              </a:rPr>
+              <a:t>Informations…</a:t>
+            </a:r>
+          </a:p>
+          <a:p>
+            <a:pPr lvl="1"/>
+            <a:r>
+              <a:rPr lang="en-GB" sz="2000" i="1" dirty="0" smtClean="0">
+                <a:solidFill>
+                  <a:schemeClr val="bg1">
+                    <a:lumMod val="65000"/>
+                  </a:schemeClr>
+                </a:solidFill>
+                <a:latin typeface="Fira Sans" panose="020B0503050000020004" pitchFamily="34" charset="0"/>
+                <a:ea typeface="Fira Sans" panose="020B0503050000020004" pitchFamily="34" charset="0"/>
+                <a:cs typeface="Verdana" panose="020B0604030504040204" pitchFamily="34" charset="0"/>
+              </a:rPr>
+              <a:t>Filterung</a:t>
+            </a:r>
+          </a:p>
+          <a:p>
+            <a:pPr lvl="1"/>
+            <a:r>
+              <a:rPr lang="en-GB" sz="2000" i="1" dirty="0" smtClean="0">
+                <a:solidFill>
+                  <a:schemeClr val="bg1">
+                    <a:lumMod val="65000"/>
+                  </a:schemeClr>
+                </a:solidFill>
+                <a:latin typeface="Fira Sans" panose="020B0503050000020004" pitchFamily="34" charset="0"/>
+                <a:ea typeface="Fira Sans" panose="020B0503050000020004" pitchFamily="34" charset="0"/>
+                <a:cs typeface="Verdana" panose="020B0604030504040204" pitchFamily="34" charset="0"/>
+              </a:rPr>
+              <a:t>Sammlung</a:t>
+            </a:r>
+          </a:p>
+          <a:p>
+            <a:pPr lvl="1"/>
+            <a:r>
+              <a:rPr lang="en-GB" sz="2000" i="1" dirty="0" smtClean="0">
+                <a:solidFill>
+                  <a:schemeClr val="bg1">
+                    <a:lumMod val="65000"/>
+                  </a:schemeClr>
+                </a:solidFill>
+                <a:latin typeface="Fira Sans" panose="020B0503050000020004" pitchFamily="34" charset="0"/>
+                <a:ea typeface="Fira Sans" panose="020B0503050000020004" pitchFamily="34" charset="0"/>
+                <a:cs typeface="Verdana" panose="020B0604030504040204" pitchFamily="34" charset="0"/>
+              </a:rPr>
+              <a:t>Darstellung</a:t>
+            </a:r>
+          </a:p>
+        </p:txBody>
+      </p:sp>
+      <p:sp>
+        <p:nvSpPr>
+          <p:cNvPr id="4" name="Rectangle 3"/>
+          <p:cNvSpPr/>
+          <p:nvPr/>
+        </p:nvSpPr>
+        <p:spPr>
+          <a:xfrm>
+            <a:off x="152400" y="0"/>
+            <a:ext cx="495300" cy="6858000"/>
+          </a:xfrm>
+          <a:prstGeom prst="rect">
+            <a:avLst/>
+          </a:prstGeom>
+          <a:gradFill flip="none" rotWithShape="1">
+            <a:gsLst>
+              <a:gs pos="0">
+                <a:schemeClr val="bg1">
+                  <a:lumMod val="85000"/>
+                </a:schemeClr>
+              </a:gs>
+              <a:gs pos="100000">
+                <a:schemeClr val="bg1">
+                  <a:lumMod val="95000"/>
+                </a:schemeClr>
+              </a:gs>
+            </a:gsLst>
+            <a:path path="circle">
+              <a:fillToRect l="100000" t="100000"/>
+            </a:path>
+            <a:tileRect r="-100000" b="-100000"/>
+          </a:gradFill>
+          <a:ln>
+            <a:noFill/>
+          </a:ln>
+        </p:spPr>
+        <p:style>
+          <a:lnRef idx="2">
+            <a:schemeClr val="accent1">
+              <a:shade val="50000"/>
+            </a:schemeClr>
+          </a:lnRef>
+          <a:fillRef idx="1">
+            <a:schemeClr val="accent1"/>
+          </a:fillRef>
+          <a:effectRef idx="0">
+            <a:schemeClr val="accent1"/>
+          </a:effectRef>
+          <a:fontRef idx="minor">
+            <a:schemeClr val="lt1"/>
+          </a:fontRef>
+        </p:style>
+        <p:txBody>
+          <a:bodyPr rtlCol="0" anchor="ctr"/>
+          <a:lstStyle/>
+          <a:p>
+            <a:pPr algn="ctr"/>
+            <a:endParaRPr lang="de-DE"/>
+          </a:p>
+        </p:txBody>
+      </p:sp>
+      <p:sp>
+        <p:nvSpPr>
+          <p:cNvPr id="5" name="Rectangle 4"/>
+          <p:cNvSpPr/>
+          <p:nvPr/>
+        </p:nvSpPr>
+        <p:spPr>
+          <a:xfrm>
+            <a:off x="733425" y="0"/>
+            <a:ext cx="104775" cy="6858000"/>
+          </a:xfrm>
+          <a:prstGeom prst="rect">
+            <a:avLst/>
+          </a:prstGeom>
+          <a:gradFill flip="none" rotWithShape="1">
+            <a:gsLst>
+              <a:gs pos="0">
+                <a:schemeClr val="bg1">
+                  <a:lumMod val="85000"/>
+                </a:schemeClr>
+              </a:gs>
+              <a:gs pos="100000">
+                <a:schemeClr val="bg1">
+                  <a:lumMod val="95000"/>
+                </a:schemeClr>
+              </a:gs>
+            </a:gsLst>
+            <a:path path="circle">
+              <a:fillToRect l="100000" t="100000"/>
+            </a:path>
+            <a:tileRect r="-100000" b="-100000"/>
+          </a:gradFill>
+          <a:ln>
+            <a:noFill/>
+          </a:ln>
+        </p:spPr>
+        <p:style>
+          <a:lnRef idx="2">
+            <a:schemeClr val="accent1">
+              <a:shade val="50000"/>
+            </a:schemeClr>
+          </a:lnRef>
+          <a:fillRef idx="1">
+            <a:schemeClr val="accent1"/>
+          </a:fillRef>
+          <a:effectRef idx="0">
+            <a:schemeClr val="accent1"/>
+          </a:effectRef>
+          <a:fontRef idx="minor">
+            <a:schemeClr val="lt1"/>
+          </a:fontRef>
+        </p:style>
+        <p:txBody>
+          <a:bodyPr rtlCol="0" anchor="ctr"/>
+          <a:lstStyle/>
+          <a:p>
+            <a:pPr algn="ctr"/>
+            <a:endParaRPr lang="de-DE"/>
+          </a:p>
+        </p:txBody>
+      </p:sp>
+      <p:sp>
+        <p:nvSpPr>
+          <p:cNvPr id="7" name="Slide Number Placeholder 2"/>
+          <p:cNvSpPr>
+            <a:spLocks noGrp="1"/>
+          </p:cNvSpPr>
+          <p:nvPr>
+            <p:ph type="sldNum" sz="quarter" idx="12"/>
+          </p:nvPr>
+        </p:nvSpPr>
+        <p:spPr>
+          <a:xfrm>
+            <a:off x="0" y="6492875"/>
+            <a:ext cx="561975" cy="365125"/>
+          </a:xfrm>
+        </p:spPr>
+        <p:txBody>
+          <a:bodyPr/>
+          <a:lstStyle/>
+          <a:p>
+            <a:fld id="{77E5ACBD-5D38-4BE2-8CC6-7D183967E8DB}" type="slidenum">
+              <a:rPr lang="de-DE" smtClean="0"/>
+              <a:t>5</a:t>
+            </a:fld>
+            <a:endParaRPr lang="de-DE" dirty="0"/>
+          </a:p>
+        </p:txBody>
+      </p:sp>
+    </p:spTree>
+    <p:extLst>
+      <p:ext uri="{BB962C8B-B14F-4D97-AF65-F5344CB8AC3E}">
+        <p14:creationId xmlns:p14="http://schemas.microsoft.com/office/powerpoint/2010/main" val="1070401155"/>
+      </p:ext>
+    </p:extLst>
+  </p:cSld>
+  <p:clrMapOvr>
+    <a:masterClrMapping/>
+  </p:clrMapOvr>
+  <p:timing>
+    <p:tnLst>
+      <p:par>
+        <p:cTn id="1" dur="indefinite" restart="never" nodeType="tmRoot"/>
+      </p:par>
+    </p:tnLst>
+  </p:timing>
+</p:sld>
+</file>
+
+<file path=ppt/slides/slide6.xml><?xml version="1.0" encoding="utf-8"?>
+<p:sld xmlns:a="http://schemas.openxmlformats.org/drawingml/2006/main" xmlns:r="http://schemas.openxmlformats.org/officeDocument/2006/relationships" xmlns:p="http://schemas.openxmlformats.org/presentationml/2006/main">
+  <p:cSld>
+    <p:bg>
+      <p:bgPr>
+        <a:gradFill flip="none" rotWithShape="1">
+          <a:gsLst>
+            <a:gs pos="0">
+              <a:schemeClr val="accent3">
+                <a:lumMod val="5000"/>
+                <a:lumOff val="95000"/>
+              </a:schemeClr>
+            </a:gs>
+            <a:gs pos="100000">
+              <a:schemeClr val="bg2"/>
+            </a:gs>
+          </a:gsLst>
+          <a:lin ang="5400000" scaled="1"/>
+          <a:tileRect/>
+        </a:gradFill>
+        <a:effectLst/>
+      </p:bgPr>
+    </p:bg>
+    <p:spTree>
+      <p:nvGrpSpPr>
+        <p:cNvPr id="1" name=""/>
+        <p:cNvGrpSpPr/>
+        <p:nvPr/>
+      </p:nvGrpSpPr>
+      <p:grpSpPr>
+        <a:xfrm>
+          <a:off x="0" y="0"/>
+          <a:ext cx="0" cy="0"/>
+          <a:chOff x="0" y="0"/>
+          <a:chExt cx="0" cy="0"/>
+        </a:xfrm>
+      </p:grpSpPr>
+      <p:sp>
+        <p:nvSpPr>
+          <p:cNvPr id="8" name="Titel 7"/>
+          <p:cNvSpPr>
+            <a:spLocks noGrp="1"/>
+          </p:cNvSpPr>
+          <p:nvPr>
+            <p:ph type="title"/>
+          </p:nvPr>
+        </p:nvSpPr>
+        <p:spPr>
+          <a:xfrm>
+            <a:off x="838200" y="2766219"/>
+            <a:ext cx="10515600" cy="1325563"/>
+          </a:xfrm>
+        </p:spPr>
+        <p:txBody>
+          <a:bodyPr/>
+          <a:lstStyle/>
+          <a:p>
+            <a:pPr algn="ctr"/>
+            <a:r>
+              <a:rPr lang="de-DE" i="1" dirty="0" smtClean="0">
+                <a:solidFill>
+                  <a:schemeClr val="tx1">
+                    <a:lumMod val="65000"/>
+                    <a:lumOff val="35000"/>
+                  </a:schemeClr>
+                </a:solidFill>
+                <a:latin typeface="Fira Sans" panose="020B0503050000020004" pitchFamily="34" charset="0"/>
+                <a:ea typeface="Fira Sans" panose="020B0503050000020004" pitchFamily="34" charset="0"/>
+                <a:cs typeface="Verdana" panose="020B0604030504040204" pitchFamily="34" charset="0"/>
+              </a:rPr>
+              <a:t>VIELEN DANK</a:t>
+            </a:r>
+            <a:endParaRPr lang="de-DE" i="1" dirty="0">
+              <a:solidFill>
+                <a:schemeClr val="tx1">
+                  <a:lumMod val="65000"/>
+                  <a:lumOff val="35000"/>
+                </a:schemeClr>
+              </a:solidFill>
+              <a:latin typeface="Fira Sans" panose="020B0503050000020004" pitchFamily="34" charset="0"/>
+              <a:ea typeface="Fira Sans" panose="020B0503050000020004" pitchFamily="34" charset="0"/>
               <a:cs typeface="Verdana" panose="020B0604030504040204" pitchFamily="34" charset="0"/>
             </a:endParaRPr>
           </a:p>
@@ -4211,8 +5804,8 @@
                     <a:lumOff val="50000"/>
                   </a:schemeClr>
                 </a:solidFill>
-                <a:latin typeface="Verdana" panose="020B0604030504040204" pitchFamily="34" charset="0"/>
-                <a:ea typeface="Verdana" panose="020B0604030504040204" pitchFamily="34" charset="0"/>
+                <a:latin typeface="Fira Sans" panose="020B0503050000020004" pitchFamily="34" charset="0"/>
+                <a:ea typeface="Fira Sans" panose="020B0503050000020004" pitchFamily="34" charset="0"/>
                 <a:cs typeface="Verdana" panose="020B0604030504040204" pitchFamily="34" charset="0"/>
               </a:rPr>
               <a:t>CHARLOTTE ZEEB</a:t>
@@ -4224,10 +5817,160 @@
                   <a:lumOff val="50000"/>
                 </a:schemeClr>
               </a:solidFill>
-              <a:latin typeface="Verdana" panose="020B0604030504040204" pitchFamily="34" charset="0"/>
-              <a:ea typeface="Verdana" panose="020B0604030504040204" pitchFamily="34" charset="0"/>
+              <a:latin typeface="Fira Sans" panose="020B0503050000020004" pitchFamily="34" charset="0"/>
+              <a:ea typeface="Fira Sans" panose="020B0503050000020004" pitchFamily="34" charset="0"/>
               <a:cs typeface="Verdana" panose="020B0604030504040204" pitchFamily="34" charset="0"/>
             </a:endParaRPr>
+          </a:p>
+        </p:txBody>
+      </p:sp>
+      <p:sp>
+        <p:nvSpPr>
+          <p:cNvPr id="4" name="Rectangle 3"/>
+          <p:cNvSpPr/>
+          <p:nvPr/>
+        </p:nvSpPr>
+        <p:spPr>
+          <a:xfrm>
+            <a:off x="152400" y="0"/>
+            <a:ext cx="495300" cy="6858000"/>
+          </a:xfrm>
+          <a:prstGeom prst="rect">
+            <a:avLst/>
+          </a:prstGeom>
+          <a:gradFill flip="none" rotWithShape="1">
+            <a:gsLst>
+              <a:gs pos="0">
+                <a:schemeClr val="bg1">
+                  <a:lumMod val="85000"/>
+                </a:schemeClr>
+              </a:gs>
+              <a:gs pos="100000">
+                <a:schemeClr val="bg1">
+                  <a:lumMod val="95000"/>
+                </a:schemeClr>
+              </a:gs>
+            </a:gsLst>
+            <a:path path="circle">
+              <a:fillToRect l="100000" t="100000"/>
+            </a:path>
+            <a:tileRect r="-100000" b="-100000"/>
+          </a:gradFill>
+          <a:ln>
+            <a:noFill/>
+          </a:ln>
+        </p:spPr>
+        <p:style>
+          <a:lnRef idx="2">
+            <a:schemeClr val="accent1">
+              <a:shade val="50000"/>
+            </a:schemeClr>
+          </a:lnRef>
+          <a:fillRef idx="1">
+            <a:schemeClr val="accent1"/>
+          </a:fillRef>
+          <a:effectRef idx="0">
+            <a:schemeClr val="accent1"/>
+          </a:effectRef>
+          <a:fontRef idx="minor">
+            <a:schemeClr val="lt1"/>
+          </a:fontRef>
+        </p:style>
+        <p:txBody>
+          <a:bodyPr rtlCol="0" anchor="ctr"/>
+          <a:lstStyle/>
+          <a:p>
+            <a:pPr algn="ctr"/>
+            <a:endParaRPr lang="de-DE"/>
+          </a:p>
+        </p:txBody>
+      </p:sp>
+      <p:sp>
+        <p:nvSpPr>
+          <p:cNvPr id="5" name="Rectangle 4"/>
+          <p:cNvSpPr/>
+          <p:nvPr/>
+        </p:nvSpPr>
+        <p:spPr>
+          <a:xfrm>
+            <a:off x="733425" y="0"/>
+            <a:ext cx="104775" cy="6858000"/>
+          </a:xfrm>
+          <a:prstGeom prst="rect">
+            <a:avLst/>
+          </a:prstGeom>
+          <a:gradFill flip="none" rotWithShape="1">
+            <a:gsLst>
+              <a:gs pos="0">
+                <a:schemeClr val="bg1">
+                  <a:lumMod val="85000"/>
+                </a:schemeClr>
+              </a:gs>
+              <a:gs pos="100000">
+                <a:schemeClr val="bg1">
+                  <a:lumMod val="95000"/>
+                </a:schemeClr>
+              </a:gs>
+            </a:gsLst>
+            <a:path path="circle">
+              <a:fillToRect l="100000" t="100000"/>
+            </a:path>
+            <a:tileRect r="-100000" b="-100000"/>
+          </a:gradFill>
+          <a:ln>
+            <a:noFill/>
+          </a:ln>
+        </p:spPr>
+        <p:style>
+          <a:lnRef idx="2">
+            <a:schemeClr val="accent1">
+              <a:shade val="50000"/>
+            </a:schemeClr>
+          </a:lnRef>
+          <a:fillRef idx="1">
+            <a:schemeClr val="accent1"/>
+          </a:fillRef>
+          <a:effectRef idx="0">
+            <a:schemeClr val="accent1"/>
+          </a:effectRef>
+          <a:fontRef idx="minor">
+            <a:schemeClr val="lt1"/>
+          </a:fontRef>
+        </p:style>
+        <p:txBody>
+          <a:bodyPr rtlCol="0" anchor="ctr"/>
+          <a:lstStyle/>
+          <a:p>
+            <a:pPr algn="ctr"/>
+            <a:endParaRPr lang="de-DE"/>
+          </a:p>
+        </p:txBody>
+      </p:sp>
+      <p:sp>
+        <p:nvSpPr>
+          <p:cNvPr id="6" name="Slide Number Placeholder 2"/>
+          <p:cNvSpPr>
+            <a:spLocks noGrp="1"/>
+          </p:cNvSpPr>
+          <p:nvPr>
+            <p:ph type="sldNum" sz="quarter" idx="12"/>
+          </p:nvPr>
+        </p:nvSpPr>
+        <p:spPr>
+          <a:xfrm>
+            <a:off x="0" y="6492875"/>
+            <a:ext cx="561975" cy="365125"/>
+          </a:xfrm>
+        </p:spPr>
+        <p:txBody>
+          <a:bodyPr/>
+          <a:lstStyle/>
+          <a:p>
+            <a:fld id="{14C4EE5B-3931-45E4-8F7C-B78A2EBB108F}" type="slidenum">
+              <a:rPr lang="de-DE" smtClean="0"/>
+              <a:t>6</a:t>
+            </a:fld>
+            <a:endParaRPr lang="de-DE" dirty="0"/>
           </a:p>
         </p:txBody>
       </p:sp>
@@ -4510,4 +6253,526 @@
     </a:ext>
   </a:extLst>
 </a:theme>
+</file>
+
+<file path=ppt/theme/theme2.xml><?xml version="1.0" encoding="utf-8"?>
+<a:theme xmlns:a="http://schemas.openxmlformats.org/drawingml/2006/main" name="Office Theme">
+  <a:themeElements>
+    <a:clrScheme name="Office">
+      <a:dk1>
+        <a:sysClr val="windowText" lastClr="000000"/>
+      </a:dk1>
+      <a:lt1>
+        <a:sysClr val="window" lastClr="FFFFFF"/>
+      </a:lt1>
+      <a:dk2>
+        <a:srgbClr val="44546A"/>
+      </a:dk2>
+      <a:lt2>
+        <a:srgbClr val="E7E6E6"/>
+      </a:lt2>
+      <a:accent1>
+        <a:srgbClr val="5B9BD5"/>
+      </a:accent1>
+      <a:accent2>
+        <a:srgbClr val="ED7D31"/>
+      </a:accent2>
+      <a:accent3>
+        <a:srgbClr val="A5A5A5"/>
+      </a:accent3>
+      <a:accent4>
+        <a:srgbClr val="FFC000"/>
+      </a:accent4>
+      <a:accent5>
+        <a:srgbClr val="4472C4"/>
+      </a:accent5>
+      <a:accent6>
+        <a:srgbClr val="70AD47"/>
+      </a:accent6>
+      <a:hlink>
+        <a:srgbClr val="0563C1"/>
+      </a:hlink>
+      <a:folHlink>
+        <a:srgbClr val="954F72"/>
+      </a:folHlink>
+    </a:clrScheme>
+    <a:fontScheme name="Office">
+      <a:majorFont>
+        <a:latin typeface="Calibri Light" panose="020F0302020204030204"/>
+        <a:ea typeface=""/>
+        <a:cs typeface=""/>
+        <a:font script="Jpan" typeface="ＭＳ Ｐゴシック"/>
+        <a:font script="Hang" typeface="맑은 고딕"/>
+        <a:font script="Hans" typeface="宋体"/>
+        <a:font script="Hant" typeface="新細明體"/>
+        <a:font script="Arab" typeface="Times New Roman"/>
+        <a:font script="Hebr" typeface="Times New Roman"/>
+        <a:font script="Thai" typeface="Angsana New"/>
+        <a:font script="Ethi" typeface="Nyala"/>
+        <a:font script="Beng" typeface="Vrinda"/>
+        <a:font script="Gujr" typeface="Shruti"/>
+        <a:font script="Khmr" typeface="MoolBoran"/>
+        <a:font script="Knda" typeface="Tunga"/>
+        <a:font script="Guru" typeface="Raavi"/>
+        <a:font script="Cans" typeface="Euphemia"/>
+        <a:font script="Cher" typeface="Plantagenet Cherokee"/>
+        <a:font script="Yiii" typeface="Microsoft Yi Baiti"/>
+        <a:font script="Tibt" typeface="Microsoft Himalaya"/>
+        <a:font script="Thaa" typeface="MV Boli"/>
+        <a:font script="Deva" typeface="Mangal"/>
+        <a:font script="Telu" typeface="Gautami"/>
+        <a:font script="Taml" typeface="Latha"/>
+        <a:font script="Syrc" typeface="Estrangelo Edessa"/>
+        <a:font script="Orya" typeface="Kalinga"/>
+        <a:font script="Mlym" typeface="Kartika"/>
+        <a:font script="Laoo" typeface="DokChampa"/>
+        <a:font script="Sinh" typeface="Iskoola Pota"/>
+        <a:font script="Mong" typeface="Mongolian Baiti"/>
+        <a:font script="Viet" typeface="Times New Roman"/>
+        <a:font script="Uigh" typeface="Microsoft Uighur"/>
+        <a:font script="Geor" typeface="Sylfaen"/>
+      </a:majorFont>
+      <a:minorFont>
+        <a:latin typeface="Calibri" panose="020F0502020204030204"/>
+        <a:ea typeface=""/>
+        <a:cs typeface=""/>
+        <a:font script="Jpan" typeface="ＭＳ Ｐゴシック"/>
+        <a:font script="Hang" typeface="맑은 고딕"/>
+        <a:font script="Hans" typeface="宋体"/>
+        <a:font script="Hant" typeface="新細明體"/>
+        <a:font script="Arab" typeface="Arial"/>
+        <a:font script="Hebr" typeface="Arial"/>
+        <a:font script="Thai" typeface="Cordia New"/>
+        <a:font script="Ethi" typeface="Nyala"/>
+        <a:font script="Beng" typeface="Vrinda"/>
+        <a:font script="Gujr" typeface="Shruti"/>
+        <a:font script="Khmr" typeface="DaunPenh"/>
+        <a:font script="Knda" typeface="Tunga"/>
+        <a:font script="Guru" typeface="Raavi"/>
+        <a:font script="Cans" typeface="Euphemia"/>
+        <a:font script="Cher" typeface="Plantagenet Cherokee"/>
+        <a:font script="Yiii" typeface="Microsoft Yi Baiti"/>
+        <a:font script="Tibt" typeface="Microsoft Himalaya"/>
+        <a:font script="Thaa" typeface="MV Boli"/>
+        <a:font script="Deva" typeface="Mangal"/>
+        <a:font script="Telu" typeface="Gautami"/>
+        <a:font script="Taml" typeface="Latha"/>
+        <a:font script="Syrc" typeface="Estrangelo Edessa"/>
+        <a:font script="Orya" typeface="Kalinga"/>
+        <a:font script="Mlym" typeface="Kartika"/>
+        <a:font script="Laoo" typeface="DokChampa"/>
+        <a:font script="Sinh" typeface="Iskoola Pota"/>
+        <a:font script="Mong" typeface="Mongolian Baiti"/>
+        <a:font script="Viet" typeface="Arial"/>
+        <a:font script="Uigh" typeface="Microsoft Uighur"/>
+        <a:font script="Geor" typeface="Sylfaen"/>
+      </a:minorFont>
+    </a:fontScheme>
+    <a:fmtScheme name="Office">
+      <a:fillStyleLst>
+        <a:solidFill>
+          <a:schemeClr val="phClr"/>
+        </a:solidFill>
+        <a:gradFill rotWithShape="1">
+          <a:gsLst>
+            <a:gs pos="0">
+              <a:schemeClr val="phClr">
+                <a:lumMod val="110000"/>
+                <a:satMod val="105000"/>
+                <a:tint val="67000"/>
+              </a:schemeClr>
+            </a:gs>
+            <a:gs pos="50000">
+              <a:schemeClr val="phClr">
+                <a:lumMod val="105000"/>
+                <a:satMod val="103000"/>
+                <a:tint val="73000"/>
+              </a:schemeClr>
+            </a:gs>
+            <a:gs pos="100000">
+              <a:schemeClr val="phClr">
+                <a:lumMod val="105000"/>
+                <a:satMod val="109000"/>
+                <a:tint val="81000"/>
+              </a:schemeClr>
+            </a:gs>
+          </a:gsLst>
+          <a:lin ang="5400000" scaled="0"/>
+        </a:gradFill>
+        <a:gradFill rotWithShape="1">
+          <a:gsLst>
+            <a:gs pos="0">
+              <a:schemeClr val="phClr">
+                <a:satMod val="103000"/>
+                <a:lumMod val="102000"/>
+                <a:tint val="94000"/>
+              </a:schemeClr>
+            </a:gs>
+            <a:gs pos="50000">
+              <a:schemeClr val="phClr">
+                <a:satMod val="110000"/>
+                <a:lumMod val="100000"/>
+                <a:shade val="100000"/>
+              </a:schemeClr>
+            </a:gs>
+            <a:gs pos="100000">
+              <a:schemeClr val="phClr">
+                <a:lumMod val="99000"/>
+                <a:satMod val="120000"/>
+                <a:shade val="78000"/>
+              </a:schemeClr>
+            </a:gs>
+          </a:gsLst>
+          <a:lin ang="5400000" scaled="0"/>
+        </a:gradFill>
+      </a:fillStyleLst>
+      <a:lnStyleLst>
+        <a:ln w="6350" cap="flat" cmpd="sng" algn="ctr">
+          <a:solidFill>
+            <a:schemeClr val="phClr"/>
+          </a:solidFill>
+          <a:prstDash val="solid"/>
+          <a:miter lim="800000"/>
+        </a:ln>
+        <a:ln w="12700" cap="flat" cmpd="sng" algn="ctr">
+          <a:solidFill>
+            <a:schemeClr val="phClr"/>
+          </a:solidFill>
+          <a:prstDash val="solid"/>
+          <a:miter lim="800000"/>
+        </a:ln>
+        <a:ln w="19050" cap="flat" cmpd="sng" algn="ctr">
+          <a:solidFill>
+            <a:schemeClr val="phClr"/>
+          </a:solidFill>
+          <a:prstDash val="solid"/>
+          <a:miter lim="800000"/>
+        </a:ln>
+      </a:lnStyleLst>
+      <a:effectStyleLst>
+        <a:effectStyle>
+          <a:effectLst/>
+        </a:effectStyle>
+        <a:effectStyle>
+          <a:effectLst/>
+        </a:effectStyle>
+        <a:effectStyle>
+          <a:effectLst>
+            <a:outerShdw blurRad="57150" dist="19050" dir="5400000" algn="ctr" rotWithShape="0">
+              <a:srgbClr val="000000">
+                <a:alpha val="63000"/>
+              </a:srgbClr>
+            </a:outerShdw>
+          </a:effectLst>
+        </a:effectStyle>
+      </a:effectStyleLst>
+      <a:bgFillStyleLst>
+        <a:solidFill>
+          <a:schemeClr val="phClr"/>
+        </a:solidFill>
+        <a:solidFill>
+          <a:schemeClr val="phClr">
+            <a:tint val="95000"/>
+            <a:satMod val="170000"/>
+          </a:schemeClr>
+        </a:solidFill>
+        <a:gradFill rotWithShape="1">
+          <a:gsLst>
+            <a:gs pos="0">
+              <a:schemeClr val="phClr">
+                <a:tint val="93000"/>
+                <a:satMod val="150000"/>
+                <a:shade val="98000"/>
+                <a:lumMod val="102000"/>
+              </a:schemeClr>
+            </a:gs>
+            <a:gs pos="50000">
+              <a:schemeClr val="phClr">
+                <a:tint val="98000"/>
+                <a:satMod val="130000"/>
+                <a:shade val="90000"/>
+                <a:lumMod val="103000"/>
+              </a:schemeClr>
+            </a:gs>
+            <a:gs pos="100000">
+              <a:schemeClr val="phClr">
+                <a:shade val="63000"/>
+                <a:satMod val="120000"/>
+              </a:schemeClr>
+            </a:gs>
+          </a:gsLst>
+          <a:lin ang="5400000" scaled="0"/>
+        </a:gradFill>
+      </a:bgFillStyleLst>
+    </a:fmtScheme>
+  </a:themeElements>
+  <a:objectDefaults/>
+  <a:extraClrSchemeLst/>
+  <a:extLst>
+    <a:ext uri="{05A4C25C-085E-4340-85A3-A5531E510DB2}">
+      <thm15:themeFamily xmlns:thm15="http://schemas.microsoft.com/office/thememl/2012/main" name="Office Theme" id="{62F939B6-93AF-4DB8-9C6B-D6C7DFDC589F}" vid="{4A3C46E8-61CC-4603-A589-7422A47A8E4A}"/>
+    </a:ext>
+  </a:extLst>
+</a:theme>
+</file>
+
+<file path=ppt/theme/theme3.xml><?xml version="1.0" encoding="utf-8"?>
+<a:theme xmlns:a="http://schemas.openxmlformats.org/drawingml/2006/main" name="Office Theme">
+  <a:themeElements>
+    <a:clrScheme name="Office">
+      <a:dk1>
+        <a:sysClr val="windowText" lastClr="000000"/>
+      </a:dk1>
+      <a:lt1>
+        <a:sysClr val="window" lastClr="FFFFFF"/>
+      </a:lt1>
+      <a:dk2>
+        <a:srgbClr val="44546A"/>
+      </a:dk2>
+      <a:lt2>
+        <a:srgbClr val="E7E6E6"/>
+      </a:lt2>
+      <a:accent1>
+        <a:srgbClr val="5B9BD5"/>
+      </a:accent1>
+      <a:accent2>
+        <a:srgbClr val="ED7D31"/>
+      </a:accent2>
+      <a:accent3>
+        <a:srgbClr val="A5A5A5"/>
+      </a:accent3>
+      <a:accent4>
+        <a:srgbClr val="FFC000"/>
+      </a:accent4>
+      <a:accent5>
+        <a:srgbClr val="4472C4"/>
+      </a:accent5>
+      <a:accent6>
+        <a:srgbClr val="70AD47"/>
+      </a:accent6>
+      <a:hlink>
+        <a:srgbClr val="0563C1"/>
+      </a:hlink>
+      <a:folHlink>
+        <a:srgbClr val="954F72"/>
+      </a:folHlink>
+    </a:clrScheme>
+    <a:fontScheme name="Office">
+      <a:majorFont>
+        <a:latin typeface="Calibri Light" panose="020F0302020204030204"/>
+        <a:ea typeface=""/>
+        <a:cs typeface=""/>
+        <a:font script="Jpan" typeface="ＭＳ Ｐゴシック"/>
+        <a:font script="Hang" typeface="맑은 고딕"/>
+        <a:font script="Hans" typeface="宋体"/>
+        <a:font script="Hant" typeface="新細明體"/>
+        <a:font script="Arab" typeface="Times New Roman"/>
+        <a:font script="Hebr" typeface="Times New Roman"/>
+        <a:font script="Thai" typeface="Angsana New"/>
+        <a:font script="Ethi" typeface="Nyala"/>
+        <a:font script="Beng" typeface="Vrinda"/>
+        <a:font script="Gujr" typeface="Shruti"/>
+        <a:font script="Khmr" typeface="MoolBoran"/>
+        <a:font script="Knda" typeface="Tunga"/>
+        <a:font script="Guru" typeface="Raavi"/>
+        <a:font script="Cans" typeface="Euphemia"/>
+        <a:font script="Cher" typeface="Plantagenet Cherokee"/>
+        <a:font script="Yiii" typeface="Microsoft Yi Baiti"/>
+        <a:font script="Tibt" typeface="Microsoft Himalaya"/>
+        <a:font script="Thaa" typeface="MV Boli"/>
+        <a:font script="Deva" typeface="Mangal"/>
+        <a:font script="Telu" typeface="Gautami"/>
+        <a:font script="Taml" typeface="Latha"/>
+        <a:font script="Syrc" typeface="Estrangelo Edessa"/>
+        <a:font script="Orya" typeface="Kalinga"/>
+        <a:font script="Mlym" typeface="Kartika"/>
+        <a:font script="Laoo" typeface="DokChampa"/>
+        <a:font script="Sinh" typeface="Iskoola Pota"/>
+        <a:font script="Mong" typeface="Mongolian Baiti"/>
+        <a:font script="Viet" typeface="Times New Roman"/>
+        <a:font script="Uigh" typeface="Microsoft Uighur"/>
+        <a:font script="Geor" typeface="Sylfaen"/>
+      </a:majorFont>
+      <a:minorFont>
+        <a:latin typeface="Calibri" panose="020F0502020204030204"/>
+        <a:ea typeface=""/>
+        <a:cs typeface=""/>
+        <a:font script="Jpan" typeface="ＭＳ Ｐゴシック"/>
+        <a:font script="Hang" typeface="맑은 고딕"/>
+        <a:font script="Hans" typeface="宋体"/>
+        <a:font script="Hant" typeface="新細明體"/>
+        <a:font script="Arab" typeface="Arial"/>
+        <a:font script="Hebr" typeface="Arial"/>
+        <a:font script="Thai" typeface="Cordia New"/>
+        <a:font script="Ethi" typeface="Nyala"/>
+        <a:font script="Beng" typeface="Vrinda"/>
+        <a:font script="Gujr" typeface="Shruti"/>
+        <a:font script="Khmr" typeface="DaunPenh"/>
+        <a:font script="Knda" typeface="Tunga"/>
+        <a:font script="Guru" typeface="Raavi"/>
+        <a:font script="Cans" typeface="Euphemia"/>
+        <a:font script="Cher" typeface="Plantagenet Cherokee"/>
+        <a:font script="Yiii" typeface="Microsoft Yi Baiti"/>
+        <a:font script="Tibt" typeface="Microsoft Himalaya"/>
+        <a:font script="Thaa" typeface="MV Boli"/>
+        <a:font script="Deva" typeface="Mangal"/>
+        <a:font script="Telu" typeface="Gautami"/>
+        <a:font script="Taml" typeface="Latha"/>
+        <a:font script="Syrc" typeface="Estrangelo Edessa"/>
+        <a:font script="Orya" typeface="Kalinga"/>
+        <a:font script="Mlym" typeface="Kartika"/>
+        <a:font script="Laoo" typeface="DokChampa"/>
+        <a:font script="Sinh" typeface="Iskoola Pota"/>
+        <a:font script="Mong" typeface="Mongolian Baiti"/>
+        <a:font script="Viet" typeface="Arial"/>
+        <a:font script="Uigh" typeface="Microsoft Uighur"/>
+        <a:font script="Geor" typeface="Sylfaen"/>
+      </a:minorFont>
+    </a:fontScheme>
+    <a:fmtScheme name="Office">
+      <a:fillStyleLst>
+        <a:solidFill>
+          <a:schemeClr val="phClr"/>
+        </a:solidFill>
+        <a:gradFill rotWithShape="1">
+          <a:gsLst>
+            <a:gs pos="0">
+              <a:schemeClr val="phClr">
+                <a:lumMod val="110000"/>
+                <a:satMod val="105000"/>
+                <a:tint val="67000"/>
+              </a:schemeClr>
+            </a:gs>
+            <a:gs pos="50000">
+              <a:schemeClr val="phClr">
+                <a:lumMod val="105000"/>
+                <a:satMod val="103000"/>
+                <a:tint val="73000"/>
+              </a:schemeClr>
+            </a:gs>
+            <a:gs pos="100000">
+              <a:schemeClr val="phClr">
+                <a:lumMod val="105000"/>
+                <a:satMod val="109000"/>
+                <a:tint val="81000"/>
+              </a:schemeClr>
+            </a:gs>
+          </a:gsLst>
+          <a:lin ang="5400000" scaled="0"/>
+        </a:gradFill>
+        <a:gradFill rotWithShape="1">
+          <a:gsLst>
+            <a:gs pos="0">
+              <a:schemeClr val="phClr">
+                <a:satMod val="103000"/>
+                <a:lumMod val="102000"/>
+                <a:tint val="94000"/>
+              </a:schemeClr>
+            </a:gs>
+            <a:gs pos="50000">
+              <a:schemeClr val="phClr">
+                <a:satMod val="110000"/>
+                <a:lumMod val="100000"/>
+                <a:shade val="100000"/>
+              </a:schemeClr>
+            </a:gs>
+            <a:gs pos="100000">
+              <a:schemeClr val="phClr">
+                <a:lumMod val="99000"/>
+                <a:satMod val="120000"/>
+                <a:shade val="78000"/>
+              </a:schemeClr>
+            </a:gs>
+          </a:gsLst>
+          <a:lin ang="5400000" scaled="0"/>
+        </a:gradFill>
+      </a:fillStyleLst>
+      <a:lnStyleLst>
+        <a:ln w="6350" cap="flat" cmpd="sng" algn="ctr">
+          <a:solidFill>
+            <a:schemeClr val="phClr"/>
+          </a:solidFill>
+          <a:prstDash val="solid"/>
+          <a:miter lim="800000"/>
+        </a:ln>
+        <a:ln w="12700" cap="flat" cmpd="sng" algn="ctr">
+          <a:solidFill>
+            <a:schemeClr val="phClr"/>
+          </a:solidFill>
+          <a:prstDash val="solid"/>
+          <a:miter lim="800000"/>
+        </a:ln>
+        <a:ln w="19050" cap="flat" cmpd="sng" algn="ctr">
+          <a:solidFill>
+            <a:schemeClr val="phClr"/>
+          </a:solidFill>
+          <a:prstDash val="solid"/>
+          <a:miter lim="800000"/>
+        </a:ln>
+      </a:lnStyleLst>
+      <a:effectStyleLst>
+        <a:effectStyle>
+          <a:effectLst/>
+        </a:effectStyle>
+        <a:effectStyle>
+          <a:effectLst/>
+        </a:effectStyle>
+        <a:effectStyle>
+          <a:effectLst>
+            <a:outerShdw blurRad="57150" dist="19050" dir="5400000" algn="ctr" rotWithShape="0">
+              <a:srgbClr val="000000">
+                <a:alpha val="63000"/>
+              </a:srgbClr>
+            </a:outerShdw>
+          </a:effectLst>
+        </a:effectStyle>
+      </a:effectStyleLst>
+      <a:bgFillStyleLst>
+        <a:solidFill>
+          <a:schemeClr val="phClr"/>
+        </a:solidFill>
+        <a:solidFill>
+          <a:schemeClr val="phClr">
+            <a:tint val="95000"/>
+            <a:satMod val="170000"/>
+          </a:schemeClr>
+        </a:solidFill>
+        <a:gradFill rotWithShape="1">
+          <a:gsLst>
+            <a:gs pos="0">
+              <a:schemeClr val="phClr">
+                <a:tint val="93000"/>
+                <a:satMod val="150000"/>
+                <a:shade val="98000"/>
+                <a:lumMod val="102000"/>
+              </a:schemeClr>
+            </a:gs>
+            <a:gs pos="50000">
+              <a:schemeClr val="phClr">
+                <a:tint val="98000"/>
+                <a:satMod val="130000"/>
+                <a:shade val="90000"/>
+                <a:lumMod val="103000"/>
+              </a:schemeClr>
+            </a:gs>
+            <a:gs pos="100000">
+              <a:schemeClr val="phClr">
+                <a:shade val="63000"/>
+                <a:satMod val="120000"/>
+              </a:schemeClr>
+            </a:gs>
+          </a:gsLst>
+          <a:lin ang="5400000" scaled="0"/>
+        </a:gradFill>
+      </a:bgFillStyleLst>
+    </a:fmtScheme>
+  </a:themeElements>
+  <a:objectDefaults/>
+  <a:extraClrSchemeLst/>
+  <a:extLst>
+    <a:ext uri="{05A4C25C-085E-4340-85A3-A5531E510DB2}">
+      <thm15:themeFamily xmlns:thm15="http://schemas.microsoft.com/office/thememl/2012/main" name="Office Theme" id="{62F939B6-93AF-4DB8-9C6B-D6C7DFDC589F}" vid="{4A3C46E8-61CC-4603-A589-7422A47A8E4A}"/>
+    </a:ext>
+  </a:extLst>
+</a:theme>
 </file>
--- a/APPR/UF/presents/Businessplan01.pptx
+++ b/APPR/UF/presents/Businessplan01.pptx
@@ -3907,7 +3907,7 @@
       </p:sp>
       <p:sp>
         <p:nvSpPr>
-          <p:cNvPr id="9" name="Slide Number Placeholder 2"/>
+          <p:cNvPr id="7" name="Slide Number Placeholder 2"/>
           <p:cNvSpPr>
             <a:spLocks noGrp="1"/>
           </p:cNvSpPr>
@@ -3917,16 +3917,17 @@
         </p:nvSpPr>
         <p:spPr>
           <a:xfrm>
-            <a:off x="0" y="6492875"/>
-            <a:ext cx="561975" cy="365125"/>
+            <a:off x="152400" y="6492875"/>
+            <a:ext cx="495300" cy="365125"/>
           </a:xfrm>
         </p:spPr>
         <p:txBody>
           <a:bodyPr/>
           <a:lstStyle/>
           <a:p>
-            <a:fld id="{19866324-7D96-4DD5-8B23-24ABF3F8AD39}" type="slidenum">
-              <a:rPr lang="de-DE" smtClean="0"/>
+            <a:pPr algn="ctr"/>
+            <a:fld id="{248399AB-AE60-4992-9109-5834E07D4984}" type="slidenum">
+              <a:rPr lang="de-DE"/>
               <a:t>1</a:t>
             </a:fld>
             <a:endParaRPr lang="de-DE" dirty="0"/>
@@ -4359,16 +4360,18 @@
         </p:nvSpPr>
         <p:spPr>
           <a:xfrm>
-            <a:off x="0" y="6492875"/>
-            <a:ext cx="561975" cy="365125"/>
+            <a:off x="152400" y="6492875"/>
+            <a:ext cx="495300" cy="365125"/>
           </a:xfrm>
         </p:spPr>
         <p:txBody>
           <a:bodyPr/>
           <a:lstStyle/>
           <a:p>
+            <a:pPr algn="ctr"/>
             <a:fld id="{75441BEE-6C26-42F1-AD7E-3B93169C624F}" type="slidenum">
               <a:rPr lang="de-DE" smtClean="0"/>
+              <a:pPr algn="ctr"/>
               <a:t>2</a:t>
             </a:fld>
             <a:endParaRPr lang="de-DE" dirty="0"/>
@@ -4870,7 +4873,7 @@
       </p:sp>
       <p:sp>
         <p:nvSpPr>
-          <p:cNvPr id="7" name="Slide Number Placeholder 2"/>
+          <p:cNvPr id="9" name="Slide Number Placeholder 2"/>
           <p:cNvSpPr>
             <a:spLocks noGrp="1"/>
           </p:cNvSpPr>
@@ -4880,16 +4883,17 @@
         </p:nvSpPr>
         <p:spPr>
           <a:xfrm>
-            <a:off x="0" y="6492875"/>
-            <a:ext cx="561975" cy="365125"/>
+            <a:off x="152400" y="6492875"/>
+            <a:ext cx="495300" cy="365125"/>
           </a:xfrm>
         </p:spPr>
         <p:txBody>
           <a:bodyPr/>
           <a:lstStyle/>
           <a:p>
-            <a:fld id="{4ED6AB89-ECFC-45E2-8D6E-9BBF7B12A7DB}" type="slidenum">
-              <a:rPr lang="de-DE" smtClean="0"/>
+            <a:pPr algn="ctr"/>
+            <a:fld id="{6A4D2CA2-0411-4534-964A-92217C16AB4B}" type="slidenum">
+              <a:rPr lang="de-DE"/>
               <a:t>3</a:t>
             </a:fld>
             <a:endParaRPr lang="de-DE" dirty="0"/>
@@ -5035,13 +5039,40 @@
                 <a:ea typeface="Fira Sans" panose="020B0503050000020004" pitchFamily="34" charset="0"/>
                 <a:cs typeface="Verdana" panose="020B0604030504040204" pitchFamily="34" charset="0"/>
               </a:rPr>
+              <a:t>Informationssammlung</a:t>
+            </a:r>
+          </a:p>
+          <a:p>
+            <a:endParaRPr lang="en-GB" sz="2000" i="1" dirty="0" smtClean="0">
+              <a:solidFill>
+                <a:schemeClr val="bg1">
+                  <a:lumMod val="65000"/>
+                </a:schemeClr>
+              </a:solidFill>
+              <a:latin typeface="Fira Sans" panose="020B0503050000020004" pitchFamily="34" charset="0"/>
+              <a:ea typeface="Fira Sans" panose="020B0503050000020004" pitchFamily="34" charset="0"/>
+              <a:cs typeface="Verdana" panose="020B0604030504040204" pitchFamily="34" charset="0"/>
+            </a:endParaRPr>
+          </a:p>
+          <a:p>
+            <a:r>
+              <a:rPr lang="en-GB" sz="2400" i="1" dirty="0" smtClean="0">
+                <a:solidFill>
+                  <a:schemeClr val="bg1">
+                    <a:lumMod val="50000"/>
+                  </a:schemeClr>
+                </a:solidFill>
+                <a:latin typeface="Fira Sans" panose="020B0503050000020004" pitchFamily="34" charset="0"/>
+                <a:ea typeface="Fira Sans" panose="020B0503050000020004" pitchFamily="34" charset="0"/>
+                <a:cs typeface="Verdana" panose="020B0604030504040204" pitchFamily="34" charset="0"/>
+              </a:rPr>
               <a:t>Informationsfilterung</a:t>
             </a:r>
           </a:p>
           <a:p>
             <a:pPr lvl="1"/>
             <a:r>
-              <a:rPr lang="en-GB" sz="2000" i="1" dirty="0" err="1" smtClean="0">
+              <a:rPr lang="en-GB" sz="2000" i="1" dirty="0" err="1">
                 <a:solidFill>
                   <a:schemeClr val="bg1">
                     <a:lumMod val="65000"/>
@@ -5053,7 +5084,7 @@
               </a:rPr>
               <a:t>Qualitativ</a:t>
             </a:r>
-            <a:endParaRPr lang="en-GB" sz="2000" i="1" dirty="0" smtClean="0">
+            <a:endParaRPr lang="en-GB" sz="2000" i="1" dirty="0">
               <a:solidFill>
                 <a:schemeClr val="bg1">
                   <a:lumMod val="65000"/>
@@ -5067,7 +5098,7 @@
           <a:p>
             <a:pPr lvl="1"/>
             <a:r>
-              <a:rPr lang="en-GB" sz="2000" i="1" dirty="0" err="1" smtClean="0">
+              <a:rPr lang="en-GB" sz="2000" i="1" dirty="0" err="1">
                 <a:solidFill>
                   <a:schemeClr val="bg1">
                     <a:lumMod val="65000"/>
@@ -5079,7 +5110,7 @@
               </a:rPr>
               <a:t>Quantitativ</a:t>
             </a:r>
-            <a:endParaRPr lang="en-GB" sz="2000" i="1" dirty="0" smtClean="0">
+            <a:endParaRPr lang="en-GB" sz="2000" i="1" dirty="0">
               <a:solidFill>
                 <a:schemeClr val="bg1">
                   <a:lumMod val="65000"/>
@@ -5091,32 +5122,19 @@
             </a:endParaRPr>
           </a:p>
           <a:p>
-            <a:pPr lvl="1"/>
-            <a:endParaRPr lang="en-GB" sz="2000" i="1" dirty="0" smtClean="0">
+            <a:pPr marL="0" indent="0">
+              <a:buNone/>
+            </a:pPr>
+            <a:endParaRPr lang="en-GB" sz="2400" i="1" dirty="0" smtClean="0">
               <a:solidFill>
                 <a:schemeClr val="bg1">
-                  <a:lumMod val="65000"/>
+                  <a:lumMod val="50000"/>
                 </a:schemeClr>
               </a:solidFill>
               <a:latin typeface="Fira Sans" panose="020B0503050000020004" pitchFamily="34" charset="0"/>
               <a:ea typeface="Fira Sans" panose="020B0503050000020004" pitchFamily="34" charset="0"/>
               <a:cs typeface="Verdana" panose="020B0604030504040204" pitchFamily="34" charset="0"/>
             </a:endParaRPr>
-          </a:p>
-          <a:p>
-            <a:r>
-              <a:rPr lang="en-GB" sz="2400" i="1" dirty="0" smtClean="0">
-                <a:solidFill>
-                  <a:schemeClr val="bg1">
-                    <a:lumMod val="50000"/>
-                  </a:schemeClr>
-                </a:solidFill>
-                <a:latin typeface="Fira Sans" panose="020B0503050000020004" pitchFamily="34" charset="0"/>
-                <a:ea typeface="Fira Sans" panose="020B0503050000020004" pitchFamily="34" charset="0"/>
-                <a:cs typeface="Verdana" panose="020B0604030504040204" pitchFamily="34" charset="0"/>
-              </a:rPr>
-              <a:t>Informationssammlung</a:t>
-            </a:r>
           </a:p>
           <a:p>
             <a:r>
@@ -5269,7 +5287,7 @@
       </p:sp>
       <p:sp>
         <p:nvSpPr>
-          <p:cNvPr id="7" name="Slide Number Placeholder 2"/>
+          <p:cNvPr id="9" name="Slide Number Placeholder 2"/>
           <p:cNvSpPr>
             <a:spLocks noGrp="1"/>
           </p:cNvSpPr>
@@ -5279,15 +5297,16 @@
         </p:nvSpPr>
         <p:spPr>
           <a:xfrm>
-            <a:off x="0" y="6492875"/>
-            <a:ext cx="561975" cy="365125"/>
+            <a:off x="152400" y="6492875"/>
+            <a:ext cx="495300" cy="365125"/>
           </a:xfrm>
         </p:spPr>
         <p:txBody>
           <a:bodyPr/>
           <a:lstStyle/>
           <a:p>
-            <a:fld id="{F6D83B3D-DB5E-4459-98A8-38872AC69B4F}" type="slidenum">
+            <a:pPr algn="ctr"/>
+            <a:fld id="{83DAC1BB-026D-4EF4-9A00-3554E66F0410}" type="slidenum">
               <a:rPr lang="de-DE" smtClean="0"/>
               <a:t>4</a:t>
             </a:fld>
@@ -5434,10 +5453,8 @@
                 <a:ea typeface="Fira Sans" panose="020B0503050000020004" pitchFamily="34" charset="0"/>
                 <a:cs typeface="Verdana" panose="020B0604030504040204" pitchFamily="34" charset="0"/>
               </a:rPr>
-              <a:t>Operative &amp; strategische Ziele</a:t>
-            </a:r>
-          </a:p>
-          <a:p>
+              <a:t>Operative &amp; strategische </a:t>
+            </a:r>
             <a:r>
               <a:rPr lang="en-GB" sz="2400" i="1" dirty="0" smtClean="0">
                 <a:solidFill>
@@ -5449,8 +5466,20 @@
                 <a:ea typeface="Fira Sans" panose="020B0503050000020004" pitchFamily="34" charset="0"/>
                 <a:cs typeface="Verdana" panose="020B0604030504040204" pitchFamily="34" charset="0"/>
               </a:rPr>
-              <a:t>Operative &amp; strategische Planung</a:t>
-            </a:r>
+              <a:t>Ziele</a:t>
+            </a:r>
+          </a:p>
+          <a:p>
+            <a:endParaRPr lang="en-GB" sz="2400" i="1" dirty="0" smtClean="0">
+              <a:solidFill>
+                <a:schemeClr val="bg1">
+                  <a:lumMod val="50000"/>
+                </a:schemeClr>
+              </a:solidFill>
+              <a:latin typeface="Fira Sans" panose="020B0503050000020004" pitchFamily="34" charset="0"/>
+              <a:ea typeface="Fira Sans" panose="020B0503050000020004" pitchFamily="34" charset="0"/>
+              <a:cs typeface="Verdana" panose="020B0604030504040204" pitchFamily="34" charset="0"/>
+            </a:endParaRPr>
           </a:p>
           <a:p>
             <a:r>
@@ -5464,7 +5493,86 @@
                 <a:ea typeface="Fira Sans" panose="020B0503050000020004" pitchFamily="34" charset="0"/>
                 <a:cs typeface="Verdana" panose="020B0604030504040204" pitchFamily="34" charset="0"/>
               </a:rPr>
-              <a:t>Informations…</a:t>
+              <a:t>Operative &amp; strategische </a:t>
+            </a:r>
+            <a:r>
+              <a:rPr lang="en-GB" sz="2400" i="1" dirty="0" smtClean="0">
+                <a:solidFill>
+                  <a:schemeClr val="bg1">
+                    <a:lumMod val="50000"/>
+                  </a:schemeClr>
+                </a:solidFill>
+                <a:latin typeface="Fira Sans" panose="020B0503050000020004" pitchFamily="34" charset="0"/>
+                <a:ea typeface="Fira Sans" panose="020B0503050000020004" pitchFamily="34" charset="0"/>
+                <a:cs typeface="Verdana" panose="020B0604030504040204" pitchFamily="34" charset="0"/>
+              </a:rPr>
+              <a:t>Planung</a:t>
+            </a:r>
+          </a:p>
+          <a:p>
+            <a:endParaRPr lang="en-GB" sz="2400" i="1" dirty="0" smtClean="0">
+              <a:solidFill>
+                <a:schemeClr val="bg1">
+                  <a:lumMod val="50000"/>
+                </a:schemeClr>
+              </a:solidFill>
+              <a:latin typeface="Fira Sans" panose="020B0503050000020004" pitchFamily="34" charset="0"/>
+              <a:ea typeface="Fira Sans" panose="020B0503050000020004" pitchFamily="34" charset="0"/>
+              <a:cs typeface="Verdana" panose="020B0604030504040204" pitchFamily="34" charset="0"/>
+            </a:endParaRPr>
+          </a:p>
+          <a:p>
+            <a:r>
+              <a:rPr lang="en-GB" sz="2400" i="1" dirty="0" smtClean="0">
+                <a:solidFill>
+                  <a:schemeClr val="bg1">
+                    <a:lumMod val="50000"/>
+                  </a:schemeClr>
+                </a:solidFill>
+                <a:latin typeface="Fira Sans" panose="020B0503050000020004" pitchFamily="34" charset="0"/>
+                <a:ea typeface="Fira Sans" panose="020B0503050000020004" pitchFamily="34" charset="0"/>
+                <a:cs typeface="Verdana" panose="020B0604030504040204" pitchFamily="34" charset="0"/>
+              </a:rPr>
+              <a:t>Informations</a:t>
+            </a:r>
+            <a:r>
+              <a:rPr lang="en-GB" sz="2400" i="1" dirty="0" smtClean="0">
+                <a:solidFill>
+                  <a:schemeClr val="bg1">
+                    <a:lumMod val="50000"/>
+                  </a:schemeClr>
+                </a:solidFill>
+                <a:latin typeface="Fira Sans" panose="020B0503050000020004" pitchFamily="34" charset="0"/>
+                <a:ea typeface="Fira Sans" panose="020B0503050000020004" pitchFamily="34" charset="0"/>
+                <a:cs typeface="Verdana" panose="020B0604030504040204" pitchFamily="34" charset="0"/>
+              </a:rPr>
+              <a:t>…</a:t>
+            </a:r>
+            <a:endParaRPr lang="en-GB" sz="2000" i="1" dirty="0" smtClean="0">
+              <a:solidFill>
+                <a:schemeClr val="bg1">
+                  <a:lumMod val="65000"/>
+                </a:schemeClr>
+              </a:solidFill>
+              <a:latin typeface="Fira Sans" panose="020B0503050000020004" pitchFamily="34" charset="0"/>
+              <a:ea typeface="Fira Sans" panose="020B0503050000020004" pitchFamily="34" charset="0"/>
+              <a:cs typeface="Verdana" panose="020B0604030504040204" pitchFamily="34" charset="0"/>
+            </a:endParaRPr>
+          </a:p>
+          <a:p>
+            <a:pPr lvl="1"/>
+            <a:r>
+              <a:rPr lang="en-GB" sz="2000" i="1" dirty="0" smtClean="0">
+                <a:solidFill>
+                  <a:schemeClr val="bg1">
+                    <a:lumMod val="65000"/>
+                  </a:schemeClr>
+                </a:solidFill>
+                <a:latin typeface="Fira Sans" panose="020B0503050000020004" pitchFamily="34" charset="0"/>
+                <a:ea typeface="Fira Sans" panose="020B0503050000020004" pitchFamily="34" charset="0"/>
+                <a:cs typeface="Verdana" panose="020B0604030504040204" pitchFamily="34" charset="0"/>
+              </a:rPr>
+              <a:t>Sammlung</a:t>
             </a:r>
           </a:p>
           <a:p>
@@ -5482,22 +5590,16 @@
               </a:rPr>
               <a:t>Filterung</a:t>
             </a:r>
-          </a:p>
-          <a:p>
-            <a:pPr lvl="1"/>
-            <a:r>
-              <a:rPr lang="en-GB" sz="2000" i="1" dirty="0" smtClean="0">
-                <a:solidFill>
-                  <a:schemeClr val="bg1">
-                    <a:lumMod val="65000"/>
-                  </a:schemeClr>
-                </a:solidFill>
-                <a:latin typeface="Fira Sans" panose="020B0503050000020004" pitchFamily="34" charset="0"/>
-                <a:ea typeface="Fira Sans" panose="020B0503050000020004" pitchFamily="34" charset="0"/>
-                <a:cs typeface="Verdana" panose="020B0604030504040204" pitchFamily="34" charset="0"/>
-              </a:rPr>
-              <a:t>Sammlung</a:t>
-            </a:r>
+            <a:endParaRPr lang="en-GB" sz="2000" i="1" dirty="0" smtClean="0">
+              <a:solidFill>
+                <a:schemeClr val="bg1">
+                  <a:lumMod val="65000"/>
+                </a:schemeClr>
+              </a:solidFill>
+              <a:latin typeface="Fira Sans" panose="020B0503050000020004" pitchFamily="34" charset="0"/>
+              <a:ea typeface="Fira Sans" panose="020B0503050000020004" pitchFamily="34" charset="0"/>
+              <a:cs typeface="Verdana" panose="020B0604030504040204" pitchFamily="34" charset="0"/>
+            </a:endParaRPr>
           </a:p>
           <a:p>
             <a:pPr lvl="1"/>
@@ -5641,7 +5743,7 @@
       </p:sp>
       <p:sp>
         <p:nvSpPr>
-          <p:cNvPr id="7" name="Slide Number Placeholder 2"/>
+          <p:cNvPr id="9" name="Slide Number Placeholder 2"/>
           <p:cNvSpPr>
             <a:spLocks noGrp="1"/>
           </p:cNvSpPr>
@@ -5651,15 +5753,16 @@
         </p:nvSpPr>
         <p:spPr>
           <a:xfrm>
-            <a:off x="0" y="6492875"/>
-            <a:ext cx="561975" cy="365125"/>
+            <a:off x="152400" y="6492875"/>
+            <a:ext cx="495300" cy="365125"/>
           </a:xfrm>
         </p:spPr>
         <p:txBody>
           <a:bodyPr/>
           <a:lstStyle/>
           <a:p>
-            <a:fld id="{77E5ACBD-5D38-4BE2-8CC6-7D183967E8DB}" type="slidenum">
+            <a:pPr algn="ctr"/>
+            <a:fld id="{E76034A8-012B-4C1A-A1ED-266DFA9C8ECF}" type="slidenum">
               <a:rPr lang="de-DE" smtClean="0"/>
               <a:t>5</a:t>
             </a:fld>
@@ -5948,7 +6051,7 @@
       </p:sp>
       <p:sp>
         <p:nvSpPr>
-          <p:cNvPr id="6" name="Slide Number Placeholder 2"/>
+          <p:cNvPr id="7" name="Slide Number Placeholder 2"/>
           <p:cNvSpPr>
             <a:spLocks noGrp="1"/>
           </p:cNvSpPr>
@@ -5958,16 +6061,17 @@
         </p:nvSpPr>
         <p:spPr>
           <a:xfrm>
-            <a:off x="0" y="6492875"/>
-            <a:ext cx="561975" cy="365125"/>
+            <a:off x="152400" y="6492875"/>
+            <a:ext cx="495300" cy="365125"/>
           </a:xfrm>
         </p:spPr>
         <p:txBody>
           <a:bodyPr/>
           <a:lstStyle/>
           <a:p>
-            <a:fld id="{14C4EE5B-3931-45E4-8F7C-B78A2EBB108F}" type="slidenum">
-              <a:rPr lang="de-DE" smtClean="0"/>
+            <a:pPr algn="ctr"/>
+            <a:fld id="{51908A91-2006-4FC7-93F5-FF48FEF2FCE5}" type="slidenum">
+              <a:rPr lang="de-DE"/>
               <a:t>6</a:t>
             </a:fld>
             <a:endParaRPr lang="de-DE" dirty="0"/>

--- a/APPR/UF/presents/Businessplan01.pptx
+++ b/APPR/UF/presents/Businessplan01.pptx
@@ -5,18 +5,19 @@
     <p:sldMasterId id="2147483648" r:id="rId1"/>
   </p:sldMasterIdLst>
   <p:notesMasterIdLst>
-    <p:notesMasterId r:id="rId8"/>
+    <p:notesMasterId r:id="rId9"/>
   </p:notesMasterIdLst>
   <p:handoutMasterIdLst>
-    <p:handoutMasterId r:id="rId9"/>
+    <p:handoutMasterId r:id="rId10"/>
   </p:handoutMasterIdLst>
   <p:sldIdLst>
     <p:sldId id="257" r:id="rId2"/>
     <p:sldId id="256" r:id="rId3"/>
     <p:sldId id="261" r:id="rId4"/>
     <p:sldId id="263" r:id="rId5"/>
-    <p:sldId id="260" r:id="rId6"/>
-    <p:sldId id="258" r:id="rId7"/>
+    <p:sldId id="264" r:id="rId6"/>
+    <p:sldId id="265" r:id="rId7"/>
+    <p:sldId id="258" r:id="rId8"/>
   </p:sldIdLst>
   <p:sldSz cx="12192000" cy="6858000"/>
   <p:notesSz cx="6858000" cy="9144000"/>
@@ -995,6 +996,18 @@
   <p:clrMapOvr>
     <a:masterClrMapping/>
   </p:clrMapOvr>
+  <mc:AlternateContent xmlns:mc="http://schemas.openxmlformats.org/markup-compatibility/2006">
+    <mc:Choice xmlns:p14="http://schemas.microsoft.com/office/powerpoint/2010/main" Requires="p14">
+      <p:transition p14:dur="300">
+        <p:fade/>
+      </p:transition>
+    </mc:Choice>
+    <mc:Fallback>
+      <p:transition>
+        <p:fade/>
+      </p:transition>
+    </mc:Fallback>
+  </mc:AlternateContent>
 </p:sldLayout>
 </file>
 
@@ -1165,6 +1178,18 @@
   <p:clrMapOvr>
     <a:masterClrMapping/>
   </p:clrMapOvr>
+  <mc:AlternateContent xmlns:mc="http://schemas.openxmlformats.org/markup-compatibility/2006">
+    <mc:Choice xmlns:p14="http://schemas.microsoft.com/office/powerpoint/2010/main" Requires="p14">
+      <p:transition p14:dur="300">
+        <p:fade/>
+      </p:transition>
+    </mc:Choice>
+    <mc:Fallback>
+      <p:transition>
+        <p:fade/>
+      </p:transition>
+    </mc:Fallback>
+  </mc:AlternateContent>
 </p:sldLayout>
 </file>
 
@@ -1345,6 +1370,18 @@
   <p:clrMapOvr>
     <a:masterClrMapping/>
   </p:clrMapOvr>
+  <mc:AlternateContent xmlns:mc="http://schemas.openxmlformats.org/markup-compatibility/2006">
+    <mc:Choice xmlns:p14="http://schemas.microsoft.com/office/powerpoint/2010/main" Requires="p14">
+      <p:transition p14:dur="300">
+        <p:fade/>
+      </p:transition>
+    </mc:Choice>
+    <mc:Fallback>
+      <p:transition>
+        <p:fade/>
+      </p:transition>
+    </mc:Fallback>
+  </mc:AlternateContent>
 </p:sldLayout>
 </file>
 
@@ -1515,6 +1552,18 @@
   <p:clrMapOvr>
     <a:masterClrMapping/>
   </p:clrMapOvr>
+  <mc:AlternateContent xmlns:mc="http://schemas.openxmlformats.org/markup-compatibility/2006">
+    <mc:Choice xmlns:p14="http://schemas.microsoft.com/office/powerpoint/2010/main" Requires="p14">
+      <p:transition p14:dur="300">
+        <p:fade/>
+      </p:transition>
+    </mc:Choice>
+    <mc:Fallback>
+      <p:transition>
+        <p:fade/>
+      </p:transition>
+    </mc:Fallback>
+  </mc:AlternateContent>
 </p:sldLayout>
 </file>
 
@@ -1761,6 +1810,18 @@
   <p:clrMapOvr>
     <a:masterClrMapping/>
   </p:clrMapOvr>
+  <mc:AlternateContent xmlns:mc="http://schemas.openxmlformats.org/markup-compatibility/2006">
+    <mc:Choice xmlns:p14="http://schemas.microsoft.com/office/powerpoint/2010/main" Requires="p14">
+      <p:transition p14:dur="300">
+        <p:fade/>
+      </p:transition>
+    </mc:Choice>
+    <mc:Fallback>
+      <p:transition>
+        <p:fade/>
+      </p:transition>
+    </mc:Fallback>
+  </mc:AlternateContent>
 </p:sldLayout>
 </file>
 
@@ -1993,6 +2054,18 @@
   <p:clrMapOvr>
     <a:masterClrMapping/>
   </p:clrMapOvr>
+  <mc:AlternateContent xmlns:mc="http://schemas.openxmlformats.org/markup-compatibility/2006">
+    <mc:Choice xmlns:p14="http://schemas.microsoft.com/office/powerpoint/2010/main" Requires="p14">
+      <p:transition p14:dur="300">
+        <p:fade/>
+      </p:transition>
+    </mc:Choice>
+    <mc:Fallback>
+      <p:transition>
+        <p:fade/>
+      </p:transition>
+    </mc:Fallback>
+  </mc:AlternateContent>
 </p:sldLayout>
 </file>
 
@@ -2360,6 +2433,18 @@
   <p:clrMapOvr>
     <a:masterClrMapping/>
   </p:clrMapOvr>
+  <mc:AlternateContent xmlns:mc="http://schemas.openxmlformats.org/markup-compatibility/2006">
+    <mc:Choice xmlns:p14="http://schemas.microsoft.com/office/powerpoint/2010/main" Requires="p14">
+      <p:transition p14:dur="300">
+        <p:fade/>
+      </p:transition>
+    </mc:Choice>
+    <mc:Fallback>
+      <p:transition>
+        <p:fade/>
+      </p:transition>
+    </mc:Fallback>
+  </mc:AlternateContent>
 </p:sldLayout>
 </file>
 
@@ -2478,6 +2563,18 @@
   <p:clrMapOvr>
     <a:masterClrMapping/>
   </p:clrMapOvr>
+  <mc:AlternateContent xmlns:mc="http://schemas.openxmlformats.org/markup-compatibility/2006">
+    <mc:Choice xmlns:p14="http://schemas.microsoft.com/office/powerpoint/2010/main" Requires="p14">
+      <p:transition p14:dur="300">
+        <p:fade/>
+      </p:transition>
+    </mc:Choice>
+    <mc:Fallback>
+      <p:transition>
+        <p:fade/>
+      </p:transition>
+    </mc:Fallback>
+  </mc:AlternateContent>
 </p:sldLayout>
 </file>
 
@@ -2573,6 +2670,18 @@
   <p:clrMapOvr>
     <a:masterClrMapping/>
   </p:clrMapOvr>
+  <mc:AlternateContent xmlns:mc="http://schemas.openxmlformats.org/markup-compatibility/2006">
+    <mc:Choice xmlns:p14="http://schemas.microsoft.com/office/powerpoint/2010/main" Requires="p14">
+      <p:transition p14:dur="300">
+        <p:fade/>
+      </p:transition>
+    </mc:Choice>
+    <mc:Fallback>
+      <p:transition>
+        <p:fade/>
+      </p:transition>
+    </mc:Fallback>
+  </mc:AlternateContent>
 </p:sldLayout>
 </file>
 
@@ -2850,6 +2959,18 @@
   <p:clrMapOvr>
     <a:masterClrMapping/>
   </p:clrMapOvr>
+  <mc:AlternateContent xmlns:mc="http://schemas.openxmlformats.org/markup-compatibility/2006">
+    <mc:Choice xmlns:p14="http://schemas.microsoft.com/office/powerpoint/2010/main" Requires="p14">
+      <p:transition p14:dur="300">
+        <p:fade/>
+      </p:transition>
+    </mc:Choice>
+    <mc:Fallback>
+      <p:transition>
+        <p:fade/>
+      </p:transition>
+    </mc:Fallback>
+  </mc:AlternateContent>
 </p:sldLayout>
 </file>
 
@@ -3103,6 +3224,18 @@
   <p:clrMapOvr>
     <a:masterClrMapping/>
   </p:clrMapOvr>
+  <mc:AlternateContent xmlns:mc="http://schemas.openxmlformats.org/markup-compatibility/2006">
+    <mc:Choice xmlns:p14="http://schemas.microsoft.com/office/powerpoint/2010/main" Requires="p14">
+      <p:transition p14:dur="300">
+        <p:fade/>
+      </p:transition>
+    </mc:Choice>
+    <mc:Fallback>
+      <p:transition>
+        <p:fade/>
+      </p:transition>
+    </mc:Fallback>
+  </mc:AlternateContent>
 </p:sldLayout>
 </file>
 
@@ -3363,6 +3496,18 @@
     <p:sldLayoutId id="2147483658" r:id="rId10"/>
     <p:sldLayoutId id="2147483659" r:id="rId11"/>
   </p:sldLayoutIdLst>
+  <mc:AlternateContent xmlns:mc="http://schemas.openxmlformats.org/markup-compatibility/2006">
+    <mc:Choice xmlns:p14="http://schemas.microsoft.com/office/powerpoint/2010/main" Requires="p14">
+      <p:transition p14:dur="300">
+        <p:fade/>
+      </p:transition>
+    </mc:Choice>
+    <mc:Fallback>
+      <p:transition>
+        <p:fade/>
+      </p:transition>
+    </mc:Fallback>
+  </mc:AlternateContent>
   <p:txStyles>
     <p:titleStyle>
       <a:lvl1pPr algn="l" defTabSz="914400" rtl="0" eaLnBrk="1" latinLnBrk="0" hangingPunct="1">
@@ -3944,6 +4089,18 @@
   <p:clrMapOvr>
     <a:masterClrMapping/>
   </p:clrMapOvr>
+  <mc:AlternateContent xmlns:mc="http://schemas.openxmlformats.org/markup-compatibility/2006">
+    <mc:Choice xmlns:p14="http://schemas.microsoft.com/office/powerpoint/2010/main" Requires="p14">
+      <p:transition p14:dur="300">
+        <p:fade/>
+      </p:transition>
+    </mc:Choice>
+    <mc:Fallback>
+      <p:transition>
+        <p:fade/>
+      </p:transition>
+    </mc:Fallback>
+  </mc:AlternateContent>
   <p:timing>
     <p:tnLst>
       <p:par>
@@ -4087,8 +4244,96 @@
                 <a:ea typeface="Fira Sans" panose="020B0503050000020004" pitchFamily="34" charset="0"/>
                 <a:cs typeface="Verdana" panose="020B0604030504040204" pitchFamily="34" charset="0"/>
               </a:rPr>
-              <a:t>WAS IST EIN BUSINESS PLAN?</a:t>
-            </a:r>
+              <a:t>Was </a:t>
+            </a:r>
+            <a:r>
+              <a:rPr lang="en-GB" sz="2400" i="1" dirty="0" err="1" smtClean="0">
+                <a:solidFill>
+                  <a:schemeClr val="bg1">
+                    <a:lumMod val="50000"/>
+                  </a:schemeClr>
+                </a:solidFill>
+                <a:latin typeface="Fira Sans" panose="020B0503050000020004" pitchFamily="34" charset="0"/>
+                <a:ea typeface="Fira Sans" panose="020B0503050000020004" pitchFamily="34" charset="0"/>
+                <a:cs typeface="Verdana" panose="020B0604030504040204" pitchFamily="34" charset="0"/>
+              </a:rPr>
+              <a:t>ist</a:t>
+            </a:r>
+            <a:r>
+              <a:rPr lang="en-GB" sz="2400" i="1" dirty="0" smtClean="0">
+                <a:solidFill>
+                  <a:schemeClr val="bg1">
+                    <a:lumMod val="50000"/>
+                  </a:schemeClr>
+                </a:solidFill>
+                <a:latin typeface="Fira Sans" panose="020B0503050000020004" pitchFamily="34" charset="0"/>
+                <a:ea typeface="Fira Sans" panose="020B0503050000020004" pitchFamily="34" charset="0"/>
+                <a:cs typeface="Verdana" panose="020B0604030504040204" pitchFamily="34" charset="0"/>
+              </a:rPr>
+              <a:t> </a:t>
+            </a:r>
+            <a:r>
+              <a:rPr lang="en-GB" sz="2400" i="1" dirty="0" err="1" smtClean="0">
+                <a:solidFill>
+                  <a:schemeClr val="bg1">
+                    <a:lumMod val="50000"/>
+                  </a:schemeClr>
+                </a:solidFill>
+                <a:latin typeface="Fira Sans" panose="020B0503050000020004" pitchFamily="34" charset="0"/>
+                <a:ea typeface="Fira Sans" panose="020B0503050000020004" pitchFamily="34" charset="0"/>
+                <a:cs typeface="Verdana" panose="020B0604030504040204" pitchFamily="34" charset="0"/>
+              </a:rPr>
+              <a:t>ein</a:t>
+            </a:r>
+            <a:r>
+              <a:rPr lang="en-GB" sz="2400" i="1" dirty="0" smtClean="0">
+                <a:solidFill>
+                  <a:schemeClr val="bg1">
+                    <a:lumMod val="50000"/>
+                  </a:schemeClr>
+                </a:solidFill>
+                <a:latin typeface="Fira Sans" panose="020B0503050000020004" pitchFamily="34" charset="0"/>
+                <a:ea typeface="Fira Sans" panose="020B0503050000020004" pitchFamily="34" charset="0"/>
+                <a:cs typeface="Verdana" panose="020B0604030504040204" pitchFamily="34" charset="0"/>
+              </a:rPr>
+              <a:t> </a:t>
+            </a:r>
+            <a:r>
+              <a:rPr lang="en-GB" sz="2400" i="1" dirty="0" err="1" smtClean="0">
+                <a:solidFill>
+                  <a:schemeClr val="bg1">
+                    <a:lumMod val="50000"/>
+                  </a:schemeClr>
+                </a:solidFill>
+                <a:latin typeface="Fira Sans" panose="020B0503050000020004" pitchFamily="34" charset="0"/>
+                <a:ea typeface="Fira Sans" panose="020B0503050000020004" pitchFamily="34" charset="0"/>
+                <a:cs typeface="Verdana" panose="020B0604030504040204" pitchFamily="34" charset="0"/>
+              </a:rPr>
+              <a:t>Businessplan</a:t>
+            </a:r>
+            <a:r>
+              <a:rPr lang="en-GB" sz="2400" i="1" dirty="0" smtClean="0">
+                <a:solidFill>
+                  <a:schemeClr val="bg1">
+                    <a:lumMod val="50000"/>
+                  </a:schemeClr>
+                </a:solidFill>
+                <a:latin typeface="Fira Sans" panose="020B0503050000020004" pitchFamily="34" charset="0"/>
+                <a:ea typeface="Fira Sans" panose="020B0503050000020004" pitchFamily="34" charset="0"/>
+                <a:cs typeface="Verdana" panose="020B0604030504040204" pitchFamily="34" charset="0"/>
+              </a:rPr>
+              <a:t>?</a:t>
+            </a:r>
+            <a:endParaRPr lang="en-GB" sz="2400" i="1" dirty="0" smtClean="0">
+              <a:solidFill>
+                <a:schemeClr val="bg1">
+                  <a:lumMod val="50000"/>
+                </a:schemeClr>
+              </a:solidFill>
+              <a:latin typeface="Fira Sans" panose="020B0503050000020004" pitchFamily="34" charset="0"/>
+              <a:ea typeface="Fira Sans" panose="020B0503050000020004" pitchFamily="34" charset="0"/>
+              <a:cs typeface="Verdana" panose="020B0604030504040204" pitchFamily="34" charset="0"/>
+            </a:endParaRPr>
           </a:p>
           <a:p>
             <a:pPr lvl="1"/>
@@ -4163,12 +4408,57 @@
                 <a:ea typeface="Fira Sans" panose="020B0503050000020004" pitchFamily="34" charset="0"/>
                 <a:cs typeface="Verdana" panose="020B0604030504040204" pitchFamily="34" charset="0"/>
               </a:rPr>
-              <a:t>WIE?</a:t>
+              <a:t>Wie?</a:t>
             </a:r>
           </a:p>
           <a:p>
             <a:pPr lvl="1"/>
             <a:r>
+              <a:rPr lang="en-GB" sz="2000" i="1" dirty="0">
+                <a:solidFill>
+                  <a:schemeClr val="bg1">
+                    <a:lumMod val="65000"/>
+                  </a:schemeClr>
+                </a:solidFill>
+                <a:latin typeface="Fira Sans" panose="020B0503050000020004" pitchFamily="34" charset="0"/>
+                <a:ea typeface="Fira Sans" panose="020B0503050000020004" pitchFamily="34" charset="0"/>
+                <a:cs typeface="Verdana" panose="020B0604030504040204" pitchFamily="34" charset="0"/>
+              </a:rPr>
+              <a:t>Welche Information wird benötigt?</a:t>
+            </a:r>
+          </a:p>
+          <a:p>
+            <a:pPr lvl="1"/>
+            <a:r>
+              <a:rPr lang="en-GB" sz="2000" i="1" dirty="0">
+                <a:solidFill>
+                  <a:schemeClr val="bg1">
+                    <a:lumMod val="65000"/>
+                  </a:schemeClr>
+                </a:solidFill>
+                <a:latin typeface="Fira Sans" panose="020B0503050000020004" pitchFamily="34" charset="0"/>
+                <a:ea typeface="Fira Sans" panose="020B0503050000020004" pitchFamily="34" charset="0"/>
+                <a:cs typeface="Verdana" panose="020B0604030504040204" pitchFamily="34" charset="0"/>
+              </a:rPr>
+              <a:t>Woher bekomme ich diese?</a:t>
+            </a:r>
+          </a:p>
+          <a:p>
+            <a:pPr lvl="1"/>
+            <a:r>
+              <a:rPr lang="en-GB" sz="2000" i="1" dirty="0">
+                <a:solidFill>
+                  <a:schemeClr val="bg1">
+                    <a:lumMod val="65000"/>
+                  </a:schemeClr>
+                </a:solidFill>
+                <a:latin typeface="Fira Sans" panose="020B0503050000020004" pitchFamily="34" charset="0"/>
+                <a:ea typeface="Fira Sans" panose="020B0503050000020004" pitchFamily="34" charset="0"/>
+                <a:cs typeface="Verdana" panose="020B0604030504040204" pitchFamily="34" charset="0"/>
+              </a:rPr>
+              <a:t>Wie stelle ich diese dar</a:t>
+            </a:r>
+            <a:r>
               <a:rPr lang="en-GB" sz="2000" i="1" dirty="0" smtClean="0">
                 <a:solidFill>
                   <a:schemeClr val="bg1">
@@ -4179,44 +4469,42 @@
                 <a:ea typeface="Fira Sans" panose="020B0503050000020004" pitchFamily="34" charset="0"/>
                 <a:cs typeface="Verdana" panose="020B0604030504040204" pitchFamily="34" charset="0"/>
               </a:rPr>
-              <a:t>Welche Information wird benötigt?</a:t>
-            </a:r>
-          </a:p>
-          <a:p>
-            <a:pPr lvl="1"/>
-            <a:r>
-              <a:rPr lang="en-GB" sz="2000" i="1" dirty="0" smtClean="0">
-                <a:solidFill>
-                  <a:schemeClr val="bg1">
-                    <a:lumMod val="65000"/>
-                  </a:schemeClr>
-                </a:solidFill>
-                <a:latin typeface="Fira Sans" panose="020B0503050000020004" pitchFamily="34" charset="0"/>
-                <a:ea typeface="Fira Sans" panose="020B0503050000020004" pitchFamily="34" charset="0"/>
-                <a:cs typeface="Verdana" panose="020B0604030504040204" pitchFamily="34" charset="0"/>
-              </a:rPr>
-              <a:t>Woher bekomme ich diese?</a:t>
-            </a:r>
-          </a:p>
-          <a:p>
-            <a:pPr lvl="1"/>
-            <a:r>
-              <a:rPr lang="en-GB" sz="2000" i="1" dirty="0" smtClean="0">
-                <a:solidFill>
-                  <a:schemeClr val="bg1">
-                    <a:lumMod val="65000"/>
-                  </a:schemeClr>
-                </a:solidFill>
-                <a:latin typeface="Fira Sans" panose="020B0503050000020004" pitchFamily="34" charset="0"/>
-                <a:ea typeface="Fira Sans" panose="020B0503050000020004" pitchFamily="34" charset="0"/>
-                <a:cs typeface="Verdana" panose="020B0604030504040204" pitchFamily="34" charset="0"/>
-              </a:rPr>
-              <a:t>Wie stelle ich diese dar?</a:t>
-            </a:r>
+              <a:t>?</a:t>
+            </a:r>
+          </a:p>
+          <a:p>
+            <a:pPr marL="457200" lvl="1" indent="0">
+              <a:buNone/>
+            </a:pPr>
             <a:endParaRPr lang="en-GB" sz="2000" i="1" dirty="0" smtClean="0">
               <a:solidFill>
                 <a:schemeClr val="bg1">
-                  <a:lumMod val="65000"/>
+                  <a:lumMod val="50000"/>
+                </a:schemeClr>
+              </a:solidFill>
+              <a:latin typeface="Fira Sans" panose="020B0503050000020004" pitchFamily="34" charset="0"/>
+              <a:ea typeface="Fira Sans" panose="020B0503050000020004" pitchFamily="34" charset="0"/>
+              <a:cs typeface="Verdana" panose="020B0604030504040204" pitchFamily="34" charset="0"/>
+            </a:endParaRPr>
+          </a:p>
+          <a:p>
+            <a:r>
+              <a:rPr lang="en-GB" sz="2400" i="1" dirty="0" err="1" smtClean="0">
+                <a:solidFill>
+                  <a:schemeClr val="bg1">
+                    <a:lumMod val="50000"/>
+                  </a:schemeClr>
+                </a:solidFill>
+                <a:latin typeface="Fira Sans" panose="020B0503050000020004" pitchFamily="34" charset="0"/>
+                <a:ea typeface="Fira Sans" panose="020B0503050000020004" pitchFamily="34" charset="0"/>
+                <a:cs typeface="Verdana" panose="020B0604030504040204" pitchFamily="34" charset="0"/>
+              </a:rPr>
+              <a:t>Zusammensetzung</a:t>
+            </a:r>
+            <a:endParaRPr lang="en-GB" sz="2400" i="1" dirty="0" smtClean="0">
+              <a:solidFill>
+                <a:schemeClr val="bg1">
+                  <a:lumMod val="50000"/>
                 </a:schemeClr>
               </a:solidFill>
               <a:latin typeface="Fira Sans" panose="020B0503050000020004" pitchFamily="34" charset="0"/>
@@ -4388,6 +4676,18 @@
   <p:clrMapOvr>
     <a:masterClrMapping/>
   </p:clrMapOvr>
+  <mc:AlternateContent xmlns:mc="http://schemas.openxmlformats.org/markup-compatibility/2006">
+    <mc:Choice xmlns:p14="http://schemas.microsoft.com/office/powerpoint/2010/main" Requires="p14">
+      <p:transition p14:dur="300">
+        <p:fade/>
+      </p:transition>
+    </mc:Choice>
+    <mc:Fallback>
+      <p:transition>
+        <p:fade/>
+      </p:transition>
+    </mc:Fallback>
+  </mc:AlternateContent>
   <p:timing>
     <p:tnLst>
       <p:par>
@@ -4910,6 +5210,18 @@
   <p:clrMapOvr>
     <a:masterClrMapping/>
   </p:clrMapOvr>
+  <mc:AlternateContent xmlns:mc="http://schemas.openxmlformats.org/markup-compatibility/2006">
+    <mc:Choice xmlns:p14="http://schemas.microsoft.com/office/powerpoint/2010/main" Requires="p14">
+      <p:transition p14:dur="300">
+        <p:fade/>
+      </p:transition>
+    </mc:Choice>
+    <mc:Fallback>
+      <p:transition>
+        <p:fade/>
+      </p:transition>
+    </mc:Fallback>
+  </mc:AlternateContent>
   <p:timing>
     <p:tnLst>
       <p:par>
@@ -5324,6 +5636,18 @@
   <p:clrMapOvr>
     <a:masterClrMapping/>
   </p:clrMapOvr>
+  <mc:AlternateContent xmlns:mc="http://schemas.openxmlformats.org/markup-compatibility/2006">
+    <mc:Choice xmlns:p14="http://schemas.microsoft.com/office/powerpoint/2010/main" Requires="p14">
+      <p:transition p14:dur="300">
+        <p:fade/>
+      </p:transition>
+    </mc:Choice>
+    <mc:Fallback>
+      <p:transition>
+        <p:fade/>
+      </p:transition>
+    </mc:Fallback>
+  </mc:AlternateContent>
   <p:timing>
     <p:tnLst>
       <p:par>
@@ -5393,7 +5717,7 @@
           <a:p>
             <a:pPr algn="ctr"/>
             <a:r>
-              <a:rPr lang="de-DE" i="1" dirty="0" smtClean="0">
+              <a:rPr lang="en-GB" i="1" dirty="0" smtClean="0">
                 <a:solidFill>
                   <a:schemeClr val="tx1">
                     <a:lumMod val="65000"/>
@@ -5404,7 +5728,7 @@
                 <a:ea typeface="Fira Sans" panose="020B0503050000020004" pitchFamily="34" charset="0"/>
                 <a:cs typeface="Verdana" panose="020B0604030504040204" pitchFamily="34" charset="0"/>
               </a:rPr>
-              <a:t>FAZIT</a:t>
+              <a:t>ZUSAMMENSETZUNG</a:t>
             </a:r>
             <a:endParaRPr lang="de-DE" i="1" dirty="0">
               <a:solidFill>
@@ -5433,16 +5757,29 @@
         <p:spPr>
           <a:xfrm>
             <a:off x="838200" y="1266824"/>
-            <a:ext cx="10515600" cy="5133975"/>
+            <a:ext cx="10515600" cy="5362576"/>
           </a:xfrm>
         </p:spPr>
         <p:txBody>
           <a:bodyPr>
-            <a:normAutofit/>
+            <a:normAutofit fontScale="92500" lnSpcReduction="20000"/>
           </a:bodyPr>
           <a:lstStyle/>
           <a:p>
             <a:r>
+              <a:rPr lang="en-GB" sz="2400" i="1" dirty="0" err="1" smtClean="0">
+                <a:solidFill>
+                  <a:schemeClr val="bg1">
+                    <a:lumMod val="50000"/>
+                  </a:schemeClr>
+                </a:solidFill>
+                <a:latin typeface="Fira Sans" panose="020B0503050000020004" pitchFamily="34" charset="0"/>
+                <a:ea typeface="Fira Sans" panose="020B0503050000020004" pitchFamily="34" charset="0"/>
+                <a:cs typeface="Verdana" panose="020B0604030504040204" pitchFamily="34" charset="0"/>
+              </a:rPr>
+              <a:t>Grundbausteine</a:t>
+            </a:r>
+            <a:r>
               <a:rPr lang="en-GB" sz="2400" i="1" dirty="0" smtClean="0">
                 <a:solidFill>
                   <a:schemeClr val="bg1">
@@ -5453,10 +5790,10 @@
                 <a:ea typeface="Fira Sans" panose="020B0503050000020004" pitchFamily="34" charset="0"/>
                 <a:cs typeface="Verdana" panose="020B0604030504040204" pitchFamily="34" charset="0"/>
               </a:rPr>
-              <a:t>Operative &amp; strategische </a:t>
-            </a:r>
-            <a:r>
-              <a:rPr lang="en-GB" sz="2400" i="1" dirty="0" smtClean="0">
+              <a:t> des Business Plans </a:t>
+            </a:r>
+            <a:r>
+              <a:rPr lang="en-GB" sz="2400" i="1" dirty="0" err="1" smtClean="0">
                 <a:solidFill>
                   <a:schemeClr val="bg1">
                     <a:lumMod val="50000"/>
@@ -5466,11 +5803,9 @@
                 <a:ea typeface="Fira Sans" panose="020B0503050000020004" pitchFamily="34" charset="0"/>
                 <a:cs typeface="Verdana" panose="020B0604030504040204" pitchFamily="34" charset="0"/>
               </a:rPr>
-              <a:t>Ziele</a:t>
-            </a:r>
-          </a:p>
-          <a:p>
-            <a:endParaRPr lang="en-GB" sz="2400" i="1" dirty="0" smtClean="0">
+              <a:t>sind</a:t>
+            </a:r>
+            <a:endParaRPr lang="en-GB" sz="2400" i="1" dirty="0">
               <a:solidFill>
                 <a:schemeClr val="bg1">
                   <a:lumMod val="50000"/>
@@ -5482,38 +5817,27 @@
             </a:endParaRPr>
           </a:p>
           <a:p>
-            <a:r>
-              <a:rPr lang="en-GB" sz="2400" i="1" dirty="0" smtClean="0">
-                <a:solidFill>
-                  <a:schemeClr val="bg1">
-                    <a:lumMod val="50000"/>
-                  </a:schemeClr>
-                </a:solidFill>
-                <a:latin typeface="Fira Sans" panose="020B0503050000020004" pitchFamily="34" charset="0"/>
-                <a:ea typeface="Fira Sans" panose="020B0503050000020004" pitchFamily="34" charset="0"/>
-                <a:cs typeface="Verdana" panose="020B0604030504040204" pitchFamily="34" charset="0"/>
-              </a:rPr>
-              <a:t>Operative &amp; strategische </a:t>
-            </a:r>
-            <a:r>
-              <a:rPr lang="en-GB" sz="2400" i="1" dirty="0" smtClean="0">
-                <a:solidFill>
-                  <a:schemeClr val="bg1">
-                    <a:lumMod val="50000"/>
-                  </a:schemeClr>
-                </a:solidFill>
-                <a:latin typeface="Fira Sans" panose="020B0503050000020004" pitchFamily="34" charset="0"/>
-                <a:ea typeface="Fira Sans" panose="020B0503050000020004" pitchFamily="34" charset="0"/>
-                <a:cs typeface="Verdana" panose="020B0604030504040204" pitchFamily="34" charset="0"/>
-              </a:rPr>
-              <a:t>Planung</a:t>
-            </a:r>
-          </a:p>
-          <a:p>
-            <a:endParaRPr lang="en-GB" sz="2400" i="1" dirty="0" smtClean="0">
+            <a:pPr marL="914400" lvl="1" indent="-457200">
+              <a:buFont typeface="+mj-lt"/>
+              <a:buAutoNum type="arabicPeriod"/>
+            </a:pPr>
+            <a:r>
+              <a:rPr lang="en-GB" sz="2000" i="1" dirty="0" smtClean="0">
+                <a:solidFill>
+                  <a:schemeClr val="bg1">
+                    <a:lumMod val="65000"/>
+                  </a:schemeClr>
+                </a:solidFill>
+                <a:latin typeface="Fira Sans" panose="020B0503050000020004" pitchFamily="34" charset="0"/>
+                <a:ea typeface="Fira Sans" panose="020B0503050000020004" pitchFamily="34" charset="0"/>
+                <a:cs typeface="Verdana" panose="020B0604030504040204" pitchFamily="34" charset="0"/>
+              </a:rPr>
+              <a:t>Executive Summary</a:t>
+            </a:r>
+            <a:endParaRPr lang="en-GB" sz="1600" i="1" dirty="0">
               <a:solidFill>
                 <a:schemeClr val="bg1">
-                  <a:lumMod val="50000"/>
+                  <a:lumMod val="65000"/>
                 </a:schemeClr>
               </a:solidFill>
               <a:latin typeface="Fira Sans" panose="020B0503050000020004" pitchFamily="34" charset="0"/>
@@ -5522,31 +5846,48 @@
             </a:endParaRPr>
           </a:p>
           <a:p>
-            <a:r>
-              <a:rPr lang="en-GB" sz="2400" i="1" dirty="0" smtClean="0">
-                <a:solidFill>
-                  <a:schemeClr val="bg1">
-                    <a:lumMod val="50000"/>
-                  </a:schemeClr>
-                </a:solidFill>
-                <a:latin typeface="Fira Sans" panose="020B0503050000020004" pitchFamily="34" charset="0"/>
-                <a:ea typeface="Fira Sans" panose="020B0503050000020004" pitchFamily="34" charset="0"/>
-                <a:cs typeface="Verdana" panose="020B0604030504040204" pitchFamily="34" charset="0"/>
-              </a:rPr>
-              <a:t>Informations</a:t>
-            </a:r>
-            <a:r>
-              <a:rPr lang="en-GB" sz="2400" i="1" dirty="0" smtClean="0">
-                <a:solidFill>
-                  <a:schemeClr val="bg1">
-                    <a:lumMod val="50000"/>
-                  </a:schemeClr>
-                </a:solidFill>
-                <a:latin typeface="Fira Sans" panose="020B0503050000020004" pitchFamily="34" charset="0"/>
-                <a:ea typeface="Fira Sans" panose="020B0503050000020004" pitchFamily="34" charset="0"/>
-                <a:cs typeface="Verdana" panose="020B0604030504040204" pitchFamily="34" charset="0"/>
-              </a:rPr>
-              <a:t>…</a:t>
+            <a:pPr marL="914400" lvl="1" indent="-457200">
+              <a:buFont typeface="+mj-lt"/>
+              <a:buAutoNum type="arabicPeriod"/>
+            </a:pPr>
+            <a:r>
+              <a:rPr lang="en-GB" sz="2000" i="1" dirty="0" err="1" smtClean="0">
+                <a:solidFill>
+                  <a:schemeClr val="bg1">
+                    <a:lumMod val="65000"/>
+                  </a:schemeClr>
+                </a:solidFill>
+                <a:latin typeface="Fira Sans" panose="020B0503050000020004" pitchFamily="34" charset="0"/>
+                <a:ea typeface="Fira Sans" panose="020B0503050000020004" pitchFamily="34" charset="0"/>
+                <a:cs typeface="Verdana" panose="020B0604030504040204" pitchFamily="34" charset="0"/>
+              </a:rPr>
+              <a:t>Geschäftsidee</a:t>
+            </a:r>
+            <a:r>
+              <a:rPr lang="en-GB" sz="2000" i="1" dirty="0" smtClean="0">
+                <a:solidFill>
+                  <a:schemeClr val="bg1">
+                    <a:lumMod val="65000"/>
+                  </a:schemeClr>
+                </a:solidFill>
+                <a:latin typeface="Fira Sans" panose="020B0503050000020004" pitchFamily="34" charset="0"/>
+                <a:ea typeface="Fira Sans" panose="020B0503050000020004" pitchFamily="34" charset="0"/>
+                <a:cs typeface="Verdana" panose="020B0604030504040204" pitchFamily="34" charset="0"/>
+              </a:rPr>
+              <a:t> &amp; </a:t>
+            </a:r>
+            <a:r>
+              <a:rPr lang="en-GB" sz="2000" i="1" dirty="0" err="1" smtClean="0">
+                <a:solidFill>
+                  <a:schemeClr val="bg1">
+                    <a:lumMod val="65000"/>
+                  </a:schemeClr>
+                </a:solidFill>
+                <a:latin typeface="Fira Sans" panose="020B0503050000020004" pitchFamily="34" charset="0"/>
+                <a:ea typeface="Fira Sans" panose="020B0503050000020004" pitchFamily="34" charset="0"/>
+                <a:cs typeface="Verdana" panose="020B0604030504040204" pitchFamily="34" charset="0"/>
+              </a:rPr>
+              <a:t>Unternehmen</a:t>
             </a:r>
             <a:endParaRPr lang="en-GB" sz="2000" i="1" dirty="0" smtClean="0">
               <a:solidFill>
@@ -5560,9 +5901,141 @@
             </a:endParaRPr>
           </a:p>
           <a:p>
-            <a:pPr lvl="1"/>
-            <a:r>
-              <a:rPr lang="en-GB" sz="2000" i="1" dirty="0" smtClean="0">
+            <a:pPr marL="1371600" lvl="2" indent="-457200">
+              <a:buFont typeface="+mj-lt"/>
+              <a:buAutoNum type="arabicPeriod"/>
+            </a:pPr>
+            <a:r>
+              <a:rPr lang="en-GB" sz="1900" i="1" dirty="0" err="1" smtClean="0">
+                <a:solidFill>
+                  <a:schemeClr val="bg1">
+                    <a:lumMod val="75000"/>
+                  </a:schemeClr>
+                </a:solidFill>
+                <a:latin typeface="Fira Sans" panose="020B0503050000020004" pitchFamily="34" charset="0"/>
+                <a:ea typeface="Fira Sans" panose="020B0503050000020004" pitchFamily="34" charset="0"/>
+                <a:cs typeface="Verdana" panose="020B0604030504040204" pitchFamily="34" charset="0"/>
+              </a:rPr>
+              <a:t>Unternehmensstruktur</a:t>
+            </a:r>
+            <a:endParaRPr lang="en-GB" sz="1900" i="1" dirty="0" smtClean="0">
+              <a:solidFill>
+                <a:schemeClr val="bg1">
+                  <a:lumMod val="75000"/>
+                </a:schemeClr>
+              </a:solidFill>
+              <a:latin typeface="Fira Sans" panose="020B0503050000020004" pitchFamily="34" charset="0"/>
+              <a:ea typeface="Fira Sans" panose="020B0503050000020004" pitchFamily="34" charset="0"/>
+              <a:cs typeface="Verdana" panose="020B0604030504040204" pitchFamily="34" charset="0"/>
+            </a:endParaRPr>
+          </a:p>
+          <a:p>
+            <a:pPr marL="1371600" lvl="2" indent="-457200">
+              <a:buFont typeface="+mj-lt"/>
+              <a:buAutoNum type="arabicPeriod"/>
+            </a:pPr>
+            <a:r>
+              <a:rPr lang="en-GB" sz="1900" i="1" dirty="0" err="1" smtClean="0">
+                <a:solidFill>
+                  <a:schemeClr val="bg1">
+                    <a:lumMod val="75000"/>
+                  </a:schemeClr>
+                </a:solidFill>
+                <a:latin typeface="Fira Sans" panose="020B0503050000020004" pitchFamily="34" charset="0"/>
+                <a:ea typeface="Fira Sans" panose="020B0503050000020004" pitchFamily="34" charset="0"/>
+                <a:cs typeface="Verdana" panose="020B0604030504040204" pitchFamily="34" charset="0"/>
+              </a:rPr>
+              <a:t>Unternehmensentwicklung</a:t>
+            </a:r>
+            <a:endParaRPr lang="en-GB" sz="1900" i="1" dirty="0" smtClean="0">
+              <a:solidFill>
+                <a:schemeClr val="bg1">
+                  <a:lumMod val="75000"/>
+                </a:schemeClr>
+              </a:solidFill>
+              <a:latin typeface="Fira Sans" panose="020B0503050000020004" pitchFamily="34" charset="0"/>
+              <a:ea typeface="Fira Sans" panose="020B0503050000020004" pitchFamily="34" charset="0"/>
+              <a:cs typeface="Verdana" panose="020B0604030504040204" pitchFamily="34" charset="0"/>
+            </a:endParaRPr>
+          </a:p>
+          <a:p>
+            <a:pPr marL="1371600" lvl="2" indent="-457200">
+              <a:buFont typeface="+mj-lt"/>
+              <a:buAutoNum type="arabicPeriod"/>
+            </a:pPr>
+            <a:r>
+              <a:rPr lang="en-GB" sz="1900" i="1" dirty="0" err="1" smtClean="0">
+                <a:solidFill>
+                  <a:schemeClr val="bg1">
+                    <a:lumMod val="75000"/>
+                  </a:schemeClr>
+                </a:solidFill>
+                <a:latin typeface="Fira Sans" panose="020B0503050000020004" pitchFamily="34" charset="0"/>
+                <a:ea typeface="Fira Sans" panose="020B0503050000020004" pitchFamily="34" charset="0"/>
+                <a:cs typeface="Verdana" panose="020B0604030504040204" pitchFamily="34" charset="0"/>
+              </a:rPr>
+              <a:t>Unternehmensleitbild</a:t>
+            </a:r>
+            <a:r>
+              <a:rPr lang="en-GB" sz="1900" i="1" dirty="0" smtClean="0">
+                <a:solidFill>
+                  <a:schemeClr val="bg1">
+                    <a:lumMod val="75000"/>
+                  </a:schemeClr>
+                </a:solidFill>
+                <a:latin typeface="Fira Sans" panose="020B0503050000020004" pitchFamily="34" charset="0"/>
+                <a:ea typeface="Fira Sans" panose="020B0503050000020004" pitchFamily="34" charset="0"/>
+                <a:cs typeface="Verdana" panose="020B0604030504040204" pitchFamily="34" charset="0"/>
+              </a:rPr>
+              <a:t> und –</a:t>
+            </a:r>
+            <a:r>
+              <a:rPr lang="en-GB" sz="1900" i="1" dirty="0" err="1" smtClean="0">
+                <a:solidFill>
+                  <a:schemeClr val="bg1">
+                    <a:lumMod val="75000"/>
+                  </a:schemeClr>
+                </a:solidFill>
+                <a:latin typeface="Fira Sans" panose="020B0503050000020004" pitchFamily="34" charset="0"/>
+                <a:ea typeface="Fira Sans" panose="020B0503050000020004" pitchFamily="34" charset="0"/>
+                <a:cs typeface="Verdana" panose="020B0604030504040204" pitchFamily="34" charset="0"/>
+              </a:rPr>
+              <a:t>strategie</a:t>
+            </a:r>
+            <a:endParaRPr lang="en-GB" sz="1900" i="1" dirty="0" smtClean="0">
+              <a:solidFill>
+                <a:schemeClr val="bg1">
+                  <a:lumMod val="75000"/>
+                </a:schemeClr>
+              </a:solidFill>
+              <a:latin typeface="Fira Sans" panose="020B0503050000020004" pitchFamily="34" charset="0"/>
+              <a:ea typeface="Fira Sans" panose="020B0503050000020004" pitchFamily="34" charset="0"/>
+              <a:cs typeface="Verdana" panose="020B0604030504040204" pitchFamily="34" charset="0"/>
+            </a:endParaRPr>
+          </a:p>
+          <a:p>
+            <a:pPr marL="1371600" lvl="2" indent="-457200">
+              <a:buFont typeface="+mj-lt"/>
+              <a:buAutoNum type="arabicPeriod"/>
+            </a:pPr>
+            <a:endParaRPr lang="en-GB" sz="1600" i="1" dirty="0" smtClean="0">
+              <a:solidFill>
+                <a:schemeClr val="bg1">
+                  <a:lumMod val="65000"/>
+                </a:schemeClr>
+              </a:solidFill>
+              <a:latin typeface="Fira Sans" panose="020B0503050000020004" pitchFamily="34" charset="0"/>
+              <a:ea typeface="Fira Sans" panose="020B0503050000020004" pitchFamily="34" charset="0"/>
+              <a:cs typeface="Verdana" panose="020B0604030504040204" pitchFamily="34" charset="0"/>
+            </a:endParaRPr>
+          </a:p>
+          <a:p>
+            <a:pPr marL="914400" lvl="1" indent="-457200">
+              <a:buFont typeface="+mj-lt"/>
+              <a:buAutoNum type="arabicPeriod"/>
+            </a:pPr>
+            <a:r>
+              <a:rPr lang="en-GB" sz="2000" i="1" dirty="0" err="1" smtClean="0">
                 <a:solidFill>
                   <a:schemeClr val="bg1">
                     <a:lumMod val="65000"/>
@@ -5572,23 +6045,7 @@
                 <a:ea typeface="Fira Sans" panose="020B0503050000020004" pitchFamily="34" charset="0"/>
                 <a:cs typeface="Verdana" panose="020B0604030504040204" pitchFamily="34" charset="0"/>
               </a:rPr>
-              <a:t>Sammlung</a:t>
-            </a:r>
-          </a:p>
-          <a:p>
-            <a:pPr lvl="1"/>
-            <a:r>
-              <a:rPr lang="en-GB" sz="2000" i="1" dirty="0" smtClean="0">
-                <a:solidFill>
-                  <a:schemeClr val="bg1">
-                    <a:lumMod val="65000"/>
-                  </a:schemeClr>
-                </a:solidFill>
-                <a:latin typeface="Fira Sans" panose="020B0503050000020004" pitchFamily="34" charset="0"/>
-                <a:ea typeface="Fira Sans" panose="020B0503050000020004" pitchFamily="34" charset="0"/>
-                <a:cs typeface="Verdana" panose="020B0604030504040204" pitchFamily="34" charset="0"/>
-              </a:rPr>
-              <a:t>Filterung</a:t>
+              <a:t>Produkte</a:t>
             </a:r>
             <a:endParaRPr lang="en-GB" sz="2000" i="1" dirty="0" smtClean="0">
               <a:solidFill>
@@ -5602,7 +6059,502 @@
             </a:endParaRPr>
           </a:p>
           <a:p>
-            <a:pPr lvl="1"/>
+            <a:pPr marL="1371600" lvl="2" indent="-457200">
+              <a:buFont typeface="+mj-lt"/>
+              <a:buAutoNum type="arabicPeriod"/>
+            </a:pPr>
+            <a:r>
+              <a:rPr lang="en-GB" sz="1900" i="1" dirty="0" err="1" smtClean="0">
+                <a:solidFill>
+                  <a:schemeClr val="bg1">
+                    <a:lumMod val="75000"/>
+                  </a:schemeClr>
+                </a:solidFill>
+                <a:latin typeface="Fira Sans" panose="020B0503050000020004" pitchFamily="34" charset="0"/>
+                <a:ea typeface="Fira Sans" panose="020B0503050000020004" pitchFamily="34" charset="0"/>
+                <a:cs typeface="Verdana" panose="020B0604030504040204" pitchFamily="34" charset="0"/>
+              </a:rPr>
+              <a:t>Bestehende</a:t>
+            </a:r>
+            <a:r>
+              <a:rPr lang="en-GB" sz="1900" i="1" dirty="0" smtClean="0">
+                <a:solidFill>
+                  <a:schemeClr val="bg1">
+                    <a:lumMod val="75000"/>
+                  </a:schemeClr>
+                </a:solidFill>
+                <a:latin typeface="Fira Sans" panose="020B0503050000020004" pitchFamily="34" charset="0"/>
+                <a:ea typeface="Fira Sans" panose="020B0503050000020004" pitchFamily="34" charset="0"/>
+                <a:cs typeface="Verdana" panose="020B0604030504040204" pitchFamily="34" charset="0"/>
+              </a:rPr>
+              <a:t> </a:t>
+            </a:r>
+            <a:r>
+              <a:rPr lang="en-GB" sz="1900" i="1" dirty="0" err="1" smtClean="0">
+                <a:solidFill>
+                  <a:schemeClr val="bg1">
+                    <a:lumMod val="75000"/>
+                  </a:schemeClr>
+                </a:solidFill>
+                <a:latin typeface="Fira Sans" panose="020B0503050000020004" pitchFamily="34" charset="0"/>
+                <a:ea typeface="Fira Sans" panose="020B0503050000020004" pitchFamily="34" charset="0"/>
+                <a:cs typeface="Verdana" panose="020B0604030504040204" pitchFamily="34" charset="0"/>
+              </a:rPr>
+              <a:t>Produkte</a:t>
+            </a:r>
+            <a:endParaRPr lang="en-GB" sz="1900" i="1" dirty="0" smtClean="0">
+              <a:solidFill>
+                <a:schemeClr val="bg1">
+                  <a:lumMod val="75000"/>
+                </a:schemeClr>
+              </a:solidFill>
+              <a:latin typeface="Fira Sans" panose="020B0503050000020004" pitchFamily="34" charset="0"/>
+              <a:ea typeface="Fira Sans" panose="020B0503050000020004" pitchFamily="34" charset="0"/>
+              <a:cs typeface="Verdana" panose="020B0604030504040204" pitchFamily="34" charset="0"/>
+            </a:endParaRPr>
+          </a:p>
+          <a:p>
+            <a:pPr marL="1371600" lvl="2" indent="-457200">
+              <a:buFont typeface="+mj-lt"/>
+              <a:buAutoNum type="arabicPeriod"/>
+            </a:pPr>
+            <a:r>
+              <a:rPr lang="en-GB" sz="1900" i="1" dirty="0" err="1" smtClean="0">
+                <a:solidFill>
+                  <a:schemeClr val="bg1">
+                    <a:lumMod val="75000"/>
+                  </a:schemeClr>
+                </a:solidFill>
+                <a:latin typeface="Fira Sans" panose="020B0503050000020004" pitchFamily="34" charset="0"/>
+                <a:ea typeface="Fira Sans" panose="020B0503050000020004" pitchFamily="34" charset="0"/>
+                <a:cs typeface="Verdana" panose="020B0604030504040204" pitchFamily="34" charset="0"/>
+              </a:rPr>
+              <a:t>Vorteile</a:t>
+            </a:r>
+            <a:r>
+              <a:rPr lang="en-GB" sz="1900" i="1" dirty="0" smtClean="0">
+                <a:solidFill>
+                  <a:schemeClr val="bg1">
+                    <a:lumMod val="75000"/>
+                  </a:schemeClr>
+                </a:solidFill>
+                <a:latin typeface="Fira Sans" panose="020B0503050000020004" pitchFamily="34" charset="0"/>
+                <a:ea typeface="Fira Sans" panose="020B0503050000020004" pitchFamily="34" charset="0"/>
+                <a:cs typeface="Verdana" panose="020B0604030504040204" pitchFamily="34" charset="0"/>
+              </a:rPr>
+              <a:t> </a:t>
+            </a:r>
+            <a:r>
+              <a:rPr lang="en-GB" sz="1900" i="1" dirty="0" err="1" smtClean="0">
+                <a:solidFill>
+                  <a:schemeClr val="bg1">
+                    <a:lumMod val="75000"/>
+                  </a:schemeClr>
+                </a:solidFill>
+                <a:latin typeface="Fira Sans" panose="020B0503050000020004" pitchFamily="34" charset="0"/>
+                <a:ea typeface="Fira Sans" panose="020B0503050000020004" pitchFamily="34" charset="0"/>
+                <a:cs typeface="Verdana" panose="020B0604030504040204" pitchFamily="34" charset="0"/>
+              </a:rPr>
+              <a:t>gegenüber</a:t>
+            </a:r>
+            <a:r>
+              <a:rPr lang="en-GB" sz="1900" i="1" dirty="0" smtClean="0">
+                <a:solidFill>
+                  <a:schemeClr val="bg1">
+                    <a:lumMod val="75000"/>
+                  </a:schemeClr>
+                </a:solidFill>
+                <a:latin typeface="Fira Sans" panose="020B0503050000020004" pitchFamily="34" charset="0"/>
+                <a:ea typeface="Fira Sans" panose="020B0503050000020004" pitchFamily="34" charset="0"/>
+                <a:cs typeface="Verdana" panose="020B0604030504040204" pitchFamily="34" charset="0"/>
+              </a:rPr>
+              <a:t> </a:t>
+            </a:r>
+            <a:r>
+              <a:rPr lang="en-GB" sz="1900" i="1" dirty="0" err="1" smtClean="0">
+                <a:solidFill>
+                  <a:schemeClr val="bg1">
+                    <a:lumMod val="75000"/>
+                  </a:schemeClr>
+                </a:solidFill>
+                <a:latin typeface="Fira Sans" panose="020B0503050000020004" pitchFamily="34" charset="0"/>
+                <a:ea typeface="Fira Sans" panose="020B0503050000020004" pitchFamily="34" charset="0"/>
+                <a:cs typeface="Verdana" panose="020B0604030504040204" pitchFamily="34" charset="0"/>
+              </a:rPr>
+              <a:t>Wettbewerbs</a:t>
+            </a:r>
+            <a:r>
+              <a:rPr lang="en-GB" sz="1900" i="1" dirty="0" smtClean="0">
+                <a:solidFill>
+                  <a:schemeClr val="bg1">
+                    <a:lumMod val="75000"/>
+                  </a:schemeClr>
+                </a:solidFill>
+                <a:latin typeface="Fira Sans" panose="020B0503050000020004" pitchFamily="34" charset="0"/>
+                <a:ea typeface="Fira Sans" panose="020B0503050000020004" pitchFamily="34" charset="0"/>
+                <a:cs typeface="Verdana" panose="020B0604030504040204" pitchFamily="34" charset="0"/>
+              </a:rPr>
+              <a:t>- und </a:t>
+            </a:r>
+            <a:r>
+              <a:rPr lang="en-GB" sz="1900" i="1" dirty="0" err="1" smtClean="0">
+                <a:solidFill>
+                  <a:schemeClr val="bg1">
+                    <a:lumMod val="75000"/>
+                  </a:schemeClr>
+                </a:solidFill>
+                <a:latin typeface="Fira Sans" panose="020B0503050000020004" pitchFamily="34" charset="0"/>
+                <a:ea typeface="Fira Sans" panose="020B0503050000020004" pitchFamily="34" charset="0"/>
+                <a:cs typeface="Verdana" panose="020B0604030504040204" pitchFamily="34" charset="0"/>
+              </a:rPr>
+              <a:t>Substitutionsprodukten</a:t>
+            </a:r>
+            <a:endParaRPr lang="en-GB" sz="1900" i="1" dirty="0" smtClean="0">
+              <a:solidFill>
+                <a:schemeClr val="bg1">
+                  <a:lumMod val="75000"/>
+                </a:schemeClr>
+              </a:solidFill>
+              <a:latin typeface="Fira Sans" panose="020B0503050000020004" pitchFamily="34" charset="0"/>
+              <a:ea typeface="Fira Sans" panose="020B0503050000020004" pitchFamily="34" charset="0"/>
+              <a:cs typeface="Verdana" panose="020B0604030504040204" pitchFamily="34" charset="0"/>
+            </a:endParaRPr>
+          </a:p>
+          <a:p>
+            <a:pPr marL="1371600" lvl="2" indent="-457200">
+              <a:buFont typeface="+mj-lt"/>
+              <a:buAutoNum type="arabicPeriod"/>
+            </a:pPr>
+            <a:r>
+              <a:rPr lang="en-GB" sz="1900" i="1" dirty="0" err="1" smtClean="0">
+                <a:solidFill>
+                  <a:schemeClr val="bg1">
+                    <a:lumMod val="75000"/>
+                  </a:schemeClr>
+                </a:solidFill>
+                <a:latin typeface="Fira Sans" panose="020B0503050000020004" pitchFamily="34" charset="0"/>
+                <a:ea typeface="Fira Sans" panose="020B0503050000020004" pitchFamily="34" charset="0"/>
+                <a:cs typeface="Verdana" panose="020B0604030504040204" pitchFamily="34" charset="0"/>
+              </a:rPr>
+              <a:t>Künftige</a:t>
+            </a:r>
+            <a:r>
+              <a:rPr lang="en-GB" sz="1900" i="1" dirty="0" smtClean="0">
+                <a:solidFill>
+                  <a:schemeClr val="bg1">
+                    <a:lumMod val="75000"/>
+                  </a:schemeClr>
+                </a:solidFill>
+                <a:latin typeface="Fira Sans" panose="020B0503050000020004" pitchFamily="34" charset="0"/>
+                <a:ea typeface="Fira Sans" panose="020B0503050000020004" pitchFamily="34" charset="0"/>
+                <a:cs typeface="Verdana" panose="020B0604030504040204" pitchFamily="34" charset="0"/>
+              </a:rPr>
+              <a:t> </a:t>
+            </a:r>
+            <a:r>
+              <a:rPr lang="en-GB" sz="1900" i="1" dirty="0" err="1" smtClean="0">
+                <a:solidFill>
+                  <a:schemeClr val="bg1">
+                    <a:lumMod val="75000"/>
+                  </a:schemeClr>
+                </a:solidFill>
+                <a:latin typeface="Fira Sans" panose="020B0503050000020004" pitchFamily="34" charset="0"/>
+                <a:ea typeface="Fira Sans" panose="020B0503050000020004" pitchFamily="34" charset="0"/>
+                <a:cs typeface="Verdana" panose="020B0604030504040204" pitchFamily="34" charset="0"/>
+              </a:rPr>
+              <a:t>Produkte</a:t>
+            </a:r>
+            <a:endParaRPr lang="en-GB" sz="1900" i="1" dirty="0" smtClean="0">
+              <a:solidFill>
+                <a:schemeClr val="bg1">
+                  <a:lumMod val="75000"/>
+                </a:schemeClr>
+              </a:solidFill>
+              <a:latin typeface="Fira Sans" panose="020B0503050000020004" pitchFamily="34" charset="0"/>
+              <a:ea typeface="Fira Sans" panose="020B0503050000020004" pitchFamily="34" charset="0"/>
+              <a:cs typeface="Verdana" panose="020B0604030504040204" pitchFamily="34" charset="0"/>
+            </a:endParaRPr>
+          </a:p>
+          <a:p>
+            <a:pPr marL="1371600" lvl="2" indent="-457200">
+              <a:buFont typeface="+mj-lt"/>
+              <a:buAutoNum type="arabicPeriod"/>
+            </a:pPr>
+            <a:endParaRPr lang="en-GB" sz="1600" i="1" dirty="0" smtClean="0">
+              <a:solidFill>
+                <a:schemeClr val="bg1">
+                  <a:lumMod val="65000"/>
+                </a:schemeClr>
+              </a:solidFill>
+              <a:latin typeface="Fira Sans" panose="020B0503050000020004" pitchFamily="34" charset="0"/>
+              <a:ea typeface="Fira Sans" panose="020B0503050000020004" pitchFamily="34" charset="0"/>
+              <a:cs typeface="Verdana" panose="020B0604030504040204" pitchFamily="34" charset="0"/>
+            </a:endParaRPr>
+          </a:p>
+          <a:p>
+            <a:pPr marL="914400" lvl="1" indent="-457200">
+              <a:buFont typeface="+mj-lt"/>
+              <a:buAutoNum type="arabicPeriod"/>
+            </a:pPr>
+            <a:r>
+              <a:rPr lang="en-GB" sz="2000" i="1" dirty="0" err="1" smtClean="0">
+                <a:solidFill>
+                  <a:schemeClr val="bg1">
+                    <a:lumMod val="65000"/>
+                  </a:schemeClr>
+                </a:solidFill>
+                <a:latin typeface="Fira Sans" panose="020B0503050000020004" pitchFamily="34" charset="0"/>
+                <a:ea typeface="Fira Sans" panose="020B0503050000020004" pitchFamily="34" charset="0"/>
+                <a:cs typeface="Verdana" panose="020B0604030504040204" pitchFamily="34" charset="0"/>
+              </a:rPr>
+              <a:t>Markt</a:t>
+            </a:r>
+            <a:endParaRPr lang="en-GB" sz="2000" i="1" dirty="0" smtClean="0">
+              <a:solidFill>
+                <a:schemeClr val="bg1">
+                  <a:lumMod val="65000"/>
+                </a:schemeClr>
+              </a:solidFill>
+              <a:latin typeface="Fira Sans" panose="020B0503050000020004" pitchFamily="34" charset="0"/>
+              <a:ea typeface="Fira Sans" panose="020B0503050000020004" pitchFamily="34" charset="0"/>
+              <a:cs typeface="Verdana" panose="020B0604030504040204" pitchFamily="34" charset="0"/>
+            </a:endParaRPr>
+          </a:p>
+          <a:p>
+            <a:pPr marL="1371600" lvl="2" indent="-457200">
+              <a:buFont typeface="+mj-lt"/>
+              <a:buAutoNum type="arabicPeriod"/>
+            </a:pPr>
+            <a:r>
+              <a:rPr lang="en-GB" sz="1900" i="1" dirty="0" err="1" smtClean="0">
+                <a:solidFill>
+                  <a:schemeClr val="bg1">
+                    <a:lumMod val="75000"/>
+                  </a:schemeClr>
+                </a:solidFill>
+                <a:latin typeface="Fira Sans" panose="020B0503050000020004" pitchFamily="34" charset="0"/>
+                <a:ea typeface="Fira Sans" panose="020B0503050000020004" pitchFamily="34" charset="0"/>
+                <a:cs typeface="Verdana" panose="020B0604030504040204" pitchFamily="34" charset="0"/>
+              </a:rPr>
+              <a:t>Abgrenzung</a:t>
+            </a:r>
+            <a:r>
+              <a:rPr lang="en-GB" sz="1900" i="1" dirty="0" smtClean="0">
+                <a:solidFill>
+                  <a:schemeClr val="bg1">
+                    <a:lumMod val="75000"/>
+                  </a:schemeClr>
+                </a:solidFill>
+                <a:latin typeface="Fira Sans" panose="020B0503050000020004" pitchFamily="34" charset="0"/>
+                <a:ea typeface="Fira Sans" panose="020B0503050000020004" pitchFamily="34" charset="0"/>
+                <a:cs typeface="Verdana" panose="020B0604030504040204" pitchFamily="34" charset="0"/>
+              </a:rPr>
+              <a:t> und </a:t>
+            </a:r>
+            <a:r>
+              <a:rPr lang="en-GB" sz="1900" i="1" dirty="0" err="1" smtClean="0">
+                <a:solidFill>
+                  <a:schemeClr val="bg1">
+                    <a:lumMod val="75000"/>
+                  </a:schemeClr>
+                </a:solidFill>
+                <a:latin typeface="Fira Sans" panose="020B0503050000020004" pitchFamily="34" charset="0"/>
+                <a:ea typeface="Fira Sans" panose="020B0503050000020004" pitchFamily="34" charset="0"/>
+                <a:cs typeface="Verdana" panose="020B0604030504040204" pitchFamily="34" charset="0"/>
+              </a:rPr>
+              <a:t>Beschreibung</a:t>
+            </a:r>
+            <a:r>
+              <a:rPr lang="en-GB" sz="1900" i="1" dirty="0" smtClean="0">
+                <a:solidFill>
+                  <a:schemeClr val="bg1">
+                    <a:lumMod val="75000"/>
+                  </a:schemeClr>
+                </a:solidFill>
+                <a:latin typeface="Fira Sans" panose="020B0503050000020004" pitchFamily="34" charset="0"/>
+                <a:ea typeface="Fira Sans" panose="020B0503050000020004" pitchFamily="34" charset="0"/>
+                <a:cs typeface="Verdana" panose="020B0604030504040204" pitchFamily="34" charset="0"/>
+              </a:rPr>
+              <a:t> des </a:t>
+            </a:r>
+            <a:r>
+              <a:rPr lang="en-GB" sz="1900" i="1" dirty="0" err="1" smtClean="0">
+                <a:solidFill>
+                  <a:schemeClr val="bg1">
+                    <a:lumMod val="75000"/>
+                  </a:schemeClr>
+                </a:solidFill>
+                <a:latin typeface="Fira Sans" panose="020B0503050000020004" pitchFamily="34" charset="0"/>
+                <a:ea typeface="Fira Sans" panose="020B0503050000020004" pitchFamily="34" charset="0"/>
+                <a:cs typeface="Verdana" panose="020B0604030504040204" pitchFamily="34" charset="0"/>
+              </a:rPr>
+              <a:t>relevanten</a:t>
+            </a:r>
+            <a:r>
+              <a:rPr lang="en-GB" sz="1900" i="1" dirty="0" smtClean="0">
+                <a:solidFill>
+                  <a:schemeClr val="bg1">
+                    <a:lumMod val="75000"/>
+                  </a:schemeClr>
+                </a:solidFill>
+                <a:latin typeface="Fira Sans" panose="020B0503050000020004" pitchFamily="34" charset="0"/>
+                <a:ea typeface="Fira Sans" panose="020B0503050000020004" pitchFamily="34" charset="0"/>
+                <a:cs typeface="Verdana" panose="020B0604030504040204" pitchFamily="34" charset="0"/>
+              </a:rPr>
+              <a:t> </a:t>
+            </a:r>
+            <a:r>
+              <a:rPr lang="en-GB" sz="1900" i="1" dirty="0" err="1" smtClean="0">
+                <a:solidFill>
+                  <a:schemeClr val="bg1">
+                    <a:lumMod val="75000"/>
+                  </a:schemeClr>
+                </a:solidFill>
+                <a:latin typeface="Fira Sans" panose="020B0503050000020004" pitchFamily="34" charset="0"/>
+                <a:ea typeface="Fira Sans" panose="020B0503050000020004" pitchFamily="34" charset="0"/>
+                <a:cs typeface="Verdana" panose="020B0604030504040204" pitchFamily="34" charset="0"/>
+              </a:rPr>
+              <a:t>Marktes</a:t>
+            </a:r>
+            <a:endParaRPr lang="en-GB" sz="1900" i="1" dirty="0" smtClean="0">
+              <a:solidFill>
+                <a:schemeClr val="bg1">
+                  <a:lumMod val="75000"/>
+                </a:schemeClr>
+              </a:solidFill>
+              <a:latin typeface="Fira Sans" panose="020B0503050000020004" pitchFamily="34" charset="0"/>
+              <a:ea typeface="Fira Sans" panose="020B0503050000020004" pitchFamily="34" charset="0"/>
+              <a:cs typeface="Verdana" panose="020B0604030504040204" pitchFamily="34" charset="0"/>
+            </a:endParaRPr>
+          </a:p>
+          <a:p>
+            <a:pPr marL="1371600" lvl="2" indent="-457200">
+              <a:buFont typeface="+mj-lt"/>
+              <a:buAutoNum type="arabicPeriod"/>
+            </a:pPr>
+            <a:r>
+              <a:rPr lang="en-GB" sz="1900" i="1" dirty="0" err="1" smtClean="0">
+                <a:solidFill>
+                  <a:schemeClr val="bg1">
+                    <a:lumMod val="75000"/>
+                  </a:schemeClr>
+                </a:solidFill>
+                <a:latin typeface="Fira Sans" panose="020B0503050000020004" pitchFamily="34" charset="0"/>
+                <a:ea typeface="Fira Sans" panose="020B0503050000020004" pitchFamily="34" charset="0"/>
+                <a:cs typeface="Verdana" panose="020B0604030504040204" pitchFamily="34" charset="0"/>
+              </a:rPr>
+              <a:t>Wesentliche</a:t>
+            </a:r>
+            <a:r>
+              <a:rPr lang="en-GB" sz="1900" i="1" dirty="0" smtClean="0">
+                <a:solidFill>
+                  <a:schemeClr val="bg1">
+                    <a:lumMod val="75000"/>
+                  </a:schemeClr>
+                </a:solidFill>
+                <a:latin typeface="Fira Sans" panose="020B0503050000020004" pitchFamily="34" charset="0"/>
+                <a:ea typeface="Fira Sans" panose="020B0503050000020004" pitchFamily="34" charset="0"/>
+                <a:cs typeface="Verdana" panose="020B0604030504040204" pitchFamily="34" charset="0"/>
+              </a:rPr>
+              <a:t> </a:t>
+            </a:r>
+            <a:r>
+              <a:rPr lang="en-GB" sz="1900" i="1" dirty="0" err="1" smtClean="0">
+                <a:solidFill>
+                  <a:schemeClr val="bg1">
+                    <a:lumMod val="75000"/>
+                  </a:schemeClr>
+                </a:solidFill>
+                <a:latin typeface="Fira Sans" panose="020B0503050000020004" pitchFamily="34" charset="0"/>
+                <a:ea typeface="Fira Sans" panose="020B0503050000020004" pitchFamily="34" charset="0"/>
+                <a:cs typeface="Verdana" panose="020B0604030504040204" pitchFamily="34" charset="0"/>
+              </a:rPr>
+              <a:t>Einflussfaktoren</a:t>
+            </a:r>
+            <a:r>
+              <a:rPr lang="en-GB" sz="1900" i="1" dirty="0" smtClean="0">
+                <a:solidFill>
+                  <a:schemeClr val="bg1">
+                    <a:lumMod val="75000"/>
+                  </a:schemeClr>
+                </a:solidFill>
+                <a:latin typeface="Fira Sans" panose="020B0503050000020004" pitchFamily="34" charset="0"/>
+                <a:ea typeface="Fira Sans" panose="020B0503050000020004" pitchFamily="34" charset="0"/>
+                <a:cs typeface="Verdana" panose="020B0604030504040204" pitchFamily="34" charset="0"/>
+              </a:rPr>
+              <a:t> und </a:t>
+            </a:r>
+            <a:r>
+              <a:rPr lang="en-GB" sz="1900" i="1" dirty="0" err="1" smtClean="0">
+                <a:solidFill>
+                  <a:schemeClr val="bg1">
+                    <a:lumMod val="75000"/>
+                  </a:schemeClr>
+                </a:solidFill>
+                <a:latin typeface="Fira Sans" panose="020B0503050000020004" pitchFamily="34" charset="0"/>
+                <a:ea typeface="Fira Sans" panose="020B0503050000020004" pitchFamily="34" charset="0"/>
+                <a:cs typeface="Verdana" panose="020B0604030504040204" pitchFamily="34" charset="0"/>
+              </a:rPr>
+              <a:t>zukünftige</a:t>
+            </a:r>
+            <a:r>
+              <a:rPr lang="en-GB" sz="1900" i="1" dirty="0" smtClean="0">
+                <a:solidFill>
+                  <a:schemeClr val="bg1">
+                    <a:lumMod val="75000"/>
+                  </a:schemeClr>
+                </a:solidFill>
+                <a:latin typeface="Fira Sans" panose="020B0503050000020004" pitchFamily="34" charset="0"/>
+                <a:ea typeface="Fira Sans" panose="020B0503050000020004" pitchFamily="34" charset="0"/>
+                <a:cs typeface="Verdana" panose="020B0604030504040204" pitchFamily="34" charset="0"/>
+              </a:rPr>
+              <a:t> </a:t>
+            </a:r>
+            <a:r>
+              <a:rPr lang="en-GB" sz="1900" i="1" dirty="0" err="1" smtClean="0">
+                <a:solidFill>
+                  <a:schemeClr val="bg1">
+                    <a:lumMod val="75000"/>
+                  </a:schemeClr>
+                </a:solidFill>
+                <a:latin typeface="Fira Sans" panose="020B0503050000020004" pitchFamily="34" charset="0"/>
+                <a:ea typeface="Fira Sans" panose="020B0503050000020004" pitchFamily="34" charset="0"/>
+                <a:cs typeface="Verdana" panose="020B0604030504040204" pitchFamily="34" charset="0"/>
+              </a:rPr>
+              <a:t>Marktentwicklung</a:t>
+            </a:r>
+            <a:endParaRPr lang="en-GB" sz="1900" i="1" dirty="0" smtClean="0">
+              <a:solidFill>
+                <a:schemeClr val="bg1">
+                  <a:lumMod val="75000"/>
+                </a:schemeClr>
+              </a:solidFill>
+              <a:latin typeface="Fira Sans" panose="020B0503050000020004" pitchFamily="34" charset="0"/>
+              <a:ea typeface="Fira Sans" panose="020B0503050000020004" pitchFamily="34" charset="0"/>
+              <a:cs typeface="Verdana" panose="020B0604030504040204" pitchFamily="34" charset="0"/>
+            </a:endParaRPr>
+          </a:p>
+          <a:p>
+            <a:pPr marL="1371600" lvl="2" indent="-457200">
+              <a:buFont typeface="+mj-lt"/>
+              <a:buAutoNum type="arabicPeriod"/>
+            </a:pPr>
+            <a:endParaRPr lang="en-GB" sz="1600" i="1" dirty="0" smtClean="0">
+              <a:solidFill>
+                <a:schemeClr val="bg1">
+                  <a:lumMod val="65000"/>
+                </a:schemeClr>
+              </a:solidFill>
+              <a:latin typeface="Fira Sans" panose="020B0503050000020004" pitchFamily="34" charset="0"/>
+              <a:ea typeface="Fira Sans" panose="020B0503050000020004" pitchFamily="34" charset="0"/>
+              <a:cs typeface="Verdana" panose="020B0604030504040204" pitchFamily="34" charset="0"/>
+            </a:endParaRPr>
+          </a:p>
+          <a:p>
+            <a:pPr marL="914400" lvl="1" indent="-457200">
+              <a:buFont typeface="+mj-lt"/>
+              <a:buAutoNum type="arabicPeriod"/>
+            </a:pPr>
             <a:r>
               <a:rPr lang="en-GB" sz="2000" i="1" dirty="0" smtClean="0">
                 <a:solidFill>
@@ -5614,8 +6566,170 @@
                 <a:ea typeface="Fira Sans" panose="020B0503050000020004" pitchFamily="34" charset="0"/>
                 <a:cs typeface="Verdana" panose="020B0604030504040204" pitchFamily="34" charset="0"/>
               </a:rPr>
-              <a:t>Darstellung</a:t>
-            </a:r>
+              <a:t>Marketing</a:t>
+            </a:r>
+          </a:p>
+          <a:p>
+            <a:pPr marL="1371600" lvl="2" indent="-457200">
+              <a:buFont typeface="+mj-lt"/>
+              <a:buAutoNum type="arabicPeriod"/>
+            </a:pPr>
+            <a:r>
+              <a:rPr lang="en-GB" sz="1900" i="1" dirty="0" err="1" smtClean="0">
+                <a:solidFill>
+                  <a:schemeClr val="bg1">
+                    <a:lumMod val="75000"/>
+                  </a:schemeClr>
+                </a:solidFill>
+                <a:latin typeface="Fira Sans" panose="020B0503050000020004" pitchFamily="34" charset="0"/>
+                <a:ea typeface="Fira Sans" panose="020B0503050000020004" pitchFamily="34" charset="0"/>
+                <a:cs typeface="Verdana" panose="020B0604030504040204" pitchFamily="34" charset="0"/>
+              </a:rPr>
+              <a:t>Marketingstrategie</a:t>
+            </a:r>
+            <a:r>
+              <a:rPr lang="en-GB" sz="1900" i="1" dirty="0" smtClean="0">
+                <a:solidFill>
+                  <a:schemeClr val="bg1">
+                    <a:lumMod val="75000"/>
+                  </a:schemeClr>
+                </a:solidFill>
+                <a:latin typeface="Fira Sans" panose="020B0503050000020004" pitchFamily="34" charset="0"/>
+                <a:ea typeface="Fira Sans" panose="020B0503050000020004" pitchFamily="34" charset="0"/>
+                <a:cs typeface="Verdana" panose="020B0604030504040204" pitchFamily="34" charset="0"/>
+              </a:rPr>
+              <a:t>, </a:t>
+            </a:r>
+            <a:r>
+              <a:rPr lang="en-GB" sz="1900" i="1" dirty="0" err="1" smtClean="0">
+                <a:solidFill>
+                  <a:schemeClr val="bg1">
+                    <a:lumMod val="75000"/>
+                  </a:schemeClr>
+                </a:solidFill>
+                <a:latin typeface="Fira Sans" panose="020B0503050000020004" pitchFamily="34" charset="0"/>
+                <a:ea typeface="Fira Sans" panose="020B0503050000020004" pitchFamily="34" charset="0"/>
+                <a:cs typeface="Verdana" panose="020B0604030504040204" pitchFamily="34" charset="0"/>
+              </a:rPr>
+              <a:t>Vertrieb</a:t>
+            </a:r>
+            <a:r>
+              <a:rPr lang="en-GB" sz="1900" i="1" dirty="0" smtClean="0">
+                <a:solidFill>
+                  <a:schemeClr val="bg1">
+                    <a:lumMod val="75000"/>
+                  </a:schemeClr>
+                </a:solidFill>
+                <a:latin typeface="Fira Sans" panose="020B0503050000020004" pitchFamily="34" charset="0"/>
+                <a:ea typeface="Fira Sans" panose="020B0503050000020004" pitchFamily="34" charset="0"/>
+                <a:cs typeface="Verdana" panose="020B0604030504040204" pitchFamily="34" charset="0"/>
+              </a:rPr>
+              <a:t> &amp; </a:t>
+            </a:r>
+            <a:r>
+              <a:rPr lang="en-GB" sz="1900" i="1" dirty="0" err="1" smtClean="0">
+                <a:solidFill>
+                  <a:schemeClr val="bg1">
+                    <a:lumMod val="75000"/>
+                  </a:schemeClr>
+                </a:solidFill>
+                <a:latin typeface="Fira Sans" panose="020B0503050000020004" pitchFamily="34" charset="0"/>
+                <a:ea typeface="Fira Sans" panose="020B0503050000020004" pitchFamily="34" charset="0"/>
+                <a:cs typeface="Verdana" panose="020B0604030504040204" pitchFamily="34" charset="0"/>
+              </a:rPr>
+              <a:t>Logistik</a:t>
+            </a:r>
+            <a:endParaRPr lang="en-GB" sz="1900" i="1" dirty="0" smtClean="0">
+              <a:solidFill>
+                <a:schemeClr val="bg1">
+                  <a:lumMod val="75000"/>
+                </a:schemeClr>
+              </a:solidFill>
+              <a:latin typeface="Fira Sans" panose="020B0503050000020004" pitchFamily="34" charset="0"/>
+              <a:ea typeface="Fira Sans" panose="020B0503050000020004" pitchFamily="34" charset="0"/>
+              <a:cs typeface="Verdana" panose="020B0604030504040204" pitchFamily="34" charset="0"/>
+            </a:endParaRPr>
+          </a:p>
+          <a:p>
+            <a:pPr marL="1371600" lvl="2" indent="-457200">
+              <a:buFont typeface="+mj-lt"/>
+              <a:buAutoNum type="arabicPeriod"/>
+            </a:pPr>
+            <a:r>
+              <a:rPr lang="en-GB" sz="1900" i="1" dirty="0" err="1" smtClean="0">
+                <a:solidFill>
+                  <a:schemeClr val="bg1">
+                    <a:lumMod val="75000"/>
+                  </a:schemeClr>
+                </a:solidFill>
+                <a:latin typeface="Fira Sans" panose="020B0503050000020004" pitchFamily="34" charset="0"/>
+                <a:ea typeface="Fira Sans" panose="020B0503050000020004" pitchFamily="34" charset="0"/>
+                <a:cs typeface="Verdana" panose="020B0604030504040204" pitchFamily="34" charset="0"/>
+              </a:rPr>
+              <a:t>Positionierung</a:t>
+            </a:r>
+            <a:r>
+              <a:rPr lang="en-GB" sz="1900" i="1" dirty="0" smtClean="0">
+                <a:solidFill>
+                  <a:schemeClr val="bg1">
+                    <a:lumMod val="75000"/>
+                  </a:schemeClr>
+                </a:solidFill>
+                <a:latin typeface="Fira Sans" panose="020B0503050000020004" pitchFamily="34" charset="0"/>
+                <a:ea typeface="Fira Sans" panose="020B0503050000020004" pitchFamily="34" charset="0"/>
+                <a:cs typeface="Verdana" panose="020B0604030504040204" pitchFamily="34" charset="0"/>
+              </a:rPr>
+              <a:t> der </a:t>
+            </a:r>
+            <a:r>
+              <a:rPr lang="en-GB" sz="1900" i="1" dirty="0" err="1" smtClean="0">
+                <a:solidFill>
+                  <a:schemeClr val="bg1">
+                    <a:lumMod val="75000"/>
+                  </a:schemeClr>
+                </a:solidFill>
+                <a:latin typeface="Fira Sans" panose="020B0503050000020004" pitchFamily="34" charset="0"/>
+                <a:ea typeface="Fira Sans" panose="020B0503050000020004" pitchFamily="34" charset="0"/>
+                <a:cs typeface="Verdana" panose="020B0604030504040204" pitchFamily="34" charset="0"/>
+              </a:rPr>
+              <a:t>Produkte</a:t>
+            </a:r>
+            <a:r>
+              <a:rPr lang="en-GB" sz="1900" i="1" dirty="0" smtClean="0">
+                <a:solidFill>
+                  <a:schemeClr val="bg1">
+                    <a:lumMod val="75000"/>
+                  </a:schemeClr>
+                </a:solidFill>
+                <a:latin typeface="Fira Sans" panose="020B0503050000020004" pitchFamily="34" charset="0"/>
+                <a:ea typeface="Fira Sans" panose="020B0503050000020004" pitchFamily="34" charset="0"/>
+                <a:cs typeface="Verdana" panose="020B0604030504040204" pitchFamily="34" charset="0"/>
+              </a:rPr>
+              <a:t> und </a:t>
+            </a:r>
+            <a:r>
+              <a:rPr lang="en-GB" sz="1900" i="1" dirty="0" err="1" smtClean="0">
+                <a:solidFill>
+                  <a:schemeClr val="bg1">
+                    <a:lumMod val="75000"/>
+                  </a:schemeClr>
+                </a:solidFill>
+                <a:latin typeface="Fira Sans" panose="020B0503050000020004" pitchFamily="34" charset="0"/>
+                <a:ea typeface="Fira Sans" panose="020B0503050000020004" pitchFamily="34" charset="0"/>
+                <a:cs typeface="Verdana" panose="020B0604030504040204" pitchFamily="34" charset="0"/>
+              </a:rPr>
+              <a:t>Dienstleistungen</a:t>
+            </a:r>
+            <a:endParaRPr lang="en-GB" sz="1900" i="1" dirty="0" smtClean="0">
+              <a:solidFill>
+                <a:schemeClr val="bg1">
+                  <a:lumMod val="75000"/>
+                </a:schemeClr>
+              </a:solidFill>
+              <a:latin typeface="Fira Sans" panose="020B0503050000020004" pitchFamily="34" charset="0"/>
+              <a:ea typeface="Fira Sans" panose="020B0503050000020004" pitchFamily="34" charset="0"/>
+              <a:cs typeface="Verdana" panose="020B0604030504040204" pitchFamily="34" charset="0"/>
+            </a:endParaRPr>
           </a:p>
         </p:txBody>
       </p:sp>
@@ -5762,7 +6876,7 @@
           <a:lstStyle/>
           <a:p>
             <a:pPr algn="ctr"/>
-            <a:fld id="{E76034A8-012B-4C1A-A1ED-266DFA9C8ECF}" type="slidenum">
+            <a:fld id="{83DAC1BB-026D-4EF4-9A00-3554E66F0410}" type="slidenum">
               <a:rPr lang="de-DE" smtClean="0"/>
               <a:t>5</a:t>
             </a:fld>
@@ -5773,13 +6887,25 @@
     </p:spTree>
     <p:extLst>
       <p:ext uri="{BB962C8B-B14F-4D97-AF65-F5344CB8AC3E}">
-        <p14:creationId xmlns:p14="http://schemas.microsoft.com/office/powerpoint/2010/main" val="1070401155"/>
+        <p14:creationId xmlns:p14="http://schemas.microsoft.com/office/powerpoint/2010/main" val="1298130710"/>
       </p:ext>
     </p:extLst>
   </p:cSld>
   <p:clrMapOvr>
     <a:masterClrMapping/>
   </p:clrMapOvr>
+  <mc:AlternateContent xmlns:mc="http://schemas.openxmlformats.org/markup-compatibility/2006">
+    <mc:Choice xmlns:p14="http://schemas.microsoft.com/office/powerpoint/2010/main" Requires="p14">
+      <p:transition p14:dur="300">
+        <p:fade/>
+      </p:transition>
+    </mc:Choice>
+    <mc:Fallback>
+      <p:transition>
+        <p:fade/>
+      </p:transition>
+    </mc:Fallback>
+  </mc:AlternateContent>
   <p:timing>
     <p:tnLst>
       <p:par>
@@ -5839,8 +6965,8 @@
         </p:nvSpPr>
         <p:spPr>
           <a:xfrm>
-            <a:off x="838200" y="2766219"/>
-            <a:ext cx="10515600" cy="1325563"/>
+            <a:off x="838200" y="285750"/>
+            <a:ext cx="10515600" cy="828675"/>
           </a:xfrm>
         </p:spPr>
         <p:txBody>
@@ -5849,7 +6975,7 @@
           <a:p>
             <a:pPr algn="ctr"/>
             <a:r>
-              <a:rPr lang="de-DE" i="1" dirty="0" smtClean="0">
+              <a:rPr lang="en-GB" i="1" dirty="0" smtClean="0">
                 <a:solidFill>
                   <a:schemeClr val="tx1">
                     <a:lumMod val="65000"/>
@@ -5860,7 +6986,7 @@
                 <a:ea typeface="Fira Sans" panose="020B0503050000020004" pitchFamily="34" charset="0"/>
                 <a:cs typeface="Verdana" panose="020B0604030504040204" pitchFamily="34" charset="0"/>
               </a:rPr>
-              <a:t>VIELEN DANK</a:t>
+              <a:t>ZUSAMMENSETZUNG</a:t>
             </a:r>
             <a:endParaRPr lang="de-DE" i="1" dirty="0">
               <a:solidFill>
@@ -5878,46 +7004,793 @@
       </p:sp>
       <p:sp>
         <p:nvSpPr>
-          <p:cNvPr id="2" name="Textfeld 1"/>
-          <p:cNvSpPr txBox="1"/>
-          <p:nvPr/>
+          <p:cNvPr id="14" name="Inhaltsplatzhalter 13"/>
+          <p:cNvSpPr>
+            <a:spLocks noGrp="1"/>
+          </p:cNvSpPr>
+          <p:nvPr>
+            <p:ph idx="1"/>
+          </p:nvPr>
         </p:nvSpPr>
         <p:spPr>
           <a:xfrm>
-            <a:off x="10615613" y="6515100"/>
-            <a:ext cx="1476374" cy="215444"/>
+            <a:off x="838200" y="1266824"/>
+            <a:ext cx="10515600" cy="5514976"/>
           </a:xfrm>
-          <a:prstGeom prst="rect">
-            <a:avLst/>
-          </a:prstGeom>
-          <a:noFill/>
         </p:spPr>
         <p:txBody>
-          <a:bodyPr wrap="square" rtlCol="0">
-            <a:spAutoFit/>
+          <a:bodyPr>
+            <a:normAutofit/>
           </a:bodyPr>
           <a:lstStyle/>
           <a:p>
-            <a:pPr algn="r"/>
-            <a:r>
-              <a:rPr lang="de-DE" sz="800" i="1" dirty="0" smtClean="0">
-                <a:solidFill>
-                  <a:schemeClr val="tx1">
+            <a:r>
+              <a:rPr lang="en-GB" sz="2400" i="1" dirty="0" err="1" smtClean="0">
+                <a:solidFill>
+                  <a:schemeClr val="bg1">
                     <a:lumMod val="50000"/>
-                    <a:lumOff val="50000"/>
-                  </a:schemeClr>
-                </a:solidFill>
-                <a:latin typeface="Fira Sans" panose="020B0503050000020004" pitchFamily="34" charset="0"/>
-                <a:ea typeface="Fira Sans" panose="020B0503050000020004" pitchFamily="34" charset="0"/>
-                <a:cs typeface="Verdana" panose="020B0604030504040204" pitchFamily="34" charset="0"/>
-              </a:rPr>
-              <a:t>CHARLOTTE ZEEB</a:t>
-            </a:r>
-            <a:endParaRPr lang="de-DE" sz="800" i="1" dirty="0">
+                  </a:schemeClr>
+                </a:solidFill>
+                <a:latin typeface="Fira Sans" panose="020B0503050000020004" pitchFamily="34" charset="0"/>
+                <a:ea typeface="Fira Sans" panose="020B0503050000020004" pitchFamily="34" charset="0"/>
+                <a:cs typeface="Verdana" panose="020B0604030504040204" pitchFamily="34" charset="0"/>
+              </a:rPr>
+              <a:t>Grundbausteine</a:t>
+            </a:r>
+            <a:r>
+              <a:rPr lang="en-GB" sz="2400" i="1" dirty="0" smtClean="0">
+                <a:solidFill>
+                  <a:schemeClr val="bg1">
+                    <a:lumMod val="50000"/>
+                  </a:schemeClr>
+                </a:solidFill>
+                <a:latin typeface="Fira Sans" panose="020B0503050000020004" pitchFamily="34" charset="0"/>
+                <a:ea typeface="Fira Sans" panose="020B0503050000020004" pitchFamily="34" charset="0"/>
+                <a:cs typeface="Verdana" panose="020B0604030504040204" pitchFamily="34" charset="0"/>
+              </a:rPr>
+              <a:t> des Business Plans </a:t>
+            </a:r>
+            <a:r>
+              <a:rPr lang="en-GB" sz="2400" i="1" dirty="0" err="1" smtClean="0">
+                <a:solidFill>
+                  <a:schemeClr val="bg1">
+                    <a:lumMod val="50000"/>
+                  </a:schemeClr>
+                </a:solidFill>
+                <a:latin typeface="Fira Sans" panose="020B0503050000020004" pitchFamily="34" charset="0"/>
+                <a:ea typeface="Fira Sans" panose="020B0503050000020004" pitchFamily="34" charset="0"/>
+                <a:cs typeface="Verdana" panose="020B0604030504040204" pitchFamily="34" charset="0"/>
+              </a:rPr>
+              <a:t>sind</a:t>
+            </a:r>
+            <a:endParaRPr lang="en-GB" sz="1600" i="1" dirty="0" smtClean="0">
               <a:solidFill>
-                <a:schemeClr val="tx1">
-                  <a:lumMod val="50000"/>
-                  <a:lumOff val="50000"/>
+                <a:schemeClr val="bg1">
+                  <a:lumMod val="65000"/>
+                </a:schemeClr>
+              </a:solidFill>
+              <a:latin typeface="Fira Sans" panose="020B0503050000020004" pitchFamily="34" charset="0"/>
+              <a:ea typeface="Fira Sans" panose="020B0503050000020004" pitchFamily="34" charset="0"/>
+              <a:cs typeface="Verdana" panose="020B0604030504040204" pitchFamily="34" charset="0"/>
+            </a:endParaRPr>
+          </a:p>
+          <a:p>
+            <a:pPr marL="914400" lvl="1" indent="-457200">
+              <a:buFont typeface="+mj-lt"/>
+              <a:buAutoNum type="arabicPeriod" startAt="6"/>
+            </a:pPr>
+            <a:r>
+              <a:rPr lang="en-GB" sz="2000" i="1" dirty="0" err="1" smtClean="0">
+                <a:solidFill>
+                  <a:schemeClr val="bg1">
+                    <a:lumMod val="65000"/>
+                  </a:schemeClr>
+                </a:solidFill>
+                <a:latin typeface="Fira Sans" panose="020B0503050000020004" pitchFamily="34" charset="0"/>
+                <a:ea typeface="Fira Sans" panose="020B0503050000020004" pitchFamily="34" charset="0"/>
+                <a:cs typeface="Verdana" panose="020B0604030504040204" pitchFamily="34" charset="0"/>
+              </a:rPr>
+              <a:t>Produktion</a:t>
+            </a:r>
+            <a:r>
+              <a:rPr lang="en-GB" sz="2000" i="1" dirty="0" smtClean="0">
+                <a:solidFill>
+                  <a:schemeClr val="bg1">
+                    <a:lumMod val="65000"/>
+                  </a:schemeClr>
+                </a:solidFill>
+                <a:latin typeface="Fira Sans" panose="020B0503050000020004" pitchFamily="34" charset="0"/>
+                <a:ea typeface="Fira Sans" panose="020B0503050000020004" pitchFamily="34" charset="0"/>
+                <a:cs typeface="Verdana" panose="020B0604030504040204" pitchFamily="34" charset="0"/>
+              </a:rPr>
+              <a:t>, </a:t>
+            </a:r>
+            <a:r>
+              <a:rPr lang="en-GB" sz="2000" i="1" dirty="0" err="1" smtClean="0">
+                <a:solidFill>
+                  <a:schemeClr val="bg1">
+                    <a:lumMod val="65000"/>
+                  </a:schemeClr>
+                </a:solidFill>
+                <a:latin typeface="Fira Sans" panose="020B0503050000020004" pitchFamily="34" charset="0"/>
+                <a:ea typeface="Fira Sans" panose="020B0503050000020004" pitchFamily="34" charset="0"/>
+                <a:cs typeface="Verdana" panose="020B0604030504040204" pitchFamily="34" charset="0"/>
+              </a:rPr>
+              <a:t>Forschung</a:t>
+            </a:r>
+            <a:r>
+              <a:rPr lang="en-GB" sz="2000" i="1" dirty="0" smtClean="0">
+                <a:solidFill>
+                  <a:schemeClr val="bg1">
+                    <a:lumMod val="65000"/>
+                  </a:schemeClr>
+                </a:solidFill>
+                <a:latin typeface="Fira Sans" panose="020B0503050000020004" pitchFamily="34" charset="0"/>
+                <a:ea typeface="Fira Sans" panose="020B0503050000020004" pitchFamily="34" charset="0"/>
+                <a:cs typeface="Verdana" panose="020B0604030504040204" pitchFamily="34" charset="0"/>
+              </a:rPr>
+              <a:t> &amp; </a:t>
+            </a:r>
+            <a:r>
+              <a:rPr lang="en-GB" sz="2000" i="1" dirty="0" err="1" smtClean="0">
+                <a:solidFill>
+                  <a:schemeClr val="bg1">
+                    <a:lumMod val="65000"/>
+                  </a:schemeClr>
+                </a:solidFill>
+                <a:latin typeface="Fira Sans" panose="020B0503050000020004" pitchFamily="34" charset="0"/>
+                <a:ea typeface="Fira Sans" panose="020B0503050000020004" pitchFamily="34" charset="0"/>
+                <a:cs typeface="Verdana" panose="020B0604030504040204" pitchFamily="34" charset="0"/>
+              </a:rPr>
+              <a:t>Entwicklung</a:t>
+            </a:r>
+            <a:endParaRPr lang="en-GB" sz="2000" i="1" dirty="0" smtClean="0">
+              <a:solidFill>
+                <a:schemeClr val="bg1">
+                  <a:lumMod val="65000"/>
+                </a:schemeClr>
+              </a:solidFill>
+              <a:latin typeface="Fira Sans" panose="020B0503050000020004" pitchFamily="34" charset="0"/>
+              <a:ea typeface="Fira Sans" panose="020B0503050000020004" pitchFamily="34" charset="0"/>
+              <a:cs typeface="Verdana" panose="020B0604030504040204" pitchFamily="34" charset="0"/>
+            </a:endParaRPr>
+          </a:p>
+          <a:p>
+            <a:pPr marL="1371600" lvl="2" indent="-457200">
+              <a:buFont typeface="+mj-lt"/>
+              <a:buAutoNum type="arabicPeriod" startAt="6"/>
+            </a:pPr>
+            <a:r>
+              <a:rPr lang="en-GB" sz="1800" i="1" dirty="0" err="1" smtClean="0">
+                <a:solidFill>
+                  <a:schemeClr val="bg1">
+                    <a:lumMod val="75000"/>
+                  </a:schemeClr>
+                </a:solidFill>
+                <a:latin typeface="Fira Sans" panose="020B0503050000020004" pitchFamily="34" charset="0"/>
+                <a:ea typeface="Fira Sans" panose="020B0503050000020004" pitchFamily="34" charset="0"/>
+                <a:cs typeface="Verdana" panose="020B0604030504040204" pitchFamily="34" charset="0"/>
+              </a:rPr>
+              <a:t>Produktion</a:t>
+            </a:r>
+            <a:r>
+              <a:rPr lang="en-GB" sz="1800" i="1" dirty="0" smtClean="0">
+                <a:solidFill>
+                  <a:schemeClr val="bg1">
+                    <a:lumMod val="75000"/>
+                  </a:schemeClr>
+                </a:solidFill>
+                <a:latin typeface="Fira Sans" panose="020B0503050000020004" pitchFamily="34" charset="0"/>
+                <a:ea typeface="Fira Sans" panose="020B0503050000020004" pitchFamily="34" charset="0"/>
+                <a:cs typeface="Verdana" panose="020B0604030504040204" pitchFamily="34" charset="0"/>
+              </a:rPr>
+              <a:t> &amp; </a:t>
+            </a:r>
+            <a:r>
+              <a:rPr lang="en-GB" sz="1800" i="1" dirty="0" err="1" smtClean="0">
+                <a:solidFill>
+                  <a:schemeClr val="bg1">
+                    <a:lumMod val="75000"/>
+                  </a:schemeClr>
+                </a:solidFill>
+                <a:latin typeface="Fira Sans" panose="020B0503050000020004" pitchFamily="34" charset="0"/>
+                <a:ea typeface="Fira Sans" panose="020B0503050000020004" pitchFamily="34" charset="0"/>
+                <a:cs typeface="Verdana" panose="020B0604030504040204" pitchFamily="34" charset="0"/>
+              </a:rPr>
+              <a:t>Entwicklung</a:t>
+            </a:r>
+            <a:endParaRPr lang="en-GB" sz="1800" i="1" dirty="0" smtClean="0">
+              <a:solidFill>
+                <a:schemeClr val="bg1">
+                  <a:lumMod val="75000"/>
+                </a:schemeClr>
+              </a:solidFill>
+              <a:latin typeface="Fira Sans" panose="020B0503050000020004" pitchFamily="34" charset="0"/>
+              <a:ea typeface="Fira Sans" panose="020B0503050000020004" pitchFamily="34" charset="0"/>
+              <a:cs typeface="Verdana" panose="020B0604030504040204" pitchFamily="34" charset="0"/>
+            </a:endParaRPr>
+          </a:p>
+          <a:p>
+            <a:pPr marL="1371600" lvl="2" indent="-457200">
+              <a:buFont typeface="+mj-lt"/>
+              <a:buAutoNum type="arabicPeriod" startAt="6"/>
+            </a:pPr>
+            <a:endParaRPr lang="en-GB" sz="1600" i="1" dirty="0" smtClean="0">
+              <a:solidFill>
+                <a:schemeClr val="bg1">
+                  <a:lumMod val="65000"/>
+                </a:schemeClr>
+              </a:solidFill>
+              <a:latin typeface="Fira Sans" panose="020B0503050000020004" pitchFamily="34" charset="0"/>
+              <a:ea typeface="Fira Sans" panose="020B0503050000020004" pitchFamily="34" charset="0"/>
+              <a:cs typeface="Verdana" panose="020B0604030504040204" pitchFamily="34" charset="0"/>
+            </a:endParaRPr>
+          </a:p>
+          <a:p>
+            <a:pPr marL="914400" lvl="1" indent="-457200">
+              <a:buFont typeface="+mj-lt"/>
+              <a:buAutoNum type="arabicPeriod" startAt="6"/>
+            </a:pPr>
+            <a:r>
+              <a:rPr lang="en-GB" sz="2000" i="1" dirty="0" smtClean="0">
+                <a:solidFill>
+                  <a:schemeClr val="bg1">
+                    <a:lumMod val="65000"/>
+                  </a:schemeClr>
+                </a:solidFill>
+                <a:latin typeface="Fira Sans" panose="020B0503050000020004" pitchFamily="34" charset="0"/>
+                <a:ea typeface="Fira Sans" panose="020B0503050000020004" pitchFamily="34" charset="0"/>
+                <a:cs typeface="Verdana" panose="020B0604030504040204" pitchFamily="34" charset="0"/>
+              </a:rPr>
+              <a:t>Management &amp; </a:t>
+            </a:r>
+            <a:r>
+              <a:rPr lang="en-GB" sz="2000" i="1" dirty="0" err="1" smtClean="0">
+                <a:solidFill>
+                  <a:schemeClr val="bg1">
+                    <a:lumMod val="65000"/>
+                  </a:schemeClr>
+                </a:solidFill>
+                <a:latin typeface="Fira Sans" panose="020B0503050000020004" pitchFamily="34" charset="0"/>
+                <a:ea typeface="Fira Sans" panose="020B0503050000020004" pitchFamily="34" charset="0"/>
+                <a:cs typeface="Verdana" panose="020B0604030504040204" pitchFamily="34" charset="0"/>
+              </a:rPr>
+              <a:t>Mitarbeiter</a:t>
+            </a:r>
+            <a:endParaRPr lang="en-GB" sz="2000" i="1" dirty="0" smtClean="0">
+              <a:solidFill>
+                <a:schemeClr val="bg1">
+                  <a:lumMod val="65000"/>
+                </a:schemeClr>
+              </a:solidFill>
+              <a:latin typeface="Fira Sans" panose="020B0503050000020004" pitchFamily="34" charset="0"/>
+              <a:ea typeface="Fira Sans" panose="020B0503050000020004" pitchFamily="34" charset="0"/>
+              <a:cs typeface="Verdana" panose="020B0604030504040204" pitchFamily="34" charset="0"/>
+            </a:endParaRPr>
+          </a:p>
+          <a:p>
+            <a:pPr marL="914400" lvl="1" indent="-457200">
+              <a:buFont typeface="+mj-lt"/>
+              <a:buAutoNum type="arabicPeriod" startAt="6"/>
+            </a:pPr>
+            <a:endParaRPr lang="en-GB" sz="2000" i="1" dirty="0" smtClean="0">
+              <a:solidFill>
+                <a:schemeClr val="bg1">
+                  <a:lumMod val="65000"/>
+                </a:schemeClr>
+              </a:solidFill>
+              <a:latin typeface="Fira Sans" panose="020B0503050000020004" pitchFamily="34" charset="0"/>
+              <a:ea typeface="Fira Sans" panose="020B0503050000020004" pitchFamily="34" charset="0"/>
+              <a:cs typeface="Verdana" panose="020B0604030504040204" pitchFamily="34" charset="0"/>
+            </a:endParaRPr>
+          </a:p>
+          <a:p>
+            <a:pPr marL="914400" lvl="1" indent="-457200">
+              <a:buFont typeface="+mj-lt"/>
+              <a:buAutoNum type="arabicPeriod" startAt="6"/>
+            </a:pPr>
+            <a:r>
+              <a:rPr lang="en-GB" sz="2000" i="1" dirty="0" err="1" smtClean="0">
+                <a:solidFill>
+                  <a:schemeClr val="bg1">
+                    <a:lumMod val="65000"/>
+                  </a:schemeClr>
+                </a:solidFill>
+                <a:latin typeface="Fira Sans" panose="020B0503050000020004" pitchFamily="34" charset="0"/>
+                <a:ea typeface="Fira Sans" panose="020B0503050000020004" pitchFamily="34" charset="0"/>
+                <a:cs typeface="Verdana" panose="020B0604030504040204" pitchFamily="34" charset="0"/>
+              </a:rPr>
+              <a:t>Finanzierung</a:t>
+            </a:r>
+            <a:endParaRPr lang="en-GB" sz="2000" i="1" dirty="0" smtClean="0">
+              <a:solidFill>
+                <a:schemeClr val="bg1">
+                  <a:lumMod val="65000"/>
+                </a:schemeClr>
+              </a:solidFill>
+              <a:latin typeface="Fira Sans" panose="020B0503050000020004" pitchFamily="34" charset="0"/>
+              <a:ea typeface="Fira Sans" panose="020B0503050000020004" pitchFamily="34" charset="0"/>
+              <a:cs typeface="Verdana" panose="020B0604030504040204" pitchFamily="34" charset="0"/>
+            </a:endParaRPr>
+          </a:p>
+          <a:p>
+            <a:pPr marL="1371600" lvl="2" indent="-457200">
+              <a:buFont typeface="+mj-lt"/>
+              <a:buAutoNum type="arabicPeriod" startAt="6"/>
+            </a:pPr>
+            <a:r>
+              <a:rPr lang="en-GB" sz="1800" i="1" dirty="0" err="1" smtClean="0">
+                <a:solidFill>
+                  <a:schemeClr val="bg1">
+                    <a:lumMod val="75000"/>
+                  </a:schemeClr>
+                </a:solidFill>
+                <a:latin typeface="Fira Sans" panose="020B0503050000020004" pitchFamily="34" charset="0"/>
+                <a:ea typeface="Fira Sans" panose="020B0503050000020004" pitchFamily="34" charset="0"/>
+                <a:cs typeface="Verdana" panose="020B0604030504040204" pitchFamily="34" charset="0"/>
+              </a:rPr>
+              <a:t>Geplante</a:t>
+            </a:r>
+            <a:r>
+              <a:rPr lang="en-GB" sz="1800" i="1" dirty="0" smtClean="0">
+                <a:solidFill>
+                  <a:schemeClr val="bg1">
+                    <a:lumMod val="75000"/>
+                  </a:schemeClr>
+                </a:solidFill>
+                <a:latin typeface="Fira Sans" panose="020B0503050000020004" pitchFamily="34" charset="0"/>
+                <a:ea typeface="Fira Sans" panose="020B0503050000020004" pitchFamily="34" charset="0"/>
+                <a:cs typeface="Verdana" panose="020B0604030504040204" pitchFamily="34" charset="0"/>
+              </a:rPr>
+              <a:t> </a:t>
+            </a:r>
+            <a:r>
+              <a:rPr lang="en-GB" sz="1800" i="1" dirty="0" err="1" smtClean="0">
+                <a:solidFill>
+                  <a:schemeClr val="bg1">
+                    <a:lumMod val="75000"/>
+                  </a:schemeClr>
+                </a:solidFill>
+                <a:latin typeface="Fira Sans" panose="020B0503050000020004" pitchFamily="34" charset="0"/>
+                <a:ea typeface="Fira Sans" panose="020B0503050000020004" pitchFamily="34" charset="0"/>
+                <a:cs typeface="Verdana" panose="020B0604030504040204" pitchFamily="34" charset="0"/>
+              </a:rPr>
+              <a:t>Finanzierungsstrategie</a:t>
+            </a:r>
+            <a:endParaRPr lang="en-GB" sz="1800" i="1" dirty="0" smtClean="0">
+              <a:solidFill>
+                <a:schemeClr val="bg1">
+                  <a:lumMod val="75000"/>
+                </a:schemeClr>
+              </a:solidFill>
+              <a:latin typeface="Fira Sans" panose="020B0503050000020004" pitchFamily="34" charset="0"/>
+              <a:ea typeface="Fira Sans" panose="020B0503050000020004" pitchFamily="34" charset="0"/>
+              <a:cs typeface="Verdana" panose="020B0604030504040204" pitchFamily="34" charset="0"/>
+            </a:endParaRPr>
+          </a:p>
+          <a:p>
+            <a:pPr marL="1371600" lvl="2" indent="-457200">
+              <a:buFont typeface="+mj-lt"/>
+              <a:buAutoNum type="arabicPeriod" startAt="6"/>
+            </a:pPr>
+            <a:r>
+              <a:rPr lang="en-GB" sz="1800" i="1" dirty="0" err="1" smtClean="0">
+                <a:solidFill>
+                  <a:schemeClr val="bg1">
+                    <a:lumMod val="75000"/>
+                  </a:schemeClr>
+                </a:solidFill>
+                <a:latin typeface="Fira Sans" panose="020B0503050000020004" pitchFamily="34" charset="0"/>
+                <a:ea typeface="Fira Sans" panose="020B0503050000020004" pitchFamily="34" charset="0"/>
+                <a:cs typeface="Verdana" panose="020B0604030504040204" pitchFamily="34" charset="0"/>
+              </a:rPr>
+              <a:t>Einsatz</a:t>
+            </a:r>
+            <a:r>
+              <a:rPr lang="en-GB" sz="1800" i="1" dirty="0" smtClean="0">
+                <a:solidFill>
+                  <a:schemeClr val="bg1">
+                    <a:lumMod val="75000"/>
+                  </a:schemeClr>
+                </a:solidFill>
+                <a:latin typeface="Fira Sans" panose="020B0503050000020004" pitchFamily="34" charset="0"/>
+                <a:ea typeface="Fira Sans" panose="020B0503050000020004" pitchFamily="34" charset="0"/>
+                <a:cs typeface="Verdana" panose="020B0604030504040204" pitchFamily="34" charset="0"/>
+              </a:rPr>
+              <a:t> von </a:t>
+            </a:r>
+            <a:r>
+              <a:rPr lang="en-GB" sz="1800" i="1" dirty="0" err="1" smtClean="0">
+                <a:solidFill>
+                  <a:schemeClr val="bg1">
+                    <a:lumMod val="75000"/>
+                  </a:schemeClr>
+                </a:solidFill>
+                <a:latin typeface="Fira Sans" panose="020B0503050000020004" pitchFamily="34" charset="0"/>
+                <a:ea typeface="Fira Sans" panose="020B0503050000020004" pitchFamily="34" charset="0"/>
+                <a:cs typeface="Verdana" panose="020B0604030504040204" pitchFamily="34" charset="0"/>
+              </a:rPr>
+              <a:t>Finanzierungsmitteln</a:t>
+            </a:r>
+            <a:endParaRPr lang="en-GB" sz="1800" i="1" dirty="0" smtClean="0">
+              <a:solidFill>
+                <a:schemeClr val="bg1">
+                  <a:lumMod val="75000"/>
+                </a:schemeClr>
+              </a:solidFill>
+              <a:latin typeface="Fira Sans" panose="020B0503050000020004" pitchFamily="34" charset="0"/>
+              <a:ea typeface="Fira Sans" panose="020B0503050000020004" pitchFamily="34" charset="0"/>
+              <a:cs typeface="Verdana" panose="020B0604030504040204" pitchFamily="34" charset="0"/>
+            </a:endParaRPr>
+          </a:p>
+          <a:p>
+            <a:pPr marL="1371600" lvl="2" indent="-457200">
+              <a:buFont typeface="+mj-lt"/>
+              <a:buAutoNum type="arabicPeriod" startAt="6"/>
+            </a:pPr>
+            <a:r>
+              <a:rPr lang="en-GB" sz="1800" i="1" dirty="0" err="1" smtClean="0">
+                <a:solidFill>
+                  <a:schemeClr val="bg1">
+                    <a:lumMod val="75000"/>
+                  </a:schemeClr>
+                </a:solidFill>
+                <a:latin typeface="Fira Sans" panose="020B0503050000020004" pitchFamily="34" charset="0"/>
+                <a:ea typeface="Fira Sans" panose="020B0503050000020004" pitchFamily="34" charset="0"/>
+                <a:cs typeface="Verdana" panose="020B0604030504040204" pitchFamily="34" charset="0"/>
+              </a:rPr>
+              <a:t>Einflussfaktoren</a:t>
+            </a:r>
+            <a:r>
+              <a:rPr lang="en-GB" sz="1800" i="1" dirty="0" smtClean="0">
+                <a:solidFill>
+                  <a:schemeClr val="bg1">
+                    <a:lumMod val="75000"/>
+                  </a:schemeClr>
+                </a:solidFill>
+                <a:latin typeface="Fira Sans" panose="020B0503050000020004" pitchFamily="34" charset="0"/>
+                <a:ea typeface="Fira Sans" panose="020B0503050000020004" pitchFamily="34" charset="0"/>
+                <a:cs typeface="Verdana" panose="020B0604030504040204" pitchFamily="34" charset="0"/>
+              </a:rPr>
+              <a:t> </a:t>
+            </a:r>
+            <a:r>
+              <a:rPr lang="en-GB" sz="1800" i="1" dirty="0" err="1" smtClean="0">
+                <a:solidFill>
+                  <a:schemeClr val="bg1">
+                    <a:lumMod val="75000"/>
+                  </a:schemeClr>
+                </a:solidFill>
+                <a:latin typeface="Fira Sans" panose="020B0503050000020004" pitchFamily="34" charset="0"/>
+                <a:ea typeface="Fira Sans" panose="020B0503050000020004" pitchFamily="34" charset="0"/>
+                <a:cs typeface="Verdana" panose="020B0604030504040204" pitchFamily="34" charset="0"/>
+              </a:rPr>
+              <a:t>für</a:t>
+            </a:r>
+            <a:r>
+              <a:rPr lang="en-GB" sz="1800" i="1" dirty="0" smtClean="0">
+                <a:solidFill>
+                  <a:schemeClr val="bg1">
+                    <a:lumMod val="75000"/>
+                  </a:schemeClr>
+                </a:solidFill>
+                <a:latin typeface="Fira Sans" panose="020B0503050000020004" pitchFamily="34" charset="0"/>
+                <a:ea typeface="Fira Sans" panose="020B0503050000020004" pitchFamily="34" charset="0"/>
+                <a:cs typeface="Verdana" panose="020B0604030504040204" pitchFamily="34" charset="0"/>
+              </a:rPr>
+              <a:t> die </a:t>
+            </a:r>
+            <a:r>
+              <a:rPr lang="en-GB" sz="1800" i="1" dirty="0" err="1" smtClean="0">
+                <a:solidFill>
+                  <a:schemeClr val="bg1">
+                    <a:lumMod val="75000"/>
+                  </a:schemeClr>
+                </a:solidFill>
+                <a:latin typeface="Fira Sans" panose="020B0503050000020004" pitchFamily="34" charset="0"/>
+                <a:ea typeface="Fira Sans" panose="020B0503050000020004" pitchFamily="34" charset="0"/>
+                <a:cs typeface="Verdana" panose="020B0604030504040204" pitchFamily="34" charset="0"/>
+              </a:rPr>
+              <a:t>Unternehmenzfinanzierung</a:t>
+            </a:r>
+            <a:endParaRPr lang="en-GB" sz="1800" i="1" dirty="0" smtClean="0">
+              <a:solidFill>
+                <a:schemeClr val="bg1">
+                  <a:lumMod val="75000"/>
+                </a:schemeClr>
+              </a:solidFill>
+              <a:latin typeface="Fira Sans" panose="020B0503050000020004" pitchFamily="34" charset="0"/>
+              <a:ea typeface="Fira Sans" panose="020B0503050000020004" pitchFamily="34" charset="0"/>
+              <a:cs typeface="Verdana" panose="020B0604030504040204" pitchFamily="34" charset="0"/>
+            </a:endParaRPr>
+          </a:p>
+          <a:p>
+            <a:pPr marL="1371600" lvl="2" indent="-457200">
+              <a:buFont typeface="+mj-lt"/>
+              <a:buAutoNum type="arabicPeriod" startAt="6"/>
+            </a:pPr>
+            <a:endParaRPr lang="en-GB" sz="1600" i="1" dirty="0" smtClean="0">
+              <a:solidFill>
+                <a:schemeClr val="bg1">
+                  <a:lumMod val="65000"/>
+                </a:schemeClr>
+              </a:solidFill>
+              <a:latin typeface="Fira Sans" panose="020B0503050000020004" pitchFamily="34" charset="0"/>
+              <a:ea typeface="Fira Sans" panose="020B0503050000020004" pitchFamily="34" charset="0"/>
+              <a:cs typeface="Verdana" panose="020B0604030504040204" pitchFamily="34" charset="0"/>
+            </a:endParaRPr>
+          </a:p>
+          <a:p>
+            <a:pPr marL="914400" lvl="1" indent="-457200">
+              <a:buFont typeface="+mj-lt"/>
+              <a:buAutoNum type="arabicPeriod" startAt="6"/>
+            </a:pPr>
+            <a:r>
+              <a:rPr lang="en-GB" sz="2000" i="1" dirty="0" err="1" smtClean="0">
+                <a:solidFill>
+                  <a:schemeClr val="bg1">
+                    <a:lumMod val="65000"/>
+                  </a:schemeClr>
+                </a:solidFill>
+                <a:latin typeface="Fira Sans" panose="020B0503050000020004" pitchFamily="34" charset="0"/>
+                <a:ea typeface="Fira Sans" panose="020B0503050000020004" pitchFamily="34" charset="0"/>
+                <a:cs typeface="Verdana" panose="020B0604030504040204" pitchFamily="34" charset="0"/>
+              </a:rPr>
+              <a:t>Finanzplanung</a:t>
+            </a:r>
+            <a:endParaRPr lang="en-GB" sz="2000" i="1" dirty="0" smtClean="0">
+              <a:solidFill>
+                <a:schemeClr val="bg1">
+                  <a:lumMod val="65000"/>
+                </a:schemeClr>
+              </a:solidFill>
+              <a:latin typeface="Fira Sans" panose="020B0503050000020004" pitchFamily="34" charset="0"/>
+              <a:ea typeface="Fira Sans" panose="020B0503050000020004" pitchFamily="34" charset="0"/>
+              <a:cs typeface="Verdana" panose="020B0604030504040204" pitchFamily="34" charset="0"/>
+            </a:endParaRPr>
+          </a:p>
+          <a:p>
+            <a:pPr marL="1371600" lvl="2" indent="-457200">
+              <a:buFont typeface="+mj-lt"/>
+              <a:buAutoNum type="arabicPeriod" startAt="6"/>
+            </a:pPr>
+            <a:r>
+              <a:rPr lang="en-GB" sz="1800" i="1" dirty="0" err="1" smtClean="0">
+                <a:solidFill>
+                  <a:schemeClr val="bg1">
+                    <a:lumMod val="75000"/>
+                  </a:schemeClr>
+                </a:solidFill>
+                <a:latin typeface="Fira Sans" panose="020B0503050000020004" pitchFamily="34" charset="0"/>
+                <a:ea typeface="Fira Sans" panose="020B0503050000020004" pitchFamily="34" charset="0"/>
+                <a:cs typeface="Verdana" panose="020B0604030504040204" pitchFamily="34" charset="0"/>
+              </a:rPr>
+              <a:t>Ist-Zahlen</a:t>
+            </a:r>
+            <a:endParaRPr lang="en-GB" sz="1800" i="1" dirty="0" smtClean="0">
+              <a:solidFill>
+                <a:schemeClr val="bg1">
+                  <a:lumMod val="75000"/>
+                </a:schemeClr>
+              </a:solidFill>
+              <a:latin typeface="Fira Sans" panose="020B0503050000020004" pitchFamily="34" charset="0"/>
+              <a:ea typeface="Fira Sans" panose="020B0503050000020004" pitchFamily="34" charset="0"/>
+              <a:cs typeface="Verdana" panose="020B0604030504040204" pitchFamily="34" charset="0"/>
+            </a:endParaRPr>
+          </a:p>
+          <a:p>
+            <a:pPr marL="1371600" lvl="2" indent="-457200">
+              <a:buFont typeface="+mj-lt"/>
+              <a:buAutoNum type="arabicPeriod" startAt="6"/>
+            </a:pPr>
+            <a:r>
+              <a:rPr lang="en-GB" sz="1800" i="1" dirty="0" err="1" smtClean="0">
+                <a:solidFill>
+                  <a:schemeClr val="bg1">
+                    <a:lumMod val="75000"/>
+                  </a:schemeClr>
+                </a:solidFill>
+                <a:latin typeface="Fira Sans" panose="020B0503050000020004" pitchFamily="34" charset="0"/>
+                <a:ea typeface="Fira Sans" panose="020B0503050000020004" pitchFamily="34" charset="0"/>
+                <a:cs typeface="Verdana" panose="020B0604030504040204" pitchFamily="34" charset="0"/>
+              </a:rPr>
+              <a:t>Planannahmen</a:t>
+            </a:r>
+            <a:endParaRPr lang="en-GB" sz="1800" i="1" dirty="0" smtClean="0">
+              <a:solidFill>
+                <a:schemeClr val="bg1">
+                  <a:lumMod val="75000"/>
+                </a:schemeClr>
+              </a:solidFill>
+              <a:latin typeface="Fira Sans" panose="020B0503050000020004" pitchFamily="34" charset="0"/>
+              <a:ea typeface="Fira Sans" panose="020B0503050000020004" pitchFamily="34" charset="0"/>
+              <a:cs typeface="Verdana" panose="020B0604030504040204" pitchFamily="34" charset="0"/>
+            </a:endParaRPr>
+          </a:p>
+          <a:p>
+            <a:pPr marL="1371600" lvl="2" indent="-457200">
+              <a:buFont typeface="+mj-lt"/>
+              <a:buAutoNum type="arabicPeriod" startAt="6"/>
+            </a:pPr>
+            <a:r>
+              <a:rPr lang="en-GB" sz="1800" i="1" dirty="0" smtClean="0">
+                <a:solidFill>
+                  <a:schemeClr val="bg1">
+                    <a:lumMod val="75000"/>
+                  </a:schemeClr>
+                </a:solidFill>
+                <a:latin typeface="Fira Sans" panose="020B0503050000020004" pitchFamily="34" charset="0"/>
+                <a:ea typeface="Fira Sans" panose="020B0503050000020004" pitchFamily="34" charset="0"/>
+                <a:cs typeface="Verdana" panose="020B0604030504040204" pitchFamily="34" charset="0"/>
+              </a:rPr>
+              <a:t>Plan-</a:t>
+            </a:r>
+            <a:r>
+              <a:rPr lang="en-GB" sz="1800" i="1" dirty="0" err="1" smtClean="0">
+                <a:solidFill>
+                  <a:schemeClr val="bg1">
+                    <a:lumMod val="75000"/>
+                  </a:schemeClr>
+                </a:solidFill>
+                <a:latin typeface="Fira Sans" panose="020B0503050000020004" pitchFamily="34" charset="0"/>
+                <a:ea typeface="Fira Sans" panose="020B0503050000020004" pitchFamily="34" charset="0"/>
+                <a:cs typeface="Verdana" panose="020B0604030504040204" pitchFamily="34" charset="0"/>
+              </a:rPr>
+              <a:t>Gewinn</a:t>
+            </a:r>
+            <a:r>
+              <a:rPr lang="en-GB" sz="1800" i="1" dirty="0" smtClean="0">
+                <a:solidFill>
+                  <a:schemeClr val="bg1">
+                    <a:lumMod val="75000"/>
+                  </a:schemeClr>
+                </a:solidFill>
+                <a:latin typeface="Fira Sans" panose="020B0503050000020004" pitchFamily="34" charset="0"/>
+                <a:ea typeface="Fira Sans" panose="020B0503050000020004" pitchFamily="34" charset="0"/>
+                <a:cs typeface="Verdana" panose="020B0604030504040204" pitchFamily="34" charset="0"/>
+              </a:rPr>
+              <a:t>-Und-</a:t>
+            </a:r>
+            <a:r>
+              <a:rPr lang="en-GB" sz="1800" i="1" dirty="0" err="1" smtClean="0">
+                <a:solidFill>
+                  <a:schemeClr val="bg1">
+                    <a:lumMod val="75000"/>
+                  </a:schemeClr>
+                </a:solidFill>
+                <a:latin typeface="Fira Sans" panose="020B0503050000020004" pitchFamily="34" charset="0"/>
+                <a:ea typeface="Fira Sans" panose="020B0503050000020004" pitchFamily="34" charset="0"/>
+                <a:cs typeface="Verdana" panose="020B0604030504040204" pitchFamily="34" charset="0"/>
+              </a:rPr>
+              <a:t>Verlust</a:t>
+            </a:r>
+            <a:r>
+              <a:rPr lang="en-GB" sz="1800" i="1" dirty="0" smtClean="0">
+                <a:solidFill>
+                  <a:schemeClr val="bg1">
+                    <a:lumMod val="75000"/>
+                  </a:schemeClr>
+                </a:solidFill>
+                <a:latin typeface="Fira Sans" panose="020B0503050000020004" pitchFamily="34" charset="0"/>
+                <a:ea typeface="Fira Sans" panose="020B0503050000020004" pitchFamily="34" charset="0"/>
+                <a:cs typeface="Verdana" panose="020B0604030504040204" pitchFamily="34" charset="0"/>
+              </a:rPr>
+              <a:t>-</a:t>
+            </a:r>
+            <a:r>
+              <a:rPr lang="en-GB" sz="1800" i="1" dirty="0" err="1" smtClean="0">
+                <a:solidFill>
+                  <a:schemeClr val="bg1">
+                    <a:lumMod val="75000"/>
+                  </a:schemeClr>
+                </a:solidFill>
+                <a:latin typeface="Fira Sans" panose="020B0503050000020004" pitchFamily="34" charset="0"/>
+                <a:ea typeface="Fira Sans" panose="020B0503050000020004" pitchFamily="34" charset="0"/>
+                <a:cs typeface="Verdana" panose="020B0604030504040204" pitchFamily="34" charset="0"/>
+              </a:rPr>
+              <a:t>Rechnung</a:t>
+            </a:r>
+            <a:r>
+              <a:rPr lang="en-GB" sz="1800" i="1" dirty="0" smtClean="0">
+                <a:solidFill>
+                  <a:schemeClr val="bg1">
+                    <a:lumMod val="75000"/>
+                  </a:schemeClr>
+                </a:solidFill>
+                <a:latin typeface="Fira Sans" panose="020B0503050000020004" pitchFamily="34" charset="0"/>
+                <a:ea typeface="Fira Sans" panose="020B0503050000020004" pitchFamily="34" charset="0"/>
+                <a:cs typeface="Verdana" panose="020B0604030504040204" pitchFamily="34" charset="0"/>
+              </a:rPr>
+              <a:t> inclusive </a:t>
+            </a:r>
+            <a:r>
+              <a:rPr lang="en-GB" sz="1800" i="1" dirty="0" err="1" smtClean="0">
+                <a:solidFill>
+                  <a:schemeClr val="bg1">
+                    <a:lumMod val="75000"/>
+                  </a:schemeClr>
+                </a:solidFill>
+                <a:latin typeface="Fira Sans" panose="020B0503050000020004" pitchFamily="34" charset="0"/>
+                <a:ea typeface="Fira Sans" panose="020B0503050000020004" pitchFamily="34" charset="0"/>
+                <a:cs typeface="Verdana" panose="020B0604030504040204" pitchFamily="34" charset="0"/>
+              </a:rPr>
+              <a:t>Kapitalbedarfsplanung</a:t>
+            </a:r>
+            <a:endParaRPr lang="en-GB" sz="1800" i="1" dirty="0" smtClean="0">
+              <a:solidFill>
+                <a:schemeClr val="bg1">
+                  <a:lumMod val="75000"/>
+                </a:schemeClr>
+              </a:solidFill>
+              <a:latin typeface="Fira Sans" panose="020B0503050000020004" pitchFamily="34" charset="0"/>
+              <a:ea typeface="Fira Sans" panose="020B0503050000020004" pitchFamily="34" charset="0"/>
+              <a:cs typeface="Verdana" panose="020B0604030504040204" pitchFamily="34" charset="0"/>
+            </a:endParaRPr>
+          </a:p>
+          <a:p>
+            <a:pPr marL="1371600" lvl="2" indent="-457200">
+              <a:buFont typeface="+mj-lt"/>
+              <a:buAutoNum type="arabicPeriod" startAt="6"/>
+            </a:pPr>
+            <a:r>
+              <a:rPr lang="en-GB" sz="1800" i="1" dirty="0" smtClean="0">
+                <a:solidFill>
+                  <a:schemeClr val="bg1">
+                    <a:lumMod val="75000"/>
+                  </a:schemeClr>
+                </a:solidFill>
+                <a:latin typeface="Fira Sans" panose="020B0503050000020004" pitchFamily="34" charset="0"/>
+                <a:ea typeface="Fira Sans" panose="020B0503050000020004" pitchFamily="34" charset="0"/>
+                <a:cs typeface="Verdana" panose="020B0604030504040204" pitchFamily="34" charset="0"/>
+              </a:rPr>
+              <a:t>Plan-</a:t>
+            </a:r>
+            <a:r>
+              <a:rPr lang="en-GB" sz="1800" i="1" dirty="0" err="1" smtClean="0">
+                <a:solidFill>
+                  <a:schemeClr val="bg1">
+                    <a:lumMod val="75000"/>
+                  </a:schemeClr>
+                </a:solidFill>
+                <a:latin typeface="Fira Sans" panose="020B0503050000020004" pitchFamily="34" charset="0"/>
+                <a:ea typeface="Fira Sans" panose="020B0503050000020004" pitchFamily="34" charset="0"/>
+                <a:cs typeface="Verdana" panose="020B0604030504040204" pitchFamily="34" charset="0"/>
+              </a:rPr>
+              <a:t>Bilanz</a:t>
+            </a:r>
+            <a:endParaRPr lang="en-GB" sz="1800" i="1" dirty="0" smtClean="0">
+              <a:solidFill>
+                <a:schemeClr val="bg1">
+                  <a:lumMod val="75000"/>
+                </a:schemeClr>
+              </a:solidFill>
+              <a:latin typeface="Fira Sans" panose="020B0503050000020004" pitchFamily="34" charset="0"/>
+              <a:ea typeface="Fira Sans" panose="020B0503050000020004" pitchFamily="34" charset="0"/>
+              <a:cs typeface="Verdana" panose="020B0604030504040204" pitchFamily="34" charset="0"/>
+            </a:endParaRPr>
+          </a:p>
+          <a:p>
+            <a:pPr marL="1371600" lvl="2" indent="-457200">
+              <a:buFont typeface="+mj-lt"/>
+              <a:buAutoNum type="arabicPeriod" startAt="6"/>
+            </a:pPr>
+            <a:r>
+              <a:rPr lang="en-GB" sz="1800" i="1" dirty="0" err="1" smtClean="0">
+                <a:solidFill>
+                  <a:schemeClr val="bg1">
+                    <a:lumMod val="75000"/>
+                  </a:schemeClr>
+                </a:solidFill>
+                <a:latin typeface="Fira Sans" panose="020B0503050000020004" pitchFamily="34" charset="0"/>
+                <a:ea typeface="Fira Sans" panose="020B0503050000020004" pitchFamily="34" charset="0"/>
+                <a:cs typeface="Verdana" panose="020B0604030504040204" pitchFamily="34" charset="0"/>
+              </a:rPr>
+              <a:t>Finanzplan</a:t>
+            </a:r>
+            <a:endParaRPr lang="en-GB" sz="1800" i="1" dirty="0" smtClean="0">
+              <a:solidFill>
+                <a:schemeClr val="bg1">
+                  <a:lumMod val="75000"/>
                 </a:schemeClr>
               </a:solidFill>
               <a:latin typeface="Fira Sans" panose="020B0503050000020004" pitchFamily="34" charset="0"/>
@@ -6051,7 +7924,7 @@
       </p:sp>
       <p:sp>
         <p:nvSpPr>
-          <p:cNvPr id="7" name="Slide Number Placeholder 2"/>
+          <p:cNvPr id="9" name="Slide Number Placeholder 2"/>
           <p:cNvSpPr>
             <a:spLocks noGrp="1"/>
           </p:cNvSpPr>
@@ -6070,9 +7943,329 @@
           <a:lstStyle/>
           <a:p>
             <a:pPr algn="ctr"/>
+            <a:fld id="{83DAC1BB-026D-4EF4-9A00-3554E66F0410}" type="slidenum">
+              <a:rPr lang="de-DE" smtClean="0"/>
+              <a:t>6</a:t>
+            </a:fld>
+            <a:endParaRPr lang="de-DE" dirty="0"/>
+          </a:p>
+        </p:txBody>
+      </p:sp>
+    </p:spTree>
+    <p:extLst>
+      <p:ext uri="{BB962C8B-B14F-4D97-AF65-F5344CB8AC3E}">
+        <p14:creationId xmlns:p14="http://schemas.microsoft.com/office/powerpoint/2010/main" val="3145296319"/>
+      </p:ext>
+    </p:extLst>
+  </p:cSld>
+  <p:clrMapOvr>
+    <a:masterClrMapping/>
+  </p:clrMapOvr>
+  <mc:AlternateContent xmlns:mc="http://schemas.openxmlformats.org/markup-compatibility/2006">
+    <mc:Choice xmlns:p14="http://schemas.microsoft.com/office/powerpoint/2010/main" Requires="p14">
+      <p:transition p14:dur="300">
+        <p:fade/>
+      </p:transition>
+    </mc:Choice>
+    <mc:Fallback>
+      <p:transition>
+        <p:fade/>
+      </p:transition>
+    </mc:Fallback>
+  </mc:AlternateContent>
+  <p:timing>
+    <p:tnLst>
+      <p:par>
+        <p:cTn id="1" dur="indefinite" restart="never" nodeType="tmRoot"/>
+      </p:par>
+    </p:tnLst>
+  </p:timing>
+</p:sld>
+</file>
+
+<file path=ppt/slides/slide7.xml><?xml version="1.0" encoding="utf-8"?>
+<p:sld xmlns:a="http://schemas.openxmlformats.org/drawingml/2006/main" xmlns:r="http://schemas.openxmlformats.org/officeDocument/2006/relationships" xmlns:p="http://schemas.openxmlformats.org/presentationml/2006/main">
+  <p:cSld>
+    <p:bg>
+      <p:bgPr>
+        <a:gradFill flip="none" rotWithShape="1">
+          <a:gsLst>
+            <a:gs pos="0">
+              <a:schemeClr val="accent3">
+                <a:lumMod val="5000"/>
+                <a:lumOff val="95000"/>
+              </a:schemeClr>
+            </a:gs>
+            <a:gs pos="100000">
+              <a:schemeClr val="bg2"/>
+            </a:gs>
+          </a:gsLst>
+          <a:lin ang="5400000" scaled="1"/>
+          <a:tileRect/>
+        </a:gradFill>
+        <a:effectLst/>
+      </p:bgPr>
+    </p:bg>
+    <p:spTree>
+      <p:nvGrpSpPr>
+        <p:cNvPr id="1" name=""/>
+        <p:cNvGrpSpPr/>
+        <p:nvPr/>
+      </p:nvGrpSpPr>
+      <p:grpSpPr>
+        <a:xfrm>
+          <a:off x="0" y="0"/>
+          <a:ext cx="0" cy="0"/>
+          <a:chOff x="0" y="0"/>
+          <a:chExt cx="0" cy="0"/>
+        </a:xfrm>
+      </p:grpSpPr>
+      <p:sp>
+        <p:nvSpPr>
+          <p:cNvPr id="8" name="Titel 7"/>
+          <p:cNvSpPr>
+            <a:spLocks noGrp="1"/>
+          </p:cNvSpPr>
+          <p:nvPr>
+            <p:ph type="title"/>
+          </p:nvPr>
+        </p:nvSpPr>
+        <p:spPr>
+          <a:xfrm>
+            <a:off x="838200" y="2766219"/>
+            <a:ext cx="10515600" cy="1325563"/>
+          </a:xfrm>
+        </p:spPr>
+        <p:txBody>
+          <a:bodyPr/>
+          <a:lstStyle/>
+          <a:p>
+            <a:pPr algn="ctr"/>
+            <a:r>
+              <a:rPr lang="de-DE" i="1" dirty="0" smtClean="0">
+                <a:solidFill>
+                  <a:schemeClr val="tx1">
+                    <a:lumMod val="65000"/>
+                    <a:lumOff val="35000"/>
+                  </a:schemeClr>
+                </a:solidFill>
+                <a:latin typeface="Fira Sans" panose="020B0503050000020004" pitchFamily="34" charset="0"/>
+                <a:ea typeface="Fira Sans" panose="020B0503050000020004" pitchFamily="34" charset="0"/>
+                <a:cs typeface="Verdana" panose="020B0604030504040204" pitchFamily="34" charset="0"/>
+              </a:rPr>
+              <a:t>VIELEN DANK</a:t>
+            </a:r>
+            <a:endParaRPr lang="de-DE" i="1" dirty="0">
+              <a:solidFill>
+                <a:schemeClr val="tx1">
+                  <a:lumMod val="65000"/>
+                  <a:lumOff val="35000"/>
+                </a:schemeClr>
+              </a:solidFill>
+              <a:latin typeface="Fira Sans" panose="020B0503050000020004" pitchFamily="34" charset="0"/>
+              <a:ea typeface="Fira Sans" panose="020B0503050000020004" pitchFamily="34" charset="0"/>
+              <a:cs typeface="Verdana" panose="020B0604030504040204" pitchFamily="34" charset="0"/>
+            </a:endParaRPr>
+          </a:p>
+        </p:txBody>
+      </p:sp>
+      <p:sp>
+        <p:nvSpPr>
+          <p:cNvPr id="2" name="Textfeld 1"/>
+          <p:cNvSpPr txBox="1"/>
+          <p:nvPr/>
+        </p:nvSpPr>
+        <p:spPr>
+          <a:xfrm>
+            <a:off x="10615613" y="6515100"/>
+            <a:ext cx="1476374" cy="215444"/>
+          </a:xfrm>
+          <a:prstGeom prst="rect">
+            <a:avLst/>
+          </a:prstGeom>
+          <a:noFill/>
+        </p:spPr>
+        <p:txBody>
+          <a:bodyPr wrap="square" rtlCol="0">
+            <a:spAutoFit/>
+          </a:bodyPr>
+          <a:lstStyle/>
+          <a:p>
+            <a:pPr algn="r"/>
+            <a:r>
+              <a:rPr lang="de-DE" sz="800" i="1" dirty="0" smtClean="0">
+                <a:solidFill>
+                  <a:schemeClr val="tx1">
+                    <a:lumMod val="50000"/>
+                    <a:lumOff val="50000"/>
+                  </a:schemeClr>
+                </a:solidFill>
+                <a:latin typeface="Fira Sans" panose="020B0503050000020004" pitchFamily="34" charset="0"/>
+                <a:ea typeface="Fira Sans" panose="020B0503050000020004" pitchFamily="34" charset="0"/>
+                <a:cs typeface="Verdana" panose="020B0604030504040204" pitchFamily="34" charset="0"/>
+              </a:rPr>
+              <a:t>CHARLOTTE ZEEB</a:t>
+            </a:r>
+            <a:endParaRPr lang="de-DE" sz="800" i="1" dirty="0">
+              <a:solidFill>
+                <a:schemeClr val="tx1">
+                  <a:lumMod val="50000"/>
+                  <a:lumOff val="50000"/>
+                </a:schemeClr>
+              </a:solidFill>
+              <a:latin typeface="Fira Sans" panose="020B0503050000020004" pitchFamily="34" charset="0"/>
+              <a:ea typeface="Fira Sans" panose="020B0503050000020004" pitchFamily="34" charset="0"/>
+              <a:cs typeface="Verdana" panose="020B0604030504040204" pitchFamily="34" charset="0"/>
+            </a:endParaRPr>
+          </a:p>
+        </p:txBody>
+      </p:sp>
+      <p:sp>
+        <p:nvSpPr>
+          <p:cNvPr id="4" name="Rectangle 3"/>
+          <p:cNvSpPr/>
+          <p:nvPr/>
+        </p:nvSpPr>
+        <p:spPr>
+          <a:xfrm>
+            <a:off x="152400" y="0"/>
+            <a:ext cx="495300" cy="6858000"/>
+          </a:xfrm>
+          <a:prstGeom prst="rect">
+            <a:avLst/>
+          </a:prstGeom>
+          <a:gradFill flip="none" rotWithShape="1">
+            <a:gsLst>
+              <a:gs pos="0">
+                <a:schemeClr val="bg1">
+                  <a:lumMod val="85000"/>
+                </a:schemeClr>
+              </a:gs>
+              <a:gs pos="100000">
+                <a:schemeClr val="bg1">
+                  <a:lumMod val="95000"/>
+                </a:schemeClr>
+              </a:gs>
+            </a:gsLst>
+            <a:path path="circle">
+              <a:fillToRect l="100000" t="100000"/>
+            </a:path>
+            <a:tileRect r="-100000" b="-100000"/>
+          </a:gradFill>
+          <a:ln>
+            <a:noFill/>
+          </a:ln>
+        </p:spPr>
+        <p:style>
+          <a:lnRef idx="2">
+            <a:schemeClr val="accent1">
+              <a:shade val="50000"/>
+            </a:schemeClr>
+          </a:lnRef>
+          <a:fillRef idx="1">
+            <a:schemeClr val="accent1"/>
+          </a:fillRef>
+          <a:effectRef idx="0">
+            <a:schemeClr val="accent1"/>
+          </a:effectRef>
+          <a:fontRef idx="minor">
+            <a:schemeClr val="lt1"/>
+          </a:fontRef>
+        </p:style>
+        <p:txBody>
+          <a:bodyPr rtlCol="0" anchor="ctr"/>
+          <a:lstStyle/>
+          <a:p>
+            <a:pPr algn="ctr"/>
+            <a:endParaRPr lang="de-DE"/>
+          </a:p>
+        </p:txBody>
+      </p:sp>
+      <p:sp>
+        <p:nvSpPr>
+          <p:cNvPr id="5" name="Rectangle 4"/>
+          <p:cNvSpPr/>
+          <p:nvPr/>
+        </p:nvSpPr>
+        <p:spPr>
+          <a:xfrm>
+            <a:off x="733425" y="0"/>
+            <a:ext cx="104775" cy="6858000"/>
+          </a:xfrm>
+          <a:prstGeom prst="rect">
+            <a:avLst/>
+          </a:prstGeom>
+          <a:gradFill flip="none" rotWithShape="1">
+            <a:gsLst>
+              <a:gs pos="0">
+                <a:schemeClr val="bg1">
+                  <a:lumMod val="85000"/>
+                </a:schemeClr>
+              </a:gs>
+              <a:gs pos="100000">
+                <a:schemeClr val="bg1">
+                  <a:lumMod val="95000"/>
+                </a:schemeClr>
+              </a:gs>
+            </a:gsLst>
+            <a:path path="circle">
+              <a:fillToRect l="100000" t="100000"/>
+            </a:path>
+            <a:tileRect r="-100000" b="-100000"/>
+          </a:gradFill>
+          <a:ln>
+            <a:noFill/>
+          </a:ln>
+        </p:spPr>
+        <p:style>
+          <a:lnRef idx="2">
+            <a:schemeClr val="accent1">
+              <a:shade val="50000"/>
+            </a:schemeClr>
+          </a:lnRef>
+          <a:fillRef idx="1">
+            <a:schemeClr val="accent1"/>
+          </a:fillRef>
+          <a:effectRef idx="0">
+            <a:schemeClr val="accent1"/>
+          </a:effectRef>
+          <a:fontRef idx="minor">
+            <a:schemeClr val="lt1"/>
+          </a:fontRef>
+        </p:style>
+        <p:txBody>
+          <a:bodyPr rtlCol="0" anchor="ctr"/>
+          <a:lstStyle/>
+          <a:p>
+            <a:pPr algn="ctr"/>
+            <a:endParaRPr lang="de-DE"/>
+          </a:p>
+        </p:txBody>
+      </p:sp>
+      <p:sp>
+        <p:nvSpPr>
+          <p:cNvPr id="7" name="Slide Number Placeholder 2"/>
+          <p:cNvSpPr>
+            <a:spLocks noGrp="1"/>
+          </p:cNvSpPr>
+          <p:nvPr>
+            <p:ph type="sldNum" sz="quarter" idx="12"/>
+          </p:nvPr>
+        </p:nvSpPr>
+        <p:spPr>
+          <a:xfrm>
+            <a:off x="152400" y="6492875"/>
+            <a:ext cx="495300" cy="365125"/>
+          </a:xfrm>
+        </p:spPr>
+        <p:txBody>
+          <a:bodyPr/>
+          <a:lstStyle/>
+          <a:p>
+            <a:pPr algn="ctr"/>
             <a:fld id="{51908A91-2006-4FC7-93F5-FF48FEF2FCE5}" type="slidenum">
               <a:rPr lang="de-DE"/>
-              <a:t>6</a:t>
+              <a:t>7</a:t>
             </a:fld>
             <a:endParaRPr lang="de-DE" dirty="0"/>
           </a:p>
@@ -6088,6 +8281,18 @@
   <p:clrMapOvr>
     <a:masterClrMapping/>
   </p:clrMapOvr>
+  <mc:AlternateContent xmlns:mc="http://schemas.openxmlformats.org/markup-compatibility/2006">
+    <mc:Choice xmlns:p14="http://schemas.microsoft.com/office/powerpoint/2010/main" Requires="p14">
+      <p:transition p14:dur="300">
+        <p:fade/>
+      </p:transition>
+    </mc:Choice>
+    <mc:Fallback>
+      <p:transition>
+        <p:fade/>
+      </p:transition>
+    </mc:Fallback>
+  </mc:AlternateContent>
   <p:timing>
     <p:tnLst>
       <p:par>

--- a/APPR/UF/presents/Businessplan01.pptx
+++ b/APPR/UF/presents/Businessplan01.pptx
@@ -996,13 +996,13 @@
   <p:clrMapOvr>
     <a:masterClrMapping/>
   </p:clrMapOvr>
-  <mc:AlternateContent xmlns:mc="http://schemas.openxmlformats.org/markup-compatibility/2006">
-    <mc:Choice xmlns:p14="http://schemas.microsoft.com/office/powerpoint/2010/main" Requires="p14">
+  <mc:AlternateContent xmlns:mc="http://schemas.openxmlformats.org/markup-compatibility/2006" xmlns:p14="http://schemas.microsoft.com/office/powerpoint/2010/main">
+    <mc:Choice Requires="p14">
       <p:transition p14:dur="300">
         <p:fade/>
       </p:transition>
     </mc:Choice>
-    <mc:Fallback>
+    <mc:Fallback xmlns="">
       <p:transition>
         <p:fade/>
       </p:transition>
@@ -1178,13 +1178,13 @@
   <p:clrMapOvr>
     <a:masterClrMapping/>
   </p:clrMapOvr>
-  <mc:AlternateContent xmlns:mc="http://schemas.openxmlformats.org/markup-compatibility/2006">
-    <mc:Choice xmlns:p14="http://schemas.microsoft.com/office/powerpoint/2010/main" Requires="p14">
+  <mc:AlternateContent xmlns:mc="http://schemas.openxmlformats.org/markup-compatibility/2006" xmlns:p14="http://schemas.microsoft.com/office/powerpoint/2010/main">
+    <mc:Choice Requires="p14">
       <p:transition p14:dur="300">
         <p:fade/>
       </p:transition>
     </mc:Choice>
-    <mc:Fallback>
+    <mc:Fallback xmlns="">
       <p:transition>
         <p:fade/>
       </p:transition>
@@ -1370,13 +1370,13 @@
   <p:clrMapOvr>
     <a:masterClrMapping/>
   </p:clrMapOvr>
-  <mc:AlternateContent xmlns:mc="http://schemas.openxmlformats.org/markup-compatibility/2006">
-    <mc:Choice xmlns:p14="http://schemas.microsoft.com/office/powerpoint/2010/main" Requires="p14">
+  <mc:AlternateContent xmlns:mc="http://schemas.openxmlformats.org/markup-compatibility/2006" xmlns:p14="http://schemas.microsoft.com/office/powerpoint/2010/main">
+    <mc:Choice Requires="p14">
       <p:transition p14:dur="300">
         <p:fade/>
       </p:transition>
     </mc:Choice>
-    <mc:Fallback>
+    <mc:Fallback xmlns="">
       <p:transition>
         <p:fade/>
       </p:transition>
@@ -1552,13 +1552,13 @@
   <p:clrMapOvr>
     <a:masterClrMapping/>
   </p:clrMapOvr>
-  <mc:AlternateContent xmlns:mc="http://schemas.openxmlformats.org/markup-compatibility/2006">
-    <mc:Choice xmlns:p14="http://schemas.microsoft.com/office/powerpoint/2010/main" Requires="p14">
+  <mc:AlternateContent xmlns:mc="http://schemas.openxmlformats.org/markup-compatibility/2006" xmlns:p14="http://schemas.microsoft.com/office/powerpoint/2010/main">
+    <mc:Choice Requires="p14">
       <p:transition p14:dur="300">
         <p:fade/>
       </p:transition>
     </mc:Choice>
-    <mc:Fallback>
+    <mc:Fallback xmlns="">
       <p:transition>
         <p:fade/>
       </p:transition>
@@ -1810,13 +1810,13 @@
   <p:clrMapOvr>
     <a:masterClrMapping/>
   </p:clrMapOvr>
-  <mc:AlternateContent xmlns:mc="http://schemas.openxmlformats.org/markup-compatibility/2006">
-    <mc:Choice xmlns:p14="http://schemas.microsoft.com/office/powerpoint/2010/main" Requires="p14">
+  <mc:AlternateContent xmlns:mc="http://schemas.openxmlformats.org/markup-compatibility/2006" xmlns:p14="http://schemas.microsoft.com/office/powerpoint/2010/main">
+    <mc:Choice Requires="p14">
       <p:transition p14:dur="300">
         <p:fade/>
       </p:transition>
     </mc:Choice>
-    <mc:Fallback>
+    <mc:Fallback xmlns="">
       <p:transition>
         <p:fade/>
       </p:transition>
@@ -2054,13 +2054,13 @@
   <p:clrMapOvr>
     <a:masterClrMapping/>
   </p:clrMapOvr>
-  <mc:AlternateContent xmlns:mc="http://schemas.openxmlformats.org/markup-compatibility/2006">
-    <mc:Choice xmlns:p14="http://schemas.microsoft.com/office/powerpoint/2010/main" Requires="p14">
+  <mc:AlternateContent xmlns:mc="http://schemas.openxmlformats.org/markup-compatibility/2006" xmlns:p14="http://schemas.microsoft.com/office/powerpoint/2010/main">
+    <mc:Choice Requires="p14">
       <p:transition p14:dur="300">
         <p:fade/>
       </p:transition>
     </mc:Choice>
-    <mc:Fallback>
+    <mc:Fallback xmlns="">
       <p:transition>
         <p:fade/>
       </p:transition>
@@ -2433,13 +2433,13 @@
   <p:clrMapOvr>
     <a:masterClrMapping/>
   </p:clrMapOvr>
-  <mc:AlternateContent xmlns:mc="http://schemas.openxmlformats.org/markup-compatibility/2006">
-    <mc:Choice xmlns:p14="http://schemas.microsoft.com/office/powerpoint/2010/main" Requires="p14">
+  <mc:AlternateContent xmlns:mc="http://schemas.openxmlformats.org/markup-compatibility/2006" xmlns:p14="http://schemas.microsoft.com/office/powerpoint/2010/main">
+    <mc:Choice Requires="p14">
       <p:transition p14:dur="300">
         <p:fade/>
       </p:transition>
     </mc:Choice>
-    <mc:Fallback>
+    <mc:Fallback xmlns="">
       <p:transition>
         <p:fade/>
       </p:transition>
@@ -2563,13 +2563,13 @@
   <p:clrMapOvr>
     <a:masterClrMapping/>
   </p:clrMapOvr>
-  <mc:AlternateContent xmlns:mc="http://schemas.openxmlformats.org/markup-compatibility/2006">
-    <mc:Choice xmlns:p14="http://schemas.microsoft.com/office/powerpoint/2010/main" Requires="p14">
+  <mc:AlternateContent xmlns:mc="http://schemas.openxmlformats.org/markup-compatibility/2006" xmlns:p14="http://schemas.microsoft.com/office/powerpoint/2010/main">
+    <mc:Choice Requires="p14">
       <p:transition p14:dur="300">
         <p:fade/>
       </p:transition>
     </mc:Choice>
-    <mc:Fallback>
+    <mc:Fallback xmlns="">
       <p:transition>
         <p:fade/>
       </p:transition>
@@ -2670,13 +2670,13 @@
   <p:clrMapOvr>
     <a:masterClrMapping/>
   </p:clrMapOvr>
-  <mc:AlternateContent xmlns:mc="http://schemas.openxmlformats.org/markup-compatibility/2006">
-    <mc:Choice xmlns:p14="http://schemas.microsoft.com/office/powerpoint/2010/main" Requires="p14">
+  <mc:AlternateContent xmlns:mc="http://schemas.openxmlformats.org/markup-compatibility/2006" xmlns:p14="http://schemas.microsoft.com/office/powerpoint/2010/main">
+    <mc:Choice Requires="p14">
       <p:transition p14:dur="300">
         <p:fade/>
       </p:transition>
     </mc:Choice>
-    <mc:Fallback>
+    <mc:Fallback xmlns="">
       <p:transition>
         <p:fade/>
       </p:transition>
@@ -2959,13 +2959,13 @@
   <p:clrMapOvr>
     <a:masterClrMapping/>
   </p:clrMapOvr>
-  <mc:AlternateContent xmlns:mc="http://schemas.openxmlformats.org/markup-compatibility/2006">
-    <mc:Choice xmlns:p14="http://schemas.microsoft.com/office/powerpoint/2010/main" Requires="p14">
+  <mc:AlternateContent xmlns:mc="http://schemas.openxmlformats.org/markup-compatibility/2006" xmlns:p14="http://schemas.microsoft.com/office/powerpoint/2010/main">
+    <mc:Choice Requires="p14">
       <p:transition p14:dur="300">
         <p:fade/>
       </p:transition>
     </mc:Choice>
-    <mc:Fallback>
+    <mc:Fallback xmlns="">
       <p:transition>
         <p:fade/>
       </p:transition>
@@ -3224,13 +3224,13 @@
   <p:clrMapOvr>
     <a:masterClrMapping/>
   </p:clrMapOvr>
-  <mc:AlternateContent xmlns:mc="http://schemas.openxmlformats.org/markup-compatibility/2006">
-    <mc:Choice xmlns:p14="http://schemas.microsoft.com/office/powerpoint/2010/main" Requires="p14">
+  <mc:AlternateContent xmlns:mc="http://schemas.openxmlformats.org/markup-compatibility/2006" xmlns:p14="http://schemas.microsoft.com/office/powerpoint/2010/main">
+    <mc:Choice Requires="p14">
       <p:transition p14:dur="300">
         <p:fade/>
       </p:transition>
     </mc:Choice>
-    <mc:Fallback>
+    <mc:Fallback xmlns="">
       <p:transition>
         <p:fade/>
       </p:transition>
@@ -3496,13 +3496,13 @@
     <p:sldLayoutId id="2147483658" r:id="rId10"/>
     <p:sldLayoutId id="2147483659" r:id="rId11"/>
   </p:sldLayoutIdLst>
-  <mc:AlternateContent xmlns:mc="http://schemas.openxmlformats.org/markup-compatibility/2006">
-    <mc:Choice xmlns:p14="http://schemas.microsoft.com/office/powerpoint/2010/main" Requires="p14">
+  <mc:AlternateContent xmlns:mc="http://schemas.openxmlformats.org/markup-compatibility/2006" xmlns:p14="http://schemas.microsoft.com/office/powerpoint/2010/main">
+    <mc:Choice Requires="p14">
       <p:transition p14:dur="300">
         <p:fade/>
       </p:transition>
     </mc:Choice>
-    <mc:Fallback>
+    <mc:Fallback xmlns="">
       <p:transition>
         <p:fade/>
       </p:transition>
@@ -4089,13 +4089,13 @@
   <p:clrMapOvr>
     <a:masterClrMapping/>
   </p:clrMapOvr>
-  <mc:AlternateContent xmlns:mc="http://schemas.openxmlformats.org/markup-compatibility/2006">
-    <mc:Choice xmlns:p14="http://schemas.microsoft.com/office/powerpoint/2010/main" Requires="p14">
+  <mc:AlternateContent xmlns:mc="http://schemas.openxmlformats.org/markup-compatibility/2006" xmlns:p14="http://schemas.microsoft.com/office/powerpoint/2010/main">
+    <mc:Choice Requires="p14">
       <p:transition p14:dur="300">
         <p:fade/>
       </p:transition>
     </mc:Choice>
-    <mc:Fallback>
+    <mc:Fallback xmlns="">
       <p:transition>
         <p:fade/>
       </p:transition>
@@ -4324,16 +4324,6 @@
               </a:rPr>
               <a:t>?</a:t>
             </a:r>
-            <a:endParaRPr lang="en-GB" sz="2400" i="1" dirty="0" smtClean="0">
-              <a:solidFill>
-                <a:schemeClr val="bg1">
-                  <a:lumMod val="50000"/>
-                </a:schemeClr>
-              </a:solidFill>
-              <a:latin typeface="Fira Sans" panose="020B0503050000020004" pitchFamily="34" charset="0"/>
-              <a:ea typeface="Fira Sans" panose="020B0503050000020004" pitchFamily="34" charset="0"/>
-              <a:cs typeface="Verdana" panose="020B0604030504040204" pitchFamily="34" charset="0"/>
-            </a:endParaRPr>
           </a:p>
           <a:p>
             <a:pPr lvl="1"/>
@@ -4341,7 +4331,7 @@
               <a:rPr lang="en-GB" sz="2000" i="1" dirty="0" smtClean="0">
                 <a:solidFill>
                   <a:schemeClr val="bg1">
-                    <a:lumMod val="65000"/>
+                    <a:lumMod val="50000"/>
                   </a:schemeClr>
                 </a:solidFill>
                 <a:latin typeface="Fira Sans" panose="020B0503050000020004" pitchFamily="34" charset="0"/>
@@ -4357,7 +4347,7 @@
               <a:rPr lang="en-GB" sz="2000" i="1" dirty="0" smtClean="0">
                 <a:solidFill>
                   <a:schemeClr val="bg1">
-                    <a:lumMod val="65000"/>
+                    <a:lumMod val="50000"/>
                   </a:schemeClr>
                 </a:solidFill>
                 <a:latin typeface="Fira Sans" panose="020B0503050000020004" pitchFamily="34" charset="0"/>
@@ -4373,7 +4363,7 @@
               <a:rPr lang="en-GB" sz="2000" i="1" dirty="0" smtClean="0">
                 <a:solidFill>
                   <a:schemeClr val="bg1">
-                    <a:lumMod val="65000"/>
+                    <a:lumMod val="50000"/>
                   </a:schemeClr>
                 </a:solidFill>
                 <a:latin typeface="Fira Sans" panose="020B0503050000020004" pitchFamily="34" charset="0"/>
@@ -4417,7 +4407,7 @@
               <a:rPr lang="en-GB" sz="2000" i="1" dirty="0">
                 <a:solidFill>
                   <a:schemeClr val="bg1">
-                    <a:lumMod val="65000"/>
+                    <a:lumMod val="50000"/>
                   </a:schemeClr>
                 </a:solidFill>
                 <a:latin typeface="Fira Sans" panose="020B0503050000020004" pitchFamily="34" charset="0"/>
@@ -4433,7 +4423,7 @@
               <a:rPr lang="en-GB" sz="2000" i="1" dirty="0">
                 <a:solidFill>
                   <a:schemeClr val="bg1">
-                    <a:lumMod val="65000"/>
+                    <a:lumMod val="50000"/>
                   </a:schemeClr>
                 </a:solidFill>
                 <a:latin typeface="Fira Sans" panose="020B0503050000020004" pitchFamily="34" charset="0"/>
@@ -4449,7 +4439,7 @@
               <a:rPr lang="en-GB" sz="2000" i="1" dirty="0">
                 <a:solidFill>
                   <a:schemeClr val="bg1">
-                    <a:lumMod val="65000"/>
+                    <a:lumMod val="50000"/>
                   </a:schemeClr>
                 </a:solidFill>
                 <a:latin typeface="Fira Sans" panose="020B0503050000020004" pitchFamily="34" charset="0"/>
@@ -4462,7 +4452,7 @@
               <a:rPr lang="en-GB" sz="2000" i="1" dirty="0" smtClean="0">
                 <a:solidFill>
                   <a:schemeClr val="bg1">
-                    <a:lumMod val="65000"/>
+                    <a:lumMod val="50000"/>
                   </a:schemeClr>
                 </a:solidFill>
                 <a:latin typeface="Fira Sans" panose="020B0503050000020004" pitchFamily="34" charset="0"/>
@@ -4676,13 +4666,13 @@
   <p:clrMapOvr>
     <a:masterClrMapping/>
   </p:clrMapOvr>
-  <mc:AlternateContent xmlns:mc="http://schemas.openxmlformats.org/markup-compatibility/2006">
-    <mc:Choice xmlns:p14="http://schemas.microsoft.com/office/powerpoint/2010/main" Requires="p14">
+  <mc:AlternateContent xmlns:mc="http://schemas.openxmlformats.org/markup-compatibility/2006" xmlns:p14="http://schemas.microsoft.com/office/powerpoint/2010/main">
+    <mc:Choice Requires="p14">
       <p:transition p14:dur="300">
         <p:fade/>
       </p:transition>
     </mc:Choice>
-    <mc:Fallback>
+    <mc:Fallback xmlns="">
       <p:transition>
         <p:fade/>
       </p:transition>
@@ -4826,7 +4816,7 @@
               <a:rPr lang="de-DE" sz="2000" i="1" dirty="0" smtClean="0">
                 <a:solidFill>
                   <a:schemeClr val="bg1">
-                    <a:lumMod val="65000"/>
+                    <a:lumMod val="50000"/>
                   </a:schemeClr>
                 </a:solidFill>
                 <a:latin typeface="Fira Sans" panose="020B0503050000020004" pitchFamily="34" charset="0"/>
@@ -4842,7 +4832,7 @@
               <a:rPr lang="de-DE" sz="2000" i="1" dirty="0" smtClean="0">
                 <a:solidFill>
                   <a:schemeClr val="bg1">
-                    <a:lumMod val="65000"/>
+                    <a:lumMod val="50000"/>
                   </a:schemeClr>
                 </a:solidFill>
                 <a:latin typeface="Fira Sans" panose="020B0503050000020004" pitchFamily="34" charset="0"/>
@@ -4886,7 +4876,7 @@
               <a:rPr lang="de-DE" sz="2000" i="1" dirty="0" smtClean="0">
                 <a:solidFill>
                   <a:schemeClr val="bg1">
-                    <a:lumMod val="65000"/>
+                    <a:lumMod val="50000"/>
                   </a:schemeClr>
                 </a:solidFill>
                 <a:latin typeface="Fira Sans" panose="020B0503050000020004" pitchFamily="34" charset="0"/>
@@ -4902,7 +4892,7 @@
               <a:rPr lang="de-DE" sz="2000" i="1" dirty="0" smtClean="0">
                 <a:solidFill>
                   <a:schemeClr val="bg1">
-                    <a:lumMod val="65000"/>
+                    <a:lumMod val="50000"/>
                   </a:schemeClr>
                 </a:solidFill>
                 <a:latin typeface="Fira Sans" panose="020B0503050000020004" pitchFamily="34" charset="0"/>
@@ -4946,7 +4936,7 @@
               <a:rPr lang="de-DE" sz="2000" i="1" dirty="0" smtClean="0">
                 <a:solidFill>
                   <a:schemeClr val="bg1">
-                    <a:lumMod val="65000"/>
+                    <a:lumMod val="50000"/>
                   </a:schemeClr>
                 </a:solidFill>
                 <a:latin typeface="Fira Sans" panose="020B0503050000020004" pitchFamily="34" charset="0"/>
@@ -4955,16 +4945,6 @@
               </a:rPr>
               <a:t>Kapitalbedarf</a:t>
             </a:r>
-            <a:endParaRPr lang="de-DE" sz="2000" i="1" dirty="0" smtClean="0">
-              <a:solidFill>
-                <a:schemeClr val="bg1">
-                  <a:lumMod val="65000"/>
-                </a:schemeClr>
-              </a:solidFill>
-              <a:latin typeface="Fira Sans" panose="020B0503050000020004" pitchFamily="34" charset="0"/>
-              <a:ea typeface="Fira Sans" panose="020B0503050000020004" pitchFamily="34" charset="0"/>
-              <a:cs typeface="Verdana" panose="020B0604030504040204" pitchFamily="34" charset="0"/>
-            </a:endParaRPr>
           </a:p>
           <a:p>
             <a:pPr lvl="1"/>
@@ -4972,7 +4952,7 @@
               <a:rPr lang="de-DE" sz="2000" i="1" dirty="0" smtClean="0">
                 <a:solidFill>
                   <a:schemeClr val="bg1">
-                    <a:lumMod val="65000"/>
+                    <a:lumMod val="50000"/>
                   </a:schemeClr>
                 </a:solidFill>
                 <a:latin typeface="Fira Sans" panose="020B0503050000020004" pitchFamily="34" charset="0"/>
@@ -4981,16 +4961,6 @@
               </a:rPr>
               <a:t>Kapitalbeschaffung</a:t>
             </a:r>
-            <a:endParaRPr lang="de-DE" sz="2000" i="1" dirty="0" smtClean="0">
-              <a:solidFill>
-                <a:schemeClr val="bg1">
-                  <a:lumMod val="65000"/>
-                </a:schemeClr>
-              </a:solidFill>
-              <a:latin typeface="Fira Sans" panose="020B0503050000020004" pitchFamily="34" charset="0"/>
-              <a:ea typeface="Fira Sans" panose="020B0503050000020004" pitchFamily="34" charset="0"/>
-              <a:cs typeface="Verdana" panose="020B0604030504040204" pitchFamily="34" charset="0"/>
-            </a:endParaRPr>
           </a:p>
           <a:p>
             <a:pPr lvl="1"/>
@@ -4998,27 +4968,14 @@
               <a:rPr lang="de-DE" sz="2000" i="1" dirty="0" smtClean="0">
                 <a:solidFill>
                   <a:schemeClr val="bg1">
-                    <a:lumMod val="65000"/>
-                  </a:schemeClr>
-                </a:solidFill>
-                <a:latin typeface="Fira Sans" panose="020B0503050000020004" pitchFamily="34" charset="0"/>
-                <a:ea typeface="Fira Sans" panose="020B0503050000020004" pitchFamily="34" charset="0"/>
-                <a:cs typeface="Verdana" panose="020B0604030504040204" pitchFamily="34" charset="0"/>
-              </a:rPr>
-              <a:t>Qualitative &amp; quantitative </a:t>
-            </a:r>
-            <a:r>
-              <a:rPr lang="de-DE" sz="2000" i="1" dirty="0" smtClean="0">
-                <a:solidFill>
-                  <a:schemeClr val="bg1">
-                    <a:lumMod val="65000"/>
-                  </a:schemeClr>
-                </a:solidFill>
-                <a:latin typeface="Fira Sans" panose="020B0503050000020004" pitchFamily="34" charset="0"/>
-                <a:ea typeface="Fira Sans" panose="020B0503050000020004" pitchFamily="34" charset="0"/>
-                <a:cs typeface="Verdana" panose="020B0604030504040204" pitchFamily="34" charset="0"/>
-              </a:rPr>
-              <a:t>Übersicht</a:t>
+                    <a:lumMod val="50000"/>
+                  </a:schemeClr>
+                </a:solidFill>
+                <a:latin typeface="Fira Sans" panose="020B0503050000020004" pitchFamily="34" charset="0"/>
+                <a:ea typeface="Fira Sans" panose="020B0503050000020004" pitchFamily="34" charset="0"/>
+                <a:cs typeface="Verdana" panose="020B0604030504040204" pitchFamily="34" charset="0"/>
+              </a:rPr>
+              <a:t>Qualitative &amp; quantitative Übersicht</a:t>
             </a:r>
           </a:p>
           <a:p>
@@ -5027,7 +4984,7 @@
               <a:rPr lang="en-GB" sz="2000" i="1" dirty="0" err="1" smtClean="0">
                 <a:solidFill>
                   <a:schemeClr val="bg1">
-                    <a:lumMod val="65000"/>
+                    <a:lumMod val="50000"/>
                   </a:schemeClr>
                 </a:solidFill>
                 <a:latin typeface="Fira Sans" panose="020B0503050000020004" pitchFamily="34" charset="0"/>
@@ -5039,7 +4996,7 @@
             <a:endParaRPr lang="de-DE" sz="2000" i="1" dirty="0">
               <a:solidFill>
                 <a:schemeClr val="bg1">
-                  <a:lumMod val="65000"/>
+                  <a:lumMod val="50000"/>
                 </a:schemeClr>
               </a:solidFill>
               <a:latin typeface="Fira Sans" panose="020B0503050000020004" pitchFamily="34" charset="0"/>
@@ -5210,13 +5167,13 @@
   <p:clrMapOvr>
     <a:masterClrMapping/>
   </p:clrMapOvr>
-  <mc:AlternateContent xmlns:mc="http://schemas.openxmlformats.org/markup-compatibility/2006">
-    <mc:Choice xmlns:p14="http://schemas.microsoft.com/office/powerpoint/2010/main" Requires="p14">
+  <mc:AlternateContent xmlns:mc="http://schemas.openxmlformats.org/markup-compatibility/2006" xmlns:p14="http://schemas.microsoft.com/office/powerpoint/2010/main">
+    <mc:Choice Requires="p14">
       <p:transition p14:dur="300">
         <p:fade/>
       </p:transition>
     </mc:Choice>
-    <mc:Fallback>
+    <mc:Fallback xmlns="">
       <p:transition>
         <p:fade/>
       </p:transition>
@@ -5387,7 +5344,7 @@
               <a:rPr lang="en-GB" sz="2000" i="1" dirty="0" err="1">
                 <a:solidFill>
                   <a:schemeClr val="bg1">
-                    <a:lumMod val="65000"/>
+                    <a:lumMod val="50000"/>
                   </a:schemeClr>
                 </a:solidFill>
                 <a:latin typeface="Fira Sans" panose="020B0503050000020004" pitchFamily="34" charset="0"/>
@@ -5399,7 +5356,7 @@
             <a:endParaRPr lang="en-GB" sz="2000" i="1" dirty="0">
               <a:solidFill>
                 <a:schemeClr val="bg1">
-                  <a:lumMod val="65000"/>
+                  <a:lumMod val="50000"/>
                 </a:schemeClr>
               </a:solidFill>
               <a:latin typeface="Fira Sans" panose="020B0503050000020004" pitchFamily="34" charset="0"/>
@@ -5413,7 +5370,7 @@
               <a:rPr lang="en-GB" sz="2000" i="1" dirty="0" err="1">
                 <a:solidFill>
                   <a:schemeClr val="bg1">
-                    <a:lumMod val="65000"/>
+                    <a:lumMod val="50000"/>
                   </a:schemeClr>
                 </a:solidFill>
                 <a:latin typeface="Fira Sans" panose="020B0503050000020004" pitchFamily="34" charset="0"/>
@@ -5425,7 +5382,7 @@
             <a:endParaRPr lang="en-GB" sz="2000" i="1" dirty="0">
               <a:solidFill>
                 <a:schemeClr val="bg1">
-                  <a:lumMod val="65000"/>
+                  <a:lumMod val="50000"/>
                 </a:schemeClr>
               </a:solidFill>
               <a:latin typeface="Fira Sans" panose="020B0503050000020004" pitchFamily="34" charset="0"/>
@@ -5636,13 +5593,13 @@
   <p:clrMapOvr>
     <a:masterClrMapping/>
   </p:clrMapOvr>
-  <mc:AlternateContent xmlns:mc="http://schemas.openxmlformats.org/markup-compatibility/2006">
-    <mc:Choice xmlns:p14="http://schemas.microsoft.com/office/powerpoint/2010/main" Requires="p14">
+  <mc:AlternateContent xmlns:mc="http://schemas.openxmlformats.org/markup-compatibility/2006" xmlns:p14="http://schemas.microsoft.com/office/powerpoint/2010/main">
+    <mc:Choice Requires="p14">
       <p:transition p14:dur="300">
         <p:fade/>
       </p:transition>
     </mc:Choice>
-    <mc:Fallback>
+    <mc:Fallback xmlns="">
       <p:transition>
         <p:fade/>
       </p:transition>
@@ -5825,7 +5782,7 @@
               <a:rPr lang="en-GB" sz="2000" i="1" dirty="0" smtClean="0">
                 <a:solidFill>
                   <a:schemeClr val="bg1">
-                    <a:lumMod val="65000"/>
+                    <a:lumMod val="50000"/>
                   </a:schemeClr>
                 </a:solidFill>
                 <a:latin typeface="Fira Sans" panose="020B0503050000020004" pitchFamily="34" charset="0"/>
@@ -5837,7 +5794,7 @@
             <a:endParaRPr lang="en-GB" sz="1600" i="1" dirty="0">
               <a:solidFill>
                 <a:schemeClr val="bg1">
-                  <a:lumMod val="65000"/>
+                  <a:lumMod val="50000"/>
                 </a:schemeClr>
               </a:solidFill>
               <a:latin typeface="Fira Sans" panose="020B0503050000020004" pitchFamily="34" charset="0"/>
@@ -5854,7 +5811,7 @@
               <a:rPr lang="en-GB" sz="2000" i="1" dirty="0" err="1" smtClean="0">
                 <a:solidFill>
                   <a:schemeClr val="bg1">
-                    <a:lumMod val="65000"/>
+                    <a:lumMod val="50000"/>
                   </a:schemeClr>
                 </a:solidFill>
                 <a:latin typeface="Fira Sans" panose="020B0503050000020004" pitchFamily="34" charset="0"/>
@@ -5867,7 +5824,7 @@
               <a:rPr lang="en-GB" sz="2000" i="1" dirty="0" smtClean="0">
                 <a:solidFill>
                   <a:schemeClr val="bg1">
-                    <a:lumMod val="65000"/>
+                    <a:lumMod val="50000"/>
                   </a:schemeClr>
                 </a:solidFill>
                 <a:latin typeface="Fira Sans" panose="020B0503050000020004" pitchFamily="34" charset="0"/>
@@ -5880,7 +5837,7 @@
               <a:rPr lang="en-GB" sz="2000" i="1" dirty="0" err="1" smtClean="0">
                 <a:solidFill>
                   <a:schemeClr val="bg1">
-                    <a:lumMod val="65000"/>
+                    <a:lumMod val="50000"/>
                   </a:schemeClr>
                 </a:solidFill>
                 <a:latin typeface="Fira Sans" panose="020B0503050000020004" pitchFamily="34" charset="0"/>
@@ -5892,7 +5849,7 @@
             <a:endParaRPr lang="en-GB" sz="2000" i="1" dirty="0" smtClean="0">
               <a:solidFill>
                 <a:schemeClr val="bg1">
-                  <a:lumMod val="65000"/>
+                  <a:lumMod val="50000"/>
                 </a:schemeClr>
               </a:solidFill>
               <a:latin typeface="Fira Sans" panose="020B0503050000020004" pitchFamily="34" charset="0"/>
@@ -5909,7 +5866,7 @@
               <a:rPr lang="en-GB" sz="1900" i="1" dirty="0" err="1" smtClean="0">
                 <a:solidFill>
                   <a:schemeClr val="bg1">
-                    <a:lumMod val="75000"/>
+                    <a:lumMod val="50000"/>
                   </a:schemeClr>
                 </a:solidFill>
                 <a:latin typeface="Fira Sans" panose="020B0503050000020004" pitchFamily="34" charset="0"/>
@@ -5921,7 +5878,7 @@
             <a:endParaRPr lang="en-GB" sz="1900" i="1" dirty="0" smtClean="0">
               <a:solidFill>
                 <a:schemeClr val="bg1">
-                  <a:lumMod val="75000"/>
+                  <a:lumMod val="50000"/>
                 </a:schemeClr>
               </a:solidFill>
               <a:latin typeface="Fira Sans" panose="020B0503050000020004" pitchFamily="34" charset="0"/>
@@ -5938,7 +5895,7 @@
               <a:rPr lang="en-GB" sz="1900" i="1" dirty="0" err="1" smtClean="0">
                 <a:solidFill>
                   <a:schemeClr val="bg1">
-                    <a:lumMod val="75000"/>
+                    <a:lumMod val="50000"/>
                   </a:schemeClr>
                 </a:solidFill>
                 <a:latin typeface="Fira Sans" panose="020B0503050000020004" pitchFamily="34" charset="0"/>
@@ -5950,7 +5907,7 @@
             <a:endParaRPr lang="en-GB" sz="1900" i="1" dirty="0" smtClean="0">
               <a:solidFill>
                 <a:schemeClr val="bg1">
-                  <a:lumMod val="75000"/>
+                  <a:lumMod val="50000"/>
                 </a:schemeClr>
               </a:solidFill>
               <a:latin typeface="Fira Sans" panose="020B0503050000020004" pitchFamily="34" charset="0"/>
@@ -5967,7 +5924,7 @@
               <a:rPr lang="en-GB" sz="1900" i="1" dirty="0" err="1" smtClean="0">
                 <a:solidFill>
                   <a:schemeClr val="bg1">
-                    <a:lumMod val="75000"/>
+                    <a:lumMod val="50000"/>
                   </a:schemeClr>
                 </a:solidFill>
                 <a:latin typeface="Fira Sans" panose="020B0503050000020004" pitchFamily="34" charset="0"/>
@@ -5980,7 +5937,7 @@
               <a:rPr lang="en-GB" sz="1900" i="1" dirty="0" smtClean="0">
                 <a:solidFill>
                   <a:schemeClr val="bg1">
-                    <a:lumMod val="75000"/>
+                    <a:lumMod val="50000"/>
                   </a:schemeClr>
                 </a:solidFill>
                 <a:latin typeface="Fira Sans" panose="020B0503050000020004" pitchFamily="34" charset="0"/>
@@ -5993,7 +5950,7 @@
               <a:rPr lang="en-GB" sz="1900" i="1" dirty="0" err="1" smtClean="0">
                 <a:solidFill>
                   <a:schemeClr val="bg1">
-                    <a:lumMod val="75000"/>
+                    <a:lumMod val="50000"/>
                   </a:schemeClr>
                 </a:solidFill>
                 <a:latin typeface="Fira Sans" panose="020B0503050000020004" pitchFamily="34" charset="0"/>
@@ -6005,7 +5962,7 @@
             <a:endParaRPr lang="en-GB" sz="1900" i="1" dirty="0" smtClean="0">
               <a:solidFill>
                 <a:schemeClr val="bg1">
-                  <a:lumMod val="75000"/>
+                  <a:lumMod val="50000"/>
                 </a:schemeClr>
               </a:solidFill>
               <a:latin typeface="Fira Sans" panose="020B0503050000020004" pitchFamily="34" charset="0"/>
@@ -6038,7 +5995,7 @@
               <a:rPr lang="en-GB" sz="2000" i="1" dirty="0" err="1" smtClean="0">
                 <a:solidFill>
                   <a:schemeClr val="bg1">
-                    <a:lumMod val="65000"/>
+                    <a:lumMod val="50000"/>
                   </a:schemeClr>
                 </a:solidFill>
                 <a:latin typeface="Fira Sans" panose="020B0503050000020004" pitchFamily="34" charset="0"/>
@@ -6050,7 +6007,7 @@
             <a:endParaRPr lang="en-GB" sz="2000" i="1" dirty="0" smtClean="0">
               <a:solidFill>
                 <a:schemeClr val="bg1">
-                  <a:lumMod val="65000"/>
+                  <a:lumMod val="50000"/>
                 </a:schemeClr>
               </a:solidFill>
               <a:latin typeface="Fira Sans" panose="020B0503050000020004" pitchFamily="34" charset="0"/>
@@ -6067,7 +6024,7 @@
               <a:rPr lang="en-GB" sz="1900" i="1" dirty="0" err="1" smtClean="0">
                 <a:solidFill>
                   <a:schemeClr val="bg1">
-                    <a:lumMod val="75000"/>
+                    <a:lumMod val="50000"/>
                   </a:schemeClr>
                 </a:solidFill>
                 <a:latin typeface="Fira Sans" panose="020B0503050000020004" pitchFamily="34" charset="0"/>
@@ -6080,7 +6037,7 @@
               <a:rPr lang="en-GB" sz="1900" i="1" dirty="0" smtClean="0">
                 <a:solidFill>
                   <a:schemeClr val="bg1">
-                    <a:lumMod val="75000"/>
+                    <a:lumMod val="50000"/>
                   </a:schemeClr>
                 </a:solidFill>
                 <a:latin typeface="Fira Sans" panose="020B0503050000020004" pitchFamily="34" charset="0"/>
@@ -6093,7 +6050,7 @@
               <a:rPr lang="en-GB" sz="1900" i="1" dirty="0" err="1" smtClean="0">
                 <a:solidFill>
                   <a:schemeClr val="bg1">
-                    <a:lumMod val="75000"/>
+                    <a:lumMod val="50000"/>
                   </a:schemeClr>
                 </a:solidFill>
                 <a:latin typeface="Fira Sans" panose="020B0503050000020004" pitchFamily="34" charset="0"/>
@@ -6105,7 +6062,7 @@
             <a:endParaRPr lang="en-GB" sz="1900" i="1" dirty="0" smtClean="0">
               <a:solidFill>
                 <a:schemeClr val="bg1">
-                  <a:lumMod val="75000"/>
+                  <a:lumMod val="50000"/>
                 </a:schemeClr>
               </a:solidFill>
               <a:latin typeface="Fira Sans" panose="020B0503050000020004" pitchFamily="34" charset="0"/>
@@ -6122,7 +6079,7 @@
               <a:rPr lang="en-GB" sz="1900" i="1" dirty="0" err="1" smtClean="0">
                 <a:solidFill>
                   <a:schemeClr val="bg1">
-                    <a:lumMod val="75000"/>
+                    <a:lumMod val="50000"/>
                   </a:schemeClr>
                 </a:solidFill>
                 <a:latin typeface="Fira Sans" panose="020B0503050000020004" pitchFamily="34" charset="0"/>
@@ -6135,7 +6092,7 @@
               <a:rPr lang="en-GB" sz="1900" i="1" dirty="0" smtClean="0">
                 <a:solidFill>
                   <a:schemeClr val="bg1">
-                    <a:lumMod val="75000"/>
+                    <a:lumMod val="50000"/>
                   </a:schemeClr>
                 </a:solidFill>
                 <a:latin typeface="Fira Sans" panose="020B0503050000020004" pitchFamily="34" charset="0"/>
@@ -6148,7 +6105,7 @@
               <a:rPr lang="en-GB" sz="1900" i="1" dirty="0" err="1" smtClean="0">
                 <a:solidFill>
                   <a:schemeClr val="bg1">
-                    <a:lumMod val="75000"/>
+                    <a:lumMod val="50000"/>
                   </a:schemeClr>
                 </a:solidFill>
                 <a:latin typeface="Fira Sans" panose="020B0503050000020004" pitchFamily="34" charset="0"/>
@@ -6161,7 +6118,7 @@
               <a:rPr lang="en-GB" sz="1900" i="1" dirty="0" smtClean="0">
                 <a:solidFill>
                   <a:schemeClr val="bg1">
-                    <a:lumMod val="75000"/>
+                    <a:lumMod val="50000"/>
                   </a:schemeClr>
                 </a:solidFill>
                 <a:latin typeface="Fira Sans" panose="020B0503050000020004" pitchFamily="34" charset="0"/>
@@ -6174,7 +6131,7 @@
               <a:rPr lang="en-GB" sz="1900" i="1" dirty="0" err="1" smtClean="0">
                 <a:solidFill>
                   <a:schemeClr val="bg1">
-                    <a:lumMod val="75000"/>
+                    <a:lumMod val="50000"/>
                   </a:schemeClr>
                 </a:solidFill>
                 <a:latin typeface="Fira Sans" panose="020B0503050000020004" pitchFamily="34" charset="0"/>
@@ -6187,7 +6144,7 @@
               <a:rPr lang="en-GB" sz="1900" i="1" dirty="0" smtClean="0">
                 <a:solidFill>
                   <a:schemeClr val="bg1">
-                    <a:lumMod val="75000"/>
+                    <a:lumMod val="50000"/>
                   </a:schemeClr>
                 </a:solidFill>
                 <a:latin typeface="Fira Sans" panose="020B0503050000020004" pitchFamily="34" charset="0"/>
@@ -6200,7 +6157,7 @@
               <a:rPr lang="en-GB" sz="1900" i="1" dirty="0" err="1" smtClean="0">
                 <a:solidFill>
                   <a:schemeClr val="bg1">
-                    <a:lumMod val="75000"/>
+                    <a:lumMod val="50000"/>
                   </a:schemeClr>
                 </a:solidFill>
                 <a:latin typeface="Fira Sans" panose="020B0503050000020004" pitchFamily="34" charset="0"/>
@@ -6212,7 +6169,7 @@
             <a:endParaRPr lang="en-GB" sz="1900" i="1" dirty="0" smtClean="0">
               <a:solidFill>
                 <a:schemeClr val="bg1">
-                  <a:lumMod val="75000"/>
+                  <a:lumMod val="50000"/>
                 </a:schemeClr>
               </a:solidFill>
               <a:latin typeface="Fira Sans" panose="020B0503050000020004" pitchFamily="34" charset="0"/>
@@ -6229,7 +6186,7 @@
               <a:rPr lang="en-GB" sz="1900" i="1" dirty="0" err="1" smtClean="0">
                 <a:solidFill>
                   <a:schemeClr val="bg1">
-                    <a:lumMod val="75000"/>
+                    <a:lumMod val="50000"/>
                   </a:schemeClr>
                 </a:solidFill>
                 <a:latin typeface="Fira Sans" panose="020B0503050000020004" pitchFamily="34" charset="0"/>
@@ -6242,7 +6199,7 @@
               <a:rPr lang="en-GB" sz="1900" i="1" dirty="0" smtClean="0">
                 <a:solidFill>
                   <a:schemeClr val="bg1">
-                    <a:lumMod val="75000"/>
+                    <a:lumMod val="50000"/>
                   </a:schemeClr>
                 </a:solidFill>
                 <a:latin typeface="Fira Sans" panose="020B0503050000020004" pitchFamily="34" charset="0"/>
@@ -6255,7 +6212,7 @@
               <a:rPr lang="en-GB" sz="1900" i="1" dirty="0" err="1" smtClean="0">
                 <a:solidFill>
                   <a:schemeClr val="bg1">
-                    <a:lumMod val="75000"/>
+                    <a:lumMod val="50000"/>
                   </a:schemeClr>
                 </a:solidFill>
                 <a:latin typeface="Fira Sans" panose="020B0503050000020004" pitchFamily="34" charset="0"/>
@@ -6267,7 +6224,7 @@
             <a:endParaRPr lang="en-GB" sz="1900" i="1" dirty="0" smtClean="0">
               <a:solidFill>
                 <a:schemeClr val="bg1">
-                  <a:lumMod val="75000"/>
+                  <a:lumMod val="50000"/>
                 </a:schemeClr>
               </a:solidFill>
               <a:latin typeface="Fira Sans" panose="020B0503050000020004" pitchFamily="34" charset="0"/>
@@ -6283,7 +6240,7 @@
             <a:endParaRPr lang="en-GB" sz="1600" i="1" dirty="0" smtClean="0">
               <a:solidFill>
                 <a:schemeClr val="bg1">
-                  <a:lumMod val="65000"/>
+                  <a:lumMod val="50000"/>
                 </a:schemeClr>
               </a:solidFill>
               <a:latin typeface="Fira Sans" panose="020B0503050000020004" pitchFamily="34" charset="0"/>
@@ -6300,7 +6257,7 @@
               <a:rPr lang="en-GB" sz="2000" i="1" dirty="0" err="1" smtClean="0">
                 <a:solidFill>
                   <a:schemeClr val="bg1">
-                    <a:lumMod val="65000"/>
+                    <a:lumMod val="50000"/>
                   </a:schemeClr>
                 </a:solidFill>
                 <a:latin typeface="Fira Sans" panose="020B0503050000020004" pitchFamily="34" charset="0"/>
@@ -6312,7 +6269,7 @@
             <a:endParaRPr lang="en-GB" sz="2000" i="1" dirty="0" smtClean="0">
               <a:solidFill>
                 <a:schemeClr val="bg1">
-                  <a:lumMod val="65000"/>
+                  <a:lumMod val="50000"/>
                 </a:schemeClr>
               </a:solidFill>
               <a:latin typeface="Fira Sans" panose="020B0503050000020004" pitchFamily="34" charset="0"/>
@@ -6329,7 +6286,7 @@
               <a:rPr lang="en-GB" sz="1900" i="1" dirty="0" err="1" smtClean="0">
                 <a:solidFill>
                   <a:schemeClr val="bg1">
-                    <a:lumMod val="75000"/>
+                    <a:lumMod val="50000"/>
                   </a:schemeClr>
                 </a:solidFill>
                 <a:latin typeface="Fira Sans" panose="020B0503050000020004" pitchFamily="34" charset="0"/>
@@ -6342,7 +6299,7 @@
               <a:rPr lang="en-GB" sz="1900" i="1" dirty="0" smtClean="0">
                 <a:solidFill>
                   <a:schemeClr val="bg1">
-                    <a:lumMod val="75000"/>
+                    <a:lumMod val="50000"/>
                   </a:schemeClr>
                 </a:solidFill>
                 <a:latin typeface="Fira Sans" panose="020B0503050000020004" pitchFamily="34" charset="0"/>
@@ -6355,7 +6312,7 @@
               <a:rPr lang="en-GB" sz="1900" i="1" dirty="0" err="1" smtClean="0">
                 <a:solidFill>
                   <a:schemeClr val="bg1">
-                    <a:lumMod val="75000"/>
+                    <a:lumMod val="50000"/>
                   </a:schemeClr>
                 </a:solidFill>
                 <a:latin typeface="Fira Sans" panose="020B0503050000020004" pitchFamily="34" charset="0"/>
@@ -6368,7 +6325,7 @@
               <a:rPr lang="en-GB" sz="1900" i="1" dirty="0" smtClean="0">
                 <a:solidFill>
                   <a:schemeClr val="bg1">
-                    <a:lumMod val="75000"/>
+                    <a:lumMod val="50000"/>
                   </a:schemeClr>
                 </a:solidFill>
                 <a:latin typeface="Fira Sans" panose="020B0503050000020004" pitchFamily="34" charset="0"/>
@@ -6381,7 +6338,7 @@
               <a:rPr lang="en-GB" sz="1900" i="1" dirty="0" err="1" smtClean="0">
                 <a:solidFill>
                   <a:schemeClr val="bg1">
-                    <a:lumMod val="75000"/>
+                    <a:lumMod val="50000"/>
                   </a:schemeClr>
                 </a:solidFill>
                 <a:latin typeface="Fira Sans" panose="020B0503050000020004" pitchFamily="34" charset="0"/>
@@ -6394,7 +6351,7 @@
               <a:rPr lang="en-GB" sz="1900" i="1" dirty="0" smtClean="0">
                 <a:solidFill>
                   <a:schemeClr val="bg1">
-                    <a:lumMod val="75000"/>
+                    <a:lumMod val="50000"/>
                   </a:schemeClr>
                 </a:solidFill>
                 <a:latin typeface="Fira Sans" panose="020B0503050000020004" pitchFamily="34" charset="0"/>
@@ -6407,7 +6364,7 @@
               <a:rPr lang="en-GB" sz="1900" i="1" dirty="0" err="1" smtClean="0">
                 <a:solidFill>
                   <a:schemeClr val="bg1">
-                    <a:lumMod val="75000"/>
+                    <a:lumMod val="50000"/>
                   </a:schemeClr>
                 </a:solidFill>
                 <a:latin typeface="Fira Sans" panose="020B0503050000020004" pitchFamily="34" charset="0"/>
@@ -6419,7 +6376,7 @@
             <a:endParaRPr lang="en-GB" sz="1900" i="1" dirty="0" smtClean="0">
               <a:solidFill>
                 <a:schemeClr val="bg1">
-                  <a:lumMod val="75000"/>
+                  <a:lumMod val="50000"/>
                 </a:schemeClr>
               </a:solidFill>
               <a:latin typeface="Fira Sans" panose="020B0503050000020004" pitchFamily="34" charset="0"/>
@@ -6436,7 +6393,7 @@
               <a:rPr lang="en-GB" sz="1900" i="1" dirty="0" err="1" smtClean="0">
                 <a:solidFill>
                   <a:schemeClr val="bg1">
-                    <a:lumMod val="75000"/>
+                    <a:lumMod val="50000"/>
                   </a:schemeClr>
                 </a:solidFill>
                 <a:latin typeface="Fira Sans" panose="020B0503050000020004" pitchFamily="34" charset="0"/>
@@ -6449,7 +6406,7 @@
               <a:rPr lang="en-GB" sz="1900" i="1" dirty="0" smtClean="0">
                 <a:solidFill>
                   <a:schemeClr val="bg1">
-                    <a:lumMod val="75000"/>
+                    <a:lumMod val="50000"/>
                   </a:schemeClr>
                 </a:solidFill>
                 <a:latin typeface="Fira Sans" panose="020B0503050000020004" pitchFamily="34" charset="0"/>
@@ -6462,7 +6419,7 @@
               <a:rPr lang="en-GB" sz="1900" i="1" dirty="0" err="1" smtClean="0">
                 <a:solidFill>
                   <a:schemeClr val="bg1">
-                    <a:lumMod val="75000"/>
+                    <a:lumMod val="50000"/>
                   </a:schemeClr>
                 </a:solidFill>
                 <a:latin typeface="Fira Sans" panose="020B0503050000020004" pitchFamily="34" charset="0"/>
@@ -6475,7 +6432,7 @@
               <a:rPr lang="en-GB" sz="1900" i="1" dirty="0" smtClean="0">
                 <a:solidFill>
                   <a:schemeClr val="bg1">
-                    <a:lumMod val="75000"/>
+                    <a:lumMod val="50000"/>
                   </a:schemeClr>
                 </a:solidFill>
                 <a:latin typeface="Fira Sans" panose="020B0503050000020004" pitchFamily="34" charset="0"/>
@@ -6488,7 +6445,7 @@
               <a:rPr lang="en-GB" sz="1900" i="1" dirty="0" err="1" smtClean="0">
                 <a:solidFill>
                   <a:schemeClr val="bg1">
-                    <a:lumMod val="75000"/>
+                    <a:lumMod val="50000"/>
                   </a:schemeClr>
                 </a:solidFill>
                 <a:latin typeface="Fira Sans" panose="020B0503050000020004" pitchFamily="34" charset="0"/>
@@ -6501,7 +6458,7 @@
               <a:rPr lang="en-GB" sz="1900" i="1" dirty="0" smtClean="0">
                 <a:solidFill>
                   <a:schemeClr val="bg1">
-                    <a:lumMod val="75000"/>
+                    <a:lumMod val="50000"/>
                   </a:schemeClr>
                 </a:solidFill>
                 <a:latin typeface="Fira Sans" panose="020B0503050000020004" pitchFamily="34" charset="0"/>
@@ -6514,7 +6471,7 @@
               <a:rPr lang="en-GB" sz="1900" i="1" dirty="0" err="1" smtClean="0">
                 <a:solidFill>
                   <a:schemeClr val="bg1">
-                    <a:lumMod val="75000"/>
+                    <a:lumMod val="50000"/>
                   </a:schemeClr>
                 </a:solidFill>
                 <a:latin typeface="Fira Sans" panose="020B0503050000020004" pitchFamily="34" charset="0"/>
@@ -6526,7 +6483,7 @@
             <a:endParaRPr lang="en-GB" sz="1900" i="1" dirty="0" smtClean="0">
               <a:solidFill>
                 <a:schemeClr val="bg1">
-                  <a:lumMod val="75000"/>
+                  <a:lumMod val="50000"/>
                 </a:schemeClr>
               </a:solidFill>
               <a:latin typeface="Fira Sans" panose="020B0503050000020004" pitchFamily="34" charset="0"/>
@@ -6542,7 +6499,7 @@
             <a:endParaRPr lang="en-GB" sz="1600" i="1" dirty="0" smtClean="0">
               <a:solidFill>
                 <a:schemeClr val="bg1">
-                  <a:lumMod val="65000"/>
+                  <a:lumMod val="50000"/>
                 </a:schemeClr>
               </a:solidFill>
               <a:latin typeface="Fira Sans" panose="020B0503050000020004" pitchFamily="34" charset="0"/>
@@ -6559,7 +6516,7 @@
               <a:rPr lang="en-GB" sz="2000" i="1" dirty="0" smtClean="0">
                 <a:solidFill>
                   <a:schemeClr val="bg1">
-                    <a:lumMod val="65000"/>
+                    <a:lumMod val="50000"/>
                   </a:schemeClr>
                 </a:solidFill>
                 <a:latin typeface="Fira Sans" panose="020B0503050000020004" pitchFamily="34" charset="0"/>
@@ -6578,7 +6535,7 @@
               <a:rPr lang="en-GB" sz="1900" i="1" dirty="0" err="1" smtClean="0">
                 <a:solidFill>
                   <a:schemeClr val="bg1">
-                    <a:lumMod val="75000"/>
+                    <a:lumMod val="50000"/>
                   </a:schemeClr>
                 </a:solidFill>
                 <a:latin typeface="Fira Sans" panose="020B0503050000020004" pitchFamily="34" charset="0"/>
@@ -6591,7 +6548,7 @@
               <a:rPr lang="en-GB" sz="1900" i="1" dirty="0" smtClean="0">
                 <a:solidFill>
                   <a:schemeClr val="bg1">
-                    <a:lumMod val="75000"/>
+                    <a:lumMod val="50000"/>
                   </a:schemeClr>
                 </a:solidFill>
                 <a:latin typeface="Fira Sans" panose="020B0503050000020004" pitchFamily="34" charset="0"/>
@@ -6604,7 +6561,7 @@
               <a:rPr lang="en-GB" sz="1900" i="1" dirty="0" err="1" smtClean="0">
                 <a:solidFill>
                   <a:schemeClr val="bg1">
-                    <a:lumMod val="75000"/>
+                    <a:lumMod val="50000"/>
                   </a:schemeClr>
                 </a:solidFill>
                 <a:latin typeface="Fira Sans" panose="020B0503050000020004" pitchFamily="34" charset="0"/>
@@ -6617,7 +6574,7 @@
               <a:rPr lang="en-GB" sz="1900" i="1" dirty="0" smtClean="0">
                 <a:solidFill>
                   <a:schemeClr val="bg1">
-                    <a:lumMod val="75000"/>
+                    <a:lumMod val="50000"/>
                   </a:schemeClr>
                 </a:solidFill>
                 <a:latin typeface="Fira Sans" panose="020B0503050000020004" pitchFamily="34" charset="0"/>
@@ -6630,7 +6587,7 @@
               <a:rPr lang="en-GB" sz="1900" i="1" dirty="0" err="1" smtClean="0">
                 <a:solidFill>
                   <a:schemeClr val="bg1">
-                    <a:lumMod val="75000"/>
+                    <a:lumMod val="50000"/>
                   </a:schemeClr>
                 </a:solidFill>
                 <a:latin typeface="Fira Sans" panose="020B0503050000020004" pitchFamily="34" charset="0"/>
@@ -6642,7 +6599,7 @@
             <a:endParaRPr lang="en-GB" sz="1900" i="1" dirty="0" smtClean="0">
               <a:solidFill>
                 <a:schemeClr val="bg1">
-                  <a:lumMod val="75000"/>
+                  <a:lumMod val="50000"/>
                 </a:schemeClr>
               </a:solidFill>
               <a:latin typeface="Fira Sans" panose="020B0503050000020004" pitchFamily="34" charset="0"/>
@@ -6659,7 +6616,7 @@
               <a:rPr lang="en-GB" sz="1900" i="1" dirty="0" err="1" smtClean="0">
                 <a:solidFill>
                   <a:schemeClr val="bg1">
-                    <a:lumMod val="75000"/>
+                    <a:lumMod val="50000"/>
                   </a:schemeClr>
                 </a:solidFill>
                 <a:latin typeface="Fira Sans" panose="020B0503050000020004" pitchFamily="34" charset="0"/>
@@ -6672,7 +6629,7 @@
               <a:rPr lang="en-GB" sz="1900" i="1" dirty="0" smtClean="0">
                 <a:solidFill>
                   <a:schemeClr val="bg1">
-                    <a:lumMod val="75000"/>
+                    <a:lumMod val="50000"/>
                   </a:schemeClr>
                 </a:solidFill>
                 <a:latin typeface="Fira Sans" panose="020B0503050000020004" pitchFamily="34" charset="0"/>
@@ -6685,7 +6642,7 @@
               <a:rPr lang="en-GB" sz="1900" i="1" dirty="0" err="1" smtClean="0">
                 <a:solidFill>
                   <a:schemeClr val="bg1">
-                    <a:lumMod val="75000"/>
+                    <a:lumMod val="50000"/>
                   </a:schemeClr>
                 </a:solidFill>
                 <a:latin typeface="Fira Sans" panose="020B0503050000020004" pitchFamily="34" charset="0"/>
@@ -6698,7 +6655,7 @@
               <a:rPr lang="en-GB" sz="1900" i="1" dirty="0" smtClean="0">
                 <a:solidFill>
                   <a:schemeClr val="bg1">
-                    <a:lumMod val="75000"/>
+                    <a:lumMod val="50000"/>
                   </a:schemeClr>
                 </a:solidFill>
                 <a:latin typeface="Fira Sans" panose="020B0503050000020004" pitchFamily="34" charset="0"/>
@@ -6711,7 +6668,7 @@
               <a:rPr lang="en-GB" sz="1900" i="1" dirty="0" err="1" smtClean="0">
                 <a:solidFill>
                   <a:schemeClr val="bg1">
-                    <a:lumMod val="75000"/>
+                    <a:lumMod val="50000"/>
                   </a:schemeClr>
                 </a:solidFill>
                 <a:latin typeface="Fira Sans" panose="020B0503050000020004" pitchFamily="34" charset="0"/>
@@ -6723,7 +6680,7 @@
             <a:endParaRPr lang="en-GB" sz="1900" i="1" dirty="0" smtClean="0">
               <a:solidFill>
                 <a:schemeClr val="bg1">
-                  <a:lumMod val="75000"/>
+                  <a:lumMod val="50000"/>
                 </a:schemeClr>
               </a:solidFill>
               <a:latin typeface="Fira Sans" panose="020B0503050000020004" pitchFamily="34" charset="0"/>
@@ -6894,13 +6851,13 @@
   <p:clrMapOvr>
     <a:masterClrMapping/>
   </p:clrMapOvr>
-  <mc:AlternateContent xmlns:mc="http://schemas.openxmlformats.org/markup-compatibility/2006">
-    <mc:Choice xmlns:p14="http://schemas.microsoft.com/office/powerpoint/2010/main" Requires="p14">
+  <mc:AlternateContent xmlns:mc="http://schemas.openxmlformats.org/markup-compatibility/2006" xmlns:p14="http://schemas.microsoft.com/office/powerpoint/2010/main">
+    <mc:Choice Requires="p14">
       <p:transition p14:dur="300">
         <p:fade/>
       </p:transition>
     </mc:Choice>
-    <mc:Fallback>
+    <mc:Fallback xmlns="">
       <p:transition>
         <p:fade/>
       </p:transition>
@@ -7083,7 +7040,7 @@
               <a:rPr lang="en-GB" sz="2000" i="1" dirty="0" err="1" smtClean="0">
                 <a:solidFill>
                   <a:schemeClr val="bg1">
-                    <a:lumMod val="65000"/>
+                    <a:lumMod val="50000"/>
                   </a:schemeClr>
                 </a:solidFill>
                 <a:latin typeface="Fira Sans" panose="020B0503050000020004" pitchFamily="34" charset="0"/>
@@ -7096,7 +7053,7 @@
               <a:rPr lang="en-GB" sz="2000" i="1" dirty="0" smtClean="0">
                 <a:solidFill>
                   <a:schemeClr val="bg1">
-                    <a:lumMod val="65000"/>
+                    <a:lumMod val="50000"/>
                   </a:schemeClr>
                 </a:solidFill>
                 <a:latin typeface="Fira Sans" panose="020B0503050000020004" pitchFamily="34" charset="0"/>
@@ -7109,7 +7066,7 @@
               <a:rPr lang="en-GB" sz="2000" i="1" dirty="0" err="1" smtClean="0">
                 <a:solidFill>
                   <a:schemeClr val="bg1">
-                    <a:lumMod val="65000"/>
+                    <a:lumMod val="50000"/>
                   </a:schemeClr>
                 </a:solidFill>
                 <a:latin typeface="Fira Sans" panose="020B0503050000020004" pitchFamily="34" charset="0"/>
@@ -7122,7 +7079,7 @@
               <a:rPr lang="en-GB" sz="2000" i="1" dirty="0" smtClean="0">
                 <a:solidFill>
                   <a:schemeClr val="bg1">
-                    <a:lumMod val="65000"/>
+                    <a:lumMod val="50000"/>
                   </a:schemeClr>
                 </a:solidFill>
                 <a:latin typeface="Fira Sans" panose="020B0503050000020004" pitchFamily="34" charset="0"/>
@@ -7135,7 +7092,7 @@
               <a:rPr lang="en-GB" sz="2000" i="1" dirty="0" err="1" smtClean="0">
                 <a:solidFill>
                   <a:schemeClr val="bg1">
-                    <a:lumMod val="65000"/>
+                    <a:lumMod val="50000"/>
                   </a:schemeClr>
                 </a:solidFill>
                 <a:latin typeface="Fira Sans" panose="020B0503050000020004" pitchFamily="34" charset="0"/>
@@ -7147,7 +7104,7 @@
             <a:endParaRPr lang="en-GB" sz="2000" i="1" dirty="0" smtClean="0">
               <a:solidFill>
                 <a:schemeClr val="bg1">
-                  <a:lumMod val="65000"/>
+                  <a:lumMod val="50000"/>
                 </a:schemeClr>
               </a:solidFill>
               <a:latin typeface="Fira Sans" panose="020B0503050000020004" pitchFamily="34" charset="0"/>
@@ -7164,7 +7121,7 @@
               <a:rPr lang="en-GB" sz="1800" i="1" dirty="0" err="1" smtClean="0">
                 <a:solidFill>
                   <a:schemeClr val="bg1">
-                    <a:lumMod val="75000"/>
+                    <a:lumMod val="50000"/>
                   </a:schemeClr>
                 </a:solidFill>
                 <a:latin typeface="Fira Sans" panose="020B0503050000020004" pitchFamily="34" charset="0"/>
@@ -7177,7 +7134,7 @@
               <a:rPr lang="en-GB" sz="1800" i="1" dirty="0" smtClean="0">
                 <a:solidFill>
                   <a:schemeClr val="bg1">
-                    <a:lumMod val="75000"/>
+                    <a:lumMod val="50000"/>
                   </a:schemeClr>
                 </a:solidFill>
                 <a:latin typeface="Fira Sans" panose="020B0503050000020004" pitchFamily="34" charset="0"/>
@@ -7190,7 +7147,7 @@
               <a:rPr lang="en-GB" sz="1800" i="1" dirty="0" err="1" smtClean="0">
                 <a:solidFill>
                   <a:schemeClr val="bg1">
-                    <a:lumMod val="75000"/>
+                    <a:lumMod val="50000"/>
                   </a:schemeClr>
                 </a:solidFill>
                 <a:latin typeface="Fira Sans" panose="020B0503050000020004" pitchFamily="34" charset="0"/>
@@ -7202,7 +7159,7 @@
             <a:endParaRPr lang="en-GB" sz="1800" i="1" dirty="0" smtClean="0">
               <a:solidFill>
                 <a:schemeClr val="bg1">
-                  <a:lumMod val="75000"/>
+                  <a:lumMod val="50000"/>
                 </a:schemeClr>
               </a:solidFill>
               <a:latin typeface="Fira Sans" panose="020B0503050000020004" pitchFamily="34" charset="0"/>
@@ -7218,7 +7175,7 @@
             <a:endParaRPr lang="en-GB" sz="1600" i="1" dirty="0" smtClean="0">
               <a:solidFill>
                 <a:schemeClr val="bg1">
-                  <a:lumMod val="65000"/>
+                  <a:lumMod val="50000"/>
                 </a:schemeClr>
               </a:solidFill>
               <a:latin typeface="Fira Sans" panose="020B0503050000020004" pitchFamily="34" charset="0"/>
@@ -7235,7 +7192,7 @@
               <a:rPr lang="en-GB" sz="2000" i="1" dirty="0" smtClean="0">
                 <a:solidFill>
                   <a:schemeClr val="bg1">
-                    <a:lumMod val="65000"/>
+                    <a:lumMod val="50000"/>
                   </a:schemeClr>
                 </a:solidFill>
                 <a:latin typeface="Fira Sans" panose="020B0503050000020004" pitchFamily="34" charset="0"/>
@@ -7248,7 +7205,7 @@
               <a:rPr lang="en-GB" sz="2000" i="1" dirty="0" err="1" smtClean="0">
                 <a:solidFill>
                   <a:schemeClr val="bg1">
-                    <a:lumMod val="65000"/>
+                    <a:lumMod val="50000"/>
                   </a:schemeClr>
                 </a:solidFill>
                 <a:latin typeface="Fira Sans" panose="020B0503050000020004" pitchFamily="34" charset="0"/>
@@ -7260,7 +7217,7 @@
             <a:endParaRPr lang="en-GB" sz="2000" i="1" dirty="0" smtClean="0">
               <a:solidFill>
                 <a:schemeClr val="bg1">
-                  <a:lumMod val="65000"/>
+                  <a:lumMod val="50000"/>
                 </a:schemeClr>
               </a:solidFill>
               <a:latin typeface="Fira Sans" panose="020B0503050000020004" pitchFamily="34" charset="0"/>
@@ -7276,7 +7233,7 @@
             <a:endParaRPr lang="en-GB" sz="2000" i="1" dirty="0" smtClean="0">
               <a:solidFill>
                 <a:schemeClr val="bg1">
-                  <a:lumMod val="65000"/>
+                  <a:lumMod val="50000"/>
                 </a:schemeClr>
               </a:solidFill>
               <a:latin typeface="Fira Sans" panose="020B0503050000020004" pitchFamily="34" charset="0"/>
@@ -7293,7 +7250,7 @@
               <a:rPr lang="en-GB" sz="2000" i="1" dirty="0" err="1" smtClean="0">
                 <a:solidFill>
                   <a:schemeClr val="bg1">
-                    <a:lumMod val="65000"/>
+                    <a:lumMod val="50000"/>
                   </a:schemeClr>
                 </a:solidFill>
                 <a:latin typeface="Fira Sans" panose="020B0503050000020004" pitchFamily="34" charset="0"/>
@@ -7305,7 +7262,7 @@
             <a:endParaRPr lang="en-GB" sz="2000" i="1" dirty="0" smtClean="0">
               <a:solidFill>
                 <a:schemeClr val="bg1">
-                  <a:lumMod val="65000"/>
+                  <a:lumMod val="50000"/>
                 </a:schemeClr>
               </a:solidFill>
               <a:latin typeface="Fira Sans" panose="020B0503050000020004" pitchFamily="34" charset="0"/>
@@ -7322,7 +7279,7 @@
               <a:rPr lang="en-GB" sz="1800" i="1" dirty="0" err="1" smtClean="0">
                 <a:solidFill>
                   <a:schemeClr val="bg1">
-                    <a:lumMod val="75000"/>
+                    <a:lumMod val="50000"/>
                   </a:schemeClr>
                 </a:solidFill>
                 <a:latin typeface="Fira Sans" panose="020B0503050000020004" pitchFamily="34" charset="0"/>
@@ -7335,7 +7292,7 @@
               <a:rPr lang="en-GB" sz="1800" i="1" dirty="0" smtClean="0">
                 <a:solidFill>
                   <a:schemeClr val="bg1">
-                    <a:lumMod val="75000"/>
+                    <a:lumMod val="50000"/>
                   </a:schemeClr>
                 </a:solidFill>
                 <a:latin typeface="Fira Sans" panose="020B0503050000020004" pitchFamily="34" charset="0"/>
@@ -7348,7 +7305,7 @@
               <a:rPr lang="en-GB" sz="1800" i="1" dirty="0" err="1" smtClean="0">
                 <a:solidFill>
                   <a:schemeClr val="bg1">
-                    <a:lumMod val="75000"/>
+                    <a:lumMod val="50000"/>
                   </a:schemeClr>
                 </a:solidFill>
                 <a:latin typeface="Fira Sans" panose="020B0503050000020004" pitchFamily="34" charset="0"/>
@@ -7360,7 +7317,7 @@
             <a:endParaRPr lang="en-GB" sz="1800" i="1" dirty="0" smtClean="0">
               <a:solidFill>
                 <a:schemeClr val="bg1">
-                  <a:lumMod val="75000"/>
+                  <a:lumMod val="50000"/>
                 </a:schemeClr>
               </a:solidFill>
               <a:latin typeface="Fira Sans" panose="020B0503050000020004" pitchFamily="34" charset="0"/>
@@ -7377,7 +7334,7 @@
               <a:rPr lang="en-GB" sz="1800" i="1" dirty="0" err="1" smtClean="0">
                 <a:solidFill>
                   <a:schemeClr val="bg1">
-                    <a:lumMod val="75000"/>
+                    <a:lumMod val="50000"/>
                   </a:schemeClr>
                 </a:solidFill>
                 <a:latin typeface="Fira Sans" panose="020B0503050000020004" pitchFamily="34" charset="0"/>
@@ -7390,7 +7347,7 @@
               <a:rPr lang="en-GB" sz="1800" i="1" dirty="0" smtClean="0">
                 <a:solidFill>
                   <a:schemeClr val="bg1">
-                    <a:lumMod val="75000"/>
+                    <a:lumMod val="50000"/>
                   </a:schemeClr>
                 </a:solidFill>
                 <a:latin typeface="Fira Sans" panose="020B0503050000020004" pitchFamily="34" charset="0"/>
@@ -7403,7 +7360,7 @@
               <a:rPr lang="en-GB" sz="1800" i="1" dirty="0" err="1" smtClean="0">
                 <a:solidFill>
                   <a:schemeClr val="bg1">
-                    <a:lumMod val="75000"/>
+                    <a:lumMod val="50000"/>
                   </a:schemeClr>
                 </a:solidFill>
                 <a:latin typeface="Fira Sans" panose="020B0503050000020004" pitchFamily="34" charset="0"/>
@@ -7415,7 +7372,7 @@
             <a:endParaRPr lang="en-GB" sz="1800" i="1" dirty="0" smtClean="0">
               <a:solidFill>
                 <a:schemeClr val="bg1">
-                  <a:lumMod val="75000"/>
+                  <a:lumMod val="50000"/>
                 </a:schemeClr>
               </a:solidFill>
               <a:latin typeface="Fira Sans" panose="020B0503050000020004" pitchFamily="34" charset="0"/>
@@ -7432,7 +7389,7 @@
               <a:rPr lang="en-GB" sz="1800" i="1" dirty="0" err="1" smtClean="0">
                 <a:solidFill>
                   <a:schemeClr val="bg1">
-                    <a:lumMod val="75000"/>
+                    <a:lumMod val="50000"/>
                   </a:schemeClr>
                 </a:solidFill>
                 <a:latin typeface="Fira Sans" panose="020B0503050000020004" pitchFamily="34" charset="0"/>
@@ -7445,7 +7402,7 @@
               <a:rPr lang="en-GB" sz="1800" i="1" dirty="0" smtClean="0">
                 <a:solidFill>
                   <a:schemeClr val="bg1">
-                    <a:lumMod val="75000"/>
+                    <a:lumMod val="50000"/>
                   </a:schemeClr>
                 </a:solidFill>
                 <a:latin typeface="Fira Sans" panose="020B0503050000020004" pitchFamily="34" charset="0"/>
@@ -7458,7 +7415,7 @@
               <a:rPr lang="en-GB" sz="1800" i="1" dirty="0" err="1" smtClean="0">
                 <a:solidFill>
                   <a:schemeClr val="bg1">
-                    <a:lumMod val="75000"/>
+                    <a:lumMod val="50000"/>
                   </a:schemeClr>
                 </a:solidFill>
                 <a:latin typeface="Fira Sans" panose="020B0503050000020004" pitchFamily="34" charset="0"/>
@@ -7471,7 +7428,7 @@
               <a:rPr lang="en-GB" sz="1800" i="1" dirty="0" smtClean="0">
                 <a:solidFill>
                   <a:schemeClr val="bg1">
-                    <a:lumMod val="75000"/>
+                    <a:lumMod val="50000"/>
                   </a:schemeClr>
                 </a:solidFill>
                 <a:latin typeface="Fira Sans" panose="020B0503050000020004" pitchFamily="34" charset="0"/>
@@ -7484,7 +7441,7 @@
               <a:rPr lang="en-GB" sz="1800" i="1" dirty="0" err="1" smtClean="0">
                 <a:solidFill>
                   <a:schemeClr val="bg1">
-                    <a:lumMod val="75000"/>
+                    <a:lumMod val="50000"/>
                   </a:schemeClr>
                 </a:solidFill>
                 <a:latin typeface="Fira Sans" panose="020B0503050000020004" pitchFamily="34" charset="0"/>
@@ -7496,7 +7453,7 @@
             <a:endParaRPr lang="en-GB" sz="1800" i="1" dirty="0" smtClean="0">
               <a:solidFill>
                 <a:schemeClr val="bg1">
-                  <a:lumMod val="75000"/>
+                  <a:lumMod val="50000"/>
                 </a:schemeClr>
               </a:solidFill>
               <a:latin typeface="Fira Sans" panose="020B0503050000020004" pitchFamily="34" charset="0"/>
@@ -7512,7 +7469,7 @@
             <a:endParaRPr lang="en-GB" sz="1600" i="1" dirty="0" smtClean="0">
               <a:solidFill>
                 <a:schemeClr val="bg1">
-                  <a:lumMod val="65000"/>
+                  <a:lumMod val="50000"/>
                 </a:schemeClr>
               </a:solidFill>
               <a:latin typeface="Fira Sans" panose="020B0503050000020004" pitchFamily="34" charset="0"/>
@@ -7529,7 +7486,7 @@
               <a:rPr lang="en-GB" sz="2000" i="1" dirty="0" err="1" smtClean="0">
                 <a:solidFill>
                   <a:schemeClr val="bg1">
-                    <a:lumMod val="65000"/>
+                    <a:lumMod val="50000"/>
                   </a:schemeClr>
                 </a:solidFill>
                 <a:latin typeface="Fira Sans" panose="020B0503050000020004" pitchFamily="34" charset="0"/>
@@ -7541,7 +7498,7 @@
             <a:endParaRPr lang="en-GB" sz="2000" i="1" dirty="0" smtClean="0">
               <a:solidFill>
                 <a:schemeClr val="bg1">
-                  <a:lumMod val="65000"/>
+                  <a:lumMod val="50000"/>
                 </a:schemeClr>
               </a:solidFill>
               <a:latin typeface="Fira Sans" panose="020B0503050000020004" pitchFamily="34" charset="0"/>
@@ -7558,7 +7515,7 @@
               <a:rPr lang="en-GB" sz="1800" i="1" dirty="0" err="1" smtClean="0">
                 <a:solidFill>
                   <a:schemeClr val="bg1">
-                    <a:lumMod val="75000"/>
+                    <a:lumMod val="50000"/>
                   </a:schemeClr>
                 </a:solidFill>
                 <a:latin typeface="Fira Sans" panose="020B0503050000020004" pitchFamily="34" charset="0"/>
@@ -7570,7 +7527,7 @@
             <a:endParaRPr lang="en-GB" sz="1800" i="1" dirty="0" smtClean="0">
               <a:solidFill>
                 <a:schemeClr val="bg1">
-                  <a:lumMod val="75000"/>
+                  <a:lumMod val="50000"/>
                 </a:schemeClr>
               </a:solidFill>
               <a:latin typeface="Fira Sans" panose="020B0503050000020004" pitchFamily="34" charset="0"/>
@@ -7587,7 +7544,7 @@
               <a:rPr lang="en-GB" sz="1800" i="1" dirty="0" err="1" smtClean="0">
                 <a:solidFill>
                   <a:schemeClr val="bg1">
-                    <a:lumMod val="75000"/>
+                    <a:lumMod val="50000"/>
                   </a:schemeClr>
                 </a:solidFill>
                 <a:latin typeface="Fira Sans" panose="020B0503050000020004" pitchFamily="34" charset="0"/>
@@ -7599,7 +7556,7 @@
             <a:endParaRPr lang="en-GB" sz="1800" i="1" dirty="0" smtClean="0">
               <a:solidFill>
                 <a:schemeClr val="bg1">
-                  <a:lumMod val="75000"/>
+                  <a:lumMod val="50000"/>
                 </a:schemeClr>
               </a:solidFill>
               <a:latin typeface="Fira Sans" panose="020B0503050000020004" pitchFamily="34" charset="0"/>
@@ -7616,7 +7573,7 @@
               <a:rPr lang="en-GB" sz="1800" i="1" dirty="0" smtClean="0">
                 <a:solidFill>
                   <a:schemeClr val="bg1">
-                    <a:lumMod val="75000"/>
+                    <a:lumMod val="50000"/>
                   </a:schemeClr>
                 </a:solidFill>
                 <a:latin typeface="Fira Sans" panose="020B0503050000020004" pitchFamily="34" charset="0"/>
@@ -7629,7 +7586,7 @@
               <a:rPr lang="en-GB" sz="1800" i="1" dirty="0" err="1" smtClean="0">
                 <a:solidFill>
                   <a:schemeClr val="bg1">
-                    <a:lumMod val="75000"/>
+                    <a:lumMod val="50000"/>
                   </a:schemeClr>
                 </a:solidFill>
                 <a:latin typeface="Fira Sans" panose="020B0503050000020004" pitchFamily="34" charset="0"/>
@@ -7642,7 +7599,7 @@
               <a:rPr lang="en-GB" sz="1800" i="1" dirty="0" smtClean="0">
                 <a:solidFill>
                   <a:schemeClr val="bg1">
-                    <a:lumMod val="75000"/>
+                    <a:lumMod val="50000"/>
                   </a:schemeClr>
                 </a:solidFill>
                 <a:latin typeface="Fira Sans" panose="020B0503050000020004" pitchFamily="34" charset="0"/>
@@ -7655,7 +7612,7 @@
               <a:rPr lang="en-GB" sz="1800" i="1" dirty="0" err="1" smtClean="0">
                 <a:solidFill>
                   <a:schemeClr val="bg1">
-                    <a:lumMod val="75000"/>
+                    <a:lumMod val="50000"/>
                   </a:schemeClr>
                 </a:solidFill>
                 <a:latin typeface="Fira Sans" panose="020B0503050000020004" pitchFamily="34" charset="0"/>
@@ -7668,7 +7625,7 @@
               <a:rPr lang="en-GB" sz="1800" i="1" dirty="0" smtClean="0">
                 <a:solidFill>
                   <a:schemeClr val="bg1">
-                    <a:lumMod val="75000"/>
+                    <a:lumMod val="50000"/>
                   </a:schemeClr>
                 </a:solidFill>
                 <a:latin typeface="Fira Sans" panose="020B0503050000020004" pitchFamily="34" charset="0"/>
@@ -7681,7 +7638,7 @@
               <a:rPr lang="en-GB" sz="1800" i="1" dirty="0" err="1" smtClean="0">
                 <a:solidFill>
                   <a:schemeClr val="bg1">
-                    <a:lumMod val="75000"/>
+                    <a:lumMod val="50000"/>
                   </a:schemeClr>
                 </a:solidFill>
                 <a:latin typeface="Fira Sans" panose="020B0503050000020004" pitchFamily="34" charset="0"/>
@@ -7694,7 +7651,7 @@
               <a:rPr lang="en-GB" sz="1800" i="1" dirty="0" smtClean="0">
                 <a:solidFill>
                   <a:schemeClr val="bg1">
-                    <a:lumMod val="75000"/>
+                    <a:lumMod val="50000"/>
                   </a:schemeClr>
                 </a:solidFill>
                 <a:latin typeface="Fira Sans" panose="020B0503050000020004" pitchFamily="34" charset="0"/>
@@ -7707,7 +7664,7 @@
               <a:rPr lang="en-GB" sz="1800" i="1" dirty="0" err="1" smtClean="0">
                 <a:solidFill>
                   <a:schemeClr val="bg1">
-                    <a:lumMod val="75000"/>
+                    <a:lumMod val="50000"/>
                   </a:schemeClr>
                 </a:solidFill>
                 <a:latin typeface="Fira Sans" panose="020B0503050000020004" pitchFamily="34" charset="0"/>
@@ -7719,7 +7676,7 @@
             <a:endParaRPr lang="en-GB" sz="1800" i="1" dirty="0" smtClean="0">
               <a:solidFill>
                 <a:schemeClr val="bg1">
-                  <a:lumMod val="75000"/>
+                  <a:lumMod val="50000"/>
                 </a:schemeClr>
               </a:solidFill>
               <a:latin typeface="Fira Sans" panose="020B0503050000020004" pitchFamily="34" charset="0"/>
@@ -7736,7 +7693,7 @@
               <a:rPr lang="en-GB" sz="1800" i="1" dirty="0" smtClean="0">
                 <a:solidFill>
                   <a:schemeClr val="bg1">
-                    <a:lumMod val="75000"/>
+                    <a:lumMod val="50000"/>
                   </a:schemeClr>
                 </a:solidFill>
                 <a:latin typeface="Fira Sans" panose="020B0503050000020004" pitchFamily="34" charset="0"/>
@@ -7749,7 +7706,7 @@
               <a:rPr lang="en-GB" sz="1800" i="1" dirty="0" err="1" smtClean="0">
                 <a:solidFill>
                   <a:schemeClr val="bg1">
-                    <a:lumMod val="75000"/>
+                    <a:lumMod val="50000"/>
                   </a:schemeClr>
                 </a:solidFill>
                 <a:latin typeface="Fira Sans" panose="020B0503050000020004" pitchFamily="34" charset="0"/>
@@ -7761,7 +7718,7 @@
             <a:endParaRPr lang="en-GB" sz="1800" i="1" dirty="0" smtClean="0">
               <a:solidFill>
                 <a:schemeClr val="bg1">
-                  <a:lumMod val="75000"/>
+                  <a:lumMod val="50000"/>
                 </a:schemeClr>
               </a:solidFill>
               <a:latin typeface="Fira Sans" panose="020B0503050000020004" pitchFamily="34" charset="0"/>
@@ -7778,7 +7735,7 @@
               <a:rPr lang="en-GB" sz="1800" i="1" dirty="0" err="1" smtClean="0">
                 <a:solidFill>
                   <a:schemeClr val="bg1">
-                    <a:lumMod val="75000"/>
+                    <a:lumMod val="50000"/>
                   </a:schemeClr>
                 </a:solidFill>
                 <a:latin typeface="Fira Sans" panose="020B0503050000020004" pitchFamily="34" charset="0"/>
@@ -7790,7 +7747,7 @@
             <a:endParaRPr lang="en-GB" sz="1800" i="1" dirty="0" smtClean="0">
               <a:solidFill>
                 <a:schemeClr val="bg1">
-                  <a:lumMod val="75000"/>
+                  <a:lumMod val="50000"/>
                 </a:schemeClr>
               </a:solidFill>
               <a:latin typeface="Fira Sans" panose="020B0503050000020004" pitchFamily="34" charset="0"/>
@@ -7961,13 +7918,13 @@
   <p:clrMapOvr>
     <a:masterClrMapping/>
   </p:clrMapOvr>
-  <mc:AlternateContent xmlns:mc="http://schemas.openxmlformats.org/markup-compatibility/2006">
-    <mc:Choice xmlns:p14="http://schemas.microsoft.com/office/powerpoint/2010/main" Requires="p14">
+  <mc:AlternateContent xmlns:mc="http://schemas.openxmlformats.org/markup-compatibility/2006" xmlns:p14="http://schemas.microsoft.com/office/powerpoint/2010/main">
+    <mc:Choice Requires="p14">
       <p:transition p14:dur="300">
         <p:fade/>
       </p:transition>
     </mc:Choice>
-    <mc:Fallback>
+    <mc:Fallback xmlns="">
       <p:transition>
         <p:fade/>
       </p:transition>
@@ -8042,7 +7999,7 @@
           <a:p>
             <a:pPr algn="ctr"/>
             <a:r>
-              <a:rPr lang="de-DE" i="1" dirty="0" smtClean="0">
+              <a:rPr lang="de-DE" i="1" smtClean="0">
                 <a:solidFill>
                   <a:schemeClr val="tx1">
                     <a:lumMod val="65000"/>
@@ -8053,7 +8010,21 @@
                 <a:ea typeface="Fira Sans" panose="020B0503050000020004" pitchFamily="34" charset="0"/>
                 <a:cs typeface="Verdana" panose="020B0604030504040204" pitchFamily="34" charset="0"/>
               </a:rPr>
-              <a:t>VIELEN DANK</a:t>
+              <a:t>VIELEN </a:t>
+            </a:r>
+            <a:r>
+              <a:rPr lang="de-DE" i="1" smtClean="0">
+                <a:solidFill>
+                  <a:schemeClr val="tx1">
+                    <a:lumMod val="65000"/>
+                    <a:lumOff val="35000"/>
+                  </a:schemeClr>
+                </a:solidFill>
+                <a:latin typeface="Fira Sans" panose="020B0503050000020004" pitchFamily="34" charset="0"/>
+                <a:ea typeface="Fira Sans" panose="020B0503050000020004" pitchFamily="34" charset="0"/>
+                <a:cs typeface="Verdana" panose="020B0604030504040204" pitchFamily="34" charset="0"/>
+              </a:rPr>
+              <a:t>DANK.</a:t>
             </a:r>
             <a:endParaRPr lang="de-DE" i="1" dirty="0">
               <a:solidFill>
@@ -8281,13 +8252,13 @@
   <p:clrMapOvr>
     <a:masterClrMapping/>
   </p:clrMapOvr>
-  <mc:AlternateContent xmlns:mc="http://schemas.openxmlformats.org/markup-compatibility/2006">
-    <mc:Choice xmlns:p14="http://schemas.microsoft.com/office/powerpoint/2010/main" Requires="p14">
+  <mc:AlternateContent xmlns:mc="http://schemas.openxmlformats.org/markup-compatibility/2006" xmlns:p14="http://schemas.microsoft.com/office/powerpoint/2010/main">
+    <mc:Choice Requires="p14">
       <p:transition p14:dur="300">
         <p:fade/>
       </p:transition>
     </mc:Choice>
-    <mc:Fallback>
+    <mc:Fallback xmlns="">
       <p:transition>
         <p:fade/>
       </p:transition>

--- a/APPR/UF/presents/Businessplan01.pptx
+++ b/APPR/UF/presents/Businessplan01.pptx
@@ -7999,7 +7999,7 @@
           <a:p>
             <a:pPr algn="ctr"/>
             <a:r>
-              <a:rPr lang="de-DE" i="1" smtClean="0">
+              <a:rPr lang="de-DE" i="1" dirty="0" smtClean="0">
                 <a:solidFill>
                   <a:schemeClr val="tx1">
                     <a:lumMod val="65000"/>
@@ -8013,7 +8013,7 @@
               <a:t>VIELEN </a:t>
             </a:r>
             <a:r>
-              <a:rPr lang="de-DE" i="1" smtClean="0">
+              <a:rPr lang="de-DE" i="1" dirty="0" smtClean="0">
                 <a:solidFill>
                   <a:schemeClr val="tx1">
                     <a:lumMod val="65000"/>
